--- a/ClassMaterials/ArraysAndLists/Slides/Arrays and Lists.pptx
+++ b/ClassMaterials/ArraysAndLists/Slides/Arrays and Lists.pptx
@@ -4093,7 +4093,7 @@
           </a:ln>
           <a:extLst>
             <a:ext uri="{C572A759-6A51-4108-AA02-DFA0A04FC94B}">
-              <ma14:wrappingTextBoxFlag xmlns:ma14="http://schemas.microsoft.com/office/mac/drawingml/2011/main" xmlns="" val="1"/>
+              <ma14:wrappingTextBoxFlag xmlns="" xmlns:ma14="http://schemas.microsoft.com/office/mac/drawingml/2011/main" val="1"/>
             </a:ext>
           </a:extLst>
         </p:spPr>
@@ -4136,7 +4136,7 @@
           </a:ln>
           <a:extLst>
             <a:ext uri="{C572A759-6A51-4108-AA02-DFA0A04FC94B}">
-              <ma14:wrappingTextBoxFlag xmlns:ma14="http://schemas.microsoft.com/office/mac/drawingml/2011/main" xmlns="" val="1"/>
+              <ma14:wrappingTextBoxFlag xmlns="" xmlns:ma14="http://schemas.microsoft.com/office/mac/drawingml/2011/main" val="1"/>
             </a:ext>
           </a:extLst>
         </p:spPr>
@@ -4756,7 +4756,7 @@
           </a:ln>
           <a:extLst>
             <a:ext uri="{C572A759-6A51-4108-AA02-DFA0A04FC94B}">
-              <ma14:wrappingTextBoxFlag xmlns:ma14="http://schemas.microsoft.com/office/mac/drawingml/2011/main" xmlns="" val="1"/>
+              <ma14:wrappingTextBoxFlag xmlns="" xmlns:ma14="http://schemas.microsoft.com/office/mac/drawingml/2011/main" val="1"/>
             </a:ext>
           </a:extLst>
         </p:spPr>
@@ -4932,8 +4932,11 @@
               <a:rPr lang="en-US" dirty="0">
                 <a:hlinkClick r:id="rId3"/>
               </a:rPr>
-              <a:t>https://hewner.github.io/csse220/schedule.html</a:t>
-            </a:r>
+              <a:t>https://rhit-csse.github.io/csse220/schedule.html</a:t>
+            </a:r>
+            <a:endParaRPr lang="en-US" dirty="0"/>
+          </a:p>
+          <a:p>
             <a:endParaRPr lang="en-US" dirty="0"/>
           </a:p>
           <a:p>
@@ -6899,7 +6902,7 @@
             <a:effectLst/>
             <a:extLst>
               <a:ext uri="{C572A759-6A51-4108-AA02-DFA0A04FC94B}">
-                <ma14:wrappingTextBoxFlag xmlns:ma14="http://schemas.microsoft.com/office/mac/drawingml/2011/main" xmlns="" val="1"/>
+                <ma14:wrappingTextBoxFlag xmlns="" xmlns:ma14="http://schemas.microsoft.com/office/mac/drawingml/2011/main" val="1"/>
               </a:ext>
             </a:extLst>
           </p:spPr>
@@ -7086,7 +7089,7 @@
             <a:effectLst/>
             <a:extLst>
               <a:ext uri="{C572A759-6A51-4108-AA02-DFA0A04FC94B}">
-                <ma14:wrappingTextBoxFlag xmlns:ma14="http://schemas.microsoft.com/office/mac/drawingml/2011/main" xmlns="" val="1"/>
+                <ma14:wrappingTextBoxFlag xmlns="" xmlns:ma14="http://schemas.microsoft.com/office/mac/drawingml/2011/main" val="1"/>
               </a:ext>
             </a:extLst>
           </p:spPr>
@@ -7682,7 +7685,7 @@
             <a:effectLst/>
             <a:extLst>
               <a:ext uri="{C572A759-6A51-4108-AA02-DFA0A04FC94B}">
-                <ma14:wrappingTextBoxFlag xmlns:ma14="http://schemas.microsoft.com/office/mac/drawingml/2011/main" xmlns="" val="1"/>
+                <ma14:wrappingTextBoxFlag xmlns="" xmlns:ma14="http://schemas.microsoft.com/office/mac/drawingml/2011/main" val="1"/>
               </a:ext>
             </a:extLst>
           </p:spPr>
@@ -7877,7 +7880,7 @@
             <a:effectLst/>
             <a:extLst>
               <a:ext uri="{C572A759-6A51-4108-AA02-DFA0A04FC94B}">
-                <ma14:wrappingTextBoxFlag xmlns:ma14="http://schemas.microsoft.com/office/mac/drawingml/2011/main" xmlns="" val="1"/>
+                <ma14:wrappingTextBoxFlag xmlns="" xmlns:ma14="http://schemas.microsoft.com/office/mac/drawingml/2011/main" val="1"/>
               </a:ext>
             </a:extLst>
           </p:spPr>
@@ -8064,7 +8067,7 @@
             <a:effectLst/>
             <a:extLst>
               <a:ext uri="{C572A759-6A51-4108-AA02-DFA0A04FC94B}">
-                <ma14:wrappingTextBoxFlag xmlns:ma14="http://schemas.microsoft.com/office/mac/drawingml/2011/main" xmlns="" val="1"/>
+                <ma14:wrappingTextBoxFlag xmlns="" xmlns:ma14="http://schemas.microsoft.com/office/mac/drawingml/2011/main" val="1"/>
               </a:ext>
             </a:extLst>
           </p:spPr>
@@ -8852,7 +8855,7 @@
             <a:pPr lvl="1"/>
             <a:r>
               <a:rPr lang="en-US" dirty="0"/>
-              <a:t>Read at Big Java chapters</a:t>
+              <a:t>Read the Big Java chapters</a:t>
             </a:r>
           </a:p>
           <a:p>
@@ -9897,7 +9900,7 @@
               <a:effectLst/>
               <a:extLst>
                 <a:ext uri="{C572A759-6A51-4108-AA02-DFA0A04FC94B}">
-                  <ma14:wrappingTextBoxFlag xmlns:ma14="http://schemas.microsoft.com/office/mac/drawingml/2011/main" xmlns="" val="1"/>
+                  <ma14:wrappingTextBoxFlag xmlns="" xmlns:ma14="http://schemas.microsoft.com/office/mac/drawingml/2011/main" val="1"/>
                 </a:ext>
               </a:extLst>
             </p:spPr>
@@ -10014,7 +10017,7 @@
             <a:effectLst/>
             <a:extLst>
               <a:ext uri="{C572A759-6A51-4108-AA02-DFA0A04FC94B}">
-                <ma14:wrappingTextBoxFlag xmlns:ma14="http://schemas.microsoft.com/office/mac/drawingml/2011/main" xmlns="" val="1"/>
+                <ma14:wrappingTextBoxFlag xmlns="" xmlns:ma14="http://schemas.microsoft.com/office/mac/drawingml/2011/main" val="1"/>
               </a:ext>
             </a:extLst>
           </p:spPr>
@@ -10201,7 +10204,7 @@
             <a:effectLst/>
             <a:extLst>
               <a:ext uri="{C572A759-6A51-4108-AA02-DFA0A04FC94B}">
-                <ma14:wrappingTextBoxFlag xmlns:ma14="http://schemas.microsoft.com/office/mac/drawingml/2011/main" xmlns="" val="1"/>
+                <ma14:wrappingTextBoxFlag xmlns="" xmlns:ma14="http://schemas.microsoft.com/office/mac/drawingml/2011/main" val="1"/>
               </a:ext>
             </a:extLst>
           </p:spPr>
@@ -10388,7 +10391,7 @@
             <a:effectLst/>
             <a:extLst>
               <a:ext uri="{C572A759-6A51-4108-AA02-DFA0A04FC94B}">
-                <ma14:wrappingTextBoxFlag xmlns:ma14="http://schemas.microsoft.com/office/mac/drawingml/2011/main" xmlns="" val="1"/>
+                <ma14:wrappingTextBoxFlag xmlns="" xmlns:ma14="http://schemas.microsoft.com/office/mac/drawingml/2011/main" val="1"/>
               </a:ext>
             </a:extLst>
           </p:spPr>
@@ -14613,7 +14616,7 @@
             <a:effectLst/>
             <a:extLst>
               <a:ext uri="{C572A759-6A51-4108-AA02-DFA0A04FC94B}">
-                <ma14:wrappingTextBoxFlag xmlns:ma14="http://schemas.microsoft.com/office/mac/drawingml/2011/main" xmlns="" val="1"/>
+                <ma14:wrappingTextBoxFlag xmlns="" xmlns:ma14="http://schemas.microsoft.com/office/mac/drawingml/2011/main" val="1"/>
               </a:ext>
             </a:extLst>
           </p:spPr>
@@ -14833,7 +14836,7 @@
             <a:effectLst/>
             <a:extLst>
               <a:ext uri="{C572A759-6A51-4108-AA02-DFA0A04FC94B}">
-                <ma14:wrappingTextBoxFlag xmlns:ma14="http://schemas.microsoft.com/office/mac/drawingml/2011/main" xmlns="" val="1"/>
+                <ma14:wrappingTextBoxFlag xmlns="" xmlns:ma14="http://schemas.microsoft.com/office/mac/drawingml/2011/main" val="1"/>
               </a:ext>
             </a:extLst>
           </p:spPr>
@@ -15995,7 +15998,7 @@
           </a:ln>
           <a:extLst>
             <a:ext uri="{C572A759-6A51-4108-AA02-DFA0A04FC94B}">
-              <ma14:wrappingTextBoxFlag xmlns="" xmlns:ma14="http://schemas.microsoft.com/office/mac/drawingml/2011/main" val="1"/>
+              <ma14:wrappingTextBoxFlag xmlns:ma14="http://schemas.microsoft.com/office/mac/drawingml/2011/main" xmlns="" val="1"/>
             </a:ext>
           </a:extLst>
         </p:spPr>
@@ -16896,9 +16899,12 @@
               <a:rPr lang="en-US" dirty="0">
                 <a:hlinkClick r:id="rId3"/>
               </a:rPr>
-              <a:t>https://hewner.github.io/csse220/Docs/course_policies.html</a:t>
-            </a:r>
-            <a:endParaRPr lang="en-US" dirty="0"/>
+              <a:t>https://github.com/RHIT-CSSE/csse220/blob/master/Docs/course_policies.md</a:t>
+            </a:r>
+            <a:r>
+              <a:rPr lang="en-US" dirty="0"/>
+              <a:t>  (Also on Schedule page, under the first day labeled “Syllabus”)</a:t>
+            </a:r>
           </a:p>
           <a:p>
             <a:pPr lvl="1"/>

--- a/ClassMaterials/ArraysAndLists/Slides/Arrays and Lists.pptx
+++ b/ClassMaterials/ArraysAndLists/Slides/Arrays and Lists.pptx
@@ -5,7 +5,7 @@
     <p:sldMasterId id="2147483648" r:id="rId1"/>
   </p:sldMasterIdLst>
   <p:notesMasterIdLst>
-    <p:notesMasterId r:id="rId40"/>
+    <p:notesMasterId r:id="rId41"/>
   </p:notesMasterIdLst>
   <p:sldIdLst>
     <p:sldId id="300" r:id="rId2"/>
@@ -13,39 +13,40 @@
     <p:sldId id="310" r:id="rId4"/>
     <p:sldId id="307" r:id="rId5"/>
     <p:sldId id="314" r:id="rId6"/>
-    <p:sldId id="309" r:id="rId7"/>
-    <p:sldId id="301" r:id="rId8"/>
-    <p:sldId id="302" r:id="rId9"/>
-    <p:sldId id="303" r:id="rId10"/>
-    <p:sldId id="304" r:id="rId11"/>
-    <p:sldId id="305" r:id="rId12"/>
-    <p:sldId id="308" r:id="rId13"/>
-    <p:sldId id="306" r:id="rId14"/>
-    <p:sldId id="312" r:id="rId15"/>
-    <p:sldId id="313" r:id="rId16"/>
-    <p:sldId id="298" r:id="rId17"/>
-    <p:sldId id="277" r:id="rId18"/>
-    <p:sldId id="278" r:id="rId19"/>
-    <p:sldId id="260" r:id="rId20"/>
-    <p:sldId id="262" r:id="rId21"/>
-    <p:sldId id="263" r:id="rId22"/>
-    <p:sldId id="315" r:id="rId23"/>
-    <p:sldId id="264" r:id="rId24"/>
-    <p:sldId id="265" r:id="rId25"/>
-    <p:sldId id="280" r:id="rId26"/>
-    <p:sldId id="281" r:id="rId27"/>
-    <p:sldId id="266" r:id="rId28"/>
-    <p:sldId id="267" r:id="rId29"/>
-    <p:sldId id="268" r:id="rId30"/>
-    <p:sldId id="269" r:id="rId31"/>
-    <p:sldId id="270" r:id="rId32"/>
-    <p:sldId id="271" r:id="rId33"/>
-    <p:sldId id="272" r:id="rId34"/>
-    <p:sldId id="273" r:id="rId35"/>
-    <p:sldId id="274" r:id="rId36"/>
-    <p:sldId id="316" r:id="rId37"/>
-    <p:sldId id="318" r:id="rId38"/>
-    <p:sldId id="296" r:id="rId39"/>
+    <p:sldId id="319" r:id="rId7"/>
+    <p:sldId id="309" r:id="rId8"/>
+    <p:sldId id="301" r:id="rId9"/>
+    <p:sldId id="302" r:id="rId10"/>
+    <p:sldId id="303" r:id="rId11"/>
+    <p:sldId id="304" r:id="rId12"/>
+    <p:sldId id="305" r:id="rId13"/>
+    <p:sldId id="308" r:id="rId14"/>
+    <p:sldId id="306" r:id="rId15"/>
+    <p:sldId id="312" r:id="rId16"/>
+    <p:sldId id="313" r:id="rId17"/>
+    <p:sldId id="298" r:id="rId18"/>
+    <p:sldId id="277" r:id="rId19"/>
+    <p:sldId id="278" r:id="rId20"/>
+    <p:sldId id="260" r:id="rId21"/>
+    <p:sldId id="262" r:id="rId22"/>
+    <p:sldId id="263" r:id="rId23"/>
+    <p:sldId id="315" r:id="rId24"/>
+    <p:sldId id="264" r:id="rId25"/>
+    <p:sldId id="265" r:id="rId26"/>
+    <p:sldId id="280" r:id="rId27"/>
+    <p:sldId id="281" r:id="rId28"/>
+    <p:sldId id="266" r:id="rId29"/>
+    <p:sldId id="267" r:id="rId30"/>
+    <p:sldId id="268" r:id="rId31"/>
+    <p:sldId id="269" r:id="rId32"/>
+    <p:sldId id="270" r:id="rId33"/>
+    <p:sldId id="271" r:id="rId34"/>
+    <p:sldId id="272" r:id="rId35"/>
+    <p:sldId id="273" r:id="rId36"/>
+    <p:sldId id="274" r:id="rId37"/>
+    <p:sldId id="316" r:id="rId38"/>
+    <p:sldId id="318" r:id="rId39"/>
+    <p:sldId id="296" r:id="rId40"/>
   </p:sldIdLst>
   <p:sldSz cx="9144000" cy="6858000" type="screen4x3"/>
   <p:notesSz cx="6858000" cy="9144000"/>
@@ -4457,7 +4458,7 @@
           </a:ln>
           <a:extLst>
             <a:ext uri="{C572A759-6A51-4108-AA02-DFA0A04FC94B}">
-              <ma14:wrappingTextBoxFlag xmlns:ma14="http://schemas.microsoft.com/office/mac/drawingml/2011/main" xmlns="" val="1"/>
+              <ma14:wrappingTextBoxFlag xmlns="" xmlns:ma14="http://schemas.microsoft.com/office/mac/drawingml/2011/main" val="1"/>
             </a:ext>
           </a:extLst>
         </p:spPr>
@@ -4500,7 +4501,7 @@
           </a:ln>
           <a:extLst>
             <a:ext uri="{C572A759-6A51-4108-AA02-DFA0A04FC94B}">
-              <ma14:wrappingTextBoxFlag xmlns:ma14="http://schemas.microsoft.com/office/mac/drawingml/2011/main" xmlns="" val="1"/>
+              <ma14:wrappingTextBoxFlag xmlns="" xmlns:ma14="http://schemas.microsoft.com/office/mac/drawingml/2011/main" val="1"/>
             </a:ext>
           </a:extLst>
         </p:spPr>
@@ -4970,7 +4971,7 @@
           </a:ln>
           <a:extLst>
             <a:ext uri="{C572A759-6A51-4108-AA02-DFA0A04FC94B}">
-              <ma14:wrappingTextBoxFlag xmlns:ma14="http://schemas.microsoft.com/office/mac/drawingml/2011/main" xmlns="" val="1"/>
+              <ma14:wrappingTextBoxFlag xmlns="" xmlns:ma14="http://schemas.microsoft.com/office/mac/drawingml/2011/main" val="1"/>
             </a:ext>
           </a:extLst>
         </p:spPr>
@@ -5758,7 +5759,7 @@
           <a:p>
             <a:r>
               <a:rPr lang="en-US" dirty="0"/>
-              <a:t>Important Reminder: Comparisons</a:t>
+              <a:t>Comparing for vs. while</a:t>
             </a:r>
           </a:p>
         </p:txBody>
@@ -5775,22 +5776,12 @@
         </p:nvSpPr>
         <p:spPr/>
         <p:txBody>
-          <a:bodyPr/>
+          <a:bodyPr>
+            <a:normAutofit/>
+          </a:bodyPr>
           <a:lstStyle/>
           <a:p>
-            <a:r>
-              <a:rPr lang="en-US" dirty="0"/>
-              <a:t>Fast rules for now:</a:t>
-            </a:r>
-          </a:p>
-          <a:p>
-            <a:r>
-              <a:rPr lang="en-US" dirty="0"/>
-              <a:t>Use .equals() for comparing Strings</a:t>
-            </a:r>
-          </a:p>
-          <a:p>
-            <a:pPr marL="457200" lvl="1" indent="0">
+            <a:pPr marL="0" lvl="0" indent="0">
               <a:buNone/>
             </a:pPr>
             <a:r>
@@ -5798,168 +5789,196 @@
                 <a:latin typeface="Courier New" panose="02070309020205020404" pitchFamily="49" charset="0"/>
                 <a:cs typeface="Courier New" panose="02070309020205020404" pitchFamily="49" charset="0"/>
               </a:rPr>
-              <a:t>String alpha = “</a:t>
+              <a:t>int k =0;		</a:t>
+            </a:r>
+            <a:r>
+              <a:rPr lang="en-US" dirty="0">
+                <a:solidFill>
+                  <a:srgbClr val="FF0000"/>
+                </a:solidFill>
+                <a:latin typeface="Courier New" panose="02070309020205020404" pitchFamily="49" charset="0"/>
+                <a:cs typeface="Courier New" panose="02070309020205020404" pitchFamily="49" charset="0"/>
+                <a:sym typeface="Wingdings" panose="05000000000000000000" pitchFamily="2" charset="2"/>
+              </a:rPr>
+              <a:t> extra line</a:t>
+            </a:r>
+            <a:endParaRPr lang="en-US" dirty="0">
+              <a:solidFill>
+                <a:srgbClr val="FF0000"/>
+              </a:solidFill>
+              <a:latin typeface="Courier New" panose="02070309020205020404" pitchFamily="49" charset="0"/>
+              <a:cs typeface="Courier New" panose="02070309020205020404" pitchFamily="49" charset="0"/>
+            </a:endParaRPr>
+          </a:p>
+          <a:p>
+            <a:pPr marL="0" lvl="0" indent="0">
+              <a:buNone/>
+            </a:pPr>
+            <a:r>
+              <a:rPr lang="en-US" b="1" dirty="0">
+                <a:latin typeface="Courier New" panose="02070309020205020404" pitchFamily="49" charset="0"/>
+                <a:cs typeface="Courier New" panose="02070309020205020404" pitchFamily="49" charset="0"/>
+                <a:sym typeface="Lucida Sans Typewriter"/>
+              </a:rPr>
+              <a:t>while</a:t>
+            </a:r>
+            <a:r>
+              <a:rPr lang="en-US" dirty="0">
+                <a:latin typeface="Courier New" panose="02070309020205020404" pitchFamily="49" charset="0"/>
+                <a:cs typeface="Courier New" panose="02070309020205020404" pitchFamily="49" charset="0"/>
+                <a:sym typeface="Lucida Sans Typewriter"/>
+              </a:rPr>
+              <a:t> (k &lt; 10) {    </a:t>
+            </a:r>
+            <a:br>
+              <a:rPr lang="en-US" dirty="0">
+                <a:latin typeface="Courier New" panose="02070309020205020404" pitchFamily="49" charset="0"/>
+                <a:cs typeface="Courier New" panose="02070309020205020404" pitchFamily="49" charset="0"/>
+                <a:sym typeface="Lucida Sans Typewriter"/>
+              </a:rPr>
+            </a:br>
+            <a:r>
+              <a:rPr lang="en-US" dirty="0">
+                <a:latin typeface="Courier New" panose="02070309020205020404" pitchFamily="49" charset="0"/>
+                <a:cs typeface="Courier New" panose="02070309020205020404" pitchFamily="49" charset="0"/>
+                <a:sym typeface="Lucida Sans Typewriter"/>
+              </a:rPr>
+              <a:t>	</a:t>
             </a:r>
             <a:r>
               <a:rPr lang="en-US" dirty="0" err="1">
                 <a:latin typeface="Courier New" panose="02070309020205020404" pitchFamily="49" charset="0"/>
                 <a:cs typeface="Courier New" panose="02070309020205020404" pitchFamily="49" charset="0"/>
-              </a:rPr>
-              <a:t>aaa</a:t>
+                <a:sym typeface="Lucida Sans Typewriter"/>
+              </a:rPr>
+              <a:t>System.out.println</a:t>
             </a:r>
             <a:r>
               <a:rPr lang="en-US" dirty="0">
                 <a:latin typeface="Courier New" panose="02070309020205020404" pitchFamily="49" charset="0"/>
                 <a:cs typeface="Courier New" panose="02070309020205020404" pitchFamily="49" charset="0"/>
-              </a:rPr>
-              <a:t>”;</a:t>
-            </a:r>
-          </a:p>
-          <a:p>
-            <a:pPr marL="457200" lvl="1" indent="0">
+                <a:sym typeface="Lucida Sans Typewriter"/>
+              </a:rPr>
+              <a:t>(k);</a:t>
+            </a:r>
+          </a:p>
+          <a:p>
+            <a:pPr marL="0" indent="0">
+              <a:buNone/>
+            </a:pPr>
+            <a:r>
+              <a:rPr lang="en-US" dirty="0">
+                <a:latin typeface="Courier New" panose="02070309020205020404" pitchFamily="49" charset="0"/>
+                <a:cs typeface="Courier New" panose="02070309020205020404" pitchFamily="49" charset="0"/>
+                <a:sym typeface="Lucida Sans Typewriter"/>
+              </a:rPr>
+              <a:t>	k++;		</a:t>
+            </a:r>
+            <a:r>
+              <a:rPr lang="en-US" dirty="0">
+                <a:solidFill>
+                  <a:srgbClr val="FF0000"/>
+                </a:solidFill>
+                <a:latin typeface="Courier New" panose="02070309020205020404" pitchFamily="49" charset="0"/>
+                <a:cs typeface="Courier New" panose="02070309020205020404" pitchFamily="49" charset="0"/>
+                <a:sym typeface="Wingdings" panose="05000000000000000000" pitchFamily="2" charset="2"/>
+              </a:rPr>
+              <a:t> extra line</a:t>
+            </a:r>
+            <a:endParaRPr lang="en-US" dirty="0">
+              <a:latin typeface="Courier New" panose="02070309020205020404" pitchFamily="49" charset="0"/>
+              <a:cs typeface="Courier New" panose="02070309020205020404" pitchFamily="49" charset="0"/>
+            </a:endParaRPr>
+          </a:p>
+          <a:p>
+            <a:pPr marL="0" lvl="0" indent="0">
+              <a:buNone/>
+            </a:pPr>
+            <a:r>
+              <a:rPr lang="en-US" dirty="0">
+                <a:latin typeface="Courier New" panose="02070309020205020404" pitchFamily="49" charset="0"/>
+                <a:cs typeface="Courier New" panose="02070309020205020404" pitchFamily="49" charset="0"/>
+                <a:sym typeface="Lucida Sans Typewriter"/>
+              </a:rPr>
+              <a:t>} // end while</a:t>
+            </a:r>
+            <a:endParaRPr lang="en-US" dirty="0">
+              <a:latin typeface="Courier New" panose="02070309020205020404" pitchFamily="49" charset="0"/>
+              <a:cs typeface="Courier New" panose="02070309020205020404" pitchFamily="49" charset="0"/>
+            </a:endParaRPr>
+          </a:p>
+          <a:p>
+            <a:pPr marL="0" lvl="0" indent="0">
+              <a:buNone/>
+            </a:pPr>
+            <a:endParaRPr lang="en-US" dirty="0">
+              <a:sym typeface="Lucida Sans Typewriter"/>
+            </a:endParaRPr>
+          </a:p>
+          <a:p>
+            <a:pPr marL="0" lvl="0" indent="0">
               <a:buNone/>
             </a:pPr>
             <a:r>
               <a:rPr lang="en-US" b="1" dirty="0">
                 <a:latin typeface="Courier New" panose="02070309020205020404" pitchFamily="49" charset="0"/>
                 <a:cs typeface="Courier New" panose="02070309020205020404" pitchFamily="49" charset="0"/>
-              </a:rPr>
-              <a:t>if</a:t>
+                <a:sym typeface="Lucida Sans Typewriter"/>
+              </a:rPr>
+              <a:t>for</a:t>
             </a:r>
             <a:r>
               <a:rPr lang="en-US" dirty="0">
                 <a:latin typeface="Courier New" panose="02070309020205020404" pitchFamily="49" charset="0"/>
                 <a:cs typeface="Courier New" panose="02070309020205020404" pitchFamily="49" charset="0"/>
-              </a:rPr>
-              <a:t> (</a:t>
+                <a:sym typeface="Lucida Sans Typewriter"/>
+              </a:rPr>
+              <a:t> (int k = 0 ; k &lt; 10; k++) {</a:t>
+            </a:r>
+            <a:br>
+              <a:rPr lang="en-US" dirty="0">
+                <a:latin typeface="Courier New" panose="02070309020205020404" pitchFamily="49" charset="0"/>
+                <a:cs typeface="Courier New" panose="02070309020205020404" pitchFamily="49" charset="0"/>
+                <a:sym typeface="Lucida Sans Typewriter"/>
+              </a:rPr>
+            </a:br>
+            <a:r>
+              <a:rPr lang="en-US" dirty="0">
+                <a:latin typeface="Courier New" panose="02070309020205020404" pitchFamily="49" charset="0"/>
+                <a:cs typeface="Courier New" panose="02070309020205020404" pitchFamily="49" charset="0"/>
+                <a:sym typeface="Lucida Sans Typewriter"/>
+              </a:rPr>
+              <a:t>	    </a:t>
             </a:r>
             <a:r>
               <a:rPr lang="en-US" dirty="0" err="1">
                 <a:latin typeface="Courier New" panose="02070309020205020404" pitchFamily="49" charset="0"/>
                 <a:cs typeface="Courier New" panose="02070309020205020404" pitchFamily="49" charset="0"/>
-              </a:rPr>
-              <a:t>alpha.equals</a:t>
+                <a:sym typeface="Lucida Sans Typewriter"/>
+              </a:rPr>
+              <a:t>System.out.println</a:t>
             </a:r>
             <a:r>
               <a:rPr lang="en-US" dirty="0">
                 <a:latin typeface="Courier New" panose="02070309020205020404" pitchFamily="49" charset="0"/>
                 <a:cs typeface="Courier New" panose="02070309020205020404" pitchFamily="49" charset="0"/>
-              </a:rPr>
-              <a:t>(“</a:t>
-            </a:r>
-            <a:r>
-              <a:rPr lang="en-US" dirty="0" err="1">
-                <a:latin typeface="Courier New" panose="02070309020205020404" pitchFamily="49" charset="0"/>
-                <a:cs typeface="Courier New" panose="02070309020205020404" pitchFamily="49" charset="0"/>
-              </a:rPr>
-              <a:t>bbb</a:t>
-            </a:r>
+                <a:sym typeface="Lucida Sans Typewriter"/>
+              </a:rPr>
+              <a:t>(k);</a:t>
+            </a:r>
+          </a:p>
+          <a:p>
+            <a:pPr marL="0" lvl="0" indent="0">
+              <a:buNone/>
+            </a:pPr>
             <a:r>
               <a:rPr lang="en-US" dirty="0">
                 <a:latin typeface="Courier New" panose="02070309020205020404" pitchFamily="49" charset="0"/>
                 <a:cs typeface="Courier New" panose="02070309020205020404" pitchFamily="49" charset="0"/>
-              </a:rPr>
-              <a:t>”) {</a:t>
-            </a:r>
-          </a:p>
-          <a:p>
-            <a:pPr marL="457200" lvl="1" indent="0">
-              <a:buNone/>
-            </a:pPr>
-            <a:r>
-              <a:rPr lang="en-US" dirty="0">
-                <a:latin typeface="Courier New" panose="02070309020205020404" pitchFamily="49" charset="0"/>
-                <a:cs typeface="Courier New" panose="02070309020205020404" pitchFamily="49" charset="0"/>
-              </a:rPr>
-              <a:t>	</a:t>
-            </a:r>
-            <a:r>
-              <a:rPr lang="en-US" dirty="0" err="1">
-                <a:latin typeface="Courier New" panose="02070309020205020404" pitchFamily="49" charset="0"/>
-                <a:cs typeface="Courier New" panose="02070309020205020404" pitchFamily="49" charset="0"/>
-              </a:rPr>
-              <a:t>System.out.println</a:t>
-            </a:r>
-            <a:r>
-              <a:rPr lang="en-US" dirty="0">
-                <a:latin typeface="Courier New" panose="02070309020205020404" pitchFamily="49" charset="0"/>
-                <a:cs typeface="Courier New" panose="02070309020205020404" pitchFamily="49" charset="0"/>
-              </a:rPr>
-              <a:t>(“Yes!”)</a:t>
-            </a:r>
-          </a:p>
-          <a:p>
-            <a:pPr marL="457200" lvl="1" indent="0">
-              <a:buNone/>
-            </a:pPr>
-            <a:r>
-              <a:rPr lang="en-US" dirty="0">
-                <a:latin typeface="Courier New" panose="02070309020205020404" pitchFamily="49" charset="0"/>
-                <a:cs typeface="Courier New" panose="02070309020205020404" pitchFamily="49" charset="0"/>
-              </a:rPr>
-              <a:t>} // end if</a:t>
-            </a:r>
-          </a:p>
-          <a:p>
-            <a:r>
-              <a:rPr lang="en-US" dirty="0"/>
-              <a:t>Use == comparing numbers or char (primitives)</a:t>
-            </a:r>
-          </a:p>
-          <a:p>
-            <a:pPr marL="0" indent="0">
-              <a:buNone/>
-            </a:pPr>
-            <a:r>
-              <a:rPr lang="en-US" dirty="0" err="1">
-                <a:latin typeface="Courier New" panose="02070309020205020404" pitchFamily="49" charset="0"/>
-                <a:cs typeface="Courier New" panose="02070309020205020404" pitchFamily="49" charset="0"/>
-              </a:rPr>
-              <a:t>boolean</a:t>
-            </a:r>
-            <a:r>
-              <a:rPr lang="en-US" dirty="0">
-                <a:latin typeface="Courier New" panose="02070309020205020404" pitchFamily="49" charset="0"/>
-                <a:cs typeface="Courier New" panose="02070309020205020404" pitchFamily="49" charset="0"/>
-              </a:rPr>
-              <a:t> a = (5 == 6);</a:t>
-            </a:r>
-          </a:p>
-          <a:p>
-            <a:pPr marL="0" indent="0">
-              <a:buNone/>
-            </a:pPr>
-            <a:r>
-              <a:rPr lang="en-US" dirty="0" err="1">
-                <a:latin typeface="Courier New" panose="02070309020205020404" pitchFamily="49" charset="0"/>
-                <a:cs typeface="Courier New" panose="02070309020205020404" pitchFamily="49" charset="0"/>
-              </a:rPr>
-              <a:t>boolean</a:t>
-            </a:r>
-            <a:r>
-              <a:rPr lang="en-US" dirty="0">
-                <a:latin typeface="Courier New" panose="02070309020205020404" pitchFamily="49" charset="0"/>
-                <a:cs typeface="Courier New" panose="02070309020205020404" pitchFamily="49" charset="0"/>
-              </a:rPr>
-              <a:t> b </a:t>
-            </a:r>
-            <a:r>
-              <a:rPr lang="en-US">
-                <a:latin typeface="Courier New" panose="02070309020205020404" pitchFamily="49" charset="0"/>
-                <a:cs typeface="Courier New" panose="02070309020205020404" pitchFamily="49" charset="0"/>
-              </a:rPr>
-              <a:t>= (‘</a:t>
-            </a:r>
-            <a:r>
-              <a:rPr lang="en-US" dirty="0">
-                <a:latin typeface="Courier New" panose="02070309020205020404" pitchFamily="49" charset="0"/>
-                <a:cs typeface="Courier New" panose="02070309020205020404" pitchFamily="49" charset="0"/>
-              </a:rPr>
-              <a:t>T’ == ‘F’ );</a:t>
-            </a:r>
-          </a:p>
-          <a:p>
-            <a:endParaRPr lang="en-US" dirty="0"/>
+                <a:sym typeface="Lucida Sans Typewriter"/>
+              </a:rPr>
+              <a:t>} // end for</a:t>
+            </a:r>
           </a:p>
           <a:p>
             <a:endParaRPr lang="en-US" dirty="0"/>
@@ -5971,7 +5990,7 @@
           <p:cNvPr id="4" name="Slide Number Placeholder 3">
             <a:extLst>
               <a:ext uri="{FF2B5EF4-FFF2-40B4-BE49-F238E27FC236}">
-                <a16:creationId xmlns:a16="http://schemas.microsoft.com/office/drawing/2014/main" id="{9E71FC0E-8224-4550-837F-3B5706AFD6EE}"/>
+                <a16:creationId xmlns:a16="http://schemas.microsoft.com/office/drawing/2014/main" id="{DBEE5CCC-38B6-4A4A-A349-36A309E3A22F}"/>
               </a:ext>
             </a:extLst>
           </p:cNvPr>
@@ -5999,7 +6018,7 @@
     </p:spTree>
     <p:extLst>
       <p:ext uri="{BB962C8B-B14F-4D97-AF65-F5344CB8AC3E}">
-        <p14:creationId xmlns:p14="http://schemas.microsoft.com/office/powerpoint/2010/main" val="650758489"/>
+        <p14:creationId xmlns:p14="http://schemas.microsoft.com/office/powerpoint/2010/main" val="342755113"/>
       </p:ext>
     </p:extLst>
   </p:cSld>
@@ -6050,18 +6069,9 @@
           <a:lstStyle/>
           <a:p>
             <a:r>
-              <a:rPr lang="en-US" dirty="0" err="1"/>
-              <a:t>JavaIntro</a:t>
-            </a:r>
-            <a:r>
               <a:rPr lang="en-US" dirty="0"/>
-              <a:t>, HW1, </a:t>
-            </a:r>
-            <a:r>
-              <a:rPr lang="en-US" dirty="0" err="1"/>
-              <a:t>TwelveProblems</a:t>
-            </a:r>
-            <a:endParaRPr lang="en-US" dirty="0"/>
+              <a:t>Important Reminder: Comparisons</a:t>
+            </a:r>
           </a:p>
         </p:txBody>
       </p:sp>
@@ -6082,54 +6092,186 @@
           <a:p>
             <a:r>
               <a:rPr lang="en-US" dirty="0"/>
-              <a:t>Any questions: feel free to ask individually</a:t>
-            </a:r>
-          </a:p>
-          <a:p>
-            <a:r>
-              <a:rPr lang="en-US" dirty="0" err="1"/>
-              <a:t>JavaIntro</a:t>
-            </a:r>
+              <a:t>Fast rules for now:</a:t>
+            </a:r>
+          </a:p>
+          <a:p>
             <a:r>
               <a:rPr lang="en-US" dirty="0"/>
-              <a:t> will not be collected and graded</a:t>
-            </a:r>
-          </a:p>
-          <a:p>
-            <a:pPr lvl="1"/>
+              <a:t>Use .equals() for comparing Strings</a:t>
+            </a:r>
+          </a:p>
+          <a:p>
+            <a:pPr marL="457200" lvl="1" indent="0">
+              <a:buNone/>
+            </a:pPr>
+            <a:r>
+              <a:rPr lang="en-US" dirty="0">
+                <a:latin typeface="Courier New" panose="02070309020205020404" pitchFamily="49" charset="0"/>
+                <a:cs typeface="Courier New" panose="02070309020205020404" pitchFamily="49" charset="0"/>
+              </a:rPr>
+              <a:t>String alpha = “</a:t>
+            </a:r>
+            <a:r>
+              <a:rPr lang="en-US" dirty="0" err="1">
+                <a:latin typeface="Courier New" panose="02070309020205020404" pitchFamily="49" charset="0"/>
+                <a:cs typeface="Courier New" panose="02070309020205020404" pitchFamily="49" charset="0"/>
+              </a:rPr>
+              <a:t>aaa</a:t>
+            </a:r>
+            <a:r>
+              <a:rPr lang="en-US" dirty="0">
+                <a:latin typeface="Courier New" panose="02070309020205020404" pitchFamily="49" charset="0"/>
+                <a:cs typeface="Courier New" panose="02070309020205020404" pitchFamily="49" charset="0"/>
+              </a:rPr>
+              <a:t>”;</a:t>
+            </a:r>
+          </a:p>
+          <a:p>
+            <a:pPr marL="457200" lvl="1" indent="0">
+              <a:buNone/>
+            </a:pPr>
+            <a:r>
+              <a:rPr lang="en-US" b="1" dirty="0">
+                <a:latin typeface="Courier New" panose="02070309020205020404" pitchFamily="49" charset="0"/>
+                <a:cs typeface="Courier New" panose="02070309020205020404" pitchFamily="49" charset="0"/>
+              </a:rPr>
+              <a:t>if</a:t>
+            </a:r>
+            <a:r>
+              <a:rPr lang="en-US" dirty="0">
+                <a:latin typeface="Courier New" panose="02070309020205020404" pitchFamily="49" charset="0"/>
+                <a:cs typeface="Courier New" panose="02070309020205020404" pitchFamily="49" charset="0"/>
+              </a:rPr>
+              <a:t> (</a:t>
+            </a:r>
+            <a:r>
+              <a:rPr lang="en-US" dirty="0" err="1">
+                <a:latin typeface="Courier New" panose="02070309020205020404" pitchFamily="49" charset="0"/>
+                <a:cs typeface="Courier New" panose="02070309020205020404" pitchFamily="49" charset="0"/>
+              </a:rPr>
+              <a:t>alpha.equals</a:t>
+            </a:r>
+            <a:r>
+              <a:rPr lang="en-US" dirty="0">
+                <a:latin typeface="Courier New" panose="02070309020205020404" pitchFamily="49" charset="0"/>
+                <a:cs typeface="Courier New" panose="02070309020205020404" pitchFamily="49" charset="0"/>
+              </a:rPr>
+              <a:t>(“</a:t>
+            </a:r>
+            <a:r>
+              <a:rPr lang="en-US" dirty="0" err="1">
+                <a:latin typeface="Courier New" panose="02070309020205020404" pitchFamily="49" charset="0"/>
+                <a:cs typeface="Courier New" panose="02070309020205020404" pitchFamily="49" charset="0"/>
+              </a:rPr>
+              <a:t>bbb</a:t>
+            </a:r>
+            <a:r>
+              <a:rPr lang="en-US" dirty="0">
+                <a:latin typeface="Courier New" panose="02070309020205020404" pitchFamily="49" charset="0"/>
+                <a:cs typeface="Courier New" panose="02070309020205020404" pitchFamily="49" charset="0"/>
+              </a:rPr>
+              <a:t>”) {</a:t>
+            </a:r>
+          </a:p>
+          <a:p>
+            <a:pPr marL="457200" lvl="1" indent="0">
+              <a:buNone/>
+            </a:pPr>
+            <a:r>
+              <a:rPr lang="en-US" dirty="0">
+                <a:latin typeface="Courier New" panose="02070309020205020404" pitchFamily="49" charset="0"/>
+                <a:cs typeface="Courier New" panose="02070309020205020404" pitchFamily="49" charset="0"/>
+              </a:rPr>
+              <a:t>	</a:t>
+            </a:r>
+            <a:r>
+              <a:rPr lang="en-US" dirty="0" err="1">
+                <a:latin typeface="Courier New" panose="02070309020205020404" pitchFamily="49" charset="0"/>
+                <a:cs typeface="Courier New" panose="02070309020205020404" pitchFamily="49" charset="0"/>
+              </a:rPr>
+              <a:t>System.out.println</a:t>
+            </a:r>
+            <a:r>
+              <a:rPr lang="en-US" dirty="0">
+                <a:latin typeface="Courier New" panose="02070309020205020404" pitchFamily="49" charset="0"/>
+                <a:cs typeface="Courier New" panose="02070309020205020404" pitchFamily="49" charset="0"/>
+              </a:rPr>
+              <a:t>(“Yes!”)</a:t>
+            </a:r>
+          </a:p>
+          <a:p>
+            <a:pPr marL="457200" lvl="1" indent="0">
+              <a:buNone/>
+            </a:pPr>
+            <a:r>
+              <a:rPr lang="en-US" dirty="0">
+                <a:latin typeface="Courier New" panose="02070309020205020404" pitchFamily="49" charset="0"/>
+                <a:cs typeface="Courier New" panose="02070309020205020404" pitchFamily="49" charset="0"/>
+              </a:rPr>
+              <a:t>} // end if</a:t>
+            </a:r>
+          </a:p>
+          <a:p>
             <a:r>
               <a:rPr lang="en-US" dirty="0"/>
-              <a:t>Intended to help you learn</a:t>
-            </a:r>
-          </a:p>
-          <a:p>
-            <a:pPr lvl="1"/>
-            <a:r>
-              <a:rPr lang="en-US" dirty="0"/>
-              <a:t>Not intended as busy work</a:t>
-            </a:r>
-          </a:p>
-          <a:p>
-            <a:r>
-              <a:rPr lang="en-US" dirty="0" err="1"/>
-              <a:t>TwelveProblems</a:t>
-            </a:r>
+              <a:t>Use == comparing numbers or char (primitives)</a:t>
+            </a:r>
+          </a:p>
+          <a:p>
+            <a:pPr marL="0" indent="0">
+              <a:buNone/>
+            </a:pPr>
+            <a:r>
+              <a:rPr lang="en-US" dirty="0" err="1">
+                <a:latin typeface="Courier New" panose="02070309020205020404" pitchFamily="49" charset="0"/>
+                <a:cs typeface="Courier New" panose="02070309020205020404" pitchFamily="49" charset="0"/>
+              </a:rPr>
+              <a:t>boolean</a:t>
+            </a:r>
+            <a:r>
+              <a:rPr lang="en-US" dirty="0">
+                <a:latin typeface="Courier New" panose="02070309020205020404" pitchFamily="49" charset="0"/>
+                <a:cs typeface="Courier New" panose="02070309020205020404" pitchFamily="49" charset="0"/>
+              </a:rPr>
+              <a:t> a = (5 == 6);</a:t>
+            </a:r>
+          </a:p>
+          <a:p>
+            <a:pPr marL="0" indent="0">
+              <a:buNone/>
+            </a:pPr>
+            <a:r>
+              <a:rPr lang="en-US" dirty="0" err="1">
+                <a:latin typeface="Courier New" panose="02070309020205020404" pitchFamily="49" charset="0"/>
+                <a:cs typeface="Courier New" panose="02070309020205020404" pitchFamily="49" charset="0"/>
+              </a:rPr>
+              <a:t>boolean</a:t>
+            </a:r>
+            <a:r>
+              <a:rPr lang="en-US" dirty="0">
+                <a:latin typeface="Courier New" panose="02070309020205020404" pitchFamily="49" charset="0"/>
+                <a:cs typeface="Courier New" panose="02070309020205020404" pitchFamily="49" charset="0"/>
+              </a:rPr>
+              <a:t> b </a:t>
+            </a:r>
+            <a:r>
+              <a:rPr lang="en-US">
+                <a:latin typeface="Courier New" panose="02070309020205020404" pitchFamily="49" charset="0"/>
+                <a:cs typeface="Courier New" panose="02070309020205020404" pitchFamily="49" charset="0"/>
+              </a:rPr>
+              <a:t>= (‘</a:t>
+            </a:r>
+            <a:r>
+              <a:rPr lang="en-US" dirty="0">
+                <a:latin typeface="Courier New" panose="02070309020205020404" pitchFamily="49" charset="0"/>
+                <a:cs typeface="Courier New" panose="02070309020205020404" pitchFamily="49" charset="0"/>
+              </a:rPr>
+              <a:t>T’ == ‘F’ );</a:t>
+            </a:r>
+          </a:p>
+          <a:p>
             <a:endParaRPr lang="en-US" dirty="0"/>
-          </a:p>
-          <a:p>
-            <a:pPr lvl="1"/>
-            <a:r>
-              <a:rPr lang="en-US" dirty="0" smtClean="0"/>
-              <a:t>Due date on schedule page</a:t>
-            </a:r>
-            <a:endParaRPr lang="en-US" dirty="0"/>
-          </a:p>
-          <a:p>
-            <a:pPr lvl="1"/>
-            <a:r>
-              <a:rPr lang="en-US" dirty="0"/>
-              <a:t>First half you can probably do already</a:t>
-            </a:r>
           </a:p>
           <a:p>
             <a:endParaRPr lang="en-US" dirty="0"/>
@@ -6141,7 +6283,7 @@
           <p:cNvPr id="4" name="Slide Number Placeholder 3">
             <a:extLst>
               <a:ext uri="{FF2B5EF4-FFF2-40B4-BE49-F238E27FC236}">
-                <a16:creationId xmlns:a16="http://schemas.microsoft.com/office/drawing/2014/main" id="{E18F3A7B-41E7-45C7-8CC2-B1B2FD00FD09}"/>
+                <a16:creationId xmlns:a16="http://schemas.microsoft.com/office/drawing/2014/main" id="{9E71FC0E-8224-4550-837F-3B5706AFD6EE}"/>
               </a:ext>
             </a:extLst>
           </p:cNvPr>
@@ -6169,7 +6311,7 @@
     </p:spTree>
     <p:extLst>
       <p:ext uri="{BB962C8B-B14F-4D97-AF65-F5344CB8AC3E}">
-        <p14:creationId xmlns:p14="http://schemas.microsoft.com/office/powerpoint/2010/main" val="2402523702"/>
+        <p14:creationId xmlns:p14="http://schemas.microsoft.com/office/powerpoint/2010/main" val="650758489"/>
       </p:ext>
     </p:extLst>
   </p:cSld>
@@ -6220,9 +6362,18 @@
           <a:lstStyle/>
           <a:p>
             <a:r>
+              <a:rPr lang="en-US" dirty="0" err="1"/>
+              <a:t>JavaIntro</a:t>
+            </a:r>
+            <a:r>
               <a:rPr lang="en-US" dirty="0"/>
-              <a:t>Syllabus Highlights</a:t>
-            </a:r>
+              <a:t>, HW1, </a:t>
+            </a:r>
+            <a:r>
+              <a:rPr lang="en-US" dirty="0" err="1"/>
+              <a:t>TwelveProblems</a:t>
+            </a:r>
+            <a:endParaRPr lang="en-US" dirty="0"/>
           </a:p>
         </p:txBody>
       </p:sp>
@@ -6242,25 +6393,55 @@
           <a:lstStyle/>
           <a:p>
             <a:r>
-              <a:rPr lang="en-US" sz="2800" dirty="0"/>
-              <a:t>Schedule:</a:t>
-            </a:r>
-            <a:br>
-              <a:rPr lang="en-US" sz="2800" dirty="0"/>
-            </a:br>
-            <a:r>
-              <a:rPr lang="en-US" sz="2800" dirty="0">
-                <a:hlinkClick r:id="rId3"/>
-              </a:rPr>
-              <a:t>https://rhit-csse.github.io/csse220/schedule.html</a:t>
-            </a:r>
-            <a:endParaRPr lang="en-US" sz="2800" dirty="0"/>
-          </a:p>
-          <a:p>
+              <a:rPr lang="en-US" dirty="0"/>
+              <a:t>Any questions: feel free to ask individually</a:t>
+            </a:r>
+          </a:p>
+          <a:p>
+            <a:r>
+              <a:rPr lang="en-US" dirty="0" err="1"/>
+              <a:t>JavaIntro</a:t>
+            </a:r>
+            <a:r>
+              <a:rPr lang="en-US" dirty="0"/>
+              <a:t> will not be collected and graded</a:t>
+            </a:r>
+          </a:p>
+          <a:p>
+            <a:pPr lvl="1"/>
+            <a:r>
+              <a:rPr lang="en-US" dirty="0"/>
+              <a:t>Intended to help you learn</a:t>
+            </a:r>
+          </a:p>
+          <a:p>
+            <a:pPr lvl="1"/>
+            <a:r>
+              <a:rPr lang="en-US" dirty="0"/>
+              <a:t>Not intended as busy work</a:t>
+            </a:r>
+          </a:p>
+          <a:p>
+            <a:r>
+              <a:rPr lang="en-US" dirty="0" err="1"/>
+              <a:t>TwelveProblems</a:t>
+            </a:r>
             <a:endParaRPr lang="en-US" dirty="0"/>
           </a:p>
           <a:p>
+            <a:pPr lvl="1"/>
+            <a:r>
+              <a:rPr lang="en-US" dirty="0" smtClean="0"/>
+              <a:t>Due date on schedule page</a:t>
+            </a:r>
             <a:endParaRPr lang="en-US" dirty="0"/>
+          </a:p>
+          <a:p>
+            <a:pPr lvl="1"/>
+            <a:r>
+              <a:rPr lang="en-US" dirty="0"/>
+              <a:t>First half you can probably do already</a:t>
+            </a:r>
           </a:p>
           <a:p>
             <a:endParaRPr lang="en-US" dirty="0"/>
@@ -6272,7 +6453,7 @@
           <p:cNvPr id="4" name="Slide Number Placeholder 3">
             <a:extLst>
               <a:ext uri="{FF2B5EF4-FFF2-40B4-BE49-F238E27FC236}">
-                <a16:creationId xmlns:a16="http://schemas.microsoft.com/office/drawing/2014/main" id="{6D623A1E-22D0-4766-AF98-24E923563751}"/>
+                <a16:creationId xmlns:a16="http://schemas.microsoft.com/office/drawing/2014/main" id="{E18F3A7B-41E7-45C7-8CC2-B1B2FD00FD09}"/>
               </a:ext>
             </a:extLst>
           </p:cNvPr>
@@ -6300,7 +6481,7 @@
     </p:spTree>
     <p:extLst>
       <p:ext uri="{BB962C8B-B14F-4D97-AF65-F5344CB8AC3E}">
-        <p14:creationId xmlns:p14="http://schemas.microsoft.com/office/powerpoint/2010/main" val="191612999"/>
+        <p14:creationId xmlns:p14="http://schemas.microsoft.com/office/powerpoint/2010/main" val="2402523702"/>
       </p:ext>
     </p:extLst>
   </p:cSld>
@@ -6367,70 +6548,25 @@
             <p:ph type="body" idx="1"/>
           </p:nvPr>
         </p:nvSpPr>
-        <p:spPr>
-          <a:xfrm>
-            <a:off x="184727" y="1600200"/>
-            <a:ext cx="8654473" cy="5257800"/>
-          </a:xfrm>
-        </p:spPr>
+        <p:spPr/>
         <p:txBody>
           <a:bodyPr/>
           <a:lstStyle/>
           <a:p>
             <a:r>
-              <a:rPr lang="en-US" dirty="0"/>
-              <a:t>Course policies:</a:t>
+              <a:rPr lang="en-US" sz="2800" dirty="0"/>
+              <a:t>Schedule:</a:t>
             </a:r>
             <a:br>
-              <a:rPr lang="en-US" dirty="0"/>
+              <a:rPr lang="en-US" sz="2800" dirty="0"/>
             </a:br>
             <a:r>
-              <a:rPr lang="en-US" sz="2000" dirty="0">
+              <a:rPr lang="en-US" sz="2800" dirty="0">
                 <a:hlinkClick r:id="rId3"/>
               </a:rPr>
-              <a:t>https://</a:t>
-            </a:r>
-            <a:r>
-              <a:rPr lang="en-US" sz="2000" dirty="0" smtClean="0">
-                <a:hlinkClick r:id="rId3"/>
-              </a:rPr>
-              <a:t>github.com/RHIT-CSSE/csse220/blob/master/Docs/course_policies.md</a:t>
-            </a:r>
-            <a:r>
-              <a:rPr lang="en-US" sz="2000" dirty="0" smtClean="0"/>
-              <a:t>  </a:t>
-            </a:r>
-          </a:p>
-          <a:p>
-            <a:r>
-              <a:rPr lang="en-US" dirty="0" smtClean="0"/>
-              <a:t>(</a:t>
-            </a:r>
-            <a:r>
-              <a:rPr lang="en-US" dirty="0"/>
-              <a:t>Also on Schedule page, under the first day labeled “Syllabus”)</a:t>
-            </a:r>
-          </a:p>
-          <a:p>
-            <a:pPr lvl="1"/>
-            <a:r>
-              <a:rPr lang="en-US" dirty="0"/>
-              <a:t>Late Assignments</a:t>
-            </a:r>
-          </a:p>
-          <a:p>
-            <a:pPr lvl="1"/>
-            <a:r>
-              <a:rPr lang="en-US" dirty="0"/>
-              <a:t>Grading</a:t>
-            </a:r>
-          </a:p>
-          <a:p>
-            <a:pPr lvl="1"/>
-            <a:r>
-              <a:rPr lang="en-US" dirty="0"/>
-              <a:t>Collegiality </a:t>
-            </a:r>
+              <a:t>https://rhit-csse.github.io/csse220/schedule.html</a:t>
+            </a:r>
+            <a:endParaRPr lang="en-US" sz="2800" dirty="0"/>
           </a:p>
           <a:p>
             <a:endParaRPr lang="en-US" dirty="0"/>
@@ -6448,7 +6584,7 @@
           <p:cNvPr id="4" name="Slide Number Placeholder 3">
             <a:extLst>
               <a:ext uri="{FF2B5EF4-FFF2-40B4-BE49-F238E27FC236}">
-                <a16:creationId xmlns:a16="http://schemas.microsoft.com/office/drawing/2014/main" id="{1E9496F4-E680-408B-8B10-AC761A175C5E}"/>
+                <a16:creationId xmlns:a16="http://schemas.microsoft.com/office/drawing/2014/main" id="{6D623A1E-22D0-4766-AF98-24E923563751}"/>
               </a:ext>
             </a:extLst>
           </p:cNvPr>
@@ -6476,7 +6612,7 @@
     </p:spTree>
     <p:extLst>
       <p:ext uri="{BB962C8B-B14F-4D97-AF65-F5344CB8AC3E}">
-        <p14:creationId xmlns:p14="http://schemas.microsoft.com/office/powerpoint/2010/main" val="960367488"/>
+        <p14:creationId xmlns:p14="http://schemas.microsoft.com/office/powerpoint/2010/main" val="191612999"/>
       </p:ext>
     </p:extLst>
   </p:cSld>
@@ -6521,6 +6657,182 @@
             <p:ph type="title"/>
           </p:nvPr>
         </p:nvSpPr>
+        <p:spPr/>
+        <p:txBody>
+          <a:bodyPr/>
+          <a:lstStyle/>
+          <a:p>
+            <a:r>
+              <a:rPr lang="en-US" dirty="0"/>
+              <a:t>Syllabus Highlights</a:t>
+            </a:r>
+          </a:p>
+        </p:txBody>
+      </p:sp>
+      <p:sp>
+        <p:nvSpPr>
+          <p:cNvPr id="3" name="Text Placeholder 2"/>
+          <p:cNvSpPr>
+            <a:spLocks noGrp="1"/>
+          </p:cNvSpPr>
+          <p:nvPr>
+            <p:ph type="body" idx="1"/>
+          </p:nvPr>
+        </p:nvSpPr>
+        <p:spPr>
+          <a:xfrm>
+            <a:off x="184727" y="1600200"/>
+            <a:ext cx="8654473" cy="5257800"/>
+          </a:xfrm>
+        </p:spPr>
+        <p:txBody>
+          <a:bodyPr/>
+          <a:lstStyle/>
+          <a:p>
+            <a:r>
+              <a:rPr lang="en-US" dirty="0"/>
+              <a:t>Course policies:</a:t>
+            </a:r>
+            <a:br>
+              <a:rPr lang="en-US" dirty="0"/>
+            </a:br>
+            <a:r>
+              <a:rPr lang="en-US" sz="2000" dirty="0">
+                <a:hlinkClick r:id="rId3"/>
+              </a:rPr>
+              <a:t>https://</a:t>
+            </a:r>
+            <a:r>
+              <a:rPr lang="en-US" sz="2000" dirty="0" smtClean="0">
+                <a:hlinkClick r:id="rId3"/>
+              </a:rPr>
+              <a:t>github.com/RHIT-CSSE/csse220/blob/master/Docs/course_policies.md</a:t>
+            </a:r>
+            <a:r>
+              <a:rPr lang="en-US" sz="2000" dirty="0" smtClean="0"/>
+              <a:t>  </a:t>
+            </a:r>
+          </a:p>
+          <a:p>
+            <a:r>
+              <a:rPr lang="en-US" dirty="0" smtClean="0"/>
+              <a:t>(</a:t>
+            </a:r>
+            <a:r>
+              <a:rPr lang="en-US" dirty="0"/>
+              <a:t>Also on Schedule page, under the first day labeled “Syllabus”)</a:t>
+            </a:r>
+          </a:p>
+          <a:p>
+            <a:pPr lvl="1"/>
+            <a:r>
+              <a:rPr lang="en-US" dirty="0"/>
+              <a:t>Late Assignments</a:t>
+            </a:r>
+          </a:p>
+          <a:p>
+            <a:pPr lvl="1"/>
+            <a:r>
+              <a:rPr lang="en-US" dirty="0"/>
+              <a:t>Grading</a:t>
+            </a:r>
+          </a:p>
+          <a:p>
+            <a:pPr lvl="1"/>
+            <a:r>
+              <a:rPr lang="en-US" dirty="0"/>
+              <a:t>Collegiality </a:t>
+            </a:r>
+          </a:p>
+          <a:p>
+            <a:endParaRPr lang="en-US" dirty="0"/>
+          </a:p>
+          <a:p>
+            <a:endParaRPr lang="en-US" dirty="0"/>
+          </a:p>
+          <a:p>
+            <a:endParaRPr lang="en-US" dirty="0"/>
+          </a:p>
+        </p:txBody>
+      </p:sp>
+      <p:sp>
+        <p:nvSpPr>
+          <p:cNvPr id="4" name="Slide Number Placeholder 3">
+            <a:extLst>
+              <a:ext uri="{FF2B5EF4-FFF2-40B4-BE49-F238E27FC236}">
+                <a16:creationId xmlns:a16="http://schemas.microsoft.com/office/drawing/2014/main" id="{1E9496F4-E680-408B-8B10-AC761A175C5E}"/>
+              </a:ext>
+            </a:extLst>
+          </p:cNvPr>
+          <p:cNvSpPr>
+            <a:spLocks noGrp="1"/>
+          </p:cNvSpPr>
+          <p:nvPr>
+            <p:ph type="sldNum" sz="quarter" idx="2"/>
+          </p:nvPr>
+        </p:nvSpPr>
+        <p:spPr/>
+        <p:txBody>
+          <a:bodyPr/>
+          <a:lstStyle/>
+          <a:p>
+            <a:pPr lvl="0"/>
+            <a:fld id="{86CB4B4D-7CA3-9044-876B-883B54F8677D}" type="slidenum">
+              <a:rPr lang="en-US" smtClean="0"/>
+              <a:t>14</a:t>
+            </a:fld>
+            <a:endParaRPr lang="en-US"/>
+          </a:p>
+        </p:txBody>
+      </p:sp>
+    </p:spTree>
+    <p:extLst>
+      <p:ext uri="{BB962C8B-B14F-4D97-AF65-F5344CB8AC3E}">
+        <p14:creationId xmlns:p14="http://schemas.microsoft.com/office/powerpoint/2010/main" val="960367488"/>
+      </p:ext>
+    </p:extLst>
+  </p:cSld>
+  <p:clrMapOvr>
+    <a:masterClrMapping/>
+  </p:clrMapOvr>
+  <p:transition spd="med"/>
+  <p:timing>
+    <p:tnLst>
+      <p:par>
+        <p:cTn id="1" dur="indefinite" restart="never" nodeType="tmRoot"/>
+      </p:par>
+    </p:tnLst>
+  </p:timing>
+</p:sld>
+</file>
+
+<file path=ppt/slides/slide15.xml><?xml version="1.0" encoding="utf-8"?>
+<p:sld xmlns:a="http://schemas.openxmlformats.org/drawingml/2006/main" xmlns:r="http://schemas.openxmlformats.org/officeDocument/2006/relationships" xmlns:p="http://schemas.openxmlformats.org/presentationml/2006/main">
+  <p:cSld>
+    <p:spTree>
+      <p:nvGrpSpPr>
+        <p:cNvPr id="1" name=""/>
+        <p:cNvGrpSpPr/>
+        <p:nvPr/>
+      </p:nvGrpSpPr>
+      <p:grpSpPr>
+        <a:xfrm>
+          <a:off x="0" y="0"/>
+          <a:ext cx="0" cy="0"/>
+          <a:chOff x="0" y="0"/>
+          <a:chExt cx="0" cy="0"/>
+        </a:xfrm>
+      </p:grpSpPr>
+      <p:sp>
+        <p:nvSpPr>
+          <p:cNvPr id="2" name="Title 1"/>
+          <p:cNvSpPr>
+            <a:spLocks noGrp="1"/>
+          </p:cNvSpPr>
+          <p:nvPr>
+            <p:ph type="title"/>
+          </p:nvPr>
+        </p:nvSpPr>
         <p:spPr>
           <a:xfrm>
             <a:off x="457200" y="92076"/>
@@ -6576,7 +6888,7 @@
             <a:pPr lvl="0"/>
             <a:fld id="{86CB4B4D-7CA3-9044-876B-883B54F8677D}" type="slidenum">
               <a:rPr lang="en-US" smtClean="0"/>
-              <a:t>14</a:t>
+              <a:t>15</a:t>
             </a:fld>
             <a:endParaRPr lang="en-US"/>
           </a:p>
@@ -6627,7 +6939,7 @@
 </p:sld>
 </file>
 
-<file path=ppt/slides/slide15.xml><?xml version="1.0" encoding="utf-8"?>
+<file path=ppt/slides/slide16.xml><?xml version="1.0" encoding="utf-8"?>
 <p:sld xmlns:a="http://schemas.openxmlformats.org/drawingml/2006/main" xmlns:r="http://schemas.openxmlformats.org/officeDocument/2006/relationships" xmlns:p="http://schemas.openxmlformats.org/presentationml/2006/main">
   <p:cSld>
     <p:spTree>
@@ -6662,7 +6974,7 @@
             <a:pPr lvl="0"/>
             <a:fld id="{86CB4B4D-7CA3-9044-876B-883B54F8677D}" type="slidenum">
               <a:rPr lang="en-US" smtClean="0"/>
-              <a:t>15</a:t>
+              <a:t>16</a:t>
             </a:fld>
             <a:endParaRPr lang="en-US"/>
           </a:p>
@@ -6712,7 +7024,7 @@
           </a:ln>
           <a:extLst>
             <a:ext uri="{C572A759-6A51-4108-AA02-DFA0A04FC94B}">
-              <ma14:wrappingTextBoxFlag xmlns:ma14="http://schemas.microsoft.com/office/mac/drawingml/2011/main" xmlns="" val="1"/>
+              <ma14:wrappingTextBoxFlag xmlns="" xmlns:ma14="http://schemas.microsoft.com/office/mac/drawingml/2011/main" val="1"/>
             </a:ext>
           </a:extLst>
         </p:spPr>
@@ -6824,279 +7136,6 @@
 </p:sld>
 </file>
 
-<file path=ppt/slides/slide16.xml><?xml version="1.0" encoding="utf-8"?>
-<p:sld xmlns:a="http://schemas.openxmlformats.org/drawingml/2006/main" xmlns:r="http://schemas.openxmlformats.org/officeDocument/2006/relationships" xmlns:p="http://schemas.openxmlformats.org/presentationml/2006/main">
-  <p:cSld>
-    <p:spTree>
-      <p:nvGrpSpPr>
-        <p:cNvPr id="1" name=""/>
-        <p:cNvGrpSpPr/>
-        <p:nvPr/>
-      </p:nvGrpSpPr>
-      <p:grpSpPr>
-        <a:xfrm>
-          <a:off x="0" y="0"/>
-          <a:ext cx="0" cy="0"/>
-          <a:chOff x="0" y="0"/>
-          <a:chExt cx="0" cy="0"/>
-        </a:xfrm>
-      </p:grpSpPr>
-      <p:sp>
-        <p:nvSpPr>
-          <p:cNvPr id="2" name="Title 1"/>
-          <p:cNvSpPr>
-            <a:spLocks noGrp="1"/>
-          </p:cNvSpPr>
-          <p:nvPr>
-            <p:ph type="title"/>
-          </p:nvPr>
-        </p:nvSpPr>
-        <p:spPr/>
-        <p:txBody>
-          <a:bodyPr/>
-          <a:lstStyle/>
-          <a:p>
-            <a:r>
-              <a:rPr lang="en-US" dirty="0"/>
-              <a:t>Review of types</a:t>
-            </a:r>
-          </a:p>
-        </p:txBody>
-      </p:sp>
-      <p:sp>
-        <p:nvSpPr>
-          <p:cNvPr id="3" name="Text Placeholder 2"/>
-          <p:cNvSpPr>
-            <a:spLocks noGrp="1"/>
-          </p:cNvSpPr>
-          <p:nvPr>
-            <p:ph type="body" idx="1"/>
-          </p:nvPr>
-        </p:nvSpPr>
-        <p:spPr/>
-        <p:txBody>
-          <a:bodyPr>
-            <a:normAutofit fontScale="77500" lnSpcReduction="20000"/>
-          </a:bodyPr>
-          <a:lstStyle/>
-          <a:p>
-            <a:r>
-              <a:rPr lang="en-US" dirty="0"/>
-              <a:t>Primitives</a:t>
-            </a:r>
-          </a:p>
-          <a:p>
-            <a:pPr lvl="1"/>
-            <a:r>
-              <a:rPr lang="en-US" dirty="0" err="1"/>
-              <a:t>int</a:t>
-            </a:r>
-            <a:r>
-              <a:rPr lang="en-US" dirty="0"/>
-              <a:t>, double, char, </a:t>
-            </a:r>
-            <a:r>
-              <a:rPr lang="en-US" dirty="0" err="1"/>
-              <a:t>boolean</a:t>
-            </a:r>
-            <a:r>
-              <a:rPr lang="en-US" dirty="0"/>
-              <a:t>, long, </a:t>
-            </a:r>
-            <a:r>
-              <a:rPr lang="is-IS" dirty="0"/>
-              <a:t>…</a:t>
-            </a:r>
-            <a:endParaRPr lang="en-US" dirty="0"/>
-          </a:p>
-          <a:p>
-            <a:r>
-              <a:rPr lang="en-US" dirty="0"/>
-              <a:t>Objects</a:t>
-            </a:r>
-          </a:p>
-          <a:p>
-            <a:pPr lvl="1"/>
-            <a:r>
-              <a:rPr lang="en-US" dirty="0"/>
-              <a:t>String, </a:t>
-            </a:r>
-            <a:r>
-              <a:rPr lang="is-IS" dirty="0"/>
-              <a:t>…</a:t>
-            </a:r>
-            <a:r>
-              <a:rPr lang="en-US" dirty="0"/>
-              <a:t> </a:t>
-            </a:r>
-          </a:p>
-          <a:p>
-            <a:r>
-              <a:rPr lang="en-US" dirty="0" err="1"/>
-              <a:t>Gotchas</a:t>
-            </a:r>
-            <a:r>
-              <a:rPr lang="en-US" dirty="0"/>
-              <a:t>:</a:t>
-            </a:r>
-          </a:p>
-          <a:p>
-            <a:pPr marL="457200" lvl="1" indent="0">
-              <a:buNone/>
-            </a:pPr>
-            <a:r>
-              <a:rPr lang="en-US" dirty="0"/>
-              <a:t>What is 7/2? </a:t>
-            </a:r>
-          </a:p>
-          <a:p>
-            <a:pPr marL="457200" lvl="1" indent="0">
-              <a:buNone/>
-            </a:pPr>
-            <a:r>
-              <a:rPr lang="en-US" dirty="0"/>
-              <a:t>	</a:t>
-            </a:r>
-            <a:r>
-              <a:rPr lang="en-US" i="1" dirty="0"/>
-              <a:t>Alternatives?</a:t>
-            </a:r>
-          </a:p>
-          <a:p>
-            <a:pPr marL="457200" lvl="1" indent="0">
-              <a:buNone/>
-            </a:pPr>
-            <a:r>
-              <a:rPr lang="en-US" dirty="0"/>
-              <a:t>What is x/y if x and y are both </a:t>
-            </a:r>
-            <a:r>
-              <a:rPr lang="en-US" dirty="0" err="1"/>
-              <a:t>ints</a:t>
-            </a:r>
-            <a:r>
-              <a:rPr lang="en-US" dirty="0"/>
-              <a:t>?</a:t>
-            </a:r>
-          </a:p>
-          <a:p>
-            <a:pPr marL="914400" lvl="2" indent="0">
-              <a:buNone/>
-            </a:pPr>
-            <a:r>
-              <a:rPr lang="en-US" i="1" dirty="0"/>
-              <a:t>Alternatives?</a:t>
-            </a:r>
-          </a:p>
-          <a:p>
-            <a:pPr marL="457200" lvl="1" indent="0">
-              <a:buNone/>
-            </a:pPr>
-            <a:r>
-              <a:rPr lang="en-US" dirty="0"/>
-              <a:t>What is s after these 2 lines?</a:t>
-            </a:r>
-          </a:p>
-          <a:p>
-            <a:pPr marL="914400" lvl="2" indent="0">
-              <a:buNone/>
-            </a:pPr>
-            <a:r>
-              <a:rPr lang="en-US" sz="2600" b="1" dirty="0">
-                <a:latin typeface="Consolas" charset="0"/>
-                <a:ea typeface="Consolas" charset="0"/>
-                <a:cs typeface="Consolas" charset="0"/>
-              </a:rPr>
-              <a:t>String s = “computer”;</a:t>
-            </a:r>
-          </a:p>
-          <a:p>
-            <a:pPr marL="914400" lvl="2" indent="0">
-              <a:buNone/>
-            </a:pPr>
-            <a:r>
-              <a:rPr lang="en-US" sz="2600" b="1" dirty="0" err="1">
-                <a:latin typeface="Consolas" charset="0"/>
-                <a:ea typeface="Consolas" charset="0"/>
-                <a:cs typeface="Consolas" charset="0"/>
-              </a:rPr>
-              <a:t>s.substring</a:t>
-            </a:r>
-            <a:r>
-              <a:rPr lang="en-US" sz="2600" b="1" dirty="0">
-                <a:latin typeface="Consolas" charset="0"/>
-                <a:ea typeface="Consolas" charset="0"/>
-                <a:cs typeface="Consolas" charset="0"/>
-              </a:rPr>
-              <a:t>(0,3);</a:t>
-            </a:r>
-          </a:p>
-          <a:p>
-            <a:pPr marL="914400" lvl="2" indent="0">
-              <a:buNone/>
-            </a:pPr>
-            <a:r>
-              <a:rPr lang="en-US" i="1" dirty="0"/>
-              <a:t>Alternatives?</a:t>
-            </a:r>
-          </a:p>
-          <a:p>
-            <a:pPr lvl="1"/>
-            <a:endParaRPr lang="en-US" dirty="0"/>
-          </a:p>
-        </p:txBody>
-      </p:sp>
-      <p:sp>
-        <p:nvSpPr>
-          <p:cNvPr id="4" name="Slide Number Placeholder 3">
-            <a:extLst>
-              <a:ext uri="{FF2B5EF4-FFF2-40B4-BE49-F238E27FC236}">
-                <a16:creationId xmlns:a16="http://schemas.microsoft.com/office/drawing/2014/main" id="{52D2A995-D7C1-4111-A308-2CA9B130A44E}"/>
-              </a:ext>
-            </a:extLst>
-          </p:cNvPr>
-          <p:cNvSpPr>
-            <a:spLocks noGrp="1"/>
-          </p:cNvSpPr>
-          <p:nvPr>
-            <p:ph type="sldNum" sz="quarter" idx="2"/>
-          </p:nvPr>
-        </p:nvSpPr>
-        <p:spPr/>
-        <p:txBody>
-          <a:bodyPr/>
-          <a:lstStyle/>
-          <a:p>
-            <a:pPr lvl="0"/>
-            <a:fld id="{86CB4B4D-7CA3-9044-876B-883B54F8677D}" type="slidenum">
-              <a:rPr lang="en-US" smtClean="0"/>
-              <a:t>16</a:t>
-            </a:fld>
-            <a:endParaRPr lang="en-US"/>
-          </a:p>
-        </p:txBody>
-      </p:sp>
-    </p:spTree>
-    <p:extLst>
-      <p:ext uri="{BB962C8B-B14F-4D97-AF65-F5344CB8AC3E}">
-        <p14:creationId xmlns:p14="http://schemas.microsoft.com/office/powerpoint/2010/main" val="305394081"/>
-      </p:ext>
-    </p:extLst>
-  </p:cSld>
-  <p:clrMapOvr>
-    <a:masterClrMapping/>
-  </p:clrMapOvr>
-  <p:transition spd="med"/>
-  <p:timing>
-    <p:tnLst>
-      <p:par>
-        <p:cTn id="1" dur="indefinite" restart="never" nodeType="tmRoot"/>
-      </p:par>
-    </p:tnLst>
-  </p:timing>
-</p:sld>
-</file>
-
 <file path=ppt/slides/slide17.xml><?xml version="1.0" encoding="utf-8"?>
 <p:sld xmlns:a="http://schemas.openxmlformats.org/drawingml/2006/main" xmlns:r="http://schemas.openxmlformats.org/officeDocument/2006/relationships" xmlns:p="http://schemas.openxmlformats.org/presentationml/2006/main">
   <p:cSld>
@@ -7131,7 +7170,7 @@
           <a:p>
             <a:r>
               <a:rPr lang="en-US" dirty="0"/>
-              <a:t>Arrays- What, When, Why, &amp; How?</a:t>
+              <a:t>Review of types</a:t>
             </a:r>
           </a:p>
         </p:txBody>
@@ -7146,60 +7185,171 @@
             <p:ph type="body" idx="1"/>
           </p:nvPr>
         </p:nvSpPr>
-        <p:spPr>
-          <a:xfrm>
-            <a:off x="457200" y="1331843"/>
-            <a:ext cx="8229600" cy="5526157"/>
-          </a:xfrm>
-        </p:spPr>
+        <p:spPr/>
         <p:txBody>
           <a:bodyPr>
-            <a:normAutofit/>
+            <a:normAutofit fontScale="77500" lnSpcReduction="20000"/>
           </a:bodyPr>
           <a:lstStyle/>
           <a:p>
             <a:r>
               <a:rPr lang="en-US" dirty="0"/>
-              <a:t>What</a:t>
+              <a:t>Primitives</a:t>
             </a:r>
           </a:p>
           <a:p>
             <a:pPr lvl="1"/>
             <a:r>
+              <a:rPr lang="en-US" dirty="0" err="1"/>
+              <a:t>int</a:t>
+            </a:r>
+            <a:r>
               <a:rPr lang="en-US" dirty="0"/>
-              <a:t>A special </a:t>
-            </a:r>
-            <a:r>
-              <a:rPr lang="en-US" b="1" dirty="0"/>
-              <a:t>type </a:t>
+              <a:t>, double, char, </a:t>
+            </a:r>
+            <a:r>
+              <a:rPr lang="en-US" dirty="0" err="1"/>
+              <a:t>boolean</a:t>
             </a:r>
             <a:r>
               <a:rPr lang="en-US" dirty="0"/>
-              <a:t>used to hold a fixed number of items of a specified type</a:t>
-            </a:r>
+              <a:t>, long, </a:t>
+            </a:r>
+            <a:r>
+              <a:rPr lang="is-IS" dirty="0"/>
+              <a:t>…</a:t>
+            </a:r>
+            <a:endParaRPr lang="en-US" dirty="0"/>
           </a:p>
           <a:p>
             <a:r>
               <a:rPr lang="en-US" dirty="0"/>
-              <a:t>When</a:t>
+              <a:t>Objects</a:t>
             </a:r>
           </a:p>
           <a:p>
             <a:pPr lvl="1"/>
             <a:r>
               <a:rPr lang="en-US" dirty="0"/>
-              <a:t>Use when you need to store multiple items of the same type</a:t>
-            </a:r>
-          </a:p>
-          <a:p>
-            <a:pPr lvl="1"/>
+              <a:t>String, </a:t>
+            </a:r>
+            <a:r>
+              <a:rPr lang="is-IS" dirty="0"/>
+              <a:t>…</a:t>
+            </a:r>
             <a:r>
               <a:rPr lang="en-US" dirty="0"/>
-              <a:t>Number of items is known and </a:t>
-            </a:r>
-            <a:r>
-              <a:rPr lang="en-US" b="1" dirty="0"/>
-              <a:t>will not change</a:t>
+              <a:t> </a:t>
+            </a:r>
+          </a:p>
+          <a:p>
+            <a:r>
+              <a:rPr lang="en-US" dirty="0" err="1"/>
+              <a:t>Gotchas</a:t>
+            </a:r>
+            <a:r>
+              <a:rPr lang="en-US" dirty="0"/>
+              <a:t>:</a:t>
+            </a:r>
+          </a:p>
+          <a:p>
+            <a:pPr marL="457200" lvl="1" indent="0">
+              <a:buNone/>
+            </a:pPr>
+            <a:r>
+              <a:rPr lang="en-US" dirty="0"/>
+              <a:t>What is 7/2? </a:t>
+            </a:r>
+          </a:p>
+          <a:p>
+            <a:pPr marL="457200" lvl="1" indent="0">
+              <a:buNone/>
+            </a:pPr>
+            <a:r>
+              <a:rPr lang="en-US" dirty="0"/>
+              <a:t>	</a:t>
+            </a:r>
+            <a:r>
+              <a:rPr lang="en-US" i="1" dirty="0"/>
+              <a:t>Alternatives?</a:t>
+            </a:r>
+          </a:p>
+          <a:p>
+            <a:pPr marL="457200" lvl="1" indent="0">
+              <a:buNone/>
+            </a:pPr>
+            <a:r>
+              <a:rPr lang="en-US" dirty="0"/>
+              <a:t>What is x/y if x and y are both </a:t>
+            </a:r>
+            <a:r>
+              <a:rPr lang="en-US" dirty="0" err="1"/>
+              <a:t>ints</a:t>
+            </a:r>
+            <a:r>
+              <a:rPr lang="en-US" dirty="0"/>
+              <a:t>?</a:t>
+            </a:r>
+          </a:p>
+          <a:p>
+            <a:pPr marL="914400" lvl="2" indent="0">
+              <a:buNone/>
+            </a:pPr>
+            <a:r>
+              <a:rPr lang="en-US" i="1" dirty="0"/>
+              <a:t>Alternatives?</a:t>
+            </a:r>
+          </a:p>
+          <a:p>
+            <a:pPr marL="457200" lvl="1" indent="0">
+              <a:buNone/>
+            </a:pPr>
+            <a:r>
+              <a:rPr lang="en-US" dirty="0"/>
+              <a:t>What is s after these 2 lines?</a:t>
+            </a:r>
+          </a:p>
+          <a:p>
+            <a:pPr marL="914400" lvl="2" indent="0">
+              <a:buNone/>
+            </a:pPr>
+            <a:r>
+              <a:rPr lang="en-US" sz="2600" b="1" dirty="0">
+                <a:latin typeface="Consolas" charset="0"/>
+                <a:ea typeface="Consolas" charset="0"/>
+                <a:cs typeface="Consolas" charset="0"/>
+              </a:rPr>
+              <a:t>String s = “computer”;</a:t>
+            </a:r>
+          </a:p>
+          <a:p>
+            <a:pPr marL="914400" lvl="2" indent="0">
+              <a:buNone/>
+            </a:pPr>
+            <a:r>
+              <a:rPr lang="en-US" sz="2600" b="1" dirty="0" err="1">
+                <a:latin typeface="Consolas" charset="0"/>
+                <a:ea typeface="Consolas" charset="0"/>
+                <a:cs typeface="Consolas" charset="0"/>
+              </a:rPr>
+              <a:t>s.substring</a:t>
+            </a:r>
+            <a:r>
+              <a:rPr lang="en-US" sz="2600" b="1" dirty="0">
+                <a:latin typeface="Consolas" charset="0"/>
+                <a:ea typeface="Consolas" charset="0"/>
+                <a:cs typeface="Consolas" charset="0"/>
+              </a:rPr>
+              <a:t>(0,3);</a:t>
+            </a:r>
+          </a:p>
+          <a:p>
+            <a:pPr marL="914400" lvl="2" indent="0">
+              <a:buNone/>
+            </a:pPr>
+            <a:r>
+              <a:rPr lang="en-US" i="1" dirty="0"/>
+              <a:t>Alternatives?</a:t>
             </a:r>
           </a:p>
           <a:p>
@@ -7213,7 +7363,7 @@
           <p:cNvPr id="4" name="Slide Number Placeholder 3">
             <a:extLst>
               <a:ext uri="{FF2B5EF4-FFF2-40B4-BE49-F238E27FC236}">
-                <a16:creationId xmlns:a16="http://schemas.microsoft.com/office/drawing/2014/main" id="{BC7B999D-7FA2-44AC-A6BC-351B63AF57FB}"/>
+                <a16:creationId xmlns:a16="http://schemas.microsoft.com/office/drawing/2014/main" id="{52D2A995-D7C1-4111-A308-2CA9B130A44E}"/>
               </a:ext>
             </a:extLst>
           </p:cNvPr>
@@ -7241,7 +7391,7 @@
     </p:spTree>
     <p:extLst>
       <p:ext uri="{BB962C8B-B14F-4D97-AF65-F5344CB8AC3E}">
-        <p14:creationId xmlns:p14="http://schemas.microsoft.com/office/powerpoint/2010/main" val="3909450765"/>
+        <p14:creationId xmlns:p14="http://schemas.microsoft.com/office/powerpoint/2010/main" val="305394081"/>
       </p:ext>
     </p:extLst>
   </p:cSld>
@@ -7310,8 +7460,8 @@
         </p:nvSpPr>
         <p:spPr>
           <a:xfrm>
-            <a:off x="457199" y="1222513"/>
-            <a:ext cx="8441473" cy="5635487"/>
+            <a:off x="457200" y="1331843"/>
+            <a:ext cx="8229600" cy="5526157"/>
           </a:xfrm>
         </p:spPr>
         <p:txBody>
@@ -7322,152 +7472,46 @@
           <a:p>
             <a:r>
               <a:rPr lang="en-US" dirty="0"/>
-              <a:t>Why</a:t>
+              <a:t>What</a:t>
             </a:r>
           </a:p>
           <a:p>
             <a:pPr lvl="1"/>
             <a:r>
               <a:rPr lang="en-US" dirty="0"/>
-              <a:t>Avoids things like int1, int2, int3, int4</a:t>
+              <a:t>A special </a:t>
+            </a:r>
+            <a:r>
+              <a:rPr lang="en-US" b="1" dirty="0"/>
+              <a:t>type </a:t>
+            </a:r>
+            <a:r>
+              <a:rPr lang="en-US" dirty="0"/>
+              <a:t>used to hold a fixed number of items of a specified type</a:t>
+            </a:r>
+          </a:p>
+          <a:p>
+            <a:r>
+              <a:rPr lang="en-US" dirty="0"/>
+              <a:t>When</a:t>
             </a:r>
           </a:p>
           <a:p>
             <a:pPr lvl="1"/>
             <a:r>
               <a:rPr lang="en-US" dirty="0"/>
-              <a:t>Avoids repetitive code and frequent updates</a:t>
-            </a:r>
-          </a:p>
-          <a:p>
+              <a:t>Use when you need to store multiple items of the same type</a:t>
+            </a:r>
+          </a:p>
+          <a:p>
+            <a:pPr lvl="1"/>
             <a:r>
               <a:rPr lang="en-US" dirty="0"/>
-              <a:t>How</a:t>
-            </a:r>
-          </a:p>
-          <a:p>
-            <a:pPr lvl="1"/>
-            <a:r>
-              <a:rPr lang="en-US" dirty="0">
-                <a:latin typeface="Courier New" panose="02070309020205020404" pitchFamily="49" charset="0"/>
-                <a:cs typeface="Courier New" panose="02070309020205020404" pitchFamily="49" charset="0"/>
-              </a:rPr>
-              <a:t>Type[] </a:t>
-            </a:r>
-            <a:r>
-              <a:rPr lang="en-US" dirty="0" err="1">
-                <a:latin typeface="Courier New" panose="02070309020205020404" pitchFamily="49" charset="0"/>
-                <a:cs typeface="Courier New" panose="02070309020205020404" pitchFamily="49" charset="0"/>
-              </a:rPr>
-              <a:t>arr</a:t>
-            </a:r>
-            <a:r>
-              <a:rPr lang="en-US" dirty="0">
-                <a:latin typeface="Courier New" panose="02070309020205020404" pitchFamily="49" charset="0"/>
-                <a:cs typeface="Courier New" panose="02070309020205020404" pitchFamily="49" charset="0"/>
-              </a:rPr>
-              <a:t> = </a:t>
-            </a:r>
-            <a:r>
-              <a:rPr lang="en-US" b="1" dirty="0">
-                <a:latin typeface="Courier New" panose="02070309020205020404" pitchFamily="49" charset="0"/>
-                <a:cs typeface="Courier New" panose="02070309020205020404" pitchFamily="49" charset="0"/>
-              </a:rPr>
-              <a:t>new</a:t>
-            </a:r>
-            <a:r>
-              <a:rPr lang="en-US" dirty="0">
-                <a:latin typeface="Courier New" panose="02070309020205020404" pitchFamily="49" charset="0"/>
-                <a:cs typeface="Courier New" panose="02070309020205020404" pitchFamily="49" charset="0"/>
-              </a:rPr>
-              <a:t> Type[num];</a:t>
-            </a:r>
-            <a:r>
-              <a:rPr lang="en-US" dirty="0"/>
-              <a:t> </a:t>
-            </a:r>
-            <a:br>
-              <a:rPr lang="en-US" dirty="0"/>
-            </a:br>
-            <a:r>
-              <a:rPr lang="en-US" dirty="0">
-                <a:sym typeface="Wingdings" panose="05000000000000000000" pitchFamily="2" charset="2"/>
-              </a:rPr>
-              <a:t>Creates a new array of type </a:t>
-            </a:r>
-            <a:r>
-              <a:rPr lang="en-US" dirty="0" err="1">
-                <a:sym typeface="Wingdings" panose="05000000000000000000" pitchFamily="2" charset="2"/>
-              </a:rPr>
-              <a:t>Type</a:t>
-            </a:r>
-            <a:r>
-              <a:rPr lang="en-US" dirty="0">
-                <a:sym typeface="Wingdings" panose="05000000000000000000" pitchFamily="2" charset="2"/>
-              </a:rPr>
-              <a:t> stored in variable </a:t>
-            </a:r>
-            <a:r>
-              <a:rPr lang="en-US" dirty="0" err="1">
-                <a:sym typeface="Wingdings" panose="05000000000000000000" pitchFamily="2" charset="2"/>
-              </a:rPr>
-              <a:t>arr</a:t>
-            </a:r>
-            <a:endParaRPr lang="en-US" dirty="0">
-              <a:sym typeface="Wingdings" panose="05000000000000000000" pitchFamily="2" charset="2"/>
-            </a:endParaRPr>
-          </a:p>
-          <a:p>
-            <a:pPr lvl="1"/>
-            <a:r>
-              <a:rPr lang="en-US" dirty="0"/>
-              <a:t>An array of 5 Strings (stored in the variable </a:t>
-            </a:r>
-            <a:r>
-              <a:rPr lang="en-US" dirty="0" err="1"/>
-              <a:t>fiveStrings</a:t>
-            </a:r>
-            <a:r>
-              <a:rPr lang="en-US" dirty="0"/>
-              <a:t>) would look like this:</a:t>
-            </a:r>
-            <a:br>
-              <a:rPr lang="en-US" dirty="0"/>
-            </a:br>
-            <a:r>
-              <a:rPr lang="en-US" sz="2600" dirty="0">
-                <a:latin typeface="Courier New" panose="02070309020205020404" pitchFamily="49" charset="0"/>
-                <a:cs typeface="Courier New" panose="02070309020205020404" pitchFamily="49" charset="0"/>
-              </a:rPr>
-              <a:t>String[] </a:t>
-            </a:r>
-            <a:r>
-              <a:rPr lang="en-US" sz="2600" dirty="0" err="1">
-                <a:latin typeface="Courier New" panose="02070309020205020404" pitchFamily="49" charset="0"/>
-                <a:cs typeface="Courier New" panose="02070309020205020404" pitchFamily="49" charset="0"/>
-              </a:rPr>
-              <a:t>fiveStrings</a:t>
-            </a:r>
-            <a:r>
-              <a:rPr lang="en-US" sz="2600" dirty="0">
-                <a:latin typeface="Courier New" panose="02070309020205020404" pitchFamily="49" charset="0"/>
-                <a:cs typeface="Courier New" panose="02070309020205020404" pitchFamily="49" charset="0"/>
-              </a:rPr>
-              <a:t> = </a:t>
-            </a:r>
-            <a:r>
-              <a:rPr lang="en-US" sz="2600" b="1" dirty="0">
-                <a:latin typeface="Courier New" panose="02070309020205020404" pitchFamily="49" charset="0"/>
-                <a:cs typeface="Courier New" panose="02070309020205020404" pitchFamily="49" charset="0"/>
-              </a:rPr>
-              <a:t>new</a:t>
-            </a:r>
-            <a:r>
-              <a:rPr lang="en-US" sz="2600" dirty="0">
-                <a:latin typeface="Courier New" panose="02070309020205020404" pitchFamily="49" charset="0"/>
-                <a:cs typeface="Courier New" panose="02070309020205020404" pitchFamily="49" charset="0"/>
-              </a:rPr>
-              <a:t> String[5];</a:t>
+              <a:t>Number of items is known and </a:t>
+            </a:r>
+            <a:r>
+              <a:rPr lang="en-US" b="1" dirty="0"/>
+              <a:t>will not change</a:t>
             </a:r>
           </a:p>
           <a:p>
@@ -7481,7 +7525,7 @@
           <p:cNvPr id="4" name="Slide Number Placeholder 3">
             <a:extLst>
               <a:ext uri="{FF2B5EF4-FFF2-40B4-BE49-F238E27FC236}">
-                <a16:creationId xmlns:a16="http://schemas.microsoft.com/office/drawing/2014/main" id="{CC6372EE-0846-4840-8656-5F5B8352E7D1}"/>
+                <a16:creationId xmlns:a16="http://schemas.microsoft.com/office/drawing/2014/main" id="{BC7B999D-7FA2-44AC-A6BC-351B63AF57FB}"/>
               </a:ext>
             </a:extLst>
           </p:cNvPr>
@@ -7509,7 +7553,7 @@
     </p:spTree>
     <p:extLst>
       <p:ext uri="{BB962C8B-B14F-4D97-AF65-F5344CB8AC3E}">
-        <p14:creationId xmlns:p14="http://schemas.microsoft.com/office/powerpoint/2010/main" val="464429888"/>
+        <p14:creationId xmlns:p14="http://schemas.microsoft.com/office/powerpoint/2010/main" val="3909450765"/>
       </p:ext>
     </p:extLst>
   </p:cSld>
@@ -7546,7 +7590,7 @@
       </p:grpSpPr>
       <p:sp>
         <p:nvSpPr>
-          <p:cNvPr id="66" name="Shape 66"/>
+          <p:cNvPr id="2" name="Title 1"/>
           <p:cNvSpPr>
             <a:spLocks noGrp="1"/>
           </p:cNvSpPr>
@@ -7554,32 +7598,21 @@
             <p:ph type="title"/>
           </p:nvPr>
         </p:nvSpPr>
-        <p:spPr>
-          <a:xfrm>
-            <a:off x="457200" y="160336"/>
-            <a:ext cx="8229600" cy="1143001"/>
-          </a:xfrm>
-          <a:prstGeom prst="rect">
-            <a:avLst/>
-          </a:prstGeom>
-        </p:spPr>
+        <p:spPr/>
         <p:txBody>
           <a:bodyPr/>
           <a:lstStyle/>
           <a:p>
-            <a:pPr lvl="0">
-              <a:defRPr sz="1800"/>
-            </a:pPr>
-            <a:r>
-              <a:rPr sz="4400" dirty="0"/>
-              <a:t>Array Examples Handout</a:t>
+            <a:r>
+              <a:rPr lang="en-US" dirty="0"/>
+              <a:t>Arrays- What, When, Why, &amp; How?</a:t>
             </a:r>
           </a:p>
         </p:txBody>
       </p:sp>
       <p:sp>
         <p:nvSpPr>
-          <p:cNvPr id="67" name="Shape 67"/>
+          <p:cNvPr id="3" name="Text Placeholder 2"/>
           <p:cNvSpPr>
             <a:spLocks noGrp="1"/>
           </p:cNvSpPr>
@@ -7589,212 +7622,178 @@
         </p:nvSpPr>
         <p:spPr>
           <a:xfrm>
-            <a:off x="457200" y="1018572"/>
-            <a:ext cx="8513180" cy="5107591"/>
+            <a:off x="457199" y="1222513"/>
+            <a:ext cx="8441473" cy="5635487"/>
           </a:xfrm>
-          <a:prstGeom prst="rect">
-            <a:avLst/>
-          </a:prstGeom>
         </p:spPr>
         <p:txBody>
           <a:bodyPr>
-            <a:normAutofit fontScale="70000" lnSpcReduction="20000"/>
+            <a:normAutofit/>
           </a:bodyPr>
           <a:lstStyle/>
           <a:p>
-            <a:pPr marL="514350" lvl="0" indent="-514350">
-              <a:buFont typeface="+mj-lt"/>
-              <a:buAutoNum type="arabicPeriod"/>
-              <a:defRPr sz="1800"/>
-            </a:pPr>
-            <a:r>
-              <a:rPr lang="en-US" sz="3600" dirty="0"/>
-              <a:t>Form groups of 2</a:t>
-            </a:r>
-          </a:p>
-          <a:p>
-            <a:pPr marL="514350" lvl="0" indent="-514350">
-              <a:buFont typeface="+mj-lt"/>
-              <a:buAutoNum type="arabicPeriod"/>
-              <a:defRPr sz="1800"/>
-            </a:pPr>
-            <a:r>
-              <a:rPr sz="3600" dirty="0"/>
-              <a:t>Look at the Array Examples Handout </a:t>
-            </a:r>
-            <a:r>
-              <a:rPr lang="en-US" sz="3600" dirty="0"/>
-              <a:t/>
+            <a:r>
+              <a:rPr lang="en-US" dirty="0"/>
+              <a:t>Why</a:t>
+            </a:r>
+          </a:p>
+          <a:p>
+            <a:pPr lvl="1"/>
+            <a:r>
+              <a:rPr lang="en-US" dirty="0"/>
+              <a:t>Avoids things like int1, int2, int3, int4</a:t>
+            </a:r>
+          </a:p>
+          <a:p>
+            <a:pPr lvl="1"/>
+            <a:r>
+              <a:rPr lang="en-US" dirty="0"/>
+              <a:t>Avoids repetitive code and frequent updates</a:t>
+            </a:r>
+          </a:p>
+          <a:p>
+            <a:r>
+              <a:rPr lang="en-US" dirty="0"/>
+              <a:t>How</a:t>
+            </a:r>
+          </a:p>
+          <a:p>
+            <a:pPr lvl="1"/>
+            <a:r>
+              <a:rPr lang="en-US" dirty="0">
+                <a:latin typeface="Courier New" panose="02070309020205020404" pitchFamily="49" charset="0"/>
+                <a:cs typeface="Courier New" panose="02070309020205020404" pitchFamily="49" charset="0"/>
+              </a:rPr>
+              <a:t>Type[] </a:t>
+            </a:r>
+            <a:r>
+              <a:rPr lang="en-US" dirty="0" err="1">
+                <a:latin typeface="Courier New" panose="02070309020205020404" pitchFamily="49" charset="0"/>
+                <a:cs typeface="Courier New" panose="02070309020205020404" pitchFamily="49" charset="0"/>
+              </a:rPr>
+              <a:t>arr</a:t>
+            </a:r>
+            <a:r>
+              <a:rPr lang="en-US" dirty="0">
+                <a:latin typeface="Courier New" panose="02070309020205020404" pitchFamily="49" charset="0"/>
+                <a:cs typeface="Courier New" panose="02070309020205020404" pitchFamily="49" charset="0"/>
+              </a:rPr>
+              <a:t> = </a:t>
+            </a:r>
+            <a:r>
+              <a:rPr lang="en-US" b="1" dirty="0">
+                <a:latin typeface="Courier New" panose="02070309020205020404" pitchFamily="49" charset="0"/>
+                <a:cs typeface="Courier New" panose="02070309020205020404" pitchFamily="49" charset="0"/>
+              </a:rPr>
+              <a:t>new</a:t>
+            </a:r>
+            <a:r>
+              <a:rPr lang="en-US" dirty="0">
+                <a:latin typeface="Courier New" panose="02070309020205020404" pitchFamily="49" charset="0"/>
+                <a:cs typeface="Courier New" panose="02070309020205020404" pitchFamily="49" charset="0"/>
+              </a:rPr>
+              <a:t> Type[num];</a:t>
+            </a:r>
+            <a:r>
+              <a:rPr lang="en-US" dirty="0"/>
+              <a:t> </a:t>
             </a:r>
             <a:br>
-              <a:rPr lang="en-US" sz="3600" dirty="0"/>
+              <a:rPr lang="en-US" dirty="0"/>
             </a:br>
             <a:r>
-              <a:rPr lang="en-US" sz="3600" dirty="0"/>
-              <a:t>Steps 1 – 3 of handout – Built-in Java Arrays</a:t>
-            </a:r>
-          </a:p>
-          <a:p>
-            <a:pPr marL="514350" lvl="0" indent="-514350">
-              <a:buFont typeface="+mj-lt"/>
-              <a:buAutoNum type="arabicPeriod"/>
-              <a:defRPr sz="1800"/>
-            </a:pPr>
-            <a:r>
-              <a:rPr sz="3600" dirty="0"/>
-              <a:t>Study how arrays are used and answer the questions in the quiz</a:t>
-            </a:r>
-            <a:r>
-              <a:rPr lang="en-US" sz="3600" dirty="0"/>
-              <a:t>:</a:t>
+              <a:rPr lang="en-US" dirty="0">
+                <a:sym typeface="Wingdings" panose="05000000000000000000" pitchFamily="2" charset="2"/>
+              </a:rPr>
+              <a:t>Creates a new array of type </a:t>
+            </a:r>
+            <a:r>
+              <a:rPr lang="en-US" dirty="0" err="1">
+                <a:sym typeface="Wingdings" panose="05000000000000000000" pitchFamily="2" charset="2"/>
+              </a:rPr>
+              <a:t>Type</a:t>
+            </a:r>
+            <a:r>
+              <a:rPr lang="en-US" dirty="0">
+                <a:sym typeface="Wingdings" panose="05000000000000000000" pitchFamily="2" charset="2"/>
+              </a:rPr>
+              <a:t> stored in variable </a:t>
+            </a:r>
+            <a:r>
+              <a:rPr lang="en-US" dirty="0" err="1">
+                <a:sym typeface="Wingdings" panose="05000000000000000000" pitchFamily="2" charset="2"/>
+              </a:rPr>
+              <a:t>arr</a:t>
+            </a:r>
+            <a:endParaRPr lang="en-US" dirty="0">
+              <a:sym typeface="Wingdings" panose="05000000000000000000" pitchFamily="2" charset="2"/>
+            </a:endParaRPr>
+          </a:p>
+          <a:p>
+            <a:pPr lvl="1"/>
+            <a:r>
+              <a:rPr lang="en-US" dirty="0"/>
+              <a:t>An array of 5 Strings (stored in the variable </a:t>
+            </a:r>
+            <a:r>
+              <a:rPr lang="en-US" dirty="0" err="1"/>
+              <a:t>fiveStrings</a:t>
+            </a:r>
+            <a:r>
+              <a:rPr lang="en-US" dirty="0"/>
+              <a:t>) would look like this:</a:t>
             </a:r>
             <a:br>
-              <a:rPr lang="en-US" sz="3600" dirty="0"/>
+              <a:rPr lang="en-US" dirty="0"/>
             </a:br>
             <a:r>
-              <a:rPr lang="en-US" sz="3600" i="1" dirty="0"/>
-              <a:t>FIRST PAGE OF QUIZ ONLY</a:t>
-            </a:r>
-          </a:p>
-          <a:p>
-            <a:pPr marL="514350" lvl="0" indent="-514350">
-              <a:buFont typeface="+mj-lt"/>
-              <a:buAutoNum type="arabicPeriod"/>
-              <a:defRPr sz="1800"/>
-            </a:pPr>
-            <a:r>
-              <a:rPr lang="en-US" sz="3600" dirty="0"/>
-              <a:t>Step 3 of handout:</a:t>
-            </a:r>
-            <a:r>
-              <a:rPr lang="pl-PL" sz="3600" dirty="0"/>
-              <a:t> </a:t>
-            </a:r>
-            <a:r>
-              <a:rPr lang="pl-PL" sz="3600" dirty="0">
-                <a:hlinkClick r:id="rId2"/>
-              </a:rPr>
-              <a:t>http://codingbat.com/java/Array-2</a:t>
-            </a:r>
-            <a:endParaRPr lang="en-US" sz="3600" dirty="0"/>
-          </a:p>
-          <a:p>
-            <a:pPr marL="1012371" lvl="1" indent="-571500">
-              <a:defRPr sz="1800"/>
-            </a:pPr>
-            <a:r>
-              <a:rPr lang="en-US" sz="3600" dirty="0"/>
-              <a:t>Work in your groups to solve:</a:t>
-            </a:r>
-            <a:br>
-              <a:rPr lang="en-US" sz="3600" dirty="0"/>
-            </a:br>
-            <a:r>
-              <a:rPr lang="en-US" sz="3600" dirty="0"/>
-              <a:t> </a:t>
-            </a:r>
-            <a:r>
-              <a:rPr lang="en-US" sz="3600" i="1" dirty="0"/>
-              <a:t>fizArray3</a:t>
-            </a:r>
-            <a:r>
-              <a:rPr lang="en-US" sz="3600" dirty="0"/>
-              <a:t>, </a:t>
-            </a:r>
-            <a:r>
-              <a:rPr lang="en-US" sz="3600" i="1" dirty="0" err="1"/>
-              <a:t>bigDiff</a:t>
-            </a:r>
-            <a:r>
-              <a:rPr lang="en-US" sz="3600" dirty="0"/>
-              <a:t>, </a:t>
-            </a:r>
-            <a:r>
-              <a:rPr lang="en-US" sz="3600" i="1" dirty="0" err="1"/>
-              <a:t>shiftLeft</a:t>
-            </a:r>
-            <a:endParaRPr lang="en-US" sz="3600" i="1" dirty="0"/>
-          </a:p>
-          <a:p>
-            <a:pPr marL="1012371" lvl="1" indent="-571500">
-              <a:defRPr sz="1800"/>
-            </a:pPr>
-            <a:r>
-              <a:rPr lang="en-US" sz="3600" dirty="0"/>
-              <a:t>If you finish early, try: </a:t>
-            </a:r>
-            <a:r>
-              <a:rPr lang="en-US" sz="3600" i="1" dirty="0" err="1"/>
-              <a:t>zeroFront</a:t>
-            </a:r>
-            <a:endParaRPr lang="en-US" sz="3600" i="1" dirty="0"/>
-          </a:p>
-          <a:p>
-            <a:pPr marL="1012371" lvl="1" indent="-571500">
-              <a:defRPr sz="1800"/>
-            </a:pPr>
-            <a:r>
-              <a:rPr lang="en-US" sz="3600" dirty="0"/>
-              <a:t>Save your </a:t>
-            </a:r>
-            <a:r>
-              <a:rPr lang="en-US" sz="3600" dirty="0" err="1"/>
-              <a:t>codingbat</a:t>
-            </a:r>
-            <a:r>
-              <a:rPr lang="en-US" sz="3600" dirty="0"/>
-              <a:t> work by copy and </a:t>
-            </a:r>
-            <a:r>
-              <a:rPr lang="en-US" sz="3600" dirty="0" smtClean="0"/>
-              <a:t>paste</a:t>
-            </a:r>
-          </a:p>
-          <a:p>
-            <a:pPr marL="1447800" lvl="2" indent="-571500">
-              <a:defRPr sz="1800"/>
-            </a:pPr>
-            <a:r>
-              <a:rPr lang="en-US" sz="3600" b="1" u="sng" dirty="0" smtClean="0"/>
-              <a:t>Add to CodingBatPractice.java</a:t>
-            </a:r>
-            <a:endParaRPr lang="en-US" sz="3600" b="1" u="sng" dirty="0"/>
-          </a:p>
-          <a:p>
-            <a:pPr marL="742950" indent="-742950">
-              <a:buFont typeface="+mj-lt"/>
-              <a:buAutoNum type="arabicPeriod"/>
-              <a:defRPr sz="1800"/>
-            </a:pPr>
-            <a:r>
-              <a:rPr lang="en-US" sz="3600" dirty="0"/>
-              <a:t>At bell: we move on to </a:t>
-            </a:r>
-            <a:r>
-              <a:rPr lang="en-US" sz="3600" dirty="0" err="1"/>
-              <a:t>ArrayLists</a:t>
-            </a:r>
-            <a:r>
-              <a:rPr lang="en-US" sz="3600" dirty="0"/>
-              <a:t/>
-            </a:r>
-            <a:br>
-              <a:rPr lang="en-US" sz="3600" dirty="0"/>
-            </a:br>
-            <a:r>
-              <a:rPr lang="en-US" sz="3600" dirty="0"/>
-              <a:t>Steps 4 – 7 of handout</a:t>
-            </a:r>
-            <a:endParaRPr sz="3600" dirty="0"/>
+              <a:rPr lang="en-US" sz="2600" dirty="0">
+                <a:latin typeface="Courier New" panose="02070309020205020404" pitchFamily="49" charset="0"/>
+                <a:cs typeface="Courier New" panose="02070309020205020404" pitchFamily="49" charset="0"/>
+              </a:rPr>
+              <a:t>String[] </a:t>
+            </a:r>
+            <a:r>
+              <a:rPr lang="en-US" sz="2600" dirty="0" err="1">
+                <a:latin typeface="Courier New" panose="02070309020205020404" pitchFamily="49" charset="0"/>
+                <a:cs typeface="Courier New" panose="02070309020205020404" pitchFamily="49" charset="0"/>
+              </a:rPr>
+              <a:t>fiveStrings</a:t>
+            </a:r>
+            <a:r>
+              <a:rPr lang="en-US" sz="2600" dirty="0">
+                <a:latin typeface="Courier New" panose="02070309020205020404" pitchFamily="49" charset="0"/>
+                <a:cs typeface="Courier New" panose="02070309020205020404" pitchFamily="49" charset="0"/>
+              </a:rPr>
+              <a:t> = </a:t>
+            </a:r>
+            <a:r>
+              <a:rPr lang="en-US" sz="2600" b="1" dirty="0">
+                <a:latin typeface="Courier New" panose="02070309020205020404" pitchFamily="49" charset="0"/>
+                <a:cs typeface="Courier New" panose="02070309020205020404" pitchFamily="49" charset="0"/>
+              </a:rPr>
+              <a:t>new</a:t>
+            </a:r>
+            <a:r>
+              <a:rPr lang="en-US" sz="2600" dirty="0">
+                <a:latin typeface="Courier New" panose="02070309020205020404" pitchFamily="49" charset="0"/>
+                <a:cs typeface="Courier New" panose="02070309020205020404" pitchFamily="49" charset="0"/>
+              </a:rPr>
+              <a:t> String[5];</a:t>
+            </a:r>
+          </a:p>
+          <a:p>
+            <a:pPr lvl="1"/>
+            <a:endParaRPr lang="en-US" dirty="0"/>
           </a:p>
         </p:txBody>
       </p:sp>
       <p:sp>
         <p:nvSpPr>
-          <p:cNvPr id="2" name="Slide Number Placeholder 1">
+          <p:cNvPr id="4" name="Slide Number Placeholder 3">
             <a:extLst>
               <a:ext uri="{FF2B5EF4-FFF2-40B4-BE49-F238E27FC236}">
-                <a16:creationId xmlns:a16="http://schemas.microsoft.com/office/drawing/2014/main" id="{703795F1-98D4-428C-9454-9CC53AC16D9E}"/>
+                <a16:creationId xmlns:a16="http://schemas.microsoft.com/office/drawing/2014/main" id="{CC6372EE-0846-4840-8656-5F5B8352E7D1}"/>
               </a:ext>
             </a:extLst>
           </p:cNvPr>
@@ -7820,6 +7819,11 @@
         </p:txBody>
       </p:sp>
     </p:spTree>
+    <p:extLst>
+      <p:ext uri="{BB962C8B-B14F-4D97-AF65-F5344CB8AC3E}">
+        <p14:creationId xmlns:p14="http://schemas.microsoft.com/office/powerpoint/2010/main" val="464429888"/>
+      </p:ext>
+    </p:extLst>
   </p:cSld>
   <p:clrMapOvr>
     <a:masterClrMapping/>
@@ -8265,6 +8269,314 @@
       </p:grpSpPr>
       <p:sp>
         <p:nvSpPr>
+          <p:cNvPr id="66" name="Shape 66"/>
+          <p:cNvSpPr>
+            <a:spLocks noGrp="1"/>
+          </p:cNvSpPr>
+          <p:nvPr>
+            <p:ph type="title"/>
+          </p:nvPr>
+        </p:nvSpPr>
+        <p:spPr>
+          <a:xfrm>
+            <a:off x="457200" y="160336"/>
+            <a:ext cx="8229600" cy="1143001"/>
+          </a:xfrm>
+          <a:prstGeom prst="rect">
+            <a:avLst/>
+          </a:prstGeom>
+        </p:spPr>
+        <p:txBody>
+          <a:bodyPr/>
+          <a:lstStyle/>
+          <a:p>
+            <a:pPr lvl="0">
+              <a:defRPr sz="1800"/>
+            </a:pPr>
+            <a:r>
+              <a:rPr sz="4400" dirty="0"/>
+              <a:t>Array Examples Handout</a:t>
+            </a:r>
+          </a:p>
+        </p:txBody>
+      </p:sp>
+      <p:sp>
+        <p:nvSpPr>
+          <p:cNvPr id="67" name="Shape 67"/>
+          <p:cNvSpPr>
+            <a:spLocks noGrp="1"/>
+          </p:cNvSpPr>
+          <p:nvPr>
+            <p:ph type="body" idx="1"/>
+          </p:nvPr>
+        </p:nvSpPr>
+        <p:spPr>
+          <a:xfrm>
+            <a:off x="457200" y="1018572"/>
+            <a:ext cx="8513180" cy="5107591"/>
+          </a:xfrm>
+          <a:prstGeom prst="rect">
+            <a:avLst/>
+          </a:prstGeom>
+        </p:spPr>
+        <p:txBody>
+          <a:bodyPr>
+            <a:normAutofit fontScale="70000" lnSpcReduction="20000"/>
+          </a:bodyPr>
+          <a:lstStyle/>
+          <a:p>
+            <a:pPr marL="514350" lvl="0" indent="-514350">
+              <a:buFont typeface="+mj-lt"/>
+              <a:buAutoNum type="arabicPeriod"/>
+              <a:defRPr sz="1800"/>
+            </a:pPr>
+            <a:r>
+              <a:rPr lang="en-US" sz="3600" dirty="0"/>
+              <a:t>Form groups of 2</a:t>
+            </a:r>
+          </a:p>
+          <a:p>
+            <a:pPr marL="514350" lvl="0" indent="-514350">
+              <a:buFont typeface="+mj-lt"/>
+              <a:buAutoNum type="arabicPeriod"/>
+              <a:defRPr sz="1800"/>
+            </a:pPr>
+            <a:r>
+              <a:rPr sz="3600" dirty="0"/>
+              <a:t>Look at the Array Examples Handout </a:t>
+            </a:r>
+            <a:r>
+              <a:rPr lang="en-US" sz="3600" dirty="0"/>
+              <a:t/>
+            </a:r>
+            <a:br>
+              <a:rPr lang="en-US" sz="3600" dirty="0"/>
+            </a:br>
+            <a:r>
+              <a:rPr lang="en-US" sz="3600" dirty="0"/>
+              <a:t>Steps 1 – 3 of handout – Built-in Java Arrays</a:t>
+            </a:r>
+          </a:p>
+          <a:p>
+            <a:pPr marL="514350" lvl="0" indent="-514350">
+              <a:buFont typeface="+mj-lt"/>
+              <a:buAutoNum type="arabicPeriod"/>
+              <a:defRPr sz="1800"/>
+            </a:pPr>
+            <a:r>
+              <a:rPr sz="3600" dirty="0"/>
+              <a:t>Study how arrays are used and answer the questions in the quiz</a:t>
+            </a:r>
+            <a:r>
+              <a:rPr lang="en-US" sz="3600" dirty="0"/>
+              <a:t>:</a:t>
+            </a:r>
+            <a:br>
+              <a:rPr lang="en-US" sz="3600" dirty="0"/>
+            </a:br>
+            <a:r>
+              <a:rPr lang="en-US" sz="3600" i="1" dirty="0"/>
+              <a:t>FIRST PAGE OF QUIZ ONLY</a:t>
+            </a:r>
+          </a:p>
+          <a:p>
+            <a:pPr marL="514350" lvl="0" indent="-514350">
+              <a:buFont typeface="+mj-lt"/>
+              <a:buAutoNum type="arabicPeriod"/>
+              <a:defRPr sz="1800"/>
+            </a:pPr>
+            <a:r>
+              <a:rPr lang="en-US" sz="3600" dirty="0"/>
+              <a:t>Step 3 of handout:</a:t>
+            </a:r>
+            <a:r>
+              <a:rPr lang="pl-PL" sz="3600" dirty="0"/>
+              <a:t> </a:t>
+            </a:r>
+            <a:r>
+              <a:rPr lang="pl-PL" sz="3600" dirty="0">
+                <a:hlinkClick r:id="rId2"/>
+              </a:rPr>
+              <a:t>http://codingbat.com/java/Array-2</a:t>
+            </a:r>
+            <a:endParaRPr lang="en-US" sz="3600" dirty="0"/>
+          </a:p>
+          <a:p>
+            <a:pPr marL="1012371" lvl="1" indent="-571500">
+              <a:defRPr sz="1800"/>
+            </a:pPr>
+            <a:r>
+              <a:rPr lang="en-US" sz="3600" dirty="0"/>
+              <a:t>Work in your groups to solve:</a:t>
+            </a:r>
+            <a:br>
+              <a:rPr lang="en-US" sz="3600" dirty="0"/>
+            </a:br>
+            <a:r>
+              <a:rPr lang="en-US" sz="3600" dirty="0"/>
+              <a:t> </a:t>
+            </a:r>
+            <a:r>
+              <a:rPr lang="en-US" sz="3600" i="1" dirty="0"/>
+              <a:t>fizArray3</a:t>
+            </a:r>
+            <a:r>
+              <a:rPr lang="en-US" sz="3600" dirty="0"/>
+              <a:t>, </a:t>
+            </a:r>
+            <a:r>
+              <a:rPr lang="en-US" sz="3600" i="1" dirty="0" err="1"/>
+              <a:t>bigDiff</a:t>
+            </a:r>
+            <a:r>
+              <a:rPr lang="en-US" sz="3600" dirty="0"/>
+              <a:t>, </a:t>
+            </a:r>
+            <a:r>
+              <a:rPr lang="en-US" sz="3600" i="1" dirty="0" err="1"/>
+              <a:t>shiftLeft</a:t>
+            </a:r>
+            <a:endParaRPr lang="en-US" sz="3600" i="1" dirty="0"/>
+          </a:p>
+          <a:p>
+            <a:pPr marL="1012371" lvl="1" indent="-571500">
+              <a:defRPr sz="1800"/>
+            </a:pPr>
+            <a:r>
+              <a:rPr lang="en-US" sz="3600" dirty="0"/>
+              <a:t>If you finish early, try: </a:t>
+            </a:r>
+            <a:r>
+              <a:rPr lang="en-US" sz="3600" i="1" dirty="0" err="1"/>
+              <a:t>zeroFront</a:t>
+            </a:r>
+            <a:endParaRPr lang="en-US" sz="3600" i="1" dirty="0"/>
+          </a:p>
+          <a:p>
+            <a:pPr marL="1012371" lvl="1" indent="-571500">
+              <a:defRPr sz="1800"/>
+            </a:pPr>
+            <a:r>
+              <a:rPr lang="en-US" sz="3600" dirty="0"/>
+              <a:t>Save your </a:t>
+            </a:r>
+            <a:r>
+              <a:rPr lang="en-US" sz="3600" dirty="0" err="1"/>
+              <a:t>codingbat</a:t>
+            </a:r>
+            <a:r>
+              <a:rPr lang="en-US" sz="3600" dirty="0"/>
+              <a:t> work by copy and </a:t>
+            </a:r>
+            <a:r>
+              <a:rPr lang="en-US" sz="3600" dirty="0" smtClean="0"/>
+              <a:t>paste</a:t>
+            </a:r>
+          </a:p>
+          <a:p>
+            <a:pPr marL="1447800" lvl="2" indent="-571500">
+              <a:defRPr sz="1800"/>
+            </a:pPr>
+            <a:r>
+              <a:rPr lang="en-US" sz="3600" b="1" u="sng" dirty="0" smtClean="0"/>
+              <a:t>Add to CodingBatPractice.java</a:t>
+            </a:r>
+            <a:endParaRPr lang="en-US" sz="3600" b="1" u="sng" dirty="0"/>
+          </a:p>
+          <a:p>
+            <a:pPr marL="742950" indent="-742950">
+              <a:buFont typeface="+mj-lt"/>
+              <a:buAutoNum type="arabicPeriod"/>
+              <a:defRPr sz="1800"/>
+            </a:pPr>
+            <a:r>
+              <a:rPr lang="en-US" sz="3600" dirty="0"/>
+              <a:t>At bell: we move on to </a:t>
+            </a:r>
+            <a:r>
+              <a:rPr lang="en-US" sz="3600" dirty="0" err="1"/>
+              <a:t>ArrayLists</a:t>
+            </a:r>
+            <a:r>
+              <a:rPr lang="en-US" sz="3600" dirty="0"/>
+              <a:t/>
+            </a:r>
+            <a:br>
+              <a:rPr lang="en-US" sz="3600" dirty="0"/>
+            </a:br>
+            <a:r>
+              <a:rPr lang="en-US" sz="3600" dirty="0"/>
+              <a:t>Steps 4 – 7 of handout</a:t>
+            </a:r>
+            <a:endParaRPr sz="3600" dirty="0"/>
+          </a:p>
+        </p:txBody>
+      </p:sp>
+      <p:sp>
+        <p:nvSpPr>
+          <p:cNvPr id="2" name="Slide Number Placeholder 1">
+            <a:extLst>
+              <a:ext uri="{FF2B5EF4-FFF2-40B4-BE49-F238E27FC236}">
+                <a16:creationId xmlns:a16="http://schemas.microsoft.com/office/drawing/2014/main" id="{703795F1-98D4-428C-9454-9CC53AC16D9E}"/>
+              </a:ext>
+            </a:extLst>
+          </p:cNvPr>
+          <p:cNvSpPr>
+            <a:spLocks noGrp="1"/>
+          </p:cNvSpPr>
+          <p:nvPr>
+            <p:ph type="sldNum" sz="quarter" idx="2"/>
+          </p:nvPr>
+        </p:nvSpPr>
+        <p:spPr/>
+        <p:txBody>
+          <a:bodyPr/>
+          <a:lstStyle/>
+          <a:p>
+            <a:pPr lvl="0"/>
+            <a:fld id="{86CB4B4D-7CA3-9044-876B-883B54F8677D}" type="slidenum">
+              <a:rPr lang="en-US" smtClean="0"/>
+              <a:t>20</a:t>
+            </a:fld>
+            <a:endParaRPr lang="en-US"/>
+          </a:p>
+        </p:txBody>
+      </p:sp>
+    </p:spTree>
+  </p:cSld>
+  <p:clrMapOvr>
+    <a:masterClrMapping/>
+  </p:clrMapOvr>
+  <p:transition spd="med"/>
+  <p:timing>
+    <p:tnLst>
+      <p:par>
+        <p:cTn id="1" dur="indefinite" restart="never" nodeType="tmRoot"/>
+      </p:par>
+    </p:tnLst>
+  </p:timing>
+</p:sld>
+</file>
+
+<file path=ppt/slides/slide21.xml><?xml version="1.0" encoding="utf-8"?>
+<p:sld xmlns:a="http://schemas.openxmlformats.org/drawingml/2006/main" xmlns:r="http://schemas.openxmlformats.org/officeDocument/2006/relationships" xmlns:p="http://schemas.openxmlformats.org/presentationml/2006/main">
+  <p:cSld>
+    <p:spTree>
+      <p:nvGrpSpPr>
+        <p:cNvPr id="1" name=""/>
+        <p:cNvGrpSpPr/>
+        <p:nvPr/>
+      </p:nvGrpSpPr>
+      <p:grpSpPr>
+        <a:xfrm>
+          <a:off x="0" y="0"/>
+          <a:ext cx="0" cy="0"/>
+          <a:chOff x="0" y="0"/>
+          <a:chExt cx="0" cy="0"/>
+        </a:xfrm>
+      </p:grpSpPr>
+      <p:sp>
+        <p:nvSpPr>
           <p:cNvPr id="74" name="Shape 74"/>
           <p:cNvSpPr>
             <a:spLocks noGrp="1"/>
@@ -8593,7 +8905,7 @@
             <a:pPr lvl="0"/>
             <a:fld id="{86CB4B4D-7CA3-9044-876B-883B54F8677D}" type="slidenum">
               <a:rPr lang="en-US" smtClean="0"/>
-              <a:t>20</a:t>
+              <a:t>21</a:t>
             </a:fld>
             <a:endParaRPr lang="en-US"/>
           </a:p>
@@ -8615,7 +8927,7 @@
 </p:sld>
 </file>
 
-<file path=ppt/slides/slide21.xml><?xml version="1.0" encoding="utf-8"?>
+<file path=ppt/slides/slide22.xml><?xml version="1.0" encoding="utf-8"?>
 <p:sld xmlns:a="http://schemas.openxmlformats.org/drawingml/2006/main" xmlns:r="http://schemas.openxmlformats.org/officeDocument/2006/relationships" xmlns:p="http://schemas.openxmlformats.org/presentationml/2006/main">
   <p:cSld>
     <p:spTree>
@@ -9203,7 +9515,7 @@
             <a:effectLst/>
             <a:extLst>
               <a:ext uri="{C572A759-6A51-4108-AA02-DFA0A04FC94B}">
-                <ma14:wrappingTextBoxFlag xmlns:ma14="http://schemas.microsoft.com/office/mac/drawingml/2011/main" xmlns="" val="1"/>
+                <ma14:wrappingTextBoxFlag xmlns="" xmlns:ma14="http://schemas.microsoft.com/office/mac/drawingml/2011/main" val="1"/>
               </a:ext>
             </a:extLst>
           </p:spPr>
@@ -9390,7 +9702,7 @@
             <a:effectLst/>
             <a:extLst>
               <a:ext uri="{C572A759-6A51-4108-AA02-DFA0A04FC94B}">
-                <ma14:wrappingTextBoxFlag xmlns:ma14="http://schemas.microsoft.com/office/mac/drawingml/2011/main" xmlns="" val="1"/>
+                <ma14:wrappingTextBoxFlag xmlns="" xmlns:ma14="http://schemas.microsoft.com/office/mac/drawingml/2011/main" val="1"/>
               </a:ext>
             </a:extLst>
           </p:spPr>
@@ -9501,7 +9813,7 @@
             <a:pPr lvl="0"/>
             <a:fld id="{86CB4B4D-7CA3-9044-876B-883B54F8677D}" type="slidenum">
               <a:rPr lang="en-US" smtClean="0"/>
-              <a:t>21</a:t>
+              <a:t>22</a:t>
             </a:fld>
             <a:endParaRPr lang="en-US"/>
           </a:p>
@@ -9523,7 +9835,7 @@
 </p:sld>
 </file>
 
-<file path=ppt/slides/slide22.xml><?xml version="1.0" encoding="utf-8"?>
+<file path=ppt/slides/slide23.xml><?xml version="1.0" encoding="utf-8"?>
 <p:sld xmlns:a="http://schemas.openxmlformats.org/drawingml/2006/main" xmlns:r="http://schemas.openxmlformats.org/officeDocument/2006/relationships" xmlns:p="http://schemas.openxmlformats.org/presentationml/2006/main">
   <p:cSld>
     <p:spTree>
@@ -9611,15 +9923,6 @@
               </a:rPr>
               <a:t>];</a:t>
             </a:r>
-            <a:endParaRPr lang="en-US" sz="3600" b="1" dirty="0">
-              <a:solidFill>
-                <a:srgbClr val="9BBB59"/>
-              </a:solidFill>
-              <a:latin typeface="Courier New" panose="02070309020205020404" pitchFamily="49" charset="0"/>
-              <a:ea typeface="Consolas"/>
-              <a:cs typeface="Courier New" panose="02070309020205020404" pitchFamily="49" charset="0"/>
-              <a:sym typeface="Consolas"/>
-            </a:endParaRPr>
           </a:p>
         </p:txBody>
       </p:sp>
@@ -9641,7 +9944,7 @@
             <a:pPr lvl="0"/>
             <a:fld id="{86CB4B4D-7CA3-9044-876B-883B54F8677D}" type="slidenum">
               <a:rPr lang="en-US" smtClean="0"/>
-              <a:t>22</a:t>
+              <a:t>23</a:t>
             </a:fld>
             <a:endParaRPr lang="en-US"/>
           </a:p>
@@ -9734,11 +10037,6 @@
               </a:rPr>
               <a:t> construct any Dogs.  It just allocates space for referring to Dogs (all the Dogs start out as null )</a:t>
             </a:r>
-            <a:endParaRPr lang="en-US" sz="2400" dirty="0">
-              <a:solidFill>
-                <a:schemeClr val="tx1"/>
-              </a:solidFill>
-            </a:endParaRPr>
           </a:p>
         </p:txBody>
       </p:sp>
@@ -10375,7 +10673,7 @@
 </p:sld>
 </file>
 
-<file path=ppt/slides/slide23.xml><?xml version="1.0" encoding="utf-8"?>
+<file path=ppt/slides/slide24.xml><?xml version="1.0" encoding="utf-8"?>
 <p:sld xmlns:a="http://schemas.openxmlformats.org/drawingml/2006/main" xmlns:r="http://schemas.openxmlformats.org/officeDocument/2006/relationships" xmlns:p="http://schemas.openxmlformats.org/presentationml/2006/main">
   <p:cSld>
     <p:spTree>
@@ -10845,7 +11143,7 @@
             <a:effectLst/>
             <a:extLst>
               <a:ext uri="{C572A759-6A51-4108-AA02-DFA0A04FC94B}">
-                <ma14:wrappingTextBoxFlag xmlns:ma14="http://schemas.microsoft.com/office/mac/drawingml/2011/main" xmlns="" val="1"/>
+                <ma14:wrappingTextBoxFlag xmlns="" xmlns:ma14="http://schemas.microsoft.com/office/mac/drawingml/2011/main" val="1"/>
               </a:ext>
             </a:extLst>
           </p:spPr>
@@ -11040,7 +11338,7 @@
             <a:effectLst/>
             <a:extLst>
               <a:ext uri="{C572A759-6A51-4108-AA02-DFA0A04FC94B}">
-                <ma14:wrappingTextBoxFlag xmlns:ma14="http://schemas.microsoft.com/office/mac/drawingml/2011/main" xmlns="" val="1"/>
+                <ma14:wrappingTextBoxFlag xmlns="" xmlns:ma14="http://schemas.microsoft.com/office/mac/drawingml/2011/main" val="1"/>
               </a:ext>
             </a:extLst>
           </p:spPr>
@@ -11227,7 +11525,7 @@
             <a:effectLst/>
             <a:extLst>
               <a:ext uri="{C572A759-6A51-4108-AA02-DFA0A04FC94B}">
-                <ma14:wrappingTextBoxFlag xmlns:ma14="http://schemas.microsoft.com/office/mac/drawingml/2011/main" xmlns="" val="1"/>
+                <ma14:wrappingTextBoxFlag xmlns="" xmlns:ma14="http://schemas.microsoft.com/office/mac/drawingml/2011/main" val="1"/>
               </a:ext>
             </a:extLst>
           </p:spPr>
@@ -11288,7 +11586,7 @@
             <a:pPr lvl="0"/>
             <a:fld id="{86CB4B4D-7CA3-9044-876B-883B54F8677D}" type="slidenum">
               <a:rPr lang="en-US" smtClean="0"/>
-              <a:t>23</a:t>
+              <a:t>24</a:t>
             </a:fld>
             <a:endParaRPr lang="en-US"/>
           </a:p>
@@ -11310,7 +11608,7 @@
 </p:sld>
 </file>
 
-<file path=ppt/slides/slide24.xml><?xml version="1.0" encoding="utf-8"?>
+<file path=ppt/slides/slide25.xml><?xml version="1.0" encoding="utf-8"?>
 <p:sld xmlns:a="http://schemas.openxmlformats.org/drawingml/2006/main" xmlns:r="http://schemas.openxmlformats.org/officeDocument/2006/relationships" xmlns:p="http://schemas.openxmlformats.org/presentationml/2006/main">
   <p:cSld>
     <p:spTree>
@@ -11753,191 +12051,13 @@
             <a:pPr lvl="0"/>
             <a:fld id="{86CB4B4D-7CA3-9044-876B-883B54F8677D}" type="slidenum">
               <a:rPr lang="en-US" smtClean="0"/>
-              <a:t>24</a:t>
+              <a:t>25</a:t>
             </a:fld>
             <a:endParaRPr lang="en-US"/>
           </a:p>
         </p:txBody>
       </p:sp>
     </p:spTree>
-  </p:cSld>
-  <p:clrMapOvr>
-    <a:masterClrMapping/>
-  </p:clrMapOvr>
-  <p:transition spd="med"/>
-  <p:timing>
-    <p:tnLst>
-      <p:par>
-        <p:cTn id="1" dur="indefinite" restart="never" nodeType="tmRoot"/>
-      </p:par>
-    </p:tnLst>
-  </p:timing>
-</p:sld>
-</file>
-
-<file path=ppt/slides/slide25.xml><?xml version="1.0" encoding="utf-8"?>
-<p:sld xmlns:a="http://schemas.openxmlformats.org/drawingml/2006/main" xmlns:r="http://schemas.openxmlformats.org/officeDocument/2006/relationships" xmlns:p="http://schemas.openxmlformats.org/presentationml/2006/main">
-  <p:cSld>
-    <p:spTree>
-      <p:nvGrpSpPr>
-        <p:cNvPr id="1" name=""/>
-        <p:cNvGrpSpPr/>
-        <p:nvPr/>
-      </p:nvGrpSpPr>
-      <p:grpSpPr>
-        <a:xfrm>
-          <a:off x="0" y="0"/>
-          <a:ext cx="0" cy="0"/>
-          <a:chOff x="0" y="0"/>
-          <a:chExt cx="0" cy="0"/>
-        </a:xfrm>
-      </p:grpSpPr>
-      <p:sp>
-        <p:nvSpPr>
-          <p:cNvPr id="2" name="Title 1"/>
-          <p:cNvSpPr>
-            <a:spLocks noGrp="1"/>
-          </p:cNvSpPr>
-          <p:nvPr>
-            <p:ph type="title"/>
-          </p:nvPr>
-        </p:nvSpPr>
-        <p:spPr/>
-        <p:txBody>
-          <a:bodyPr>
-            <a:normAutofit/>
-          </a:bodyPr>
-          <a:lstStyle/>
-          <a:p>
-            <a:r>
-              <a:rPr lang="en-US" sz="4000" dirty="0" err="1"/>
-              <a:t>ArrayList</a:t>
-            </a:r>
-            <a:r>
-              <a:rPr lang="en-US" sz="4000" dirty="0"/>
-              <a:t>- What, When, Why, &amp; How?</a:t>
-            </a:r>
-          </a:p>
-        </p:txBody>
-      </p:sp>
-      <p:sp>
-        <p:nvSpPr>
-          <p:cNvPr id="3" name="Text Placeholder 2"/>
-          <p:cNvSpPr>
-            <a:spLocks noGrp="1"/>
-          </p:cNvSpPr>
-          <p:nvPr>
-            <p:ph type="body" idx="1"/>
-          </p:nvPr>
-        </p:nvSpPr>
-        <p:spPr>
-          <a:xfrm>
-            <a:off x="0" y="1331843"/>
-            <a:ext cx="9144000" cy="5526157"/>
-          </a:xfrm>
-        </p:spPr>
-        <p:txBody>
-          <a:bodyPr>
-            <a:normAutofit/>
-          </a:bodyPr>
-          <a:lstStyle/>
-          <a:p>
-            <a:r>
-              <a:rPr lang="en-US" dirty="0"/>
-              <a:t>What</a:t>
-            </a:r>
-          </a:p>
-          <a:p>
-            <a:pPr lvl="1"/>
-            <a:r>
-              <a:rPr lang="en-US" dirty="0"/>
-              <a:t>A class in a Java library used to hold a collection of items of a specified type</a:t>
-            </a:r>
-          </a:p>
-          <a:p>
-            <a:pPr lvl="1"/>
-            <a:r>
-              <a:rPr lang="en-US" dirty="0"/>
-              <a:t>Allows variable number of items</a:t>
-            </a:r>
-          </a:p>
-          <a:p>
-            <a:pPr lvl="1"/>
-            <a:r>
-              <a:rPr lang="en-US" dirty="0"/>
-              <a:t>Fast random access</a:t>
-            </a:r>
-          </a:p>
-          <a:p>
-            <a:r>
-              <a:rPr lang="en-US" dirty="0"/>
-              <a:t>When</a:t>
-            </a:r>
-          </a:p>
-          <a:p>
-            <a:pPr lvl="1"/>
-            <a:r>
-              <a:rPr lang="en-US" dirty="0"/>
-              <a:t>Use when you need to store multiple items of the same type</a:t>
-            </a:r>
-          </a:p>
-          <a:p>
-            <a:pPr lvl="1"/>
-            <a:r>
-              <a:rPr lang="en-US" dirty="0"/>
-              <a:t>Number of items is </a:t>
-            </a:r>
-            <a:r>
-              <a:rPr lang="en-US" dirty="0">
-                <a:highlight>
-                  <a:srgbClr val="FFFF00"/>
-                </a:highlight>
-              </a:rPr>
-              <a:t>not known/will change</a:t>
-            </a:r>
-          </a:p>
-          <a:p>
-            <a:pPr lvl="1"/>
-            <a:endParaRPr lang="en-US" dirty="0"/>
-          </a:p>
-        </p:txBody>
-      </p:sp>
-      <p:sp>
-        <p:nvSpPr>
-          <p:cNvPr id="4" name="Slide Number Placeholder 3">
-            <a:extLst>
-              <a:ext uri="{FF2B5EF4-FFF2-40B4-BE49-F238E27FC236}">
-                <a16:creationId xmlns:a16="http://schemas.microsoft.com/office/drawing/2014/main" id="{E4D85502-AA86-4785-BBA9-EAB833D026C3}"/>
-              </a:ext>
-            </a:extLst>
-          </p:cNvPr>
-          <p:cNvSpPr>
-            <a:spLocks noGrp="1"/>
-          </p:cNvSpPr>
-          <p:nvPr>
-            <p:ph type="sldNum" sz="quarter" idx="2"/>
-          </p:nvPr>
-        </p:nvSpPr>
-        <p:spPr/>
-        <p:txBody>
-          <a:bodyPr/>
-          <a:lstStyle/>
-          <a:p>
-            <a:pPr lvl="0"/>
-            <a:fld id="{86CB4B4D-7CA3-9044-876B-883B54F8677D}" type="slidenum">
-              <a:rPr lang="en-US" smtClean="0"/>
-              <a:t>25</a:t>
-            </a:fld>
-            <a:endParaRPr lang="en-US"/>
-          </a:p>
-        </p:txBody>
-      </p:sp>
-    </p:spTree>
-    <p:extLst>
-      <p:ext uri="{BB962C8B-B14F-4D97-AF65-F5344CB8AC3E}">
-        <p14:creationId xmlns:p14="http://schemas.microsoft.com/office/powerpoint/2010/main" val="2796967127"/>
-      </p:ext>
-    </p:extLst>
   </p:cSld>
   <p:clrMapOvr>
     <a:masterClrMapping/>
@@ -12010,6 +12130,184 @@
         </p:nvSpPr>
         <p:spPr>
           <a:xfrm>
+            <a:off x="0" y="1331843"/>
+            <a:ext cx="9144000" cy="5526157"/>
+          </a:xfrm>
+        </p:spPr>
+        <p:txBody>
+          <a:bodyPr>
+            <a:normAutofit/>
+          </a:bodyPr>
+          <a:lstStyle/>
+          <a:p>
+            <a:r>
+              <a:rPr lang="en-US" dirty="0"/>
+              <a:t>What</a:t>
+            </a:r>
+          </a:p>
+          <a:p>
+            <a:pPr lvl="1"/>
+            <a:r>
+              <a:rPr lang="en-US" dirty="0"/>
+              <a:t>A class in a Java library used to hold a collection of items of a specified type</a:t>
+            </a:r>
+          </a:p>
+          <a:p>
+            <a:pPr lvl="1"/>
+            <a:r>
+              <a:rPr lang="en-US" dirty="0"/>
+              <a:t>Allows variable number of items</a:t>
+            </a:r>
+          </a:p>
+          <a:p>
+            <a:pPr lvl="1"/>
+            <a:r>
+              <a:rPr lang="en-US" dirty="0"/>
+              <a:t>Fast random access</a:t>
+            </a:r>
+          </a:p>
+          <a:p>
+            <a:r>
+              <a:rPr lang="en-US" dirty="0"/>
+              <a:t>When</a:t>
+            </a:r>
+          </a:p>
+          <a:p>
+            <a:pPr lvl="1"/>
+            <a:r>
+              <a:rPr lang="en-US" dirty="0"/>
+              <a:t>Use when you need to store multiple items of the same type</a:t>
+            </a:r>
+          </a:p>
+          <a:p>
+            <a:pPr lvl="1"/>
+            <a:r>
+              <a:rPr lang="en-US" dirty="0"/>
+              <a:t>Number of items is </a:t>
+            </a:r>
+            <a:r>
+              <a:rPr lang="en-US" dirty="0">
+                <a:highlight>
+                  <a:srgbClr val="FFFF00"/>
+                </a:highlight>
+              </a:rPr>
+              <a:t>not known/will change</a:t>
+            </a:r>
+          </a:p>
+          <a:p>
+            <a:pPr lvl="1"/>
+            <a:endParaRPr lang="en-US" dirty="0"/>
+          </a:p>
+        </p:txBody>
+      </p:sp>
+      <p:sp>
+        <p:nvSpPr>
+          <p:cNvPr id="4" name="Slide Number Placeholder 3">
+            <a:extLst>
+              <a:ext uri="{FF2B5EF4-FFF2-40B4-BE49-F238E27FC236}">
+                <a16:creationId xmlns:a16="http://schemas.microsoft.com/office/drawing/2014/main" id="{E4D85502-AA86-4785-BBA9-EAB833D026C3}"/>
+              </a:ext>
+            </a:extLst>
+          </p:cNvPr>
+          <p:cNvSpPr>
+            <a:spLocks noGrp="1"/>
+          </p:cNvSpPr>
+          <p:nvPr>
+            <p:ph type="sldNum" sz="quarter" idx="2"/>
+          </p:nvPr>
+        </p:nvSpPr>
+        <p:spPr/>
+        <p:txBody>
+          <a:bodyPr/>
+          <a:lstStyle/>
+          <a:p>
+            <a:pPr lvl="0"/>
+            <a:fld id="{86CB4B4D-7CA3-9044-876B-883B54F8677D}" type="slidenum">
+              <a:rPr lang="en-US" smtClean="0"/>
+              <a:t>26</a:t>
+            </a:fld>
+            <a:endParaRPr lang="en-US"/>
+          </a:p>
+        </p:txBody>
+      </p:sp>
+    </p:spTree>
+    <p:extLst>
+      <p:ext uri="{BB962C8B-B14F-4D97-AF65-F5344CB8AC3E}">
+        <p14:creationId xmlns:p14="http://schemas.microsoft.com/office/powerpoint/2010/main" val="2796967127"/>
+      </p:ext>
+    </p:extLst>
+  </p:cSld>
+  <p:clrMapOvr>
+    <a:masterClrMapping/>
+  </p:clrMapOvr>
+  <p:transition spd="med"/>
+  <p:timing>
+    <p:tnLst>
+      <p:par>
+        <p:cTn id="1" dur="indefinite" restart="never" nodeType="tmRoot"/>
+      </p:par>
+    </p:tnLst>
+  </p:timing>
+</p:sld>
+</file>
+
+<file path=ppt/slides/slide27.xml><?xml version="1.0" encoding="utf-8"?>
+<p:sld xmlns:a="http://schemas.openxmlformats.org/drawingml/2006/main" xmlns:r="http://schemas.openxmlformats.org/officeDocument/2006/relationships" xmlns:p="http://schemas.openxmlformats.org/presentationml/2006/main">
+  <p:cSld>
+    <p:spTree>
+      <p:nvGrpSpPr>
+        <p:cNvPr id="1" name=""/>
+        <p:cNvGrpSpPr/>
+        <p:nvPr/>
+      </p:nvGrpSpPr>
+      <p:grpSpPr>
+        <a:xfrm>
+          <a:off x="0" y="0"/>
+          <a:ext cx="0" cy="0"/>
+          <a:chOff x="0" y="0"/>
+          <a:chExt cx="0" cy="0"/>
+        </a:xfrm>
+      </p:grpSpPr>
+      <p:sp>
+        <p:nvSpPr>
+          <p:cNvPr id="2" name="Title 1"/>
+          <p:cNvSpPr>
+            <a:spLocks noGrp="1"/>
+          </p:cNvSpPr>
+          <p:nvPr>
+            <p:ph type="title"/>
+          </p:nvPr>
+        </p:nvSpPr>
+        <p:spPr/>
+        <p:txBody>
+          <a:bodyPr>
+            <a:normAutofit/>
+          </a:bodyPr>
+          <a:lstStyle/>
+          <a:p>
+            <a:r>
+              <a:rPr lang="en-US" sz="4000" dirty="0" err="1"/>
+              <a:t>ArrayList</a:t>
+            </a:r>
+            <a:r>
+              <a:rPr lang="en-US" sz="4000" dirty="0"/>
+              <a:t>- What, When, Why, &amp; How?</a:t>
+            </a:r>
+          </a:p>
+        </p:txBody>
+      </p:sp>
+      <p:sp>
+        <p:nvSpPr>
+          <p:cNvPr id="3" name="Text Placeholder 2"/>
+          <p:cNvSpPr>
+            <a:spLocks noGrp="1"/>
+          </p:cNvSpPr>
+          <p:nvPr>
+            <p:ph type="body" idx="1"/>
+          </p:nvPr>
+        </p:nvSpPr>
+        <p:spPr>
+          <a:xfrm>
             <a:off x="0" y="1222513"/>
             <a:ext cx="9144000" cy="5635487"/>
           </a:xfrm>
@@ -12199,7 +12497,7 @@
             <a:pPr lvl="0"/>
             <a:fld id="{86CB4B4D-7CA3-9044-876B-883B54F8677D}" type="slidenum">
               <a:rPr lang="en-US" smtClean="0"/>
-              <a:t>26</a:t>
+              <a:t>27</a:t>
             </a:fld>
             <a:endParaRPr lang="en-US"/>
           </a:p>
@@ -12226,7 +12524,7 @@
 </p:sld>
 </file>
 
-<file path=ppt/slides/slide27.xml><?xml version="1.0" encoding="utf-8"?>
+<file path=ppt/slides/slide28.xml><?xml version="1.0" encoding="utf-8"?>
 <p:sld xmlns:a="http://schemas.openxmlformats.org/drawingml/2006/main" xmlns:r="http://schemas.openxmlformats.org/officeDocument/2006/relationships" xmlns:p="http://schemas.openxmlformats.org/presentationml/2006/main">
   <p:cSld>
     <p:spTree>
@@ -12380,7 +12678,7 @@
             <a:pPr lvl="0"/>
             <a:fld id="{86CB4B4D-7CA3-9044-876B-883B54F8677D}" type="slidenum">
               <a:rPr lang="en-US" smtClean="0"/>
-              <a:t>27</a:t>
+              <a:t>28</a:t>
             </a:fld>
             <a:endParaRPr lang="en-US"/>
           </a:p>
@@ -12402,7 +12700,7 @@
 </p:sld>
 </file>
 
-<file path=ppt/slides/slide28.xml><?xml version="1.0" encoding="utf-8"?>
+<file path=ppt/slides/slide29.xml><?xml version="1.0" encoding="utf-8"?>
 <p:sld xmlns:a="http://schemas.openxmlformats.org/drawingml/2006/main" xmlns:r="http://schemas.openxmlformats.org/officeDocument/2006/relationships" xmlns:p="http://schemas.openxmlformats.org/presentationml/2006/main">
   <p:cSld>
     <p:spTree>
@@ -13030,7 +13328,7 @@
               <a:effectLst/>
               <a:extLst>
                 <a:ext uri="{C572A759-6A51-4108-AA02-DFA0A04FC94B}">
-                  <ma14:wrappingTextBoxFlag xmlns:ma14="http://schemas.microsoft.com/office/mac/drawingml/2011/main" xmlns="" val="1"/>
+                  <ma14:wrappingTextBoxFlag xmlns="" xmlns:ma14="http://schemas.microsoft.com/office/mac/drawingml/2011/main" val="1"/>
                 </a:ext>
               </a:extLst>
             </p:spPr>
@@ -13147,7 +13445,7 @@
             <a:effectLst/>
             <a:extLst>
               <a:ext uri="{C572A759-6A51-4108-AA02-DFA0A04FC94B}">
-                <ma14:wrappingTextBoxFlag xmlns:ma14="http://schemas.microsoft.com/office/mac/drawingml/2011/main" xmlns="" val="1"/>
+                <ma14:wrappingTextBoxFlag xmlns="" xmlns:ma14="http://schemas.microsoft.com/office/mac/drawingml/2011/main" val="1"/>
               </a:ext>
             </a:extLst>
           </p:spPr>
@@ -13334,7 +13632,7 @@
             <a:effectLst/>
             <a:extLst>
               <a:ext uri="{C572A759-6A51-4108-AA02-DFA0A04FC94B}">
-                <ma14:wrappingTextBoxFlag xmlns:ma14="http://schemas.microsoft.com/office/mac/drawingml/2011/main" xmlns="" val="1"/>
+                <ma14:wrappingTextBoxFlag xmlns="" xmlns:ma14="http://schemas.microsoft.com/office/mac/drawingml/2011/main" val="1"/>
               </a:ext>
             </a:extLst>
           </p:spPr>
@@ -13521,7 +13819,7 @@
             <a:effectLst/>
             <a:extLst>
               <a:ext uri="{C572A759-6A51-4108-AA02-DFA0A04FC94B}">
-                <ma14:wrappingTextBoxFlag xmlns:ma14="http://schemas.microsoft.com/office/mac/drawingml/2011/main" xmlns="" val="1"/>
+                <ma14:wrappingTextBoxFlag xmlns="" xmlns:ma14="http://schemas.microsoft.com/office/mac/drawingml/2011/main" val="1"/>
               </a:ext>
             </a:extLst>
           </p:spPr>
@@ -13748,7 +14046,7 @@
             <a:pPr lvl="0"/>
             <a:fld id="{86CB4B4D-7CA3-9044-876B-883B54F8677D}" type="slidenum">
               <a:rPr lang="en-US" smtClean="0"/>
-              <a:t>28</a:t>
+              <a:t>29</a:t>
             </a:fld>
             <a:endParaRPr lang="en-US"/>
           </a:p>
@@ -14346,477 +14644,6 @@
 </p:sld>
 </file>
 
-<file path=ppt/slides/slide29.xml><?xml version="1.0" encoding="utf-8"?>
-<p:sld xmlns:a="http://schemas.openxmlformats.org/drawingml/2006/main" xmlns:r="http://schemas.openxmlformats.org/officeDocument/2006/relationships" xmlns:p="http://schemas.openxmlformats.org/presentationml/2006/main">
-  <p:cSld>
-    <p:spTree>
-      <p:nvGrpSpPr>
-        <p:cNvPr id="1" name=""/>
-        <p:cNvGrpSpPr/>
-        <p:nvPr/>
-      </p:nvGrpSpPr>
-      <p:grpSpPr>
-        <a:xfrm>
-          <a:off x="0" y="0"/>
-          <a:ext cx="0" cy="0"/>
-          <a:chOff x="0" y="0"/>
-          <a:chExt cx="0" cy="0"/>
-        </a:xfrm>
-      </p:grpSpPr>
-      <p:sp>
-        <p:nvSpPr>
-          <p:cNvPr id="137" name="Shape 137"/>
-          <p:cNvSpPr>
-            <a:spLocks noGrp="1"/>
-          </p:cNvSpPr>
-          <p:nvPr>
-            <p:ph type="title"/>
-          </p:nvPr>
-        </p:nvSpPr>
-        <p:spPr>
-          <a:xfrm>
-            <a:off x="457200" y="274638"/>
-            <a:ext cx="8229600" cy="1143001"/>
-          </a:xfrm>
-          <a:prstGeom prst="rect">
-            <a:avLst/>
-          </a:prstGeom>
-        </p:spPr>
-        <p:txBody>
-          <a:bodyPr/>
-          <a:lstStyle/>
-          <a:p>
-            <a:pPr lvl="0">
-              <a:defRPr sz="1800"/>
-            </a:pPr>
-            <a:r>
-              <a:rPr sz="4400"/>
-              <a:t>ArrayList  Gotchas</a:t>
-            </a:r>
-          </a:p>
-        </p:txBody>
-      </p:sp>
-      <p:sp>
-        <p:nvSpPr>
-          <p:cNvPr id="138" name="Shape 138"/>
-          <p:cNvSpPr>
-            <a:spLocks noGrp="1"/>
-          </p:cNvSpPr>
-          <p:nvPr>
-            <p:ph type="body" idx="1"/>
-          </p:nvPr>
-        </p:nvSpPr>
-        <p:spPr>
-          <a:xfrm>
-            <a:off x="457200" y="1589049"/>
-            <a:ext cx="8229600" cy="4525963"/>
-          </a:xfrm>
-          <a:prstGeom prst="rect">
-            <a:avLst/>
-          </a:prstGeom>
-        </p:spPr>
-        <p:txBody>
-          <a:bodyPr/>
-          <a:lstStyle/>
-          <a:p>
-            <a:pPr marL="339470" lvl="0" indent="-339470" defTabSz="905255">
-              <a:lnSpc>
-                <a:spcPct val="80000"/>
-              </a:lnSpc>
-              <a:spcBef>
-                <a:spcPts val="600"/>
-              </a:spcBef>
-              <a:defRPr sz="1800"/>
-            </a:pPr>
-            <a:r>
-              <a:rPr sz="2673" dirty="0"/>
-              <a:t>Type parameter </a:t>
-            </a:r>
-            <a:r>
-              <a:rPr sz="2673" dirty="0">
-                <a:highlight>
-                  <a:srgbClr val="FFFF00"/>
-                </a:highlight>
-              </a:rPr>
-              <a:t>can</a:t>
-            </a:r>
-            <a:r>
-              <a:rPr lang="en-US" sz="2673" dirty="0">
-                <a:highlight>
-                  <a:srgbClr val="FFFF00"/>
-                </a:highlight>
-              </a:rPr>
-              <a:t>not</a:t>
-            </a:r>
-            <a:r>
-              <a:rPr sz="2673" dirty="0"/>
-              <a:t> be a primitive type</a:t>
-            </a:r>
-          </a:p>
-          <a:p>
-            <a:pPr marL="735520" lvl="1" indent="-282892" defTabSz="905255">
-              <a:lnSpc>
-                <a:spcPct val="80000"/>
-              </a:lnSpc>
-              <a:spcBef>
-                <a:spcPts val="500"/>
-              </a:spcBef>
-              <a:defRPr sz="1800"/>
-            </a:pPr>
-            <a:r>
-              <a:rPr sz="2277" dirty="0"/>
-              <a:t>Not: </a:t>
-            </a:r>
-            <a:r>
-              <a:rPr sz="2277" b="1" dirty="0" err="1">
-                <a:solidFill>
-                  <a:srgbClr val="C0504D"/>
-                </a:solidFill>
-                <a:latin typeface="Consolas"/>
-                <a:ea typeface="Consolas"/>
-                <a:cs typeface="Consolas"/>
-                <a:sym typeface="Consolas"/>
-              </a:rPr>
-              <a:t>ArrayList</a:t>
-            </a:r>
-            <a:r>
-              <a:rPr sz="2277" b="1" dirty="0">
-                <a:solidFill>
-                  <a:srgbClr val="C0504D"/>
-                </a:solidFill>
-                <a:latin typeface="Consolas"/>
-                <a:ea typeface="Consolas"/>
-                <a:cs typeface="Consolas"/>
-                <a:sym typeface="Consolas"/>
-              </a:rPr>
-              <a:t>&lt;int&gt; runs;</a:t>
-            </a:r>
-            <a:endParaRPr sz="2277" dirty="0"/>
-          </a:p>
-          <a:p>
-            <a:pPr marL="735520" lvl="1" indent="-282892" defTabSz="905255">
-              <a:lnSpc>
-                <a:spcPct val="80000"/>
-              </a:lnSpc>
-              <a:spcBef>
-                <a:spcPts val="500"/>
-              </a:spcBef>
-              <a:defRPr sz="1800"/>
-            </a:pPr>
-            <a:r>
-              <a:rPr sz="2277" dirty="0"/>
-              <a:t>But: </a:t>
-            </a:r>
-            <a:r>
-              <a:rPr sz="2277" b="1" dirty="0" err="1">
-                <a:solidFill>
-                  <a:srgbClr val="4F81BD"/>
-                </a:solidFill>
-                <a:latin typeface="Consolas"/>
-                <a:ea typeface="Consolas"/>
-                <a:cs typeface="Consolas"/>
-                <a:sym typeface="Consolas"/>
-              </a:rPr>
-              <a:t>ArrayList</a:t>
-            </a:r>
-            <a:r>
-              <a:rPr sz="2277" b="1" dirty="0">
-                <a:solidFill>
-                  <a:srgbClr val="4F81BD"/>
-                </a:solidFill>
-                <a:latin typeface="Consolas"/>
-                <a:ea typeface="Consolas"/>
-                <a:cs typeface="Consolas"/>
-                <a:sym typeface="Consolas"/>
-              </a:rPr>
-              <a:t>&lt;Integer&gt; runs;</a:t>
-            </a:r>
-            <a:endParaRPr sz="2277" dirty="0"/>
-          </a:p>
-          <a:p>
-            <a:pPr marL="339470" lvl="0" indent="-339470" defTabSz="905255">
-              <a:lnSpc>
-                <a:spcPct val="80000"/>
-              </a:lnSpc>
-              <a:spcBef>
-                <a:spcPts val="600"/>
-              </a:spcBef>
-              <a:defRPr sz="1800"/>
-            </a:pPr>
-            <a:endParaRPr sz="2673" dirty="0"/>
-          </a:p>
-          <a:p>
-            <a:pPr marL="339470" lvl="0" indent="-339470" defTabSz="905255">
-              <a:lnSpc>
-                <a:spcPct val="80000"/>
-              </a:lnSpc>
-              <a:spcBef>
-                <a:spcPts val="600"/>
-              </a:spcBef>
-              <a:defRPr sz="1800"/>
-            </a:pPr>
-            <a:r>
-              <a:rPr sz="2673" dirty="0"/>
-              <a:t>Use </a:t>
-            </a:r>
-            <a:r>
-              <a:rPr sz="2673" b="1" i="1" dirty="0"/>
-              <a:t>get</a:t>
-            </a:r>
-            <a:r>
-              <a:rPr sz="2673" dirty="0"/>
-              <a:t>  method to </a:t>
-            </a:r>
-            <a:r>
-              <a:rPr lang="en-US" sz="2673" dirty="0"/>
-              <a:t>access</a:t>
-            </a:r>
-            <a:r>
-              <a:rPr sz="2673" dirty="0"/>
-              <a:t> elements</a:t>
-            </a:r>
-          </a:p>
-          <a:p>
-            <a:pPr marL="735520" lvl="1" indent="-282892" defTabSz="905255">
-              <a:lnSpc>
-                <a:spcPct val="80000"/>
-              </a:lnSpc>
-              <a:spcBef>
-                <a:spcPts val="500"/>
-              </a:spcBef>
-              <a:defRPr sz="1800"/>
-            </a:pPr>
-            <a:r>
-              <a:rPr sz="2277" dirty="0"/>
-              <a:t>Not: </a:t>
-            </a:r>
-            <a:r>
-              <a:rPr sz="2277" b="1" dirty="0">
-                <a:solidFill>
-                  <a:srgbClr val="C0504D"/>
-                </a:solidFill>
-                <a:latin typeface="Consolas"/>
-                <a:ea typeface="Consolas"/>
-                <a:cs typeface="Consolas"/>
-                <a:sym typeface="Consolas"/>
-              </a:rPr>
-              <a:t>runs[12]</a:t>
-            </a:r>
-            <a:endParaRPr sz="2277" dirty="0"/>
-          </a:p>
-          <a:p>
-            <a:pPr marL="735520" lvl="1" indent="-282892" defTabSz="905255">
-              <a:lnSpc>
-                <a:spcPct val="80000"/>
-              </a:lnSpc>
-              <a:spcBef>
-                <a:spcPts val="500"/>
-              </a:spcBef>
-              <a:defRPr sz="1800"/>
-            </a:pPr>
-            <a:r>
-              <a:rPr sz="2277" dirty="0"/>
-              <a:t>But: </a:t>
-            </a:r>
-            <a:r>
-              <a:rPr sz="2277" b="1" dirty="0" err="1">
-                <a:solidFill>
-                  <a:srgbClr val="4F81BD"/>
-                </a:solidFill>
-                <a:latin typeface="Consolas"/>
-                <a:ea typeface="Consolas"/>
-                <a:cs typeface="Consolas"/>
-                <a:sym typeface="Consolas"/>
-              </a:rPr>
-              <a:t>runs.get</a:t>
-            </a:r>
-            <a:r>
-              <a:rPr sz="2277" b="1" dirty="0">
-                <a:solidFill>
-                  <a:srgbClr val="4F81BD"/>
-                </a:solidFill>
-                <a:latin typeface="Consolas"/>
-                <a:ea typeface="Consolas"/>
-                <a:cs typeface="Consolas"/>
-                <a:sym typeface="Consolas"/>
-              </a:rPr>
-              <a:t>(12)</a:t>
-            </a:r>
-            <a:endParaRPr sz="2277" dirty="0"/>
-          </a:p>
-          <a:p>
-            <a:pPr marL="339470" lvl="0" indent="-339470" defTabSz="905255">
-              <a:lnSpc>
-                <a:spcPct val="80000"/>
-              </a:lnSpc>
-              <a:spcBef>
-                <a:spcPts val="600"/>
-              </a:spcBef>
-              <a:defRPr sz="1800"/>
-            </a:pPr>
-            <a:endParaRPr sz="2673" dirty="0"/>
-          </a:p>
-          <a:p>
-            <a:pPr marL="339470" lvl="0" indent="-339470" defTabSz="905255">
-              <a:lnSpc>
-                <a:spcPct val="80000"/>
-              </a:lnSpc>
-              <a:spcBef>
-                <a:spcPts val="600"/>
-              </a:spcBef>
-              <a:defRPr sz="1800"/>
-            </a:pPr>
-            <a:r>
-              <a:rPr sz="2673" dirty="0"/>
-              <a:t>Use </a:t>
-            </a:r>
-            <a:r>
-              <a:rPr sz="2673" b="1" dirty="0">
-                <a:latin typeface="Courier New"/>
-                <a:ea typeface="Courier New"/>
-                <a:cs typeface="Courier New"/>
-                <a:sym typeface="Courier New"/>
-              </a:rPr>
-              <a:t>size()</a:t>
-            </a:r>
-            <a:r>
-              <a:rPr sz="2673" dirty="0"/>
-              <a:t> not </a:t>
-            </a:r>
-            <a:r>
-              <a:rPr sz="2673" b="1" dirty="0">
-                <a:latin typeface="Courier New"/>
-                <a:ea typeface="Courier New"/>
-                <a:cs typeface="Courier New"/>
-                <a:sym typeface="Courier New"/>
-              </a:rPr>
-              <a:t>length</a:t>
-            </a:r>
-            <a:endParaRPr sz="2673" dirty="0"/>
-          </a:p>
-          <a:p>
-            <a:pPr marL="735520" lvl="1" indent="-282892" defTabSz="905255">
-              <a:lnSpc>
-                <a:spcPct val="80000"/>
-              </a:lnSpc>
-              <a:spcBef>
-                <a:spcPts val="500"/>
-              </a:spcBef>
-              <a:defRPr sz="1800"/>
-            </a:pPr>
-            <a:r>
-              <a:rPr sz="2277" dirty="0"/>
-              <a:t>Not: </a:t>
-            </a:r>
-            <a:r>
-              <a:rPr sz="2277" b="1" dirty="0" err="1">
-                <a:solidFill>
-                  <a:srgbClr val="C0504D"/>
-                </a:solidFill>
-                <a:latin typeface="Consolas"/>
-                <a:ea typeface="Consolas"/>
-                <a:cs typeface="Consolas"/>
-                <a:sym typeface="Consolas"/>
-              </a:rPr>
-              <a:t>runs.length</a:t>
-            </a:r>
-            <a:endParaRPr sz="2277" b="1" dirty="0">
-              <a:solidFill>
-                <a:srgbClr val="C0504D"/>
-              </a:solidFill>
-              <a:latin typeface="Consolas"/>
-              <a:ea typeface="Consolas"/>
-              <a:cs typeface="Consolas"/>
-              <a:sym typeface="Consolas"/>
-            </a:endParaRPr>
-          </a:p>
-          <a:p>
-            <a:pPr marL="735520" lvl="1" indent="-282892" defTabSz="905255">
-              <a:lnSpc>
-                <a:spcPct val="80000"/>
-              </a:lnSpc>
-              <a:spcBef>
-                <a:spcPts val="500"/>
-              </a:spcBef>
-              <a:defRPr sz="1800"/>
-            </a:pPr>
-            <a:r>
-              <a:rPr sz="2277" dirty="0"/>
-              <a:t>But: </a:t>
-            </a:r>
-            <a:r>
-              <a:rPr sz="2277" b="1" dirty="0" err="1">
-                <a:solidFill>
-                  <a:srgbClr val="4F81BD"/>
-                </a:solidFill>
-                <a:latin typeface="Consolas"/>
-                <a:ea typeface="Consolas"/>
-                <a:cs typeface="Consolas"/>
-                <a:sym typeface="Consolas"/>
-              </a:rPr>
-              <a:t>runs.size</a:t>
-            </a:r>
-            <a:r>
-              <a:rPr sz="2277" b="1" dirty="0">
-                <a:solidFill>
-                  <a:srgbClr val="4F81BD"/>
-                </a:solidFill>
-                <a:latin typeface="Consolas"/>
-                <a:ea typeface="Consolas"/>
-                <a:cs typeface="Consolas"/>
-                <a:sym typeface="Consolas"/>
-              </a:rPr>
-              <a:t>()</a:t>
-            </a:r>
-          </a:p>
-        </p:txBody>
-      </p:sp>
-      <p:sp>
-        <p:nvSpPr>
-          <p:cNvPr id="2" name="Slide Number Placeholder 1">
-            <a:extLst>
-              <a:ext uri="{FF2B5EF4-FFF2-40B4-BE49-F238E27FC236}">
-                <a16:creationId xmlns:a16="http://schemas.microsoft.com/office/drawing/2014/main" id="{63F36643-4237-441B-9DAA-EB948A840199}"/>
-              </a:ext>
-            </a:extLst>
-          </p:cNvPr>
-          <p:cNvSpPr>
-            <a:spLocks noGrp="1"/>
-          </p:cNvSpPr>
-          <p:nvPr>
-            <p:ph type="sldNum" sz="quarter" idx="2"/>
-          </p:nvPr>
-        </p:nvSpPr>
-        <p:spPr/>
-        <p:txBody>
-          <a:bodyPr/>
-          <a:lstStyle/>
-          <a:p>
-            <a:pPr lvl="0"/>
-            <a:fld id="{86CB4B4D-7CA3-9044-876B-883B54F8677D}" type="slidenum">
-              <a:rPr lang="en-US" smtClean="0"/>
-              <a:t>29</a:t>
-            </a:fld>
-            <a:endParaRPr lang="en-US"/>
-          </a:p>
-        </p:txBody>
-      </p:sp>
-    </p:spTree>
-  </p:cSld>
-  <p:clrMapOvr>
-    <a:masterClrMapping/>
-  </p:clrMapOvr>
-  <p:transition spd="med"/>
-  <p:timing>
-    <p:tnLst>
-      <p:par>
-        <p:cTn id="1" dur="indefinite" restart="never" nodeType="tmRoot"/>
-      </p:par>
-    </p:tnLst>
-  </p:timing>
-</p:sld>
-</file>
-
 <file path=ppt/slides/slide3.xml><?xml version="1.0" encoding="utf-8"?>
 <p:sld xmlns:a="http://schemas.openxmlformats.org/drawingml/2006/main" xmlns:r="http://schemas.openxmlformats.org/officeDocument/2006/relationships" xmlns:p="http://schemas.openxmlformats.org/presentationml/2006/main">
   <p:cSld>
@@ -14879,7 +14706,7 @@
           </a:ln>
           <a:extLst>
             <a:ext uri="{C572A759-6A51-4108-AA02-DFA0A04FC94B}">
-              <ma14:wrappingTextBoxFlag xmlns:ma14="http://schemas.microsoft.com/office/mac/drawingml/2011/main" xmlns="" val="1"/>
+              <ma14:wrappingTextBoxFlag xmlns="" xmlns:ma14="http://schemas.microsoft.com/office/mac/drawingml/2011/main" val="1"/>
             </a:ext>
           </a:extLst>
         </p:spPr>
@@ -14997,7 +14824,7 @@
           </a:ln>
           <a:extLst>
             <a:ext uri="{C572A759-6A51-4108-AA02-DFA0A04FC94B}">
-              <ma14:wrappingTextBoxFlag xmlns:ma14="http://schemas.microsoft.com/office/mac/drawingml/2011/main" xmlns="" val="1"/>
+              <ma14:wrappingTextBoxFlag xmlns="" xmlns:ma14="http://schemas.microsoft.com/office/mac/drawingml/2011/main" val="1"/>
             </a:ext>
           </a:extLst>
         </p:spPr>
@@ -15297,6 +15124,477 @@
       </p:grpSpPr>
       <p:sp>
         <p:nvSpPr>
+          <p:cNvPr id="137" name="Shape 137"/>
+          <p:cNvSpPr>
+            <a:spLocks noGrp="1"/>
+          </p:cNvSpPr>
+          <p:nvPr>
+            <p:ph type="title"/>
+          </p:nvPr>
+        </p:nvSpPr>
+        <p:spPr>
+          <a:xfrm>
+            <a:off x="457200" y="274638"/>
+            <a:ext cx="8229600" cy="1143001"/>
+          </a:xfrm>
+          <a:prstGeom prst="rect">
+            <a:avLst/>
+          </a:prstGeom>
+        </p:spPr>
+        <p:txBody>
+          <a:bodyPr/>
+          <a:lstStyle/>
+          <a:p>
+            <a:pPr lvl="0">
+              <a:defRPr sz="1800"/>
+            </a:pPr>
+            <a:r>
+              <a:rPr sz="4400"/>
+              <a:t>ArrayList  Gotchas</a:t>
+            </a:r>
+          </a:p>
+        </p:txBody>
+      </p:sp>
+      <p:sp>
+        <p:nvSpPr>
+          <p:cNvPr id="138" name="Shape 138"/>
+          <p:cNvSpPr>
+            <a:spLocks noGrp="1"/>
+          </p:cNvSpPr>
+          <p:nvPr>
+            <p:ph type="body" idx="1"/>
+          </p:nvPr>
+        </p:nvSpPr>
+        <p:spPr>
+          <a:xfrm>
+            <a:off x="457200" y="1589049"/>
+            <a:ext cx="8229600" cy="4525963"/>
+          </a:xfrm>
+          <a:prstGeom prst="rect">
+            <a:avLst/>
+          </a:prstGeom>
+        </p:spPr>
+        <p:txBody>
+          <a:bodyPr/>
+          <a:lstStyle/>
+          <a:p>
+            <a:pPr marL="339470" lvl="0" indent="-339470" defTabSz="905255">
+              <a:lnSpc>
+                <a:spcPct val="80000"/>
+              </a:lnSpc>
+              <a:spcBef>
+                <a:spcPts val="600"/>
+              </a:spcBef>
+              <a:defRPr sz="1800"/>
+            </a:pPr>
+            <a:r>
+              <a:rPr sz="2673" dirty="0"/>
+              <a:t>Type parameter </a:t>
+            </a:r>
+            <a:r>
+              <a:rPr sz="2673" dirty="0">
+                <a:highlight>
+                  <a:srgbClr val="FFFF00"/>
+                </a:highlight>
+              </a:rPr>
+              <a:t>can</a:t>
+            </a:r>
+            <a:r>
+              <a:rPr lang="en-US" sz="2673" dirty="0">
+                <a:highlight>
+                  <a:srgbClr val="FFFF00"/>
+                </a:highlight>
+              </a:rPr>
+              <a:t>not</a:t>
+            </a:r>
+            <a:r>
+              <a:rPr sz="2673" dirty="0"/>
+              <a:t> be a primitive type</a:t>
+            </a:r>
+          </a:p>
+          <a:p>
+            <a:pPr marL="735520" lvl="1" indent="-282892" defTabSz="905255">
+              <a:lnSpc>
+                <a:spcPct val="80000"/>
+              </a:lnSpc>
+              <a:spcBef>
+                <a:spcPts val="500"/>
+              </a:spcBef>
+              <a:defRPr sz="1800"/>
+            </a:pPr>
+            <a:r>
+              <a:rPr sz="2277" dirty="0"/>
+              <a:t>Not: </a:t>
+            </a:r>
+            <a:r>
+              <a:rPr sz="2277" b="1" dirty="0" err="1">
+                <a:solidFill>
+                  <a:srgbClr val="C0504D"/>
+                </a:solidFill>
+                <a:latin typeface="Consolas"/>
+                <a:ea typeface="Consolas"/>
+                <a:cs typeface="Consolas"/>
+                <a:sym typeface="Consolas"/>
+              </a:rPr>
+              <a:t>ArrayList</a:t>
+            </a:r>
+            <a:r>
+              <a:rPr sz="2277" b="1" dirty="0">
+                <a:solidFill>
+                  <a:srgbClr val="C0504D"/>
+                </a:solidFill>
+                <a:latin typeface="Consolas"/>
+                <a:ea typeface="Consolas"/>
+                <a:cs typeface="Consolas"/>
+                <a:sym typeface="Consolas"/>
+              </a:rPr>
+              <a:t>&lt;int&gt; runs;</a:t>
+            </a:r>
+            <a:endParaRPr sz="2277" dirty="0"/>
+          </a:p>
+          <a:p>
+            <a:pPr marL="735520" lvl="1" indent="-282892" defTabSz="905255">
+              <a:lnSpc>
+                <a:spcPct val="80000"/>
+              </a:lnSpc>
+              <a:spcBef>
+                <a:spcPts val="500"/>
+              </a:spcBef>
+              <a:defRPr sz="1800"/>
+            </a:pPr>
+            <a:r>
+              <a:rPr sz="2277" dirty="0"/>
+              <a:t>But: </a:t>
+            </a:r>
+            <a:r>
+              <a:rPr sz="2277" b="1" dirty="0" err="1">
+                <a:solidFill>
+                  <a:srgbClr val="4F81BD"/>
+                </a:solidFill>
+                <a:latin typeface="Consolas"/>
+                <a:ea typeface="Consolas"/>
+                <a:cs typeface="Consolas"/>
+                <a:sym typeface="Consolas"/>
+              </a:rPr>
+              <a:t>ArrayList</a:t>
+            </a:r>
+            <a:r>
+              <a:rPr sz="2277" b="1" dirty="0">
+                <a:solidFill>
+                  <a:srgbClr val="4F81BD"/>
+                </a:solidFill>
+                <a:latin typeface="Consolas"/>
+                <a:ea typeface="Consolas"/>
+                <a:cs typeface="Consolas"/>
+                <a:sym typeface="Consolas"/>
+              </a:rPr>
+              <a:t>&lt;Integer&gt; runs;</a:t>
+            </a:r>
+            <a:endParaRPr sz="2277" dirty="0"/>
+          </a:p>
+          <a:p>
+            <a:pPr marL="339470" lvl="0" indent="-339470" defTabSz="905255">
+              <a:lnSpc>
+                <a:spcPct val="80000"/>
+              </a:lnSpc>
+              <a:spcBef>
+                <a:spcPts val="600"/>
+              </a:spcBef>
+              <a:defRPr sz="1800"/>
+            </a:pPr>
+            <a:endParaRPr sz="2673" dirty="0"/>
+          </a:p>
+          <a:p>
+            <a:pPr marL="339470" lvl="0" indent="-339470" defTabSz="905255">
+              <a:lnSpc>
+                <a:spcPct val="80000"/>
+              </a:lnSpc>
+              <a:spcBef>
+                <a:spcPts val="600"/>
+              </a:spcBef>
+              <a:defRPr sz="1800"/>
+            </a:pPr>
+            <a:r>
+              <a:rPr sz="2673" dirty="0"/>
+              <a:t>Use </a:t>
+            </a:r>
+            <a:r>
+              <a:rPr sz="2673" b="1" i="1" dirty="0"/>
+              <a:t>get</a:t>
+            </a:r>
+            <a:r>
+              <a:rPr sz="2673" dirty="0"/>
+              <a:t>  method to </a:t>
+            </a:r>
+            <a:r>
+              <a:rPr lang="en-US" sz="2673" dirty="0"/>
+              <a:t>access</a:t>
+            </a:r>
+            <a:r>
+              <a:rPr sz="2673" dirty="0"/>
+              <a:t> elements</a:t>
+            </a:r>
+          </a:p>
+          <a:p>
+            <a:pPr marL="735520" lvl="1" indent="-282892" defTabSz="905255">
+              <a:lnSpc>
+                <a:spcPct val="80000"/>
+              </a:lnSpc>
+              <a:spcBef>
+                <a:spcPts val="500"/>
+              </a:spcBef>
+              <a:defRPr sz="1800"/>
+            </a:pPr>
+            <a:r>
+              <a:rPr sz="2277" dirty="0"/>
+              <a:t>Not: </a:t>
+            </a:r>
+            <a:r>
+              <a:rPr sz="2277" b="1" dirty="0">
+                <a:solidFill>
+                  <a:srgbClr val="C0504D"/>
+                </a:solidFill>
+                <a:latin typeface="Consolas"/>
+                <a:ea typeface="Consolas"/>
+                <a:cs typeface="Consolas"/>
+                <a:sym typeface="Consolas"/>
+              </a:rPr>
+              <a:t>runs[12]</a:t>
+            </a:r>
+            <a:endParaRPr sz="2277" dirty="0"/>
+          </a:p>
+          <a:p>
+            <a:pPr marL="735520" lvl="1" indent="-282892" defTabSz="905255">
+              <a:lnSpc>
+                <a:spcPct val="80000"/>
+              </a:lnSpc>
+              <a:spcBef>
+                <a:spcPts val="500"/>
+              </a:spcBef>
+              <a:defRPr sz="1800"/>
+            </a:pPr>
+            <a:r>
+              <a:rPr sz="2277" dirty="0"/>
+              <a:t>But: </a:t>
+            </a:r>
+            <a:r>
+              <a:rPr sz="2277" b="1" dirty="0" err="1">
+                <a:solidFill>
+                  <a:srgbClr val="4F81BD"/>
+                </a:solidFill>
+                <a:latin typeface="Consolas"/>
+                <a:ea typeface="Consolas"/>
+                <a:cs typeface="Consolas"/>
+                <a:sym typeface="Consolas"/>
+              </a:rPr>
+              <a:t>runs.get</a:t>
+            </a:r>
+            <a:r>
+              <a:rPr sz="2277" b="1" dirty="0">
+                <a:solidFill>
+                  <a:srgbClr val="4F81BD"/>
+                </a:solidFill>
+                <a:latin typeface="Consolas"/>
+                <a:ea typeface="Consolas"/>
+                <a:cs typeface="Consolas"/>
+                <a:sym typeface="Consolas"/>
+              </a:rPr>
+              <a:t>(12)</a:t>
+            </a:r>
+            <a:endParaRPr sz="2277" dirty="0"/>
+          </a:p>
+          <a:p>
+            <a:pPr marL="339470" lvl="0" indent="-339470" defTabSz="905255">
+              <a:lnSpc>
+                <a:spcPct val="80000"/>
+              </a:lnSpc>
+              <a:spcBef>
+                <a:spcPts val="600"/>
+              </a:spcBef>
+              <a:defRPr sz="1800"/>
+            </a:pPr>
+            <a:endParaRPr sz="2673" dirty="0"/>
+          </a:p>
+          <a:p>
+            <a:pPr marL="339470" lvl="0" indent="-339470" defTabSz="905255">
+              <a:lnSpc>
+                <a:spcPct val="80000"/>
+              </a:lnSpc>
+              <a:spcBef>
+                <a:spcPts val="600"/>
+              </a:spcBef>
+              <a:defRPr sz="1800"/>
+            </a:pPr>
+            <a:r>
+              <a:rPr sz="2673" dirty="0"/>
+              <a:t>Use </a:t>
+            </a:r>
+            <a:r>
+              <a:rPr sz="2673" b="1" dirty="0">
+                <a:latin typeface="Courier New"/>
+                <a:ea typeface="Courier New"/>
+                <a:cs typeface="Courier New"/>
+                <a:sym typeface="Courier New"/>
+              </a:rPr>
+              <a:t>size()</a:t>
+            </a:r>
+            <a:r>
+              <a:rPr sz="2673" dirty="0"/>
+              <a:t> not </a:t>
+            </a:r>
+            <a:r>
+              <a:rPr sz="2673" b="1" dirty="0">
+                <a:latin typeface="Courier New"/>
+                <a:ea typeface="Courier New"/>
+                <a:cs typeface="Courier New"/>
+                <a:sym typeface="Courier New"/>
+              </a:rPr>
+              <a:t>length</a:t>
+            </a:r>
+            <a:endParaRPr sz="2673" dirty="0"/>
+          </a:p>
+          <a:p>
+            <a:pPr marL="735520" lvl="1" indent="-282892" defTabSz="905255">
+              <a:lnSpc>
+                <a:spcPct val="80000"/>
+              </a:lnSpc>
+              <a:spcBef>
+                <a:spcPts val="500"/>
+              </a:spcBef>
+              <a:defRPr sz="1800"/>
+            </a:pPr>
+            <a:r>
+              <a:rPr sz="2277" dirty="0"/>
+              <a:t>Not: </a:t>
+            </a:r>
+            <a:r>
+              <a:rPr sz="2277" b="1" dirty="0" err="1">
+                <a:solidFill>
+                  <a:srgbClr val="C0504D"/>
+                </a:solidFill>
+                <a:latin typeface="Consolas"/>
+                <a:ea typeface="Consolas"/>
+                <a:cs typeface="Consolas"/>
+                <a:sym typeface="Consolas"/>
+              </a:rPr>
+              <a:t>runs.length</a:t>
+            </a:r>
+            <a:endParaRPr sz="2277" b="1" dirty="0">
+              <a:solidFill>
+                <a:srgbClr val="C0504D"/>
+              </a:solidFill>
+              <a:latin typeface="Consolas"/>
+              <a:ea typeface="Consolas"/>
+              <a:cs typeface="Consolas"/>
+              <a:sym typeface="Consolas"/>
+            </a:endParaRPr>
+          </a:p>
+          <a:p>
+            <a:pPr marL="735520" lvl="1" indent="-282892" defTabSz="905255">
+              <a:lnSpc>
+                <a:spcPct val="80000"/>
+              </a:lnSpc>
+              <a:spcBef>
+                <a:spcPts val="500"/>
+              </a:spcBef>
+              <a:defRPr sz="1800"/>
+            </a:pPr>
+            <a:r>
+              <a:rPr sz="2277" dirty="0"/>
+              <a:t>But: </a:t>
+            </a:r>
+            <a:r>
+              <a:rPr sz="2277" b="1" dirty="0" err="1">
+                <a:solidFill>
+                  <a:srgbClr val="4F81BD"/>
+                </a:solidFill>
+                <a:latin typeface="Consolas"/>
+                <a:ea typeface="Consolas"/>
+                <a:cs typeface="Consolas"/>
+                <a:sym typeface="Consolas"/>
+              </a:rPr>
+              <a:t>runs.size</a:t>
+            </a:r>
+            <a:r>
+              <a:rPr sz="2277" b="1" dirty="0">
+                <a:solidFill>
+                  <a:srgbClr val="4F81BD"/>
+                </a:solidFill>
+                <a:latin typeface="Consolas"/>
+                <a:ea typeface="Consolas"/>
+                <a:cs typeface="Consolas"/>
+                <a:sym typeface="Consolas"/>
+              </a:rPr>
+              <a:t>()</a:t>
+            </a:r>
+          </a:p>
+        </p:txBody>
+      </p:sp>
+      <p:sp>
+        <p:nvSpPr>
+          <p:cNvPr id="2" name="Slide Number Placeholder 1">
+            <a:extLst>
+              <a:ext uri="{FF2B5EF4-FFF2-40B4-BE49-F238E27FC236}">
+                <a16:creationId xmlns:a16="http://schemas.microsoft.com/office/drawing/2014/main" id="{63F36643-4237-441B-9DAA-EB948A840199}"/>
+              </a:ext>
+            </a:extLst>
+          </p:cNvPr>
+          <p:cNvSpPr>
+            <a:spLocks noGrp="1"/>
+          </p:cNvSpPr>
+          <p:nvPr>
+            <p:ph type="sldNum" sz="quarter" idx="2"/>
+          </p:nvPr>
+        </p:nvSpPr>
+        <p:spPr/>
+        <p:txBody>
+          <a:bodyPr/>
+          <a:lstStyle/>
+          <a:p>
+            <a:pPr lvl="0"/>
+            <a:fld id="{86CB4B4D-7CA3-9044-876B-883B54F8677D}" type="slidenum">
+              <a:rPr lang="en-US" smtClean="0"/>
+              <a:t>30</a:t>
+            </a:fld>
+            <a:endParaRPr lang="en-US"/>
+          </a:p>
+        </p:txBody>
+      </p:sp>
+    </p:spTree>
+  </p:cSld>
+  <p:clrMapOvr>
+    <a:masterClrMapping/>
+  </p:clrMapOvr>
+  <p:transition spd="med"/>
+  <p:timing>
+    <p:tnLst>
+      <p:par>
+        <p:cTn id="1" dur="indefinite" restart="never" nodeType="tmRoot"/>
+      </p:par>
+    </p:tnLst>
+  </p:timing>
+</p:sld>
+</file>
+
+<file path=ppt/slides/slide31.xml><?xml version="1.0" encoding="utf-8"?>
+<p:sld xmlns:a="http://schemas.openxmlformats.org/drawingml/2006/main" xmlns:r="http://schemas.openxmlformats.org/officeDocument/2006/relationships" xmlns:p="http://schemas.openxmlformats.org/presentationml/2006/main">
+  <p:cSld>
+    <p:spTree>
+      <p:nvGrpSpPr>
+        <p:cNvPr id="1" name=""/>
+        <p:cNvGrpSpPr/>
+        <p:nvPr/>
+      </p:nvGrpSpPr>
+      <p:grpSpPr>
+        <a:xfrm>
+          <a:off x="0" y="0"/>
+          <a:ext cx="0" cy="0"/>
+          <a:chOff x="0" y="0"/>
+          <a:chExt cx="0" cy="0"/>
+        </a:xfrm>
+      </p:grpSpPr>
+      <p:sp>
+        <p:nvSpPr>
           <p:cNvPr id="142" name="Shape 142"/>
           <p:cNvSpPr>
             <a:spLocks noGrp="1"/>
@@ -16228,7 +16526,7 @@
             <a:pPr lvl="0"/>
             <a:fld id="{86CB4B4D-7CA3-9044-876B-883B54F8677D}" type="slidenum">
               <a:rPr lang="en-US" smtClean="0"/>
-              <a:t>30</a:t>
+              <a:t>31</a:t>
             </a:fld>
             <a:endParaRPr lang="en-US"/>
           </a:p>
@@ -17285,7 +17583,7 @@
 </p:sld>
 </file>
 
-<file path=ppt/slides/slide31.xml><?xml version="1.0" encoding="utf-8"?>
+<file path=ppt/slides/slide32.xml><?xml version="1.0" encoding="utf-8"?>
 <p:sld xmlns:a="http://schemas.openxmlformats.org/drawingml/2006/main" xmlns:r="http://schemas.openxmlformats.org/officeDocument/2006/relationships" xmlns:p="http://schemas.openxmlformats.org/presentationml/2006/main">
   <p:cSld>
     <p:spTree>
@@ -17960,7 +18258,7 @@
             <a:pPr lvl="0"/>
             <a:fld id="{86CB4B4D-7CA3-9044-876B-883B54F8677D}" type="slidenum">
               <a:rPr lang="en-US" smtClean="0"/>
-              <a:t>31</a:t>
+              <a:t>32</a:t>
             </a:fld>
             <a:endParaRPr lang="en-US"/>
           </a:p>
@@ -17982,7 +18280,7 @@
 </p:sld>
 </file>
 
-<file path=ppt/slides/slide32.xml><?xml version="1.0" encoding="utf-8"?>
+<file path=ppt/slides/slide33.xml><?xml version="1.0" encoding="utf-8"?>
 <p:sld xmlns:a="http://schemas.openxmlformats.org/drawingml/2006/main" xmlns:r="http://schemas.openxmlformats.org/officeDocument/2006/relationships" xmlns:p="http://schemas.openxmlformats.org/presentationml/2006/main">
   <p:cSld>
     <p:spTree>
@@ -18298,7 +18596,7 @@
             <a:pPr lvl="0"/>
             <a:fld id="{86CB4B4D-7CA3-9044-876B-883B54F8677D}" type="slidenum">
               <a:rPr lang="en-US" smtClean="0"/>
-              <a:t>32</a:t>
+              <a:t>33</a:t>
             </a:fld>
             <a:endParaRPr lang="en-US"/>
           </a:p>
@@ -18538,7 +18836,7 @@
 </p:sld>
 </file>
 
-<file path=ppt/slides/slide33.xml><?xml version="1.0" encoding="utf-8"?>
+<file path=ppt/slides/slide34.xml><?xml version="1.0" encoding="utf-8"?>
 <p:sld xmlns:a="http://schemas.openxmlformats.org/drawingml/2006/main" xmlns:r="http://schemas.openxmlformats.org/officeDocument/2006/relationships" xmlns:p="http://schemas.openxmlformats.org/presentationml/2006/main">
   <p:cSld>
     <p:spTree>
@@ -18969,7 +19267,7 @@
             <a:pPr lvl="0"/>
             <a:fld id="{86CB4B4D-7CA3-9044-876B-883B54F8677D}" type="slidenum">
               <a:rPr lang="en-US" smtClean="0"/>
-              <a:t>33</a:t>
+              <a:t>34</a:t>
             </a:fld>
             <a:endParaRPr lang="en-US"/>
           </a:p>
@@ -18991,7 +19289,7 @@
 </p:sld>
 </file>
 
-<file path=ppt/slides/slide34.xml><?xml version="1.0" encoding="utf-8"?>
+<file path=ppt/slides/slide35.xml><?xml version="1.0" encoding="utf-8"?>
 <p:sld xmlns:a="http://schemas.openxmlformats.org/drawingml/2006/main" xmlns:r="http://schemas.openxmlformats.org/officeDocument/2006/relationships" xmlns:p="http://schemas.openxmlformats.org/presentationml/2006/main">
   <p:cSld>
     <p:spTree>
@@ -19702,7 +20000,7 @@
             <a:effectLst/>
             <a:extLst>
               <a:ext uri="{C572A759-6A51-4108-AA02-DFA0A04FC94B}">
-                <ma14:wrappingTextBoxFlag xmlns:ma14="http://schemas.microsoft.com/office/mac/drawingml/2011/main" xmlns="" val="1"/>
+                <ma14:wrappingTextBoxFlag xmlns="" xmlns:ma14="http://schemas.microsoft.com/office/mac/drawingml/2011/main" val="1"/>
               </a:ext>
             </a:extLst>
           </p:spPr>
@@ -19922,7 +20220,7 @@
             <a:effectLst/>
             <a:extLst>
               <a:ext uri="{C572A759-6A51-4108-AA02-DFA0A04FC94B}">
-                <ma14:wrappingTextBoxFlag xmlns:ma14="http://schemas.microsoft.com/office/mac/drawingml/2011/main" xmlns="" val="1"/>
+                <ma14:wrappingTextBoxFlag xmlns="" xmlns:ma14="http://schemas.microsoft.com/office/mac/drawingml/2011/main" val="1"/>
               </a:ext>
             </a:extLst>
           </p:spPr>
@@ -19983,7 +20281,7 @@
             <a:pPr lvl="0"/>
             <a:fld id="{86CB4B4D-7CA3-9044-876B-883B54F8677D}" type="slidenum">
               <a:rPr lang="en-US" smtClean="0"/>
-              <a:t>34</a:t>
+              <a:t>35</a:t>
             </a:fld>
             <a:endParaRPr lang="en-US"/>
           </a:p>
@@ -20120,7 +20418,7 @@
 </p:sld>
 </file>
 
-<file path=ppt/slides/slide35.xml><?xml version="1.0" encoding="utf-8"?>
+<file path=ppt/slides/slide36.xml><?xml version="1.0" encoding="utf-8"?>
 <p:sld xmlns:a="http://schemas.openxmlformats.org/drawingml/2006/main" xmlns:r="http://schemas.openxmlformats.org/officeDocument/2006/relationships" xmlns:p="http://schemas.openxmlformats.org/presentationml/2006/main">
   <p:cSld>
     <p:spTree>
@@ -20349,615 +20647,13 @@
             <a:pPr lvl="0"/>
             <a:fld id="{86CB4B4D-7CA3-9044-876B-883B54F8677D}" type="slidenum">
               <a:rPr lang="en-US" smtClean="0"/>
-              <a:t>35</a:t>
+              <a:t>36</a:t>
             </a:fld>
             <a:endParaRPr lang="en-US"/>
           </a:p>
         </p:txBody>
       </p:sp>
     </p:spTree>
-  </p:cSld>
-  <p:clrMapOvr>
-    <a:masterClrMapping/>
-  </p:clrMapOvr>
-  <p:transition spd="med"/>
-  <p:timing>
-    <p:tnLst>
-      <p:par>
-        <p:cTn id="1" dur="indefinite" restart="never" nodeType="tmRoot"/>
-      </p:par>
-    </p:tnLst>
-  </p:timing>
-</p:sld>
-</file>
-
-<file path=ppt/slides/slide36.xml><?xml version="1.0" encoding="utf-8"?>
-<p:sld xmlns:a="http://schemas.openxmlformats.org/drawingml/2006/main" xmlns:r="http://schemas.openxmlformats.org/officeDocument/2006/relationships" xmlns:p="http://schemas.openxmlformats.org/presentationml/2006/main">
-  <p:cSld>
-    <p:spTree>
-      <p:nvGrpSpPr>
-        <p:cNvPr id="1" name=""/>
-        <p:cNvGrpSpPr/>
-        <p:nvPr/>
-      </p:nvGrpSpPr>
-      <p:grpSpPr>
-        <a:xfrm>
-          <a:off x="0" y="0"/>
-          <a:ext cx="0" cy="0"/>
-          <a:chOff x="0" y="0"/>
-          <a:chExt cx="0" cy="0"/>
-        </a:xfrm>
-      </p:grpSpPr>
-      <p:sp>
-        <p:nvSpPr>
-          <p:cNvPr id="2" name="Title 1"/>
-          <p:cNvSpPr>
-            <a:spLocks noGrp="1"/>
-          </p:cNvSpPr>
-          <p:nvPr>
-            <p:ph type="title"/>
-          </p:nvPr>
-        </p:nvSpPr>
-        <p:spPr/>
-        <p:txBody>
-          <a:bodyPr/>
-          <a:lstStyle/>
-          <a:p>
-            <a:r>
-              <a:rPr lang="en-US" dirty="0" smtClean="0"/>
-              <a:t>Understanding enhanced for loop with iterators</a:t>
-            </a:r>
-            <a:endParaRPr lang="en-US" dirty="0"/>
-          </a:p>
-        </p:txBody>
-      </p:sp>
-      <p:sp>
-        <p:nvSpPr>
-          <p:cNvPr id="3" name="Text Placeholder 2"/>
-          <p:cNvSpPr>
-            <a:spLocks noGrp="1"/>
-          </p:cNvSpPr>
-          <p:nvPr>
-            <p:ph type="body" idx="1"/>
-          </p:nvPr>
-        </p:nvSpPr>
-        <p:spPr/>
-        <p:txBody>
-          <a:bodyPr>
-            <a:normAutofit/>
-          </a:bodyPr>
-          <a:lstStyle/>
-          <a:p>
-            <a:r>
-              <a:rPr lang="en-US" dirty="0" smtClean="0"/>
-              <a:t>Enhanced for loop is effectively using </a:t>
-            </a:r>
-            <a:r>
-              <a:rPr lang="en-US" i="1" dirty="0" smtClean="0"/>
-              <a:t>something like </a:t>
-            </a:r>
-            <a:r>
-              <a:rPr lang="en-US" dirty="0" smtClean="0"/>
-              <a:t>this:</a:t>
-            </a:r>
-          </a:p>
-          <a:p>
-            <a:pPr marL="0" indent="0">
-              <a:buNone/>
-            </a:pPr>
-            <a:r>
-              <a:rPr lang="fr-FR" b="1" dirty="0">
-                <a:solidFill>
-                  <a:srgbClr val="9BBB59"/>
-                </a:solidFill>
-                <a:latin typeface="Consolas"/>
-                <a:ea typeface="Consolas"/>
-                <a:cs typeface="Consolas"/>
-                <a:sym typeface="Consolas"/>
-              </a:rPr>
-              <a:t> </a:t>
-            </a:r>
-            <a:r>
-              <a:rPr lang="fr-FR" b="1" dirty="0" smtClean="0">
-                <a:solidFill>
-                  <a:srgbClr val="9BBB59"/>
-                </a:solidFill>
-                <a:latin typeface="Consolas"/>
-                <a:ea typeface="Consolas"/>
-                <a:cs typeface="Consolas"/>
-                <a:sym typeface="Consolas"/>
-              </a:rPr>
-              <a:t>…scores  </a:t>
-            </a:r>
-            <a:r>
-              <a:rPr lang="fr-FR" i="1" dirty="0" smtClean="0">
-                <a:solidFill>
-                  <a:schemeClr val="tx1"/>
-                </a:solidFill>
-                <a:latin typeface="Consolas"/>
-                <a:ea typeface="Consolas"/>
-                <a:cs typeface="Consolas"/>
-                <a:sym typeface="Consolas"/>
-              </a:rPr>
-              <a:t>(</a:t>
-            </a:r>
-            <a:r>
-              <a:rPr lang="fr-FR" i="1" dirty="0" err="1" smtClean="0">
-                <a:solidFill>
-                  <a:schemeClr val="tx1"/>
-                </a:solidFill>
-                <a:latin typeface="Consolas"/>
-                <a:ea typeface="Consolas"/>
-                <a:cs typeface="Consolas"/>
-                <a:sym typeface="Consolas"/>
-              </a:rPr>
-              <a:t>some</a:t>
-            </a:r>
-            <a:r>
-              <a:rPr lang="fr-FR" i="1" dirty="0" smtClean="0">
-                <a:solidFill>
-                  <a:schemeClr val="tx1"/>
-                </a:solidFill>
-                <a:latin typeface="Consolas"/>
-                <a:ea typeface="Consolas"/>
-                <a:cs typeface="Consolas"/>
-                <a:sym typeface="Consolas"/>
-              </a:rPr>
-              <a:t> </a:t>
-            </a:r>
-            <a:r>
-              <a:rPr lang="fr-FR" i="1" dirty="0" err="1" smtClean="0">
-                <a:solidFill>
-                  <a:schemeClr val="tx1"/>
-                </a:solidFill>
-                <a:latin typeface="Consolas"/>
-                <a:ea typeface="Consolas"/>
-                <a:cs typeface="Consolas"/>
-                <a:sym typeface="Consolas"/>
-              </a:rPr>
-              <a:t>grouping</a:t>
-            </a:r>
-            <a:r>
-              <a:rPr lang="fr-FR" i="1" dirty="0" smtClean="0">
-                <a:solidFill>
-                  <a:schemeClr val="tx1"/>
-                </a:solidFill>
-                <a:latin typeface="Consolas"/>
-                <a:ea typeface="Consolas"/>
-                <a:cs typeface="Consolas"/>
-                <a:sym typeface="Consolas"/>
-              </a:rPr>
-              <a:t> of doubles)</a:t>
-            </a:r>
-            <a:br>
-              <a:rPr lang="fr-FR" i="1" dirty="0" smtClean="0">
-                <a:solidFill>
-                  <a:schemeClr val="tx1"/>
-                </a:solidFill>
-                <a:latin typeface="Consolas"/>
-                <a:ea typeface="Consolas"/>
-                <a:cs typeface="Consolas"/>
-                <a:sym typeface="Consolas"/>
-              </a:rPr>
-            </a:br>
-            <a:r>
-              <a:rPr lang="fr-FR" b="1" dirty="0" smtClean="0">
-                <a:solidFill>
-                  <a:srgbClr val="9BBB59"/>
-                </a:solidFill>
-                <a:latin typeface="Consolas"/>
-                <a:ea typeface="Consolas"/>
-                <a:cs typeface="Consolas"/>
-                <a:sym typeface="Consolas"/>
-              </a:rPr>
-              <a:t>double </a:t>
-            </a:r>
-            <a:r>
-              <a:rPr lang="fr-FR" b="1" dirty="0" err="1" smtClean="0">
-                <a:solidFill>
-                  <a:srgbClr val="9BBB59"/>
-                </a:solidFill>
-                <a:latin typeface="Consolas"/>
-                <a:ea typeface="Consolas"/>
-                <a:cs typeface="Consolas"/>
-                <a:sym typeface="Consolas"/>
-              </a:rPr>
-              <a:t>sum</a:t>
-            </a:r>
-            <a:r>
-              <a:rPr lang="fr-FR" b="1" dirty="0" smtClean="0">
-                <a:solidFill>
-                  <a:srgbClr val="9BBB59"/>
-                </a:solidFill>
-                <a:latin typeface="Consolas"/>
-                <a:ea typeface="Consolas"/>
-                <a:cs typeface="Consolas"/>
-                <a:sym typeface="Consolas"/>
-              </a:rPr>
-              <a:t> = 0.0;</a:t>
-            </a:r>
-            <a:endParaRPr lang="fr-FR" b="1" dirty="0">
-              <a:solidFill>
-                <a:srgbClr val="9BBB59"/>
-              </a:solidFill>
-              <a:latin typeface="Consolas"/>
-              <a:ea typeface="Consolas"/>
-              <a:cs typeface="Consolas"/>
-              <a:sym typeface="Consolas"/>
-            </a:endParaRPr>
-          </a:p>
-          <a:p>
-            <a:pPr marL="0" indent="0">
-              <a:buNone/>
-            </a:pPr>
-            <a:r>
-              <a:rPr lang="fr-FR" b="1" dirty="0" err="1" smtClean="0">
-                <a:solidFill>
-                  <a:srgbClr val="9BBB59"/>
-                </a:solidFill>
-                <a:latin typeface="Consolas"/>
-                <a:ea typeface="Consolas"/>
-                <a:cs typeface="Consolas"/>
-                <a:sym typeface="Consolas"/>
-              </a:rPr>
-              <a:t>Iterator</a:t>
-            </a:r>
-            <a:r>
-              <a:rPr lang="fr-FR" b="1" dirty="0" smtClean="0">
-                <a:solidFill>
-                  <a:srgbClr val="9BBB59"/>
-                </a:solidFill>
-                <a:latin typeface="Consolas"/>
-                <a:ea typeface="Consolas"/>
-                <a:cs typeface="Consolas"/>
-                <a:sym typeface="Consolas"/>
-              </a:rPr>
-              <a:t> </a:t>
-            </a:r>
-            <a:r>
-              <a:rPr lang="fr-FR" b="1" dirty="0" err="1">
-                <a:solidFill>
-                  <a:srgbClr val="9BBB59"/>
-                </a:solidFill>
-                <a:latin typeface="Consolas"/>
-                <a:ea typeface="Consolas"/>
-                <a:cs typeface="Consolas"/>
-                <a:sym typeface="Consolas"/>
-              </a:rPr>
-              <a:t>iter</a:t>
-            </a:r>
-            <a:r>
-              <a:rPr lang="fr-FR" b="1" dirty="0">
-                <a:solidFill>
-                  <a:srgbClr val="9BBB59"/>
-                </a:solidFill>
-                <a:latin typeface="Consolas"/>
-                <a:ea typeface="Consolas"/>
-                <a:cs typeface="Consolas"/>
-                <a:sym typeface="Consolas"/>
-              </a:rPr>
-              <a:t> </a:t>
-            </a:r>
-            <a:r>
-              <a:rPr lang="fr-FR" b="1" dirty="0" smtClean="0">
-                <a:solidFill>
-                  <a:srgbClr val="9BBB59"/>
-                </a:solidFill>
-                <a:latin typeface="Consolas"/>
-                <a:ea typeface="Consolas"/>
-                <a:cs typeface="Consolas"/>
-                <a:sym typeface="Consolas"/>
-              </a:rPr>
-              <a:t>= </a:t>
-            </a:r>
-            <a:r>
-              <a:rPr lang="fr-FR" b="1" dirty="0" err="1" smtClean="0">
-                <a:solidFill>
-                  <a:srgbClr val="9BBB59"/>
-                </a:solidFill>
-                <a:latin typeface="Consolas"/>
-                <a:ea typeface="Consolas"/>
-                <a:cs typeface="Consolas"/>
-                <a:sym typeface="Consolas"/>
-              </a:rPr>
-              <a:t>scores.iterator</a:t>
-            </a:r>
-            <a:r>
-              <a:rPr lang="fr-FR" b="1" dirty="0" smtClean="0">
-                <a:solidFill>
-                  <a:srgbClr val="9BBB59"/>
-                </a:solidFill>
-                <a:latin typeface="Consolas"/>
-                <a:ea typeface="Consolas"/>
-                <a:cs typeface="Consolas"/>
-                <a:sym typeface="Consolas"/>
-              </a:rPr>
-              <a:t>();</a:t>
-            </a:r>
-          </a:p>
-          <a:p>
-            <a:pPr marL="0" indent="0">
-              <a:buNone/>
-            </a:pPr>
-            <a:r>
-              <a:rPr lang="fr-FR" b="1" dirty="0" err="1" smtClean="0">
-                <a:solidFill>
-                  <a:srgbClr val="9BBB59"/>
-                </a:solidFill>
-                <a:latin typeface="Consolas"/>
-                <a:ea typeface="Consolas"/>
-                <a:cs typeface="Consolas"/>
-                <a:sym typeface="Consolas"/>
-              </a:rPr>
-              <a:t>while</a:t>
-            </a:r>
-            <a:r>
-              <a:rPr lang="fr-FR" b="1" dirty="0" smtClean="0">
-                <a:solidFill>
-                  <a:srgbClr val="9BBB59"/>
-                </a:solidFill>
-                <a:latin typeface="Consolas"/>
-                <a:ea typeface="Consolas"/>
-                <a:cs typeface="Consolas"/>
-                <a:sym typeface="Consolas"/>
-              </a:rPr>
-              <a:t> </a:t>
-            </a:r>
-            <a:r>
-              <a:rPr lang="fr-FR" b="1" dirty="0">
-                <a:solidFill>
-                  <a:srgbClr val="9BBB59"/>
-                </a:solidFill>
-                <a:latin typeface="Consolas"/>
-                <a:ea typeface="Consolas"/>
-                <a:cs typeface="Consolas"/>
-                <a:sym typeface="Consolas"/>
-              </a:rPr>
-              <a:t>( </a:t>
-            </a:r>
-            <a:r>
-              <a:rPr lang="fr-FR" b="1" dirty="0" err="1">
-                <a:solidFill>
-                  <a:srgbClr val="9BBB59"/>
-                </a:solidFill>
-                <a:latin typeface="Consolas"/>
-                <a:ea typeface="Consolas"/>
-                <a:cs typeface="Consolas"/>
-                <a:sym typeface="Consolas"/>
-              </a:rPr>
-              <a:t>iter.hasNext</a:t>
-            </a:r>
-            <a:r>
-              <a:rPr lang="fr-FR" b="1" dirty="0">
-                <a:solidFill>
-                  <a:srgbClr val="9BBB59"/>
-                </a:solidFill>
-                <a:latin typeface="Consolas"/>
-                <a:ea typeface="Consolas"/>
-                <a:cs typeface="Consolas"/>
-                <a:sym typeface="Consolas"/>
-              </a:rPr>
-              <a:t>() ) {</a:t>
-            </a:r>
-          </a:p>
-          <a:p>
-            <a:pPr marL="0" indent="0">
-              <a:buNone/>
-            </a:pPr>
-            <a:r>
-              <a:rPr lang="fr-FR" b="1" dirty="0">
-                <a:solidFill>
-                  <a:srgbClr val="9BBB59"/>
-                </a:solidFill>
-                <a:latin typeface="Consolas"/>
-                <a:ea typeface="Consolas"/>
-                <a:cs typeface="Consolas"/>
-                <a:sym typeface="Consolas"/>
-              </a:rPr>
-              <a:t>	</a:t>
-            </a:r>
-            <a:r>
-              <a:rPr lang="fr-FR" b="1" dirty="0" smtClean="0">
-                <a:solidFill>
-                  <a:srgbClr val="9BBB59"/>
-                </a:solidFill>
-                <a:latin typeface="Consolas"/>
-                <a:ea typeface="Consolas"/>
-                <a:cs typeface="Consolas"/>
-                <a:sym typeface="Consolas"/>
-              </a:rPr>
-              <a:t>double </a:t>
-            </a:r>
-            <a:r>
-              <a:rPr lang="fr-FR" b="1" dirty="0" smtClean="0">
-                <a:solidFill>
-                  <a:srgbClr val="77933C"/>
-                </a:solidFill>
-                <a:latin typeface="Consolas"/>
-                <a:ea typeface="Consolas"/>
-                <a:cs typeface="Consolas"/>
-                <a:sym typeface="Consolas"/>
-              </a:rPr>
-              <a:t>score</a:t>
-            </a:r>
-            <a:r>
-              <a:rPr lang="fr-FR" b="1" dirty="0" smtClean="0">
-                <a:solidFill>
-                  <a:srgbClr val="9BBB59"/>
-                </a:solidFill>
-                <a:latin typeface="Consolas"/>
-                <a:ea typeface="Consolas"/>
-                <a:cs typeface="Consolas"/>
-                <a:sym typeface="Consolas"/>
-              </a:rPr>
-              <a:t> </a:t>
-            </a:r>
-            <a:r>
-              <a:rPr lang="fr-FR" b="1" dirty="0">
-                <a:solidFill>
-                  <a:srgbClr val="9BBB59"/>
-                </a:solidFill>
-                <a:latin typeface="Consolas"/>
-                <a:ea typeface="Consolas"/>
-                <a:cs typeface="Consolas"/>
-                <a:sym typeface="Consolas"/>
-              </a:rPr>
-              <a:t>= </a:t>
-            </a:r>
-            <a:r>
-              <a:rPr lang="fr-FR" b="1" dirty="0" err="1" smtClean="0">
-                <a:solidFill>
-                  <a:srgbClr val="9BBB59"/>
-                </a:solidFill>
-                <a:latin typeface="Consolas"/>
-                <a:ea typeface="Consolas"/>
-                <a:cs typeface="Consolas"/>
-                <a:sym typeface="Consolas"/>
-              </a:rPr>
-              <a:t>iter.next</a:t>
-            </a:r>
-            <a:r>
-              <a:rPr lang="fr-FR" b="1" dirty="0" smtClean="0">
-                <a:solidFill>
-                  <a:srgbClr val="9BBB59"/>
-                </a:solidFill>
-                <a:latin typeface="Consolas"/>
-                <a:ea typeface="Consolas"/>
-                <a:cs typeface="Consolas"/>
-                <a:sym typeface="Consolas"/>
-              </a:rPr>
-              <a:t>();</a:t>
-            </a:r>
-          </a:p>
-          <a:p>
-            <a:pPr marL="0" indent="0">
-              <a:buNone/>
-            </a:pPr>
-            <a:r>
-              <a:rPr lang="fr-FR" b="1" dirty="0" smtClean="0">
-                <a:solidFill>
-                  <a:srgbClr val="9BBB59"/>
-                </a:solidFill>
-                <a:latin typeface="Consolas"/>
-                <a:ea typeface="Consolas"/>
-                <a:cs typeface="Consolas"/>
-                <a:sym typeface="Consolas"/>
-              </a:rPr>
-              <a:t>	</a:t>
-            </a:r>
-            <a:r>
-              <a:rPr lang="fr-FR" b="1" dirty="0" err="1" smtClean="0">
-                <a:solidFill>
-                  <a:srgbClr val="9BBB59"/>
-                </a:solidFill>
-                <a:latin typeface="Consolas"/>
-                <a:ea typeface="Consolas"/>
-                <a:cs typeface="Consolas"/>
-                <a:sym typeface="Consolas"/>
-              </a:rPr>
-              <a:t>sum</a:t>
-            </a:r>
-            <a:r>
-              <a:rPr lang="fr-FR" b="1" dirty="0" smtClean="0">
-                <a:solidFill>
-                  <a:srgbClr val="9BBB59"/>
-                </a:solidFill>
-                <a:latin typeface="Consolas"/>
-                <a:ea typeface="Consolas"/>
-                <a:cs typeface="Consolas"/>
-                <a:sym typeface="Consolas"/>
-              </a:rPr>
-              <a:t> </a:t>
-            </a:r>
-            <a:r>
-              <a:rPr lang="fr-FR" b="1" dirty="0">
-                <a:solidFill>
-                  <a:srgbClr val="9BBB59"/>
-                </a:solidFill>
-                <a:latin typeface="Consolas"/>
-                <a:ea typeface="Consolas"/>
-                <a:cs typeface="Consolas"/>
-                <a:sym typeface="Consolas"/>
-              </a:rPr>
-              <a:t>+= </a:t>
-            </a:r>
-            <a:r>
-              <a:rPr lang="fr-FR" b="1" dirty="0">
-                <a:solidFill>
-                  <a:srgbClr val="77933C"/>
-                </a:solidFill>
-                <a:latin typeface="Consolas"/>
-                <a:ea typeface="Consolas"/>
-                <a:cs typeface="Consolas"/>
-                <a:sym typeface="Consolas"/>
-              </a:rPr>
-              <a:t>score</a:t>
-            </a:r>
-            <a:r>
-              <a:rPr lang="fr-FR" b="1" dirty="0">
-                <a:solidFill>
-                  <a:srgbClr val="9BBB59"/>
-                </a:solidFill>
-                <a:latin typeface="Consolas"/>
-                <a:ea typeface="Consolas"/>
-                <a:cs typeface="Consolas"/>
-                <a:sym typeface="Consolas"/>
-              </a:rPr>
-              <a:t>;</a:t>
-            </a:r>
-          </a:p>
-          <a:p>
-            <a:pPr marL="0" indent="0">
-              <a:buNone/>
-            </a:pPr>
-            <a:r>
-              <a:rPr lang="fr-FR" b="1" dirty="0">
-                <a:solidFill>
-                  <a:srgbClr val="9BBB59"/>
-                </a:solidFill>
-                <a:latin typeface="Consolas"/>
-                <a:ea typeface="Consolas"/>
-                <a:cs typeface="Consolas"/>
-                <a:sym typeface="Consolas"/>
-              </a:rPr>
-              <a:t>}</a:t>
-            </a:r>
-          </a:p>
-          <a:p>
-            <a:endParaRPr lang="en-US" dirty="0" smtClean="0"/>
-          </a:p>
-        </p:txBody>
-      </p:sp>
-      <p:sp>
-        <p:nvSpPr>
-          <p:cNvPr id="4" name="Slide Number Placeholder 3"/>
-          <p:cNvSpPr>
-            <a:spLocks noGrp="1"/>
-          </p:cNvSpPr>
-          <p:nvPr>
-            <p:ph type="sldNum" sz="quarter" idx="2"/>
-          </p:nvPr>
-        </p:nvSpPr>
-        <p:spPr/>
-        <p:txBody>
-          <a:bodyPr/>
-          <a:lstStyle/>
-          <a:p>
-            <a:pPr lvl="0"/>
-            <a:fld id="{86CB4B4D-7CA3-9044-876B-883B54F8677D}" type="slidenum">
-              <a:rPr lang="en-US" smtClean="0"/>
-              <a:t>36</a:t>
-            </a:fld>
-            <a:endParaRPr lang="en-US"/>
-          </a:p>
-        </p:txBody>
-      </p:sp>
-    </p:spTree>
-    <p:extLst>
-      <p:ext uri="{BB962C8B-B14F-4D97-AF65-F5344CB8AC3E}">
-        <p14:creationId xmlns:p14="http://schemas.microsoft.com/office/powerpoint/2010/main" val="1308386784"/>
-      </p:ext>
-    </p:extLst>
   </p:cSld>
   <p:clrMapOvr>
     <a:masterClrMapping/>
@@ -21000,33 +20696,533 @@
             <p:ph type="title"/>
           </p:nvPr>
         </p:nvSpPr>
-        <p:spPr>
-          <a:xfrm>
-            <a:off x="457200" y="-218937"/>
-            <a:ext cx="8229600" cy="1508125"/>
-          </a:xfrm>
-        </p:spPr>
+        <p:spPr/>
         <p:txBody>
           <a:bodyPr/>
           <a:lstStyle/>
           <a:p>
             <a:r>
-              <a:rPr lang="en-US" dirty="0"/>
-              <a:t>Arrays vs. </a:t>
-            </a:r>
-            <a:r>
-              <a:rPr lang="en-US" dirty="0" err="1"/>
-              <a:t>ArrayList</a:t>
-            </a:r>
-            <a:r>
-              <a:rPr lang="en-US" dirty="0"/>
-              <a:t>: </a:t>
-            </a:r>
-            <a:r>
               <a:rPr lang="en-US" dirty="0" smtClean="0"/>
-              <a:t>Coding</a:t>
+              <a:t>Understanding enhanced for loop with iterators</a:t>
             </a:r>
             <a:endParaRPr lang="en-US" dirty="0"/>
+          </a:p>
+        </p:txBody>
+      </p:sp>
+      <p:sp>
+        <p:nvSpPr>
+          <p:cNvPr id="3" name="Text Placeholder 2"/>
+          <p:cNvSpPr>
+            <a:spLocks noGrp="1"/>
+          </p:cNvSpPr>
+          <p:nvPr>
+            <p:ph type="body" idx="1"/>
+          </p:nvPr>
+        </p:nvSpPr>
+        <p:spPr/>
+        <p:txBody>
+          <a:bodyPr>
+            <a:normAutofit/>
+          </a:bodyPr>
+          <a:lstStyle/>
+          <a:p>
+            <a:r>
+              <a:rPr lang="en-US" dirty="0" smtClean="0"/>
+              <a:t>Enhanced for loop is effectively using </a:t>
+            </a:r>
+            <a:r>
+              <a:rPr lang="en-US" i="1" dirty="0" smtClean="0"/>
+              <a:t>something like </a:t>
+            </a:r>
+            <a:r>
+              <a:rPr lang="en-US" dirty="0" smtClean="0"/>
+              <a:t>this:</a:t>
+            </a:r>
+          </a:p>
+          <a:p>
+            <a:pPr marL="0" indent="0">
+              <a:buNone/>
+            </a:pPr>
+            <a:r>
+              <a:rPr lang="fr-FR" b="1" dirty="0">
+                <a:solidFill>
+                  <a:srgbClr val="9BBB59"/>
+                </a:solidFill>
+                <a:latin typeface="Consolas"/>
+                <a:ea typeface="Consolas"/>
+                <a:cs typeface="Consolas"/>
+                <a:sym typeface="Consolas"/>
+              </a:rPr>
+              <a:t> </a:t>
+            </a:r>
+            <a:r>
+              <a:rPr lang="fr-FR" b="1" dirty="0" smtClean="0">
+                <a:solidFill>
+                  <a:srgbClr val="9BBB59"/>
+                </a:solidFill>
+                <a:latin typeface="Consolas"/>
+                <a:ea typeface="Consolas"/>
+                <a:cs typeface="Consolas"/>
+                <a:sym typeface="Consolas"/>
+              </a:rPr>
+              <a:t>…scores  </a:t>
+            </a:r>
+            <a:r>
+              <a:rPr lang="fr-FR" i="1" dirty="0" smtClean="0">
+                <a:solidFill>
+                  <a:schemeClr val="tx1"/>
+                </a:solidFill>
+                <a:latin typeface="Consolas"/>
+                <a:ea typeface="Consolas"/>
+                <a:cs typeface="Consolas"/>
+                <a:sym typeface="Consolas"/>
+              </a:rPr>
+              <a:t>(</a:t>
+            </a:r>
+            <a:r>
+              <a:rPr lang="fr-FR" i="1" dirty="0" err="1" smtClean="0">
+                <a:solidFill>
+                  <a:schemeClr val="tx1"/>
+                </a:solidFill>
+                <a:latin typeface="Consolas"/>
+                <a:ea typeface="Consolas"/>
+                <a:cs typeface="Consolas"/>
+                <a:sym typeface="Consolas"/>
+              </a:rPr>
+              <a:t>some</a:t>
+            </a:r>
+            <a:r>
+              <a:rPr lang="fr-FR" i="1" dirty="0" smtClean="0">
+                <a:solidFill>
+                  <a:schemeClr val="tx1"/>
+                </a:solidFill>
+                <a:latin typeface="Consolas"/>
+                <a:ea typeface="Consolas"/>
+                <a:cs typeface="Consolas"/>
+                <a:sym typeface="Consolas"/>
+              </a:rPr>
+              <a:t> </a:t>
+            </a:r>
+            <a:r>
+              <a:rPr lang="fr-FR" i="1" dirty="0" err="1" smtClean="0">
+                <a:solidFill>
+                  <a:schemeClr val="tx1"/>
+                </a:solidFill>
+                <a:latin typeface="Consolas"/>
+                <a:ea typeface="Consolas"/>
+                <a:cs typeface="Consolas"/>
+                <a:sym typeface="Consolas"/>
+              </a:rPr>
+              <a:t>grouping</a:t>
+            </a:r>
+            <a:r>
+              <a:rPr lang="fr-FR" i="1" dirty="0" smtClean="0">
+                <a:solidFill>
+                  <a:schemeClr val="tx1"/>
+                </a:solidFill>
+                <a:latin typeface="Consolas"/>
+                <a:ea typeface="Consolas"/>
+                <a:cs typeface="Consolas"/>
+                <a:sym typeface="Consolas"/>
+              </a:rPr>
+              <a:t> of doubles)</a:t>
+            </a:r>
+            <a:br>
+              <a:rPr lang="fr-FR" i="1" dirty="0" smtClean="0">
+                <a:solidFill>
+                  <a:schemeClr val="tx1"/>
+                </a:solidFill>
+                <a:latin typeface="Consolas"/>
+                <a:ea typeface="Consolas"/>
+                <a:cs typeface="Consolas"/>
+                <a:sym typeface="Consolas"/>
+              </a:rPr>
+            </a:br>
+            <a:r>
+              <a:rPr lang="fr-FR" b="1" dirty="0" smtClean="0">
+                <a:solidFill>
+                  <a:srgbClr val="9BBB59"/>
+                </a:solidFill>
+                <a:latin typeface="Consolas"/>
+                <a:ea typeface="Consolas"/>
+                <a:cs typeface="Consolas"/>
+                <a:sym typeface="Consolas"/>
+              </a:rPr>
+              <a:t>double </a:t>
+            </a:r>
+            <a:r>
+              <a:rPr lang="fr-FR" b="1" dirty="0" err="1" smtClean="0">
+                <a:solidFill>
+                  <a:srgbClr val="9BBB59"/>
+                </a:solidFill>
+                <a:latin typeface="Consolas"/>
+                <a:ea typeface="Consolas"/>
+                <a:cs typeface="Consolas"/>
+                <a:sym typeface="Consolas"/>
+              </a:rPr>
+              <a:t>sum</a:t>
+            </a:r>
+            <a:r>
+              <a:rPr lang="fr-FR" b="1" dirty="0" smtClean="0">
+                <a:solidFill>
+                  <a:srgbClr val="9BBB59"/>
+                </a:solidFill>
+                <a:latin typeface="Consolas"/>
+                <a:ea typeface="Consolas"/>
+                <a:cs typeface="Consolas"/>
+                <a:sym typeface="Consolas"/>
+              </a:rPr>
+              <a:t> = 0.0;</a:t>
+            </a:r>
+            <a:endParaRPr lang="fr-FR" b="1" dirty="0">
+              <a:solidFill>
+                <a:srgbClr val="9BBB59"/>
+              </a:solidFill>
+              <a:latin typeface="Consolas"/>
+              <a:ea typeface="Consolas"/>
+              <a:cs typeface="Consolas"/>
+              <a:sym typeface="Consolas"/>
+            </a:endParaRPr>
+          </a:p>
+          <a:p>
+            <a:pPr marL="0" indent="0">
+              <a:buNone/>
+            </a:pPr>
+            <a:r>
+              <a:rPr lang="fr-FR" b="1" dirty="0" err="1" smtClean="0">
+                <a:solidFill>
+                  <a:srgbClr val="9BBB59"/>
+                </a:solidFill>
+                <a:latin typeface="Consolas"/>
+                <a:ea typeface="Consolas"/>
+                <a:cs typeface="Consolas"/>
+                <a:sym typeface="Consolas"/>
+              </a:rPr>
+              <a:t>Iterator</a:t>
+            </a:r>
+            <a:r>
+              <a:rPr lang="fr-FR" b="1" dirty="0" smtClean="0">
+                <a:solidFill>
+                  <a:srgbClr val="9BBB59"/>
+                </a:solidFill>
+                <a:latin typeface="Consolas"/>
+                <a:ea typeface="Consolas"/>
+                <a:cs typeface="Consolas"/>
+                <a:sym typeface="Consolas"/>
+              </a:rPr>
+              <a:t> </a:t>
+            </a:r>
+            <a:r>
+              <a:rPr lang="fr-FR" b="1" dirty="0" err="1">
+                <a:solidFill>
+                  <a:srgbClr val="9BBB59"/>
+                </a:solidFill>
+                <a:latin typeface="Consolas"/>
+                <a:ea typeface="Consolas"/>
+                <a:cs typeface="Consolas"/>
+                <a:sym typeface="Consolas"/>
+              </a:rPr>
+              <a:t>iter</a:t>
+            </a:r>
+            <a:r>
+              <a:rPr lang="fr-FR" b="1" dirty="0">
+                <a:solidFill>
+                  <a:srgbClr val="9BBB59"/>
+                </a:solidFill>
+                <a:latin typeface="Consolas"/>
+                <a:ea typeface="Consolas"/>
+                <a:cs typeface="Consolas"/>
+                <a:sym typeface="Consolas"/>
+              </a:rPr>
+              <a:t> </a:t>
+            </a:r>
+            <a:r>
+              <a:rPr lang="fr-FR" b="1" dirty="0" smtClean="0">
+                <a:solidFill>
+                  <a:srgbClr val="9BBB59"/>
+                </a:solidFill>
+                <a:latin typeface="Consolas"/>
+                <a:ea typeface="Consolas"/>
+                <a:cs typeface="Consolas"/>
+                <a:sym typeface="Consolas"/>
+              </a:rPr>
+              <a:t>= </a:t>
+            </a:r>
+            <a:r>
+              <a:rPr lang="fr-FR" b="1" dirty="0" err="1" smtClean="0">
+                <a:solidFill>
+                  <a:srgbClr val="9BBB59"/>
+                </a:solidFill>
+                <a:latin typeface="Consolas"/>
+                <a:ea typeface="Consolas"/>
+                <a:cs typeface="Consolas"/>
+                <a:sym typeface="Consolas"/>
+              </a:rPr>
+              <a:t>scores.iterator</a:t>
+            </a:r>
+            <a:r>
+              <a:rPr lang="fr-FR" b="1" dirty="0" smtClean="0">
+                <a:solidFill>
+                  <a:srgbClr val="9BBB59"/>
+                </a:solidFill>
+                <a:latin typeface="Consolas"/>
+                <a:ea typeface="Consolas"/>
+                <a:cs typeface="Consolas"/>
+                <a:sym typeface="Consolas"/>
+              </a:rPr>
+              <a:t>();</a:t>
+            </a:r>
+          </a:p>
+          <a:p>
+            <a:pPr marL="0" indent="0">
+              <a:buNone/>
+            </a:pPr>
+            <a:r>
+              <a:rPr lang="fr-FR" b="1" dirty="0" err="1" smtClean="0">
+                <a:solidFill>
+                  <a:srgbClr val="9BBB59"/>
+                </a:solidFill>
+                <a:latin typeface="Consolas"/>
+                <a:ea typeface="Consolas"/>
+                <a:cs typeface="Consolas"/>
+                <a:sym typeface="Consolas"/>
+              </a:rPr>
+              <a:t>while</a:t>
+            </a:r>
+            <a:r>
+              <a:rPr lang="fr-FR" b="1" dirty="0" smtClean="0">
+                <a:solidFill>
+                  <a:srgbClr val="9BBB59"/>
+                </a:solidFill>
+                <a:latin typeface="Consolas"/>
+                <a:ea typeface="Consolas"/>
+                <a:cs typeface="Consolas"/>
+                <a:sym typeface="Consolas"/>
+              </a:rPr>
+              <a:t> </a:t>
+            </a:r>
+            <a:r>
+              <a:rPr lang="fr-FR" b="1" dirty="0">
+                <a:solidFill>
+                  <a:srgbClr val="9BBB59"/>
+                </a:solidFill>
+                <a:latin typeface="Consolas"/>
+                <a:ea typeface="Consolas"/>
+                <a:cs typeface="Consolas"/>
+                <a:sym typeface="Consolas"/>
+              </a:rPr>
+              <a:t>( </a:t>
+            </a:r>
+            <a:r>
+              <a:rPr lang="fr-FR" b="1" dirty="0" err="1">
+                <a:solidFill>
+                  <a:srgbClr val="9BBB59"/>
+                </a:solidFill>
+                <a:latin typeface="Consolas"/>
+                <a:ea typeface="Consolas"/>
+                <a:cs typeface="Consolas"/>
+                <a:sym typeface="Consolas"/>
+              </a:rPr>
+              <a:t>iter.hasNext</a:t>
+            </a:r>
+            <a:r>
+              <a:rPr lang="fr-FR" b="1" dirty="0">
+                <a:solidFill>
+                  <a:srgbClr val="9BBB59"/>
+                </a:solidFill>
+                <a:latin typeface="Consolas"/>
+                <a:ea typeface="Consolas"/>
+                <a:cs typeface="Consolas"/>
+                <a:sym typeface="Consolas"/>
+              </a:rPr>
+              <a:t>() ) {</a:t>
+            </a:r>
+          </a:p>
+          <a:p>
+            <a:pPr marL="0" indent="0">
+              <a:buNone/>
+            </a:pPr>
+            <a:r>
+              <a:rPr lang="fr-FR" b="1" dirty="0">
+                <a:solidFill>
+                  <a:srgbClr val="9BBB59"/>
+                </a:solidFill>
+                <a:latin typeface="Consolas"/>
+                <a:ea typeface="Consolas"/>
+                <a:cs typeface="Consolas"/>
+                <a:sym typeface="Consolas"/>
+              </a:rPr>
+              <a:t>	</a:t>
+            </a:r>
+            <a:r>
+              <a:rPr lang="fr-FR" b="1" dirty="0" smtClean="0">
+                <a:solidFill>
+                  <a:srgbClr val="9BBB59"/>
+                </a:solidFill>
+                <a:latin typeface="Consolas"/>
+                <a:ea typeface="Consolas"/>
+                <a:cs typeface="Consolas"/>
+                <a:sym typeface="Consolas"/>
+              </a:rPr>
+              <a:t>double </a:t>
+            </a:r>
+            <a:r>
+              <a:rPr lang="fr-FR" b="1" dirty="0" smtClean="0">
+                <a:solidFill>
+                  <a:srgbClr val="77933C"/>
+                </a:solidFill>
+                <a:latin typeface="Consolas"/>
+                <a:ea typeface="Consolas"/>
+                <a:cs typeface="Consolas"/>
+                <a:sym typeface="Consolas"/>
+              </a:rPr>
+              <a:t>score</a:t>
+            </a:r>
+            <a:r>
+              <a:rPr lang="fr-FR" b="1" dirty="0" smtClean="0">
+                <a:solidFill>
+                  <a:srgbClr val="9BBB59"/>
+                </a:solidFill>
+                <a:latin typeface="Consolas"/>
+                <a:ea typeface="Consolas"/>
+                <a:cs typeface="Consolas"/>
+                <a:sym typeface="Consolas"/>
+              </a:rPr>
+              <a:t> </a:t>
+            </a:r>
+            <a:r>
+              <a:rPr lang="fr-FR" b="1" dirty="0">
+                <a:solidFill>
+                  <a:srgbClr val="9BBB59"/>
+                </a:solidFill>
+                <a:latin typeface="Consolas"/>
+                <a:ea typeface="Consolas"/>
+                <a:cs typeface="Consolas"/>
+                <a:sym typeface="Consolas"/>
+              </a:rPr>
+              <a:t>= </a:t>
+            </a:r>
+            <a:r>
+              <a:rPr lang="fr-FR" b="1" dirty="0" err="1" smtClean="0">
+                <a:solidFill>
+                  <a:srgbClr val="9BBB59"/>
+                </a:solidFill>
+                <a:latin typeface="Consolas"/>
+                <a:ea typeface="Consolas"/>
+                <a:cs typeface="Consolas"/>
+                <a:sym typeface="Consolas"/>
+              </a:rPr>
+              <a:t>iter.next</a:t>
+            </a:r>
+            <a:r>
+              <a:rPr lang="fr-FR" b="1" dirty="0" smtClean="0">
+                <a:solidFill>
+                  <a:srgbClr val="9BBB59"/>
+                </a:solidFill>
+                <a:latin typeface="Consolas"/>
+                <a:ea typeface="Consolas"/>
+                <a:cs typeface="Consolas"/>
+                <a:sym typeface="Consolas"/>
+              </a:rPr>
+              <a:t>();</a:t>
+            </a:r>
+          </a:p>
+          <a:p>
+            <a:pPr marL="0" indent="0">
+              <a:buNone/>
+            </a:pPr>
+            <a:r>
+              <a:rPr lang="fr-FR" b="1" dirty="0" smtClean="0">
+                <a:solidFill>
+                  <a:srgbClr val="9BBB59"/>
+                </a:solidFill>
+                <a:latin typeface="Consolas"/>
+                <a:ea typeface="Consolas"/>
+                <a:cs typeface="Consolas"/>
+                <a:sym typeface="Consolas"/>
+              </a:rPr>
+              <a:t>	</a:t>
+            </a:r>
+            <a:r>
+              <a:rPr lang="fr-FR" b="1" dirty="0" err="1" smtClean="0">
+                <a:solidFill>
+                  <a:srgbClr val="9BBB59"/>
+                </a:solidFill>
+                <a:latin typeface="Consolas"/>
+                <a:ea typeface="Consolas"/>
+                <a:cs typeface="Consolas"/>
+                <a:sym typeface="Consolas"/>
+              </a:rPr>
+              <a:t>sum</a:t>
+            </a:r>
+            <a:r>
+              <a:rPr lang="fr-FR" b="1" dirty="0" smtClean="0">
+                <a:solidFill>
+                  <a:srgbClr val="9BBB59"/>
+                </a:solidFill>
+                <a:latin typeface="Consolas"/>
+                <a:ea typeface="Consolas"/>
+                <a:cs typeface="Consolas"/>
+                <a:sym typeface="Consolas"/>
+              </a:rPr>
+              <a:t> </a:t>
+            </a:r>
+            <a:r>
+              <a:rPr lang="fr-FR" b="1" dirty="0">
+                <a:solidFill>
+                  <a:srgbClr val="9BBB59"/>
+                </a:solidFill>
+                <a:latin typeface="Consolas"/>
+                <a:ea typeface="Consolas"/>
+                <a:cs typeface="Consolas"/>
+                <a:sym typeface="Consolas"/>
+              </a:rPr>
+              <a:t>+= </a:t>
+            </a:r>
+            <a:r>
+              <a:rPr lang="fr-FR" b="1" dirty="0">
+                <a:solidFill>
+                  <a:srgbClr val="77933C"/>
+                </a:solidFill>
+                <a:latin typeface="Consolas"/>
+                <a:ea typeface="Consolas"/>
+                <a:cs typeface="Consolas"/>
+                <a:sym typeface="Consolas"/>
+              </a:rPr>
+              <a:t>score</a:t>
+            </a:r>
+            <a:r>
+              <a:rPr lang="fr-FR" b="1" dirty="0">
+                <a:solidFill>
+                  <a:srgbClr val="9BBB59"/>
+                </a:solidFill>
+                <a:latin typeface="Consolas"/>
+                <a:ea typeface="Consolas"/>
+                <a:cs typeface="Consolas"/>
+                <a:sym typeface="Consolas"/>
+              </a:rPr>
+              <a:t>;</a:t>
+            </a:r>
+          </a:p>
+          <a:p>
+            <a:pPr marL="0" indent="0">
+              <a:buNone/>
+            </a:pPr>
+            <a:r>
+              <a:rPr lang="fr-FR" b="1" dirty="0">
+                <a:solidFill>
+                  <a:srgbClr val="9BBB59"/>
+                </a:solidFill>
+                <a:latin typeface="Consolas"/>
+                <a:ea typeface="Consolas"/>
+                <a:cs typeface="Consolas"/>
+                <a:sym typeface="Consolas"/>
+              </a:rPr>
+              <a:t>}</a:t>
+            </a:r>
+          </a:p>
+          <a:p>
+            <a:endParaRPr lang="en-US" dirty="0" smtClean="0"/>
           </a:p>
         </p:txBody>
       </p:sp>
@@ -21049,6 +21245,108 @@
             <a:fld id="{86CB4B4D-7CA3-9044-876B-883B54F8677D}" type="slidenum">
               <a:rPr lang="en-US" smtClean="0"/>
               <a:t>37</a:t>
+            </a:fld>
+            <a:endParaRPr lang="en-US"/>
+          </a:p>
+        </p:txBody>
+      </p:sp>
+    </p:spTree>
+    <p:extLst>
+      <p:ext uri="{BB962C8B-B14F-4D97-AF65-F5344CB8AC3E}">
+        <p14:creationId xmlns:p14="http://schemas.microsoft.com/office/powerpoint/2010/main" val="1308386784"/>
+      </p:ext>
+    </p:extLst>
+  </p:cSld>
+  <p:clrMapOvr>
+    <a:masterClrMapping/>
+  </p:clrMapOvr>
+  <p:transition spd="med"/>
+  <p:timing>
+    <p:tnLst>
+      <p:par>
+        <p:cTn id="1" dur="indefinite" restart="never" nodeType="tmRoot"/>
+      </p:par>
+    </p:tnLst>
+  </p:timing>
+</p:sld>
+</file>
+
+<file path=ppt/slides/slide38.xml><?xml version="1.0" encoding="utf-8"?>
+<p:sld xmlns:a="http://schemas.openxmlformats.org/drawingml/2006/main" xmlns:r="http://schemas.openxmlformats.org/officeDocument/2006/relationships" xmlns:p="http://schemas.openxmlformats.org/presentationml/2006/main">
+  <p:cSld>
+    <p:spTree>
+      <p:nvGrpSpPr>
+        <p:cNvPr id="1" name=""/>
+        <p:cNvGrpSpPr/>
+        <p:nvPr/>
+      </p:nvGrpSpPr>
+      <p:grpSpPr>
+        <a:xfrm>
+          <a:off x="0" y="0"/>
+          <a:ext cx="0" cy="0"/>
+          <a:chOff x="0" y="0"/>
+          <a:chExt cx="0" cy="0"/>
+        </a:xfrm>
+      </p:grpSpPr>
+      <p:sp>
+        <p:nvSpPr>
+          <p:cNvPr id="2" name="Title 1"/>
+          <p:cNvSpPr>
+            <a:spLocks noGrp="1"/>
+          </p:cNvSpPr>
+          <p:nvPr>
+            <p:ph type="title"/>
+          </p:nvPr>
+        </p:nvSpPr>
+        <p:spPr>
+          <a:xfrm>
+            <a:off x="457200" y="-218937"/>
+            <a:ext cx="8229600" cy="1508125"/>
+          </a:xfrm>
+        </p:spPr>
+        <p:txBody>
+          <a:bodyPr/>
+          <a:lstStyle/>
+          <a:p>
+            <a:r>
+              <a:rPr lang="en-US" dirty="0"/>
+              <a:t>Arrays vs. </a:t>
+            </a:r>
+            <a:r>
+              <a:rPr lang="en-US" dirty="0" err="1"/>
+              <a:t>ArrayList</a:t>
+            </a:r>
+            <a:r>
+              <a:rPr lang="en-US" dirty="0"/>
+              <a:t>: </a:t>
+            </a:r>
+            <a:r>
+              <a:rPr lang="en-US" dirty="0" smtClean="0"/>
+              <a:t>Coding</a:t>
+            </a:r>
+            <a:endParaRPr lang="en-US" dirty="0"/>
+          </a:p>
+        </p:txBody>
+      </p:sp>
+      <p:sp>
+        <p:nvSpPr>
+          <p:cNvPr id="4" name="Slide Number Placeholder 3"/>
+          <p:cNvSpPr>
+            <a:spLocks noGrp="1"/>
+          </p:cNvSpPr>
+          <p:nvPr>
+            <p:ph type="sldNum" sz="quarter" idx="2"/>
+          </p:nvPr>
+        </p:nvSpPr>
+        <p:spPr/>
+        <p:txBody>
+          <a:bodyPr/>
+          <a:lstStyle/>
+          <a:p>
+            <a:pPr lvl="0"/>
+            <a:fld id="{86CB4B4D-7CA3-9044-876B-883B54F8677D}" type="slidenum">
+              <a:rPr lang="en-US" smtClean="0"/>
+              <a:t>38</a:t>
             </a:fld>
             <a:endParaRPr lang="en-US"/>
           </a:p>
@@ -21596,9 +21894,6 @@
                         </a:rPr>
                         <a:t>(5); </a:t>
                       </a:r>
-                      <a:endParaRPr lang="en-US" sz="1600" dirty="0" smtClean="0">
-                        <a:latin typeface="Consolas" panose="020B0609020204030204" pitchFamily="49" charset="0"/>
-                      </a:endParaRPr>
                     </a:p>
                     <a:p>
                       <a:pPr marL="0" marR="0" lvl="0" indent="0" algn="l" defTabSz="914400" eaLnBrk="1" fontAlgn="auto" latinLnBrk="0" hangingPunct="1">
@@ -21787,9 +22082,6 @@
                         </a:rPr>
                         <a:t>(10); </a:t>
                       </a:r>
-                      <a:endParaRPr lang="en-US" sz="1600" dirty="0" smtClean="0">
-                        <a:latin typeface="Consolas" panose="020B0609020204030204" pitchFamily="49" charset="0"/>
-                      </a:endParaRPr>
                     </a:p>
                     <a:p>
                       <a:pPr marL="0" marR="0" lvl="0" indent="0" algn="l" defTabSz="914400" eaLnBrk="1" fontAlgn="auto" latinLnBrk="0" hangingPunct="1">
@@ -22044,7 +22336,7 @@
 </p:sld>
 </file>
 
-<file path=ppt/slides/slide38.xml><?xml version="1.0" encoding="utf-8"?>
+<file path=ppt/slides/slide39.xml><?xml version="1.0" encoding="utf-8"?>
 <p:sld xmlns:a="http://schemas.openxmlformats.org/drawingml/2006/main" xmlns:r="http://schemas.openxmlformats.org/officeDocument/2006/relationships" xmlns:p="http://schemas.openxmlformats.org/presentationml/2006/main">
   <p:cSld>
     <p:spTree>
@@ -22140,7 +22432,7 @@
             <a:pPr lvl="0"/>
             <a:fld id="{86CB4B4D-7CA3-9044-876B-883B54F8677D}" type="slidenum">
               <a:rPr lang="en-US" smtClean="0"/>
-              <a:t>38</a:t>
+              <a:t>39</a:t>
             </a:fld>
             <a:endParaRPr lang="en-US"/>
           </a:p>
@@ -22354,7 +22646,11 @@
           <a:p>
             <a:r>
               <a:rPr lang="en-US" dirty="0" smtClean="0"/>
-              <a:t>How to access slides</a:t>
+              <a:t>How to access </a:t>
+            </a:r>
+            <a:r>
+              <a:rPr lang="en-US" dirty="0" smtClean="0"/>
+              <a:t>slides (from online)</a:t>
             </a:r>
             <a:endParaRPr lang="en-US" dirty="0"/>
           </a:p>
@@ -22624,6 +22920,143 @@
           <a:lstStyle/>
           <a:p>
             <a:r>
+              <a:rPr lang="en-US" dirty="0" smtClean="0"/>
+              <a:t>How to access </a:t>
+            </a:r>
+            <a:r>
+              <a:rPr lang="en-US" dirty="0" smtClean="0"/>
+              <a:t>slides (locally)</a:t>
+            </a:r>
+            <a:endParaRPr lang="en-US" dirty="0"/>
+          </a:p>
+        </p:txBody>
+      </p:sp>
+      <p:sp>
+        <p:nvSpPr>
+          <p:cNvPr id="4" name="Slide Number Placeholder 3"/>
+          <p:cNvSpPr>
+            <a:spLocks noGrp="1"/>
+          </p:cNvSpPr>
+          <p:nvPr>
+            <p:ph type="sldNum" sz="quarter" idx="2"/>
+          </p:nvPr>
+        </p:nvSpPr>
+        <p:spPr/>
+        <p:txBody>
+          <a:bodyPr/>
+          <a:lstStyle/>
+          <a:p>
+            <a:pPr lvl="0"/>
+            <a:fld id="{86CB4B4D-7CA3-9044-876B-883B54F8677D}" type="slidenum">
+              <a:rPr lang="en-US" smtClean="0"/>
+              <a:t>6</a:t>
+            </a:fld>
+            <a:endParaRPr lang="en-US"/>
+          </a:p>
+        </p:txBody>
+      </p:sp>
+      <p:pic>
+        <p:nvPicPr>
+          <p:cNvPr id="3" name="Picture 2"/>
+          <p:cNvPicPr>
+            <a:picLocks noChangeAspect="1"/>
+          </p:cNvPicPr>
+          <p:nvPr/>
+        </p:nvPicPr>
+        <p:blipFill>
+          <a:blip r:embed="rId2"/>
+          <a:stretch>
+            <a:fillRect/>
+          </a:stretch>
+        </p:blipFill>
+        <p:spPr>
+          <a:xfrm>
+            <a:off x="213669" y="2196443"/>
+            <a:ext cx="4893276" cy="3963207"/>
+          </a:xfrm>
+          <a:prstGeom prst="rect">
+            <a:avLst/>
+          </a:prstGeom>
+        </p:spPr>
+      </p:pic>
+      <p:pic>
+        <p:nvPicPr>
+          <p:cNvPr id="5" name="Picture 4"/>
+          <p:cNvPicPr>
+            <a:picLocks noChangeAspect="1"/>
+          </p:cNvPicPr>
+          <p:nvPr/>
+        </p:nvPicPr>
+        <p:blipFill>
+          <a:blip r:embed="rId3"/>
+          <a:stretch>
+            <a:fillRect/>
+          </a:stretch>
+        </p:blipFill>
+        <p:spPr>
+          <a:xfrm>
+            <a:off x="5316495" y="2347784"/>
+            <a:ext cx="3681206" cy="3811866"/>
+          </a:xfrm>
+          <a:prstGeom prst="rect">
+            <a:avLst/>
+          </a:prstGeom>
+        </p:spPr>
+      </p:pic>
+    </p:spTree>
+    <p:extLst>
+      <p:ext uri="{BB962C8B-B14F-4D97-AF65-F5344CB8AC3E}">
+        <p14:creationId xmlns:p14="http://schemas.microsoft.com/office/powerpoint/2010/main" val="3379650935"/>
+      </p:ext>
+    </p:extLst>
+  </p:cSld>
+  <p:clrMapOvr>
+    <a:masterClrMapping/>
+  </p:clrMapOvr>
+  <p:transition spd="med"/>
+  <p:timing>
+    <p:tnLst>
+      <p:par>
+        <p:cTn id="1" dur="indefinite" restart="never" nodeType="tmRoot"/>
+      </p:par>
+    </p:tnLst>
+  </p:timing>
+</p:sld>
+</file>
+
+<file path=ppt/slides/slide7.xml><?xml version="1.0" encoding="utf-8"?>
+<p:sld xmlns:a="http://schemas.openxmlformats.org/drawingml/2006/main" xmlns:r="http://schemas.openxmlformats.org/officeDocument/2006/relationships" xmlns:p="http://schemas.openxmlformats.org/presentationml/2006/main">
+  <p:cSld>
+    <p:spTree>
+      <p:nvGrpSpPr>
+        <p:cNvPr id="1" name=""/>
+        <p:cNvGrpSpPr/>
+        <p:nvPr/>
+      </p:nvGrpSpPr>
+      <p:grpSpPr>
+        <a:xfrm>
+          <a:off x="0" y="0"/>
+          <a:ext cx="0" cy="0"/>
+          <a:chOff x="0" y="0"/>
+          <a:chExt cx="0" cy="0"/>
+        </a:xfrm>
+      </p:grpSpPr>
+      <p:sp>
+        <p:nvSpPr>
+          <p:cNvPr id="2" name="Title 1"/>
+          <p:cNvSpPr>
+            <a:spLocks noGrp="1"/>
+          </p:cNvSpPr>
+          <p:nvPr>
+            <p:ph type="title"/>
+          </p:nvPr>
+        </p:nvSpPr>
+        <p:spPr/>
+        <p:txBody>
+          <a:bodyPr/>
+          <a:lstStyle/>
+          <a:p>
+            <a:r>
               <a:rPr lang="en-US" dirty="0"/>
               <a:t>Getting things done</a:t>
             </a:r>
@@ -22702,7 +23135,7 @@
             <a:pPr lvl="0"/>
             <a:fld id="{86CB4B4D-7CA3-9044-876B-883B54F8677D}" type="slidenum">
               <a:rPr lang="en-US" smtClean="0"/>
-              <a:t>6</a:t>
+              <a:t>7</a:t>
             </a:fld>
             <a:endParaRPr lang="en-US"/>
           </a:p>
@@ -22729,7 +23162,7 @@
 </p:sld>
 </file>
 
-<file path=ppt/slides/slide7.xml><?xml version="1.0" encoding="utf-8"?>
+<file path=ppt/slides/slide8.xml><?xml version="1.0" encoding="utf-8"?>
 <p:sld xmlns:a="http://schemas.openxmlformats.org/drawingml/2006/main" xmlns:r="http://schemas.openxmlformats.org/officeDocument/2006/relationships" xmlns:p="http://schemas.openxmlformats.org/presentationml/2006/main">
   <p:cSld>
     <p:spTree>
@@ -22897,7 +23330,7 @@
             <a:pPr lvl="0"/>
             <a:fld id="{86CB4B4D-7CA3-9044-876B-883B54F8677D}" type="slidenum">
               <a:rPr lang="en-US" smtClean="0"/>
-              <a:t>7</a:t>
+              <a:t>8</a:t>
             </a:fld>
             <a:endParaRPr lang="en-US"/>
           </a:p>
@@ -22924,7 +23357,7 @@
 </p:sld>
 </file>
 
-<file path=ppt/slides/slide8.xml><?xml version="1.0" encoding="utf-8"?>
+<file path=ppt/slides/slide9.xml><?xml version="1.0" encoding="utf-8"?>
 <p:sld xmlns:a="http://schemas.openxmlformats.org/drawingml/2006/main" xmlns:r="http://schemas.openxmlformats.org/officeDocument/2006/relationships" xmlns:p="http://schemas.openxmlformats.org/presentationml/2006/main">
   <p:cSld>
     <p:spTree>
@@ -23150,7 +23583,7 @@
           </a:ln>
           <a:extLst>
             <a:ext uri="{C572A759-6A51-4108-AA02-DFA0A04FC94B}">
-              <ma14:wrappingTextBoxFlag xmlns="" xmlns:ma14="http://schemas.microsoft.com/office/mac/drawingml/2011/main" val="1"/>
+              <ma14:wrappingTextBoxFlag xmlns:ma14="http://schemas.microsoft.com/office/mac/drawingml/2011/main" xmlns="" val="1"/>
             </a:ext>
           </a:extLst>
         </p:spPr>
@@ -23210,7 +23643,7 @@
             <a:pPr lvl="0"/>
             <a:fld id="{86CB4B4D-7CA3-9044-876B-883B54F8677D}" type="slidenum">
               <a:rPr lang="en-US" smtClean="0"/>
-              <a:t>8</a:t>
+              <a:t>9</a:t>
             </a:fld>
             <a:endParaRPr lang="en-US"/>
           </a:p>
@@ -23226,317 +23659,6 @@
   <p:clrMapOvr>
     <a:masterClrMapping/>
   </p:clrMapOvr>
-  <p:timing>
-    <p:tnLst>
-      <p:par>
-        <p:cTn id="1" dur="indefinite" restart="never" nodeType="tmRoot"/>
-      </p:par>
-    </p:tnLst>
-  </p:timing>
-</p:sld>
-</file>
-
-<file path=ppt/slides/slide9.xml><?xml version="1.0" encoding="utf-8"?>
-<p:sld xmlns:a="http://schemas.openxmlformats.org/drawingml/2006/main" xmlns:r="http://schemas.openxmlformats.org/officeDocument/2006/relationships" xmlns:p="http://schemas.openxmlformats.org/presentationml/2006/main">
-  <p:cSld>
-    <p:spTree>
-      <p:nvGrpSpPr>
-        <p:cNvPr id="1" name=""/>
-        <p:cNvGrpSpPr/>
-        <p:nvPr/>
-      </p:nvGrpSpPr>
-      <p:grpSpPr>
-        <a:xfrm>
-          <a:off x="0" y="0"/>
-          <a:ext cx="0" cy="0"/>
-          <a:chOff x="0" y="0"/>
-          <a:chExt cx="0" cy="0"/>
-        </a:xfrm>
-      </p:grpSpPr>
-      <p:sp>
-        <p:nvSpPr>
-          <p:cNvPr id="2" name="Title 1"/>
-          <p:cNvSpPr>
-            <a:spLocks noGrp="1"/>
-          </p:cNvSpPr>
-          <p:nvPr>
-            <p:ph type="title"/>
-          </p:nvPr>
-        </p:nvSpPr>
-        <p:spPr/>
-        <p:txBody>
-          <a:bodyPr/>
-          <a:lstStyle/>
-          <a:p>
-            <a:r>
-              <a:rPr lang="en-US" dirty="0"/>
-              <a:t>Comparing for vs. while</a:t>
-            </a:r>
-          </a:p>
-        </p:txBody>
-      </p:sp>
-      <p:sp>
-        <p:nvSpPr>
-          <p:cNvPr id="3" name="Text Placeholder 2"/>
-          <p:cNvSpPr>
-            <a:spLocks noGrp="1"/>
-          </p:cNvSpPr>
-          <p:nvPr>
-            <p:ph type="body" idx="1"/>
-          </p:nvPr>
-        </p:nvSpPr>
-        <p:spPr/>
-        <p:txBody>
-          <a:bodyPr>
-            <a:normAutofit/>
-          </a:bodyPr>
-          <a:lstStyle/>
-          <a:p>
-            <a:pPr marL="0" lvl="0" indent="0">
-              <a:buNone/>
-            </a:pPr>
-            <a:r>
-              <a:rPr lang="en-US" dirty="0">
-                <a:latin typeface="Courier New" panose="02070309020205020404" pitchFamily="49" charset="0"/>
-                <a:cs typeface="Courier New" panose="02070309020205020404" pitchFamily="49" charset="0"/>
-              </a:rPr>
-              <a:t>int k =0;		</a:t>
-            </a:r>
-            <a:r>
-              <a:rPr lang="en-US" dirty="0">
-                <a:solidFill>
-                  <a:srgbClr val="FF0000"/>
-                </a:solidFill>
-                <a:latin typeface="Courier New" panose="02070309020205020404" pitchFamily="49" charset="0"/>
-                <a:cs typeface="Courier New" panose="02070309020205020404" pitchFamily="49" charset="0"/>
-                <a:sym typeface="Wingdings" panose="05000000000000000000" pitchFamily="2" charset="2"/>
-              </a:rPr>
-              <a:t> extra line</a:t>
-            </a:r>
-            <a:endParaRPr lang="en-US" dirty="0">
-              <a:solidFill>
-                <a:srgbClr val="FF0000"/>
-              </a:solidFill>
-              <a:latin typeface="Courier New" panose="02070309020205020404" pitchFamily="49" charset="0"/>
-              <a:cs typeface="Courier New" panose="02070309020205020404" pitchFamily="49" charset="0"/>
-            </a:endParaRPr>
-          </a:p>
-          <a:p>
-            <a:pPr marL="0" lvl="0" indent="0">
-              <a:buNone/>
-            </a:pPr>
-            <a:r>
-              <a:rPr lang="en-US" b="1" dirty="0">
-                <a:latin typeface="Courier New" panose="02070309020205020404" pitchFamily="49" charset="0"/>
-                <a:cs typeface="Courier New" panose="02070309020205020404" pitchFamily="49" charset="0"/>
-                <a:sym typeface="Lucida Sans Typewriter"/>
-              </a:rPr>
-              <a:t>while</a:t>
-            </a:r>
-            <a:r>
-              <a:rPr lang="en-US" dirty="0">
-                <a:latin typeface="Courier New" panose="02070309020205020404" pitchFamily="49" charset="0"/>
-                <a:cs typeface="Courier New" panose="02070309020205020404" pitchFamily="49" charset="0"/>
-                <a:sym typeface="Lucida Sans Typewriter"/>
-              </a:rPr>
-              <a:t> (k &lt; 10) {    </a:t>
-            </a:r>
-            <a:br>
-              <a:rPr lang="en-US" dirty="0">
-                <a:latin typeface="Courier New" panose="02070309020205020404" pitchFamily="49" charset="0"/>
-                <a:cs typeface="Courier New" panose="02070309020205020404" pitchFamily="49" charset="0"/>
-                <a:sym typeface="Lucida Sans Typewriter"/>
-              </a:rPr>
-            </a:br>
-            <a:r>
-              <a:rPr lang="en-US" dirty="0">
-                <a:latin typeface="Courier New" panose="02070309020205020404" pitchFamily="49" charset="0"/>
-                <a:cs typeface="Courier New" panose="02070309020205020404" pitchFamily="49" charset="0"/>
-                <a:sym typeface="Lucida Sans Typewriter"/>
-              </a:rPr>
-              <a:t>	</a:t>
-            </a:r>
-            <a:r>
-              <a:rPr lang="en-US" dirty="0" err="1">
-                <a:latin typeface="Courier New" panose="02070309020205020404" pitchFamily="49" charset="0"/>
-                <a:cs typeface="Courier New" panose="02070309020205020404" pitchFamily="49" charset="0"/>
-                <a:sym typeface="Lucida Sans Typewriter"/>
-              </a:rPr>
-              <a:t>System.out.println</a:t>
-            </a:r>
-            <a:r>
-              <a:rPr lang="en-US" dirty="0">
-                <a:latin typeface="Courier New" panose="02070309020205020404" pitchFamily="49" charset="0"/>
-                <a:cs typeface="Courier New" panose="02070309020205020404" pitchFamily="49" charset="0"/>
-                <a:sym typeface="Lucida Sans Typewriter"/>
-              </a:rPr>
-              <a:t>(k);</a:t>
-            </a:r>
-          </a:p>
-          <a:p>
-            <a:pPr marL="0" indent="0">
-              <a:buNone/>
-            </a:pPr>
-            <a:r>
-              <a:rPr lang="en-US" dirty="0">
-                <a:latin typeface="Courier New" panose="02070309020205020404" pitchFamily="49" charset="0"/>
-                <a:cs typeface="Courier New" panose="02070309020205020404" pitchFamily="49" charset="0"/>
-                <a:sym typeface="Lucida Sans Typewriter"/>
-              </a:rPr>
-              <a:t>	k++;		</a:t>
-            </a:r>
-            <a:r>
-              <a:rPr lang="en-US" dirty="0">
-                <a:solidFill>
-                  <a:srgbClr val="FF0000"/>
-                </a:solidFill>
-                <a:latin typeface="Courier New" panose="02070309020205020404" pitchFamily="49" charset="0"/>
-                <a:cs typeface="Courier New" panose="02070309020205020404" pitchFamily="49" charset="0"/>
-                <a:sym typeface="Wingdings" panose="05000000000000000000" pitchFamily="2" charset="2"/>
-              </a:rPr>
-              <a:t> extra line</a:t>
-            </a:r>
-            <a:endParaRPr lang="en-US" dirty="0">
-              <a:latin typeface="Courier New" panose="02070309020205020404" pitchFamily="49" charset="0"/>
-              <a:cs typeface="Courier New" panose="02070309020205020404" pitchFamily="49" charset="0"/>
-            </a:endParaRPr>
-          </a:p>
-          <a:p>
-            <a:pPr marL="0" lvl="0" indent="0">
-              <a:buNone/>
-            </a:pPr>
-            <a:r>
-              <a:rPr lang="en-US" dirty="0">
-                <a:latin typeface="Courier New" panose="02070309020205020404" pitchFamily="49" charset="0"/>
-                <a:cs typeface="Courier New" panose="02070309020205020404" pitchFamily="49" charset="0"/>
-                <a:sym typeface="Lucida Sans Typewriter"/>
-              </a:rPr>
-              <a:t>} // end while</a:t>
-            </a:r>
-            <a:endParaRPr lang="en-US" dirty="0">
-              <a:latin typeface="Courier New" panose="02070309020205020404" pitchFamily="49" charset="0"/>
-              <a:cs typeface="Courier New" panose="02070309020205020404" pitchFamily="49" charset="0"/>
-            </a:endParaRPr>
-          </a:p>
-          <a:p>
-            <a:pPr marL="0" lvl="0" indent="0">
-              <a:buNone/>
-            </a:pPr>
-            <a:endParaRPr lang="en-US" dirty="0">
-              <a:sym typeface="Lucida Sans Typewriter"/>
-            </a:endParaRPr>
-          </a:p>
-          <a:p>
-            <a:pPr marL="0" lvl="0" indent="0">
-              <a:buNone/>
-            </a:pPr>
-            <a:r>
-              <a:rPr lang="en-US" b="1" dirty="0">
-                <a:latin typeface="Courier New" panose="02070309020205020404" pitchFamily="49" charset="0"/>
-                <a:cs typeface="Courier New" panose="02070309020205020404" pitchFamily="49" charset="0"/>
-                <a:sym typeface="Lucida Sans Typewriter"/>
-              </a:rPr>
-              <a:t>for</a:t>
-            </a:r>
-            <a:r>
-              <a:rPr lang="en-US" dirty="0">
-                <a:latin typeface="Courier New" panose="02070309020205020404" pitchFamily="49" charset="0"/>
-                <a:cs typeface="Courier New" panose="02070309020205020404" pitchFamily="49" charset="0"/>
-                <a:sym typeface="Lucida Sans Typewriter"/>
-              </a:rPr>
-              <a:t> (int k = 0 ; k &lt; 10; k++) {</a:t>
-            </a:r>
-            <a:br>
-              <a:rPr lang="en-US" dirty="0">
-                <a:latin typeface="Courier New" panose="02070309020205020404" pitchFamily="49" charset="0"/>
-                <a:cs typeface="Courier New" panose="02070309020205020404" pitchFamily="49" charset="0"/>
-                <a:sym typeface="Lucida Sans Typewriter"/>
-              </a:rPr>
-            </a:br>
-            <a:r>
-              <a:rPr lang="en-US" dirty="0">
-                <a:latin typeface="Courier New" panose="02070309020205020404" pitchFamily="49" charset="0"/>
-                <a:cs typeface="Courier New" panose="02070309020205020404" pitchFamily="49" charset="0"/>
-                <a:sym typeface="Lucida Sans Typewriter"/>
-              </a:rPr>
-              <a:t>	    </a:t>
-            </a:r>
-            <a:r>
-              <a:rPr lang="en-US" dirty="0" err="1">
-                <a:latin typeface="Courier New" panose="02070309020205020404" pitchFamily="49" charset="0"/>
-                <a:cs typeface="Courier New" panose="02070309020205020404" pitchFamily="49" charset="0"/>
-                <a:sym typeface="Lucida Sans Typewriter"/>
-              </a:rPr>
-              <a:t>System.out.println</a:t>
-            </a:r>
-            <a:r>
-              <a:rPr lang="en-US" dirty="0">
-                <a:latin typeface="Courier New" panose="02070309020205020404" pitchFamily="49" charset="0"/>
-                <a:cs typeface="Courier New" panose="02070309020205020404" pitchFamily="49" charset="0"/>
-                <a:sym typeface="Lucida Sans Typewriter"/>
-              </a:rPr>
-              <a:t>(k);</a:t>
-            </a:r>
-          </a:p>
-          <a:p>
-            <a:pPr marL="0" lvl="0" indent="0">
-              <a:buNone/>
-            </a:pPr>
-            <a:r>
-              <a:rPr lang="en-US" dirty="0">
-                <a:latin typeface="Courier New" panose="02070309020205020404" pitchFamily="49" charset="0"/>
-                <a:cs typeface="Courier New" panose="02070309020205020404" pitchFamily="49" charset="0"/>
-                <a:sym typeface="Lucida Sans Typewriter"/>
-              </a:rPr>
-              <a:t>} // end for</a:t>
-            </a:r>
-          </a:p>
-          <a:p>
-            <a:endParaRPr lang="en-US" dirty="0"/>
-          </a:p>
-        </p:txBody>
-      </p:sp>
-      <p:sp>
-        <p:nvSpPr>
-          <p:cNvPr id="4" name="Slide Number Placeholder 3">
-            <a:extLst>
-              <a:ext uri="{FF2B5EF4-FFF2-40B4-BE49-F238E27FC236}">
-                <a16:creationId xmlns:a16="http://schemas.microsoft.com/office/drawing/2014/main" id="{DBEE5CCC-38B6-4A4A-A349-36A309E3A22F}"/>
-              </a:ext>
-            </a:extLst>
-          </p:cNvPr>
-          <p:cNvSpPr>
-            <a:spLocks noGrp="1"/>
-          </p:cNvSpPr>
-          <p:nvPr>
-            <p:ph type="sldNum" sz="quarter" idx="2"/>
-          </p:nvPr>
-        </p:nvSpPr>
-        <p:spPr/>
-        <p:txBody>
-          <a:bodyPr/>
-          <a:lstStyle/>
-          <a:p>
-            <a:pPr lvl="0"/>
-            <a:fld id="{86CB4B4D-7CA3-9044-876B-883B54F8677D}" type="slidenum">
-              <a:rPr lang="en-US" smtClean="0"/>
-              <a:t>9</a:t>
-            </a:fld>
-            <a:endParaRPr lang="en-US"/>
-          </a:p>
-        </p:txBody>
-      </p:sp>
-    </p:spTree>
-    <p:extLst>
-      <p:ext uri="{BB962C8B-B14F-4D97-AF65-F5344CB8AC3E}">
-        <p14:creationId xmlns:p14="http://schemas.microsoft.com/office/powerpoint/2010/main" val="342755113"/>
-      </p:ext>
-    </p:extLst>
-  </p:cSld>
-  <p:clrMapOvr>
-    <a:masterClrMapping/>
-  </p:clrMapOvr>
-  <p:transition spd="med"/>
   <p:timing>
     <p:tnLst>
       <p:par>

--- a/ClassMaterials/ArraysAndLists/Slides/Arrays and Lists.pptx
+++ b/ClassMaterials/ArraysAndLists/Slides/Arrays and Lists.pptx
@@ -42,10 +42,10 @@
     <p:sldId id="270" r:id="rId33"/>
     <p:sldId id="271" r:id="rId34"/>
     <p:sldId id="272" r:id="rId35"/>
-    <p:sldId id="273" r:id="rId36"/>
-    <p:sldId id="274" r:id="rId37"/>
-    <p:sldId id="316" r:id="rId38"/>
-    <p:sldId id="318" r:id="rId39"/>
+    <p:sldId id="318" r:id="rId36"/>
+    <p:sldId id="273" r:id="rId37"/>
+    <p:sldId id="274" r:id="rId38"/>
+    <p:sldId id="316" r:id="rId39"/>
     <p:sldId id="296" r:id="rId40"/>
   </p:sldIdLst>
   <p:sldSz cx="9144000" cy="6858000" type="screen4x3"/>
@@ -735,6 +735,75 @@
       </p:grpSpPr>
       <p:sp>
         <p:nvSpPr>
+          <p:cNvPr id="2" name="Slide Image Placeholder 1"/>
+          <p:cNvSpPr>
+            <a:spLocks noGrp="1" noRot="1" noChangeAspect="1"/>
+          </p:cNvSpPr>
+          <p:nvPr>
+            <p:ph type="sldImg"/>
+          </p:nvPr>
+        </p:nvSpPr>
+        <p:spPr/>
+      </p:sp>
+      <p:sp>
+        <p:nvSpPr>
+          <p:cNvPr id="3" name="Notes Placeholder 2"/>
+          <p:cNvSpPr>
+            <a:spLocks noGrp="1"/>
+          </p:cNvSpPr>
+          <p:nvPr>
+            <p:ph type="body" idx="1"/>
+          </p:nvPr>
+        </p:nvSpPr>
+        <p:spPr/>
+        <p:txBody>
+          <a:bodyPr/>
+          <a:lstStyle/>
+          <a:p>
+            <a:r>
+              <a:rPr lang="en-US" dirty="0" smtClean="0"/>
+              <a:t>Give students time to look</a:t>
+            </a:r>
+            <a:r>
+              <a:rPr lang="en-US" baseline="0" dirty="0" smtClean="0"/>
+              <a:t> at the code before explaining more in the future slides. Too much talking to keep going at this point!</a:t>
+            </a:r>
+            <a:endParaRPr lang="en-US" dirty="0"/>
+          </a:p>
+        </p:txBody>
+      </p:sp>
+    </p:spTree>
+    <p:extLst>
+      <p:ext uri="{BB962C8B-B14F-4D97-AF65-F5344CB8AC3E}">
+        <p14:creationId xmlns:p14="http://schemas.microsoft.com/office/powerpoint/2010/main" val="2042157863"/>
+      </p:ext>
+    </p:extLst>
+  </p:cSld>
+  <p:clrMapOvr>
+    <a:masterClrMapping/>
+  </p:clrMapOvr>
+</p:notes>
+</file>
+
+<file path=ppt/notesSlides/notesSlide14.xml><?xml version="1.0" encoding="utf-8"?>
+<p:notes xmlns:a="http://schemas.openxmlformats.org/drawingml/2006/main" xmlns:r="http://schemas.openxmlformats.org/officeDocument/2006/relationships" xmlns:p="http://schemas.openxmlformats.org/presentationml/2006/main">
+  <p:cSld>
+    <p:spTree>
+      <p:nvGrpSpPr>
+        <p:cNvPr id="1" name=""/>
+        <p:cNvGrpSpPr/>
+        <p:nvPr/>
+      </p:nvGrpSpPr>
+      <p:grpSpPr>
+        <a:xfrm>
+          <a:off x="0" y="0"/>
+          <a:ext cx="0" cy="0"/>
+          <a:chOff x="0" y="0"/>
+          <a:chExt cx="0" cy="0"/>
+        </a:xfrm>
+      </p:grpSpPr>
+      <p:sp>
+        <p:nvSpPr>
           <p:cNvPr id="76" name="Shape 76"/>
           <p:cNvSpPr>
             <a:spLocks noGrp="1" noRot="1" noChangeAspect="1"/>
@@ -814,7 +883,7 @@
 </p:notes>
 </file>
 
-<file path=ppt/notesSlides/notesSlide14.xml><?xml version="1.0" encoding="utf-8"?>
+<file path=ppt/notesSlides/notesSlide15.xml><?xml version="1.0" encoding="utf-8"?>
 <p:notes xmlns:a="http://schemas.openxmlformats.org/drawingml/2006/main" xmlns:r="http://schemas.openxmlformats.org/officeDocument/2006/relationships" xmlns:p="http://schemas.openxmlformats.org/presentationml/2006/main">
   <p:cSld>
     <p:spTree>
@@ -883,125 +952,6 @@
               </a:spcBef>
               <a:defRPr sz="1800"/>
             </a:pPr>
-            <a:r>
-              <a:rPr sz="1200" dirty="0">
-                <a:latin typeface="Calibri"/>
-                <a:ea typeface="Calibri"/>
-                <a:cs typeface="Calibri"/>
-                <a:sym typeface="Calibri"/>
-              </a:rPr>
-              <a:t>Draw pictures on board for examples.</a:t>
-            </a:r>
-          </a:p>
-          <a:p>
-            <a:pPr lvl="0" defTabSz="914400">
-              <a:lnSpc>
-                <a:spcPct val="100000"/>
-              </a:lnSpc>
-              <a:spcBef>
-                <a:spcPts val="400"/>
-              </a:spcBef>
-              <a:defRPr sz="1800"/>
-            </a:pPr>
-            <a:r>
-              <a:rPr sz="1200" dirty="0" smtClean="0">
-                <a:latin typeface="Calibri"/>
-                <a:ea typeface="Calibri"/>
-                <a:cs typeface="Calibri"/>
-                <a:sym typeface="Calibri"/>
-              </a:rPr>
-              <a:t>new </a:t>
-            </a:r>
-            <a:r>
-              <a:rPr sz="1200" dirty="0">
-                <a:latin typeface="Calibri"/>
-                <a:ea typeface="Calibri"/>
-                <a:cs typeface="Calibri"/>
-                <a:sym typeface="Calibri"/>
-              </a:rPr>
-              <a:t>Dog[50] creates 50 Dog “kennels”, we still have to put the </a:t>
-            </a:r>
-            <a:r>
-              <a:rPr sz="1200" dirty="0" smtClean="0">
-                <a:latin typeface="Calibri"/>
-                <a:ea typeface="Calibri"/>
-                <a:cs typeface="Calibri"/>
-                <a:sym typeface="Calibri"/>
-              </a:rPr>
-              <a:t>dogs in them!</a:t>
-            </a:r>
-            <a:endParaRPr lang="en-US" sz="1200" dirty="0" smtClean="0">
-              <a:latin typeface="Calibri"/>
-              <a:ea typeface="Calibri"/>
-              <a:cs typeface="Calibri"/>
-              <a:sym typeface="Calibri"/>
-            </a:endParaRPr>
-          </a:p>
-          <a:p>
-            <a:pPr lvl="0" defTabSz="914400">
-              <a:lnSpc>
-                <a:spcPct val="100000"/>
-              </a:lnSpc>
-              <a:spcBef>
-                <a:spcPts val="400"/>
-              </a:spcBef>
-              <a:defRPr sz="1800"/>
-            </a:pPr>
-            <a:endParaRPr lang="en-US" sz="1200" dirty="0" smtClean="0">
-              <a:latin typeface="Calibri"/>
-              <a:ea typeface="Calibri"/>
-              <a:cs typeface="Calibri"/>
-              <a:sym typeface="Calibri"/>
-            </a:endParaRPr>
-          </a:p>
-          <a:p>
-            <a:pPr lvl="0" defTabSz="914400">
-              <a:lnSpc>
-                <a:spcPct val="100000"/>
-              </a:lnSpc>
-              <a:spcBef>
-                <a:spcPts val="400"/>
-              </a:spcBef>
-              <a:defRPr sz="1800"/>
-            </a:pPr>
-            <a:endParaRPr lang="en-US" sz="1200" dirty="0" smtClean="0">
-              <a:latin typeface="Calibri"/>
-              <a:ea typeface="Calibri"/>
-              <a:cs typeface="Calibri"/>
-              <a:sym typeface="Calibri"/>
-            </a:endParaRPr>
-          </a:p>
-          <a:p>
-            <a:r>
-              <a:rPr lang="en-US" sz="1200" dirty="0" smtClean="0"/>
-              <a:t>Draw out diagram on board showing indices</a:t>
-            </a:r>
-          </a:p>
-          <a:p>
-            <a:endParaRPr lang="en-US" sz="1200" dirty="0" smtClean="0"/>
-          </a:p>
-          <a:p>
-            <a:r>
-              <a:rPr lang="en-US" sz="1200" dirty="0" smtClean="0"/>
-              <a:t>[     ] [     ] [     ] [     ] [     ] </a:t>
-            </a:r>
-          </a:p>
-          <a:p>
-            <a:r>
-              <a:rPr lang="en-US" sz="1200" dirty="0" smtClean="0"/>
-              <a:t>  0       1       2      3      4</a:t>
-            </a:r>
-          </a:p>
-          <a:p>
-            <a:pPr lvl="0" defTabSz="914400">
-              <a:lnSpc>
-                <a:spcPct val="100000"/>
-              </a:lnSpc>
-              <a:spcBef>
-                <a:spcPts val="400"/>
-              </a:spcBef>
-              <a:defRPr sz="1800"/>
-            </a:pPr>
             <a:endParaRPr sz="1200" dirty="0">
               <a:latin typeface="Calibri"/>
               <a:ea typeface="Calibri"/>
@@ -1024,7 +974,7 @@
 </p:notes>
 </file>
 
-<file path=ppt/notesSlides/notesSlide15.xml><?xml version="1.0" encoding="utf-8"?>
+<file path=ppt/notesSlides/notesSlide16.xml><?xml version="1.0" encoding="utf-8"?>
 <p:notes xmlns:a="http://schemas.openxmlformats.org/drawingml/2006/main" xmlns:r="http://schemas.openxmlformats.org/officeDocument/2006/relationships" xmlns:p="http://schemas.openxmlformats.org/presentationml/2006/main">
   <p:cSld>
     <p:spTree>
@@ -1113,88 +1063,6 @@
     <p:extLst>
       <p:ext uri="{BB962C8B-B14F-4D97-AF65-F5344CB8AC3E}">
         <p14:creationId xmlns:p14="http://schemas.microsoft.com/office/powerpoint/2010/main" val="3742243576"/>
-      </p:ext>
-    </p:extLst>
-  </p:cSld>
-  <p:clrMapOvr>
-    <a:masterClrMapping/>
-  </p:clrMapOvr>
-</p:notes>
-</file>
-
-<file path=ppt/notesSlides/notesSlide16.xml><?xml version="1.0" encoding="utf-8"?>
-<p:notes xmlns:a="http://schemas.openxmlformats.org/drawingml/2006/main" xmlns:r="http://schemas.openxmlformats.org/officeDocument/2006/relationships" xmlns:p="http://schemas.openxmlformats.org/presentationml/2006/main">
-  <p:cSld>
-    <p:spTree>
-      <p:nvGrpSpPr>
-        <p:cNvPr id="1" name=""/>
-        <p:cNvGrpSpPr/>
-        <p:nvPr/>
-      </p:nvGrpSpPr>
-      <p:grpSpPr>
-        <a:xfrm>
-          <a:off x="0" y="0"/>
-          <a:ext cx="0" cy="0"/>
-          <a:chOff x="0" y="0"/>
-          <a:chExt cx="0" cy="0"/>
-        </a:xfrm>
-      </p:grpSpPr>
-      <p:sp>
-        <p:nvSpPr>
-          <p:cNvPr id="2" name="Slide Image Placeholder 1"/>
-          <p:cNvSpPr>
-            <a:spLocks noGrp="1" noRot="1" noChangeAspect="1"/>
-          </p:cNvSpPr>
-          <p:nvPr>
-            <p:ph type="sldImg"/>
-          </p:nvPr>
-        </p:nvSpPr>
-        <p:spPr/>
-      </p:sp>
-      <p:sp>
-        <p:nvSpPr>
-          <p:cNvPr id="3" name="Notes Placeholder 2"/>
-          <p:cNvSpPr>
-            <a:spLocks noGrp="1"/>
-          </p:cNvSpPr>
-          <p:nvPr>
-            <p:ph type="body" idx="1"/>
-          </p:nvPr>
-        </p:nvSpPr>
-        <p:spPr/>
-        <p:txBody>
-          <a:bodyPr/>
-          <a:lstStyle/>
-          <a:p>
-            <a:r>
-              <a:rPr lang="en-US" dirty="0"/>
-              <a:t>Imagine</a:t>
-            </a:r>
-            <a:r>
-              <a:rPr lang="en-US" baseline="0" dirty="0"/>
-              <a:t> team with 100 players go to add one more, have to construct total new array and copy all the data</a:t>
-            </a:r>
-          </a:p>
-          <a:p>
-            <a:r>
-              <a:rPr lang="en-US" baseline="0" dirty="0" err="1"/>
-              <a:t>ArrayList</a:t>
-            </a:r>
-            <a:r>
-              <a:rPr lang="en-US" baseline="0" dirty="0"/>
-              <a:t> class takes care of everything -&gt; Data Structures class lets you see how this is done efficiently</a:t>
-            </a:r>
-            <a:endParaRPr lang="en-US" dirty="0"/>
-          </a:p>
-          <a:p>
-            <a:endParaRPr lang="en-US" dirty="0"/>
-          </a:p>
-        </p:txBody>
-      </p:sp>
-    </p:spTree>
-    <p:extLst>
-      <p:ext uri="{BB962C8B-B14F-4D97-AF65-F5344CB8AC3E}">
-        <p14:creationId xmlns:p14="http://schemas.microsoft.com/office/powerpoint/2010/main" val="2330038405"/>
       </p:ext>
     </p:extLst>
   </p:cSld>
@@ -1250,23 +1118,11 @@
           <a:p>
             <a:r>
               <a:rPr lang="en-US" dirty="0"/>
-              <a:t>NO SQUARE BRACKETS – SQUARE BRACKETS indicate FIXED size</a:t>
-            </a:r>
-          </a:p>
-          <a:p>
-            <a:r>
-              <a:rPr lang="en-US" dirty="0"/>
-              <a:t>Angled</a:t>
+              <a:t>Imagine</a:t>
             </a:r>
             <a:r>
               <a:rPr lang="en-US" baseline="0" dirty="0"/>
-              <a:t> brackets – generic, will discuss more later</a:t>
-            </a:r>
-          </a:p>
-          <a:p>
-            <a:r>
-              <a:rPr lang="en-US" baseline="0" dirty="0"/>
-              <a:t>Translate example of Player[] players</a:t>
+              <a:t> team with 100 players go to add one more, have to construct total new array and copy all the data</a:t>
             </a:r>
           </a:p>
           <a:p>
@@ -1276,83 +1132,9 @@
             </a:r>
             <a:r>
               <a:rPr lang="en-US" baseline="0" dirty="0"/>
-              <a:t>&lt;Player&gt; players = new </a:t>
-            </a:r>
-            <a:r>
-              <a:rPr lang="en-US" baseline="0" dirty="0" err="1"/>
-              <a:t>ArrayList</a:t>
-            </a:r>
-            <a:r>
-              <a:rPr lang="en-US" baseline="0" dirty="0"/>
-              <a:t>&lt;Player&gt;();</a:t>
-            </a:r>
-          </a:p>
-          <a:p>
-            <a:pPr marL="0" marR="0" lvl="0" indent="0" defTabSz="457200" eaLnBrk="1" fontAlgn="auto" latinLnBrk="0" hangingPunct="1">
-              <a:lnSpc>
-                <a:spcPct val="117999"/>
-              </a:lnSpc>
-              <a:spcBef>
-                <a:spcPts val="0"/>
-              </a:spcBef>
-              <a:spcAft>
-                <a:spcPts val="0"/>
-              </a:spcAft>
-              <a:buClrTx/>
-              <a:buSzTx/>
-              <a:buFontTx/>
-              <a:buNone/>
-              <a:tabLst/>
-              <a:defRPr/>
-            </a:pPr>
-            <a:r>
-              <a:rPr lang="en-US" baseline="0" dirty="0" err="1"/>
-              <a:t>ArrayList</a:t>
-            </a:r>
-            <a:r>
-              <a:rPr lang="en-US" baseline="0" dirty="0"/>
-              <a:t>&lt;Player&gt; players = new </a:t>
-            </a:r>
-            <a:r>
-              <a:rPr lang="en-US" baseline="0" dirty="0" err="1"/>
-              <a:t>ArrayList</a:t>
-            </a:r>
-            <a:r>
-              <a:rPr lang="en-US" baseline="0" dirty="0"/>
-              <a:t>();   Java 7+ optional</a:t>
-            </a:r>
-          </a:p>
-          <a:p>
-            <a:r>
-              <a:rPr lang="en-US" baseline="0" dirty="0" err="1"/>
-              <a:t>players.add</a:t>
-            </a:r>
-            <a:r>
-              <a:rPr lang="en-US" baseline="0" dirty="0"/>
-              <a:t>(  new Player( ____ ) );    //adds to the end!    .add( index, Object)</a:t>
-            </a:r>
-          </a:p>
-          <a:p>
-            <a:r>
-              <a:rPr lang="en-US" baseline="0" dirty="0" err="1"/>
-              <a:t>players.get</a:t>
-            </a:r>
-            <a:r>
-              <a:rPr lang="en-US" baseline="0" dirty="0"/>
-              <a:t>(  0 );</a:t>
-            </a:r>
-          </a:p>
-          <a:p>
-            <a:r>
-              <a:rPr lang="en-US" dirty="0"/>
-              <a:t>.remove( index );</a:t>
-            </a:r>
-          </a:p>
-          <a:p>
-            <a:r>
-              <a:rPr lang="en-US" dirty="0"/>
-              <a:t>.set( index, player );    //overwrite</a:t>
-            </a:r>
+              <a:t> class takes care of everything -&gt; Data Structures class lets you see how this is done efficiently</a:t>
+            </a:r>
+            <a:endParaRPr lang="en-US" dirty="0"/>
           </a:p>
           <a:p>
             <a:endParaRPr lang="en-US" dirty="0"/>
@@ -1362,7 +1144,7 @@
     </p:spTree>
     <p:extLst>
       <p:ext uri="{BB962C8B-B14F-4D97-AF65-F5344CB8AC3E}">
-        <p14:creationId xmlns:p14="http://schemas.microsoft.com/office/powerpoint/2010/main" val="2054142190"/>
+        <p14:creationId xmlns:p14="http://schemas.microsoft.com/office/powerpoint/2010/main" val="2330038405"/>
       </p:ext>
     </p:extLst>
   </p:cSld>
@@ -1418,44 +1200,108 @@
           <a:p>
             <a:r>
               <a:rPr lang="en-US" dirty="0"/>
-              <a:t>Priorities in class</a:t>
-            </a:r>
-          </a:p>
-          <a:p>
-            <a:endParaRPr lang="en-US" dirty="0"/>
+              <a:t>NO SQUARE BRACKETS – SQUARE BRACKETS indicate FIXED size</a:t>
+            </a:r>
           </a:p>
           <a:p>
             <a:r>
               <a:rPr lang="en-US" dirty="0"/>
-              <a:t>#1 get Quiz done</a:t>
+              <a:t>Angled</a:t>
+            </a:r>
+            <a:r>
+              <a:rPr lang="en-US" baseline="0" dirty="0"/>
+              <a:t> brackets – generic, will discuss more later</a:t>
+            </a:r>
+          </a:p>
+          <a:p>
+            <a:r>
+              <a:rPr lang="en-US" baseline="0" dirty="0"/>
+              <a:t>Translate example of Player[] players</a:t>
+            </a:r>
+          </a:p>
+          <a:p>
+            <a:r>
+              <a:rPr lang="en-US" baseline="0" dirty="0" err="1"/>
+              <a:t>ArrayList</a:t>
+            </a:r>
+            <a:r>
+              <a:rPr lang="en-US" baseline="0" dirty="0"/>
+              <a:t>&lt;Player&gt; players = new </a:t>
+            </a:r>
+            <a:r>
+              <a:rPr lang="en-US" baseline="0" dirty="0" err="1"/>
+              <a:t>ArrayList</a:t>
+            </a:r>
+            <a:r>
+              <a:rPr lang="en-US" baseline="0" dirty="0"/>
+              <a:t>&lt;Player&gt;();</a:t>
+            </a:r>
+          </a:p>
+          <a:p>
+            <a:pPr marL="0" marR="0" lvl="0" indent="0" defTabSz="457200" eaLnBrk="1" fontAlgn="auto" latinLnBrk="0" hangingPunct="1">
+              <a:lnSpc>
+                <a:spcPct val="117999"/>
+              </a:lnSpc>
+              <a:spcBef>
+                <a:spcPts val="0"/>
+              </a:spcBef>
+              <a:spcAft>
+                <a:spcPts val="0"/>
+              </a:spcAft>
+              <a:buClrTx/>
+              <a:buSzTx/>
+              <a:buFontTx/>
+              <a:buNone/>
+              <a:tabLst/>
+              <a:defRPr/>
+            </a:pPr>
+            <a:r>
+              <a:rPr lang="en-US" baseline="0" dirty="0" err="1"/>
+              <a:t>ArrayList</a:t>
+            </a:r>
+            <a:r>
+              <a:rPr lang="en-US" baseline="0" dirty="0"/>
+              <a:t>&lt;Player&gt; players = new </a:t>
+            </a:r>
+            <a:r>
+              <a:rPr lang="en-US" baseline="0" dirty="0" err="1"/>
+              <a:t>ArrayList</a:t>
+            </a:r>
+            <a:r>
+              <a:rPr lang="en-US" baseline="0" dirty="0"/>
+              <a:t>();   Java 7+ optional</a:t>
+            </a:r>
+          </a:p>
+          <a:p>
+            <a:r>
+              <a:rPr lang="en-US" baseline="0" dirty="0" err="1"/>
+              <a:t>players.add</a:t>
+            </a:r>
+            <a:r>
+              <a:rPr lang="en-US" baseline="0" dirty="0"/>
+              <a:t>(  new Player( ____ ) );    //adds to the end!    .add( index, Object)</a:t>
+            </a:r>
+          </a:p>
+          <a:p>
+            <a:r>
+              <a:rPr lang="en-US" baseline="0" dirty="0" err="1"/>
+              <a:t>players.get</a:t>
+            </a:r>
+            <a:r>
+              <a:rPr lang="en-US" baseline="0" dirty="0"/>
+              <a:t>(  0 );</a:t>
             </a:r>
           </a:p>
           <a:p>
             <a:r>
               <a:rPr lang="en-US" dirty="0"/>
-              <a:t>#2 </a:t>
-            </a:r>
-            <a:r>
-              <a:rPr lang="en-US" dirty="0" err="1"/>
-              <a:t>ArrayList</a:t>
-            </a:r>
-            <a:r>
-              <a:rPr lang="en-US" baseline="0" dirty="0"/>
-              <a:t> Example problems in SVN</a:t>
-            </a:r>
-          </a:p>
-          <a:p>
-            <a:r>
-              <a:rPr lang="en-US" baseline="0" dirty="0"/>
-              <a:t>#3 </a:t>
-            </a:r>
-            <a:r>
-              <a:rPr lang="en-US" baseline="0" dirty="0" err="1"/>
-              <a:t>TwelveProblems</a:t>
-            </a:r>
+              <a:t>.remove( index );</a:t>
+            </a:r>
+          </a:p>
+          <a:p>
             <a:r>
               <a:rPr lang="en-US" dirty="0"/>
-              <a:t> </a:t>
+              <a:t>.set( index, player );    //overwrite</a:t>
             </a:r>
           </a:p>
           <a:p>
@@ -1466,7 +1312,7 @@
     </p:spTree>
     <p:extLst>
       <p:ext uri="{BB962C8B-B14F-4D97-AF65-F5344CB8AC3E}">
-        <p14:creationId xmlns:p14="http://schemas.microsoft.com/office/powerpoint/2010/main" val="682312979"/>
+        <p14:creationId xmlns:p14="http://schemas.microsoft.com/office/powerpoint/2010/main" val="2054142190"/>
       </p:ext>
     </p:extLst>
   </p:cSld>
@@ -1495,7 +1341,7 @@
       </p:grpSpPr>
       <p:sp>
         <p:nvSpPr>
-          <p:cNvPr id="134" name="Shape 134"/>
+          <p:cNvPr id="2" name="Slide Image Placeholder 1"/>
           <p:cNvSpPr>
             <a:spLocks noGrp="1" noRot="1" noChangeAspect="1"/>
           </p:cNvSpPr>
@@ -1503,84 +1349,74 @@
             <p:ph type="sldImg"/>
           </p:nvPr>
         </p:nvSpPr>
-        <p:spPr>
-          <a:prstGeom prst="rect">
-            <a:avLst/>
-          </a:prstGeom>
-        </p:spPr>
-        <p:txBody>
-          <a:bodyPr/>
-          <a:lstStyle/>
-          <a:p>
-            <a:pPr lvl="0"/>
-            <a:endParaRPr/>
-          </a:p>
-        </p:txBody>
+        <p:spPr/>
       </p:sp>
       <p:sp>
         <p:nvSpPr>
-          <p:cNvPr id="135" name="Shape 135"/>
+          <p:cNvPr id="3" name="Notes Placeholder 2"/>
           <p:cNvSpPr>
             <a:spLocks noGrp="1"/>
           </p:cNvSpPr>
           <p:nvPr>
-            <p:ph type="body" sz="quarter" idx="1"/>
+            <p:ph type="body" idx="1"/>
           </p:nvPr>
         </p:nvSpPr>
-        <p:spPr>
-          <a:prstGeom prst="rect">
-            <a:avLst/>
-          </a:prstGeom>
-        </p:spPr>
+        <p:spPr/>
         <p:txBody>
           <a:bodyPr/>
           <a:lstStyle/>
           <a:p>
-            <a:pPr lvl="0" defTabSz="914400">
-              <a:lnSpc>
-                <a:spcPct val="100000"/>
-              </a:lnSpc>
-              <a:spcBef>
-                <a:spcPts val="400"/>
-              </a:spcBef>
-              <a:defRPr sz="1800"/>
-            </a:pPr>
-            <a:r>
-              <a:rPr sz="1200" dirty="0">
-                <a:latin typeface="Calibri"/>
-                <a:ea typeface="Calibri"/>
-                <a:cs typeface="Calibri"/>
-                <a:sym typeface="Calibri"/>
-              </a:rPr>
-              <a:t>[Bullets and call-outs animated]</a:t>
-            </a:r>
-          </a:p>
-          <a:p>
-            <a:pPr lvl="0" defTabSz="914400">
-              <a:lnSpc>
-                <a:spcPct val="100000"/>
-              </a:lnSpc>
-              <a:spcBef>
-                <a:spcPts val="400"/>
-              </a:spcBef>
-              <a:defRPr sz="1800"/>
-            </a:pPr>
-            <a:r>
-              <a:rPr sz="1200" dirty="0">
-                <a:latin typeface="Calibri"/>
-                <a:ea typeface="Calibri"/>
-                <a:cs typeface="Calibri"/>
-                <a:sym typeface="Calibri"/>
-              </a:rPr>
-              <a:t>Q: Type parameters in generic class let us tell Java what types to allow in a “container” so it can catch mistakes for us.</a:t>
-            </a:r>
+            <a:r>
+              <a:rPr lang="en-US" dirty="0"/>
+              <a:t>Priorities in class</a:t>
+            </a:r>
+          </a:p>
+          <a:p>
+            <a:endParaRPr lang="en-US" dirty="0"/>
+          </a:p>
+          <a:p>
+            <a:r>
+              <a:rPr lang="en-US" dirty="0"/>
+              <a:t>#1 get Quiz done</a:t>
+            </a:r>
+          </a:p>
+          <a:p>
+            <a:r>
+              <a:rPr lang="en-US" dirty="0"/>
+              <a:t>#2 </a:t>
+            </a:r>
+            <a:r>
+              <a:rPr lang="en-US" dirty="0" err="1"/>
+              <a:t>ArrayList</a:t>
+            </a:r>
+            <a:r>
+              <a:rPr lang="en-US" baseline="0" dirty="0"/>
+              <a:t> Example problems in SVN</a:t>
+            </a:r>
+          </a:p>
+          <a:p>
+            <a:r>
+              <a:rPr lang="en-US" baseline="0" dirty="0"/>
+              <a:t>#3 </a:t>
+            </a:r>
+            <a:r>
+              <a:rPr lang="en-US" baseline="0" dirty="0" err="1"/>
+              <a:t>TwelveProblems</a:t>
+            </a:r>
+            <a:r>
+              <a:rPr lang="en-US" dirty="0"/>
+              <a:t> </a:t>
+            </a:r>
+          </a:p>
+          <a:p>
+            <a:endParaRPr lang="en-US" dirty="0"/>
           </a:p>
         </p:txBody>
       </p:sp>
     </p:spTree>
     <p:extLst>
       <p:ext uri="{BB962C8B-B14F-4D97-AF65-F5344CB8AC3E}">
-        <p14:creationId xmlns:p14="http://schemas.microsoft.com/office/powerpoint/2010/main" val="4060982193"/>
+        <p14:creationId xmlns:p14="http://schemas.microsoft.com/office/powerpoint/2010/main" val="682312979"/>
       </p:ext>
     </p:extLst>
   </p:cSld>
@@ -1670,6 +1506,120 @@
       </p:grpSpPr>
       <p:sp>
         <p:nvSpPr>
+          <p:cNvPr id="134" name="Shape 134"/>
+          <p:cNvSpPr>
+            <a:spLocks noGrp="1" noRot="1" noChangeAspect="1"/>
+          </p:cNvSpPr>
+          <p:nvPr>
+            <p:ph type="sldImg"/>
+          </p:nvPr>
+        </p:nvSpPr>
+        <p:spPr>
+          <a:prstGeom prst="rect">
+            <a:avLst/>
+          </a:prstGeom>
+        </p:spPr>
+        <p:txBody>
+          <a:bodyPr/>
+          <a:lstStyle/>
+          <a:p>
+            <a:pPr lvl="0"/>
+            <a:endParaRPr/>
+          </a:p>
+        </p:txBody>
+      </p:sp>
+      <p:sp>
+        <p:nvSpPr>
+          <p:cNvPr id="135" name="Shape 135"/>
+          <p:cNvSpPr>
+            <a:spLocks noGrp="1"/>
+          </p:cNvSpPr>
+          <p:nvPr>
+            <p:ph type="body" sz="quarter" idx="1"/>
+          </p:nvPr>
+        </p:nvSpPr>
+        <p:spPr>
+          <a:prstGeom prst="rect">
+            <a:avLst/>
+          </a:prstGeom>
+        </p:spPr>
+        <p:txBody>
+          <a:bodyPr/>
+          <a:lstStyle/>
+          <a:p>
+            <a:pPr lvl="0" defTabSz="914400">
+              <a:lnSpc>
+                <a:spcPct val="100000"/>
+              </a:lnSpc>
+              <a:spcBef>
+                <a:spcPts val="400"/>
+              </a:spcBef>
+              <a:defRPr sz="1800"/>
+            </a:pPr>
+            <a:r>
+              <a:rPr sz="1200" dirty="0">
+                <a:latin typeface="Calibri"/>
+                <a:ea typeface="Calibri"/>
+                <a:cs typeface="Calibri"/>
+                <a:sym typeface="Calibri"/>
+              </a:rPr>
+              <a:t>[Bullets and call-outs animated]</a:t>
+            </a:r>
+          </a:p>
+          <a:p>
+            <a:pPr lvl="0" defTabSz="914400">
+              <a:lnSpc>
+                <a:spcPct val="100000"/>
+              </a:lnSpc>
+              <a:spcBef>
+                <a:spcPts val="400"/>
+              </a:spcBef>
+              <a:defRPr sz="1800"/>
+            </a:pPr>
+            <a:r>
+              <a:rPr sz="1200" dirty="0">
+                <a:latin typeface="Calibri"/>
+                <a:ea typeface="Calibri"/>
+                <a:cs typeface="Calibri"/>
+                <a:sym typeface="Calibri"/>
+              </a:rPr>
+              <a:t>Q: Type parameters in generic class let us tell Java what types to allow in a “container” so it can catch mistakes for us.</a:t>
+            </a:r>
+          </a:p>
+        </p:txBody>
+      </p:sp>
+    </p:spTree>
+    <p:extLst>
+      <p:ext uri="{BB962C8B-B14F-4D97-AF65-F5344CB8AC3E}">
+        <p14:creationId xmlns:p14="http://schemas.microsoft.com/office/powerpoint/2010/main" val="4060982193"/>
+      </p:ext>
+    </p:extLst>
+  </p:cSld>
+  <p:clrMapOvr>
+    <a:masterClrMapping/>
+  </p:clrMapOvr>
+</p:notes>
+</file>
+
+<file path=ppt/notesSlides/notesSlide21.xml><?xml version="1.0" encoding="utf-8"?>
+<p:notes xmlns:a="http://schemas.openxmlformats.org/drawingml/2006/main" xmlns:r="http://schemas.openxmlformats.org/officeDocument/2006/relationships" xmlns:p="http://schemas.openxmlformats.org/presentationml/2006/main">
+  <p:cSld>
+    <p:spTree>
+      <p:nvGrpSpPr>
+        <p:cNvPr id="1" name=""/>
+        <p:cNvGrpSpPr/>
+        <p:nvPr/>
+      </p:nvGrpSpPr>
+      <p:grpSpPr>
+        <a:xfrm>
+          <a:off x="0" y="0"/>
+          <a:ext cx="0" cy="0"/>
+          <a:chOff x="0" y="0"/>
+          <a:chExt cx="0" cy="0"/>
+        </a:xfrm>
+      </p:grpSpPr>
+      <p:sp>
+        <p:nvSpPr>
           <p:cNvPr id="139" name="Shape 139"/>
           <p:cNvSpPr>
             <a:spLocks noGrp="1" noRot="1" noChangeAspect="1"/>
@@ -1749,7 +1699,7 @@
 </p:notes>
 </file>
 
-<file path=ppt/notesSlides/notesSlide21.xml><?xml version="1.0" encoding="utf-8"?>
+<file path=ppt/notesSlides/notesSlide22.xml><?xml version="1.0" encoding="utf-8"?>
 <p:notes xmlns:a="http://schemas.openxmlformats.org/drawingml/2006/main" xmlns:r="http://schemas.openxmlformats.org/officeDocument/2006/relationships" xmlns:p="http://schemas.openxmlformats.org/presentationml/2006/main">
   <p:cSld>
     <p:spTree>
@@ -1909,7 +1859,7 @@
 </p:notes>
 </file>
 
-<file path=ppt/notesSlides/notesSlide22.xml><?xml version="1.0" encoding="utf-8"?>
+<file path=ppt/notesSlides/notesSlide23.xml><?xml version="1.0" encoding="utf-8"?>
 <p:notes xmlns:a="http://schemas.openxmlformats.org/drawingml/2006/main" xmlns:r="http://schemas.openxmlformats.org/officeDocument/2006/relationships" xmlns:p="http://schemas.openxmlformats.org/presentationml/2006/main">
   <p:cSld>
     <p:spTree>
@@ -2014,200 +1964,6 @@
     <p:extLst>
       <p:ext uri="{BB962C8B-B14F-4D97-AF65-F5344CB8AC3E}">
         <p14:creationId xmlns:p14="http://schemas.microsoft.com/office/powerpoint/2010/main" val="1774216275"/>
-      </p:ext>
-    </p:extLst>
-  </p:cSld>
-  <p:clrMapOvr>
-    <a:masterClrMapping/>
-  </p:clrMapOvr>
-</p:notes>
-</file>
-
-<file path=ppt/notesSlides/notesSlide23.xml><?xml version="1.0" encoding="utf-8"?>
-<p:notes xmlns:a="http://schemas.openxmlformats.org/drawingml/2006/main" xmlns:r="http://schemas.openxmlformats.org/officeDocument/2006/relationships" xmlns:p="http://schemas.openxmlformats.org/presentationml/2006/main">
-  <p:cSld>
-    <p:spTree>
-      <p:nvGrpSpPr>
-        <p:cNvPr id="1" name=""/>
-        <p:cNvGrpSpPr/>
-        <p:nvPr/>
-      </p:nvGrpSpPr>
-      <p:grpSpPr>
-        <a:xfrm>
-          <a:off x="0" y="0"/>
-          <a:ext cx="0" cy="0"/>
-          <a:chOff x="0" y="0"/>
-          <a:chExt cx="0" cy="0"/>
-        </a:xfrm>
-      </p:grpSpPr>
-      <p:sp>
-        <p:nvSpPr>
-          <p:cNvPr id="168" name="Shape 168"/>
-          <p:cNvSpPr>
-            <a:spLocks noGrp="1" noRot="1" noChangeAspect="1"/>
-          </p:cNvSpPr>
-          <p:nvPr>
-            <p:ph type="sldImg"/>
-          </p:nvPr>
-        </p:nvSpPr>
-        <p:spPr>
-          <a:prstGeom prst="rect">
-            <a:avLst/>
-          </a:prstGeom>
-        </p:spPr>
-        <p:txBody>
-          <a:bodyPr/>
-          <a:lstStyle/>
-          <a:p>
-            <a:pPr lvl="0"/>
-            <a:endParaRPr/>
-          </a:p>
-        </p:txBody>
-      </p:sp>
-      <p:sp>
-        <p:nvSpPr>
-          <p:cNvPr id="169" name="Shape 169"/>
-          <p:cNvSpPr>
-            <a:spLocks noGrp="1"/>
-          </p:cNvSpPr>
-          <p:nvPr>
-            <p:ph type="body" sz="quarter" idx="1"/>
-          </p:nvPr>
-        </p:nvSpPr>
-        <p:spPr>
-          <a:prstGeom prst="rect">
-            <a:avLst/>
-          </a:prstGeom>
-        </p:spPr>
-        <p:txBody>
-          <a:bodyPr/>
-          <a:lstStyle/>
-          <a:p>
-            <a:pPr lvl="0" defTabSz="914400">
-              <a:lnSpc>
-                <a:spcPct val="100000"/>
-              </a:lnSpc>
-              <a:spcBef>
-                <a:spcPts val="400"/>
-              </a:spcBef>
-              <a:defRPr sz="1800"/>
-            </a:pPr>
-            <a:r>
-              <a:rPr sz="1200">
-                <a:latin typeface="Calibri"/>
-                <a:ea typeface="Calibri"/>
-                <a:cs typeface="Calibri"/>
-                <a:sym typeface="Calibri"/>
-              </a:rPr>
-              <a:t>Call-outs animated</a:t>
-            </a:r>
-          </a:p>
-          <a:p>
-            <a:pPr lvl="0" defTabSz="914400">
-              <a:lnSpc>
-                <a:spcPct val="100000"/>
-              </a:lnSpc>
-              <a:spcBef>
-                <a:spcPts val="400"/>
-              </a:spcBef>
-              <a:defRPr sz="1800"/>
-            </a:pPr>
-            <a:r>
-              <a:rPr sz="1200">
-                <a:latin typeface="Calibri"/>
-                <a:ea typeface="Calibri"/>
-                <a:cs typeface="Calibri"/>
-                <a:sym typeface="Calibri"/>
-              </a:rPr>
-              <a:t>Like python’s “for num in nums:”</a:t>
-            </a:r>
-          </a:p>
-          <a:p>
-            <a:pPr lvl="0" defTabSz="914400">
-              <a:lnSpc>
-                <a:spcPct val="100000"/>
-              </a:lnSpc>
-              <a:spcBef>
-                <a:spcPts val="400"/>
-              </a:spcBef>
-              <a:defRPr sz="1800"/>
-            </a:pPr>
-            <a:r>
-              <a:rPr sz="1200">
-                <a:latin typeface="Calibri"/>
-                <a:ea typeface="Calibri"/>
-                <a:cs typeface="Calibri"/>
-                <a:sym typeface="Calibri"/>
-              </a:rPr>
-              <a:t>Convenient when we just need to iterate over the objects.</a:t>
-            </a:r>
-          </a:p>
-          <a:p>
-            <a:pPr lvl="0" defTabSz="914400">
-              <a:lnSpc>
-                <a:spcPct val="100000"/>
-              </a:lnSpc>
-              <a:spcBef>
-                <a:spcPts val="400"/>
-              </a:spcBef>
-              <a:defRPr sz="1800"/>
-            </a:pPr>
-            <a:r>
-              <a:rPr sz="1200">
-                <a:latin typeface="Calibri"/>
-                <a:ea typeface="Calibri"/>
-                <a:cs typeface="Calibri"/>
-                <a:sym typeface="Calibri"/>
-              </a:rPr>
-              <a:t>The two limitations: </a:t>
-            </a:r>
-          </a:p>
-          <a:p>
-            <a:pPr lvl="0" defTabSz="914400">
-              <a:lnSpc>
-                <a:spcPct val="100000"/>
-              </a:lnSpc>
-              <a:spcBef>
-                <a:spcPts val="400"/>
-              </a:spcBef>
-              <a:defRPr sz="1800"/>
-            </a:pPr>
-            <a:r>
-              <a:rPr sz="1200">
-                <a:latin typeface="Calibri"/>
-                <a:ea typeface="Calibri"/>
-                <a:cs typeface="Calibri"/>
-                <a:sym typeface="Calibri"/>
-              </a:rPr>
-              <a:t>We CAN’T USE the indices. </a:t>
-            </a:r>
-          </a:p>
-          <a:p>
-            <a:pPr lvl="0" defTabSz="914400">
-              <a:lnSpc>
-                <a:spcPct val="100000"/>
-              </a:lnSpc>
-              <a:spcBef>
-                <a:spcPts val="400"/>
-              </a:spcBef>
-              <a:defRPr sz="1800"/>
-            </a:pPr>
-            <a:r>
-              <a:rPr sz="1200">
-                <a:latin typeface="Calibri"/>
-                <a:ea typeface="Calibri"/>
-                <a:cs typeface="Calibri"/>
-                <a:sym typeface="Calibri"/>
-              </a:rPr>
-              <a:t>We CAN’T MODIFY the element and stick it back in the array.</a:t>
-            </a:r>
-          </a:p>
-        </p:txBody>
-      </p:sp>
-    </p:spTree>
-    <p:extLst>
-      <p:ext uri="{BB962C8B-B14F-4D97-AF65-F5344CB8AC3E}">
-        <p14:creationId xmlns:p14="http://schemas.microsoft.com/office/powerpoint/2010/main" val="557737495"/>
       </p:ext>
     </p:extLst>
   </p:cSld>
@@ -2261,27 +2017,14 @@
           <a:bodyPr/>
           <a:lstStyle/>
           <a:p>
-            <a:r>
-              <a:rPr lang="en-US" dirty="0" smtClean="0"/>
-              <a:t>Optional Slide to show what happens conceptually</a:t>
-            </a:r>
-            <a:r>
-              <a:rPr lang="en-US" baseline="0" dirty="0" smtClean="0"/>
-              <a:t> with an iterator</a:t>
-            </a:r>
-          </a:p>
-          <a:p>
-            <a:r>
-              <a:rPr lang="en-US" baseline="0" dirty="0" smtClean="0"/>
-              <a:t>(helps make sense of the way it can work to the students)</a:t>
-            </a:r>
+            <a:endParaRPr lang="en-US" dirty="0"/>
           </a:p>
         </p:txBody>
       </p:sp>
     </p:spTree>
     <p:extLst>
       <p:ext uri="{BB962C8B-B14F-4D97-AF65-F5344CB8AC3E}">
-        <p14:creationId xmlns:p14="http://schemas.microsoft.com/office/powerpoint/2010/main" val="332690555"/>
+        <p14:creationId xmlns:p14="http://schemas.microsoft.com/office/powerpoint/2010/main" val="453698090"/>
       </p:ext>
     </p:extLst>
   </p:cSld>
@@ -2292,6 +2035,200 @@
 </file>
 
 <file path=ppt/notesSlides/notesSlide25.xml><?xml version="1.0" encoding="utf-8"?>
+<p:notes xmlns:a="http://schemas.openxmlformats.org/drawingml/2006/main" xmlns:r="http://schemas.openxmlformats.org/officeDocument/2006/relationships" xmlns:p="http://schemas.openxmlformats.org/presentationml/2006/main">
+  <p:cSld>
+    <p:spTree>
+      <p:nvGrpSpPr>
+        <p:cNvPr id="1" name=""/>
+        <p:cNvGrpSpPr/>
+        <p:nvPr/>
+      </p:nvGrpSpPr>
+      <p:grpSpPr>
+        <a:xfrm>
+          <a:off x="0" y="0"/>
+          <a:ext cx="0" cy="0"/>
+          <a:chOff x="0" y="0"/>
+          <a:chExt cx="0" cy="0"/>
+        </a:xfrm>
+      </p:grpSpPr>
+      <p:sp>
+        <p:nvSpPr>
+          <p:cNvPr id="168" name="Shape 168"/>
+          <p:cNvSpPr>
+            <a:spLocks noGrp="1" noRot="1" noChangeAspect="1"/>
+          </p:cNvSpPr>
+          <p:nvPr>
+            <p:ph type="sldImg"/>
+          </p:nvPr>
+        </p:nvSpPr>
+        <p:spPr>
+          <a:prstGeom prst="rect">
+            <a:avLst/>
+          </a:prstGeom>
+        </p:spPr>
+        <p:txBody>
+          <a:bodyPr/>
+          <a:lstStyle/>
+          <a:p>
+            <a:pPr lvl="0"/>
+            <a:endParaRPr/>
+          </a:p>
+        </p:txBody>
+      </p:sp>
+      <p:sp>
+        <p:nvSpPr>
+          <p:cNvPr id="169" name="Shape 169"/>
+          <p:cNvSpPr>
+            <a:spLocks noGrp="1"/>
+          </p:cNvSpPr>
+          <p:nvPr>
+            <p:ph type="body" sz="quarter" idx="1"/>
+          </p:nvPr>
+        </p:nvSpPr>
+        <p:spPr>
+          <a:prstGeom prst="rect">
+            <a:avLst/>
+          </a:prstGeom>
+        </p:spPr>
+        <p:txBody>
+          <a:bodyPr/>
+          <a:lstStyle/>
+          <a:p>
+            <a:pPr lvl="0" defTabSz="914400">
+              <a:lnSpc>
+                <a:spcPct val="100000"/>
+              </a:lnSpc>
+              <a:spcBef>
+                <a:spcPts val="400"/>
+              </a:spcBef>
+              <a:defRPr sz="1800"/>
+            </a:pPr>
+            <a:r>
+              <a:rPr sz="1200">
+                <a:latin typeface="Calibri"/>
+                <a:ea typeface="Calibri"/>
+                <a:cs typeface="Calibri"/>
+                <a:sym typeface="Calibri"/>
+              </a:rPr>
+              <a:t>Call-outs animated</a:t>
+            </a:r>
+          </a:p>
+          <a:p>
+            <a:pPr lvl="0" defTabSz="914400">
+              <a:lnSpc>
+                <a:spcPct val="100000"/>
+              </a:lnSpc>
+              <a:spcBef>
+                <a:spcPts val="400"/>
+              </a:spcBef>
+              <a:defRPr sz="1800"/>
+            </a:pPr>
+            <a:r>
+              <a:rPr sz="1200">
+                <a:latin typeface="Calibri"/>
+                <a:ea typeface="Calibri"/>
+                <a:cs typeface="Calibri"/>
+                <a:sym typeface="Calibri"/>
+              </a:rPr>
+              <a:t>Like python’s “for num in nums:”</a:t>
+            </a:r>
+          </a:p>
+          <a:p>
+            <a:pPr lvl="0" defTabSz="914400">
+              <a:lnSpc>
+                <a:spcPct val="100000"/>
+              </a:lnSpc>
+              <a:spcBef>
+                <a:spcPts val="400"/>
+              </a:spcBef>
+              <a:defRPr sz="1800"/>
+            </a:pPr>
+            <a:r>
+              <a:rPr sz="1200">
+                <a:latin typeface="Calibri"/>
+                <a:ea typeface="Calibri"/>
+                <a:cs typeface="Calibri"/>
+                <a:sym typeface="Calibri"/>
+              </a:rPr>
+              <a:t>Convenient when we just need to iterate over the objects.</a:t>
+            </a:r>
+          </a:p>
+          <a:p>
+            <a:pPr lvl="0" defTabSz="914400">
+              <a:lnSpc>
+                <a:spcPct val="100000"/>
+              </a:lnSpc>
+              <a:spcBef>
+                <a:spcPts val="400"/>
+              </a:spcBef>
+              <a:defRPr sz="1800"/>
+            </a:pPr>
+            <a:r>
+              <a:rPr sz="1200">
+                <a:latin typeface="Calibri"/>
+                <a:ea typeface="Calibri"/>
+                <a:cs typeface="Calibri"/>
+                <a:sym typeface="Calibri"/>
+              </a:rPr>
+              <a:t>The two limitations: </a:t>
+            </a:r>
+          </a:p>
+          <a:p>
+            <a:pPr lvl="0" defTabSz="914400">
+              <a:lnSpc>
+                <a:spcPct val="100000"/>
+              </a:lnSpc>
+              <a:spcBef>
+                <a:spcPts val="400"/>
+              </a:spcBef>
+              <a:defRPr sz="1800"/>
+            </a:pPr>
+            <a:r>
+              <a:rPr sz="1200">
+                <a:latin typeface="Calibri"/>
+                <a:ea typeface="Calibri"/>
+                <a:cs typeface="Calibri"/>
+                <a:sym typeface="Calibri"/>
+              </a:rPr>
+              <a:t>We CAN’T USE the indices. </a:t>
+            </a:r>
+          </a:p>
+          <a:p>
+            <a:pPr lvl="0" defTabSz="914400">
+              <a:lnSpc>
+                <a:spcPct val="100000"/>
+              </a:lnSpc>
+              <a:spcBef>
+                <a:spcPts val="400"/>
+              </a:spcBef>
+              <a:defRPr sz="1800"/>
+            </a:pPr>
+            <a:r>
+              <a:rPr sz="1200">
+                <a:latin typeface="Calibri"/>
+                <a:ea typeface="Calibri"/>
+                <a:cs typeface="Calibri"/>
+                <a:sym typeface="Calibri"/>
+              </a:rPr>
+              <a:t>We CAN’T MODIFY the element and stick it back in the array.</a:t>
+            </a:r>
+          </a:p>
+        </p:txBody>
+      </p:sp>
+    </p:spTree>
+    <p:extLst>
+      <p:ext uri="{BB962C8B-B14F-4D97-AF65-F5344CB8AC3E}">
+        <p14:creationId xmlns:p14="http://schemas.microsoft.com/office/powerpoint/2010/main" val="557737495"/>
+      </p:ext>
+    </p:extLst>
+  </p:cSld>
+  <p:clrMapOvr>
+    <a:masterClrMapping/>
+  </p:clrMapOvr>
+</p:notes>
+</file>
+
+<file path=ppt/notesSlides/notesSlide26.xml><?xml version="1.0" encoding="utf-8"?>
 <p:notes xmlns:a="http://schemas.openxmlformats.org/drawingml/2006/main" xmlns:r="http://schemas.openxmlformats.org/officeDocument/2006/relationships" xmlns:p="http://schemas.openxmlformats.org/presentationml/2006/main">
   <p:cSld>
     <p:spTree>
@@ -2335,14 +2272,27 @@
           <a:bodyPr/>
           <a:lstStyle/>
           <a:p>
-            <a:endParaRPr lang="en-US" dirty="0"/>
+            <a:r>
+              <a:rPr lang="en-US" dirty="0" smtClean="0"/>
+              <a:t>Optional Slide to show what happens conceptually</a:t>
+            </a:r>
+            <a:r>
+              <a:rPr lang="en-US" baseline="0" dirty="0" smtClean="0"/>
+              <a:t> with an iterator</a:t>
+            </a:r>
+          </a:p>
+          <a:p>
+            <a:r>
+              <a:rPr lang="en-US" baseline="0" dirty="0" smtClean="0"/>
+              <a:t>(helps make sense of the way it can work to the students)</a:t>
+            </a:r>
           </a:p>
         </p:txBody>
       </p:sp>
     </p:spTree>
     <p:extLst>
       <p:ext uri="{BB962C8B-B14F-4D97-AF65-F5344CB8AC3E}">
-        <p14:creationId xmlns:p14="http://schemas.microsoft.com/office/powerpoint/2010/main" val="453698090"/>
+        <p14:creationId xmlns:p14="http://schemas.microsoft.com/office/powerpoint/2010/main" val="332690555"/>
       </p:ext>
     </p:extLst>
   </p:cSld>
@@ -2352,7 +2302,7 @@
 </p:notes>
 </file>
 
-<file path=ppt/notesSlides/notesSlide26.xml><?xml version="1.0" encoding="utf-8"?>
+<file path=ppt/notesSlides/notesSlide27.xml><?xml version="1.0" encoding="utf-8"?>
 <p:notes xmlns:a="http://schemas.openxmlformats.org/drawingml/2006/main" xmlns:r="http://schemas.openxmlformats.org/officeDocument/2006/relationships" xmlns:p="http://schemas.openxmlformats.org/presentationml/2006/main">
   <p:cSld>
     <p:spTree>
@@ -4458,7 +4408,7 @@
           </a:ln>
           <a:extLst>
             <a:ext uri="{C572A759-6A51-4108-AA02-DFA0A04FC94B}">
-              <ma14:wrappingTextBoxFlag xmlns="" xmlns:ma14="http://schemas.microsoft.com/office/mac/drawingml/2011/main" val="1"/>
+              <ma14:wrappingTextBoxFlag xmlns:ma14="http://schemas.microsoft.com/office/mac/drawingml/2011/main" xmlns="" val="1"/>
             </a:ext>
           </a:extLst>
         </p:spPr>
@@ -4501,7 +4451,7 @@
           </a:ln>
           <a:extLst>
             <a:ext uri="{C572A759-6A51-4108-AA02-DFA0A04FC94B}">
-              <ma14:wrappingTextBoxFlag xmlns="" xmlns:ma14="http://schemas.microsoft.com/office/mac/drawingml/2011/main" val="1"/>
+              <ma14:wrappingTextBoxFlag xmlns:ma14="http://schemas.microsoft.com/office/mac/drawingml/2011/main" xmlns="" val="1"/>
             </a:ext>
           </a:extLst>
         </p:spPr>
@@ -4971,7 +4921,7 @@
           </a:ln>
           <a:extLst>
             <a:ext uri="{C572A759-6A51-4108-AA02-DFA0A04FC94B}">
-              <ma14:wrappingTextBoxFlag xmlns="" xmlns:ma14="http://schemas.microsoft.com/office/mac/drawingml/2011/main" val="1"/>
+              <ma14:wrappingTextBoxFlag xmlns:ma14="http://schemas.microsoft.com/office/mac/drawingml/2011/main" xmlns="" val="1"/>
             </a:ext>
           </a:extLst>
         </p:spPr>
@@ -7024,7 +6974,7 @@
           </a:ln>
           <a:extLst>
             <a:ext uri="{C572A759-6A51-4108-AA02-DFA0A04FC94B}">
-              <ma14:wrappingTextBoxFlag xmlns="" xmlns:ma14="http://schemas.microsoft.com/office/mac/drawingml/2011/main" val="1"/>
+              <ma14:wrappingTextBoxFlag xmlns:ma14="http://schemas.microsoft.com/office/mac/drawingml/2011/main" xmlns="" val="1"/>
             </a:ext>
           </a:extLst>
         </p:spPr>
@@ -8395,7 +8345,7 @@
             </a:r>
             <a:r>
               <a:rPr lang="pl-PL" sz="3600" dirty="0">
-                <a:hlinkClick r:id="rId2"/>
+                <a:hlinkClick r:id="rId3"/>
               </a:rPr>
               <a:t>http://codingbat.com/java/Array-2</a:t>
             </a:r>
@@ -8640,7 +8590,7 @@
               <a:defRPr sz="1800"/>
             </a:pPr>
             <a:r>
-              <a:rPr sz="2900"/>
+              <a:rPr sz="2900" dirty="0"/>
               <a:t>Group a collection of objects under a single name</a:t>
             </a:r>
           </a:p>
@@ -8654,23 +8604,23 @@
               <a:defRPr sz="1800"/>
             </a:pPr>
             <a:r>
-              <a:rPr sz="2900"/>
+              <a:rPr sz="2900" dirty="0"/>
               <a:t>Elements are referred to by their </a:t>
             </a:r>
             <a:r>
-              <a:rPr sz="2900" b="1"/>
+              <a:rPr sz="2900" b="1" dirty="0"/>
               <a:t>position</a:t>
             </a:r>
             <a:r>
-              <a:rPr sz="2900"/>
+              <a:rPr sz="2900" dirty="0"/>
               <a:t>, or </a:t>
             </a:r>
             <a:r>
-              <a:rPr sz="2900" b="1" i="1"/>
+              <a:rPr sz="2900" b="1" i="1" dirty="0"/>
               <a:t>index</a:t>
             </a:r>
             <a:r>
-              <a:rPr sz="2900"/>
+              <a:rPr sz="2900" dirty="0"/>
               <a:t>, in the collection (0, 1, 2, …)</a:t>
             </a:r>
           </a:p>
@@ -8684,11 +8634,11 @@
               <a:defRPr sz="1800"/>
             </a:pPr>
             <a:r>
-              <a:rPr sz="2900"/>
+              <a:rPr sz="2900" dirty="0"/>
               <a:t>Syntax for declaring:   </a:t>
             </a:r>
             <a:r>
-              <a:rPr sz="2900" i="1">
+              <a:rPr sz="2900" i="1" dirty="0" err="1">
                 <a:solidFill>
                   <a:srgbClr val="9BBB59"/>
                 </a:solidFill>
@@ -8700,7 +8650,7 @@
               <a:t>ElementType</a:t>
             </a:r>
             <a:r>
-              <a:rPr sz="2900" b="1">
+              <a:rPr sz="2900" b="1" dirty="0">
                 <a:solidFill>
                   <a:srgbClr val="9BBB59"/>
                 </a:solidFill>
@@ -8712,7 +8662,7 @@
               <a:t>[] </a:t>
             </a:r>
             <a:r>
-              <a:rPr sz="2900" i="1">
+              <a:rPr sz="2900" i="1" dirty="0">
                 <a:solidFill>
                   <a:srgbClr val="9BBB59"/>
                 </a:solidFill>
@@ -8723,7 +8673,7 @@
               </a:rPr>
               <a:t>name</a:t>
             </a:r>
-            <a:endParaRPr sz="2900"/>
+            <a:endParaRPr sz="2900" dirty="0"/>
           </a:p>
           <a:p>
             <a:pPr lvl="0">
@@ -8735,7 +8685,7 @@
               <a:defRPr sz="1800"/>
             </a:pPr>
             <a:r>
-              <a:rPr sz="2900"/>
+              <a:rPr sz="2900" dirty="0"/>
               <a:t>Declaration examples:</a:t>
             </a:r>
           </a:p>
@@ -8749,11 +8699,11 @@
               <a:defRPr sz="1800"/>
             </a:pPr>
             <a:r>
-              <a:rPr sz="2500"/>
+              <a:rPr sz="2500" dirty="0"/>
               <a:t>A local variable:  </a:t>
             </a:r>
             <a:r>
-              <a:rPr sz="2500" b="1">
+              <a:rPr sz="2500" b="1" dirty="0">
                 <a:solidFill>
                   <a:srgbClr val="8064A2"/>
                 </a:solidFill>
@@ -8765,7 +8715,7 @@
               <a:t>double[ ] </a:t>
             </a:r>
             <a:r>
-              <a:rPr sz="2500" b="1">
+              <a:rPr sz="2500" b="1" dirty="0">
                 <a:solidFill>
                   <a:srgbClr val="9BBB59"/>
                 </a:solidFill>
@@ -8776,7 +8726,7 @@
               </a:rPr>
               <a:t>averages;</a:t>
             </a:r>
-            <a:endParaRPr sz="2500"/>
+            <a:endParaRPr sz="2500" dirty="0"/>
           </a:p>
           <a:p>
             <a:pPr marL="742950" lvl="1" indent="-285750">
@@ -8788,11 +8738,11 @@
               <a:defRPr sz="1800"/>
             </a:pPr>
             <a:r>
-              <a:rPr sz="2500"/>
+              <a:rPr sz="2500" dirty="0"/>
               <a:t>Parameters: </a:t>
             </a:r>
             <a:r>
-              <a:rPr sz="2500" b="1">
+              <a:rPr sz="2500" b="1" dirty="0">
                 <a:solidFill>
                   <a:srgbClr val="9BBB59"/>
                 </a:solidFill>
@@ -8801,22 +8751,22 @@
                 <a:cs typeface="Consolas"/>
                 <a:sym typeface="Consolas"/>
               </a:rPr>
-              <a:t>public int max(</a:t>
-            </a:r>
-            <a:r>
-              <a:rPr sz="2500" b="1">
-                <a:solidFill>
-                  <a:srgbClr val="8064A2"/>
+              <a:t>public </a:t>
+            </a:r>
+            <a:r>
+              <a:rPr sz="2500" b="1" dirty="0" err="1">
+                <a:solidFill>
+                  <a:srgbClr val="9BBB59"/>
                 </a:solidFill>
                 <a:latin typeface="Consolas"/>
                 <a:ea typeface="Consolas"/>
                 <a:cs typeface="Consolas"/>
                 <a:sym typeface="Consolas"/>
               </a:rPr>
-              <a:t>int[]</a:t>
-            </a:r>
-            <a:r>
-              <a:rPr sz="2500" b="1">
+              <a:t>int</a:t>
+            </a:r>
+            <a:r>
+              <a:rPr sz="2500" b="1" dirty="0">
                 <a:solidFill>
                   <a:srgbClr val="9BBB59"/>
                 </a:solidFill>
@@ -8825,9 +8775,45 @@
                 <a:cs typeface="Consolas"/>
                 <a:sym typeface="Consolas"/>
               </a:rPr>
+              <a:t> max(</a:t>
+            </a:r>
+            <a:r>
+              <a:rPr sz="2500" b="1" dirty="0" err="1">
+                <a:solidFill>
+                  <a:srgbClr val="8064A2"/>
+                </a:solidFill>
+                <a:latin typeface="Consolas"/>
+                <a:ea typeface="Consolas"/>
+                <a:cs typeface="Consolas"/>
+                <a:sym typeface="Consolas"/>
+              </a:rPr>
+              <a:t>int</a:t>
+            </a:r>
+            <a:r>
+              <a:rPr sz="2500" b="1" dirty="0">
+                <a:solidFill>
+                  <a:srgbClr val="8064A2"/>
+                </a:solidFill>
+                <a:latin typeface="Consolas"/>
+                <a:ea typeface="Consolas"/>
+                <a:cs typeface="Consolas"/>
+                <a:sym typeface="Consolas"/>
+              </a:rPr>
+              <a:t>[]</a:t>
+            </a:r>
+            <a:r>
+              <a:rPr sz="2500" b="1" dirty="0">
+                <a:solidFill>
+                  <a:srgbClr val="9BBB59"/>
+                </a:solidFill>
+                <a:latin typeface="Consolas"/>
+                <a:ea typeface="Consolas"/>
+                <a:cs typeface="Consolas"/>
+                <a:sym typeface="Consolas"/>
+              </a:rPr>
               <a:t> values) {…}</a:t>
             </a:r>
-            <a:endParaRPr sz="2500"/>
+            <a:endParaRPr sz="2500" dirty="0"/>
           </a:p>
           <a:p>
             <a:pPr marL="742950" lvl="1" indent="-285750">
@@ -8839,11 +8825,11 @@
               <a:defRPr sz="1800"/>
             </a:pPr>
             <a:r>
-              <a:rPr sz="2500"/>
+              <a:rPr sz="2500" dirty="0"/>
               <a:t>A field: </a:t>
             </a:r>
             <a:r>
-              <a:rPr sz="2500" b="1">
+              <a:rPr sz="2500" b="1" dirty="0">
                 <a:solidFill>
                   <a:srgbClr val="9BBB59"/>
                 </a:solidFill>
@@ -8855,7 +8841,7 @@
               <a:t>private </a:t>
             </a:r>
             <a:r>
-              <a:rPr sz="2500" b="1">
+              <a:rPr sz="2500" b="1" dirty="0">
                 <a:solidFill>
                   <a:srgbClr val="8064A2"/>
                 </a:solidFill>
@@ -8867,7 +8853,7 @@
               <a:t>Investment[]</a:t>
             </a:r>
             <a:r>
-              <a:rPr sz="2500" b="1">
+              <a:rPr sz="2500" b="1" dirty="0">
                 <a:solidFill>
                   <a:srgbClr val="9BBB59"/>
                 </a:solidFill>
@@ -8876,7 +8862,31 @@
                 <a:cs typeface="Consolas"/>
                 <a:sym typeface="Consolas"/>
               </a:rPr>
-              <a:t> mutualFunds;</a:t>
+              <a:t> </a:t>
+            </a:r>
+            <a:r>
+              <a:rPr sz="2500" b="1" dirty="0" err="1">
+                <a:solidFill>
+                  <a:srgbClr val="9BBB59"/>
+                </a:solidFill>
+                <a:latin typeface="Consolas"/>
+                <a:ea typeface="Consolas"/>
+                <a:cs typeface="Consolas"/>
+                <a:sym typeface="Consolas"/>
+              </a:rPr>
+              <a:t>mutualFunds</a:t>
+            </a:r>
+            <a:r>
+              <a:rPr sz="2500" b="1" dirty="0">
+                <a:solidFill>
+                  <a:srgbClr val="9BBB59"/>
+                </a:solidFill>
+                <a:latin typeface="Consolas"/>
+                <a:ea typeface="Consolas"/>
+                <a:cs typeface="Consolas"/>
+                <a:sym typeface="Consolas"/>
+              </a:rPr>
+              <a:t>;</a:t>
             </a:r>
           </a:p>
         </p:txBody>
@@ -9360,7 +9370,55 @@
                 <a:cs typeface="Courier New" panose="02070309020205020404" pitchFamily="49" charset="0"/>
                 <a:sym typeface="Consolas"/>
               </a:rPr>
-              <a:t>Dog[] dogs = new Dog[50];</a:t>
+              <a:t>Dog[] dogs = new </a:t>
+            </a:r>
+            <a:r>
+              <a:rPr sz="2000" b="1" dirty="0" smtClean="0">
+                <a:solidFill>
+                  <a:srgbClr val="9BBB59"/>
+                </a:solidFill>
+                <a:latin typeface="Courier New" panose="02070309020205020404" pitchFamily="49" charset="0"/>
+                <a:ea typeface="Consolas"/>
+                <a:cs typeface="Courier New" panose="02070309020205020404" pitchFamily="49" charset="0"/>
+                <a:sym typeface="Consolas"/>
+              </a:rPr>
+              <a:t>Dog[</a:t>
+            </a:r>
+            <a:r>
+              <a:rPr lang="en-US" sz="2000" b="1" dirty="0" smtClean="0">
+                <a:solidFill>
+                  <a:srgbClr val="9BBB59"/>
+                </a:solidFill>
+                <a:latin typeface="Courier New" panose="02070309020205020404" pitchFamily="49" charset="0"/>
+                <a:ea typeface="Consolas"/>
+                <a:cs typeface="Courier New" panose="02070309020205020404" pitchFamily="49" charset="0"/>
+                <a:sym typeface="Consolas"/>
+              </a:rPr>
+              <a:t>1</a:t>
+            </a:r>
+            <a:r>
+              <a:rPr sz="2000" b="1" dirty="0" smtClean="0">
+                <a:solidFill>
+                  <a:srgbClr val="9BBB59"/>
+                </a:solidFill>
+                <a:latin typeface="Courier New" panose="02070309020205020404" pitchFamily="49" charset="0"/>
+                <a:ea typeface="Consolas"/>
+                <a:cs typeface="Courier New" panose="02070309020205020404" pitchFamily="49" charset="0"/>
+                <a:sym typeface="Consolas"/>
+              </a:rPr>
+              <a:t>0</a:t>
+            </a:r>
+            <a:r>
+              <a:rPr sz="2000" b="1" dirty="0">
+                <a:solidFill>
+                  <a:srgbClr val="9BBB59"/>
+                </a:solidFill>
+                <a:latin typeface="Courier New" panose="02070309020205020404" pitchFamily="49" charset="0"/>
+                <a:ea typeface="Consolas"/>
+                <a:cs typeface="Courier New" panose="02070309020205020404" pitchFamily="49" charset="0"/>
+                <a:sym typeface="Consolas"/>
+              </a:rPr>
+              <a:t>];</a:t>
             </a:r>
           </a:p>
         </p:txBody>
@@ -9515,7 +9573,7 @@
             <a:effectLst/>
             <a:extLst>
               <a:ext uri="{C572A759-6A51-4108-AA02-DFA0A04FC94B}">
-                <ma14:wrappingTextBoxFlag xmlns="" xmlns:ma14="http://schemas.microsoft.com/office/mac/drawingml/2011/main" val="1"/>
+                <ma14:wrappingTextBoxFlag xmlns:ma14="http://schemas.microsoft.com/office/mac/drawingml/2011/main" xmlns="" val="1"/>
               </a:ext>
             </a:extLst>
           </p:spPr>
@@ -9702,7 +9760,7 @@
             <a:effectLst/>
             <a:extLst>
               <a:ext uri="{C572A759-6A51-4108-AA02-DFA0A04FC94B}">
-                <ma14:wrappingTextBoxFlag xmlns="" xmlns:ma14="http://schemas.microsoft.com/office/mac/drawingml/2011/main" val="1"/>
+                <ma14:wrappingTextBoxFlag xmlns:ma14="http://schemas.microsoft.com/office/mac/drawingml/2011/main" xmlns="" val="1"/>
               </a:ext>
             </a:extLst>
           </p:spPr>
@@ -10075,7 +10133,7 @@
               <a:defRPr sz="1800"/>
             </a:pPr>
             <a:r>
-              <a:rPr lang="en-US" sz="3600" b="1" dirty="0" smtClean="0">
+              <a:rPr lang="en-US" sz="3600" b="1" dirty="0">
                 <a:solidFill>
                   <a:srgbClr val="9BBB59"/>
                 </a:solidFill>
@@ -10084,7 +10142,31 @@
                 <a:cs typeface="Courier New" panose="02070309020205020404" pitchFamily="49" charset="0"/>
                 <a:sym typeface="Consolas"/>
               </a:rPr>
-              <a:t>Dogs[0] </a:t>
+              <a:t>d</a:t>
+            </a:r>
+            <a:r>
+              <a:rPr lang="en-US" sz="3600" b="1" dirty="0" smtClean="0">
+                <a:solidFill>
+                  <a:srgbClr val="9BBB59"/>
+                </a:solidFill>
+                <a:latin typeface="Courier New" panose="02070309020205020404" pitchFamily="49" charset="0"/>
+                <a:ea typeface="Consolas"/>
+                <a:cs typeface="Courier New" panose="02070309020205020404" pitchFamily="49" charset="0"/>
+                <a:sym typeface="Consolas"/>
+              </a:rPr>
+              <a:t>ogs[0</a:t>
+            </a:r>
+            <a:r>
+              <a:rPr lang="en-US" sz="3600" b="1" dirty="0" smtClean="0">
+                <a:solidFill>
+                  <a:srgbClr val="9BBB59"/>
+                </a:solidFill>
+                <a:latin typeface="Courier New" panose="02070309020205020404" pitchFamily="49" charset="0"/>
+                <a:ea typeface="Consolas"/>
+                <a:cs typeface="Courier New" panose="02070309020205020404" pitchFamily="49" charset="0"/>
+                <a:sym typeface="Consolas"/>
+              </a:rPr>
+              <a:t>] </a:t>
             </a:r>
             <a:r>
               <a:rPr lang="en-US" sz="3600" b="1" dirty="0">
@@ -11143,7 +11225,7 @@
             <a:effectLst/>
             <a:extLst>
               <a:ext uri="{C572A759-6A51-4108-AA02-DFA0A04FC94B}">
-                <ma14:wrappingTextBoxFlag xmlns="" xmlns:ma14="http://schemas.microsoft.com/office/mac/drawingml/2011/main" val="1"/>
+                <ma14:wrappingTextBoxFlag xmlns:ma14="http://schemas.microsoft.com/office/mac/drawingml/2011/main" xmlns="" val="1"/>
               </a:ext>
             </a:extLst>
           </p:spPr>
@@ -11338,7 +11420,7 @@
             <a:effectLst/>
             <a:extLst>
               <a:ext uri="{C572A759-6A51-4108-AA02-DFA0A04FC94B}">
-                <ma14:wrappingTextBoxFlag xmlns="" xmlns:ma14="http://schemas.microsoft.com/office/mac/drawingml/2011/main" val="1"/>
+                <ma14:wrappingTextBoxFlag xmlns:ma14="http://schemas.microsoft.com/office/mac/drawingml/2011/main" xmlns="" val="1"/>
               </a:ext>
             </a:extLst>
           </p:spPr>
@@ -11525,7 +11607,7 @@
             <a:effectLst/>
             <a:extLst>
               <a:ext uri="{C572A759-6A51-4108-AA02-DFA0A04FC94B}">
-                <ma14:wrappingTextBoxFlag xmlns="" xmlns:ma14="http://schemas.microsoft.com/office/mac/drawingml/2011/main" val="1"/>
+                <ma14:wrappingTextBoxFlag xmlns:ma14="http://schemas.microsoft.com/office/mac/drawingml/2011/main" xmlns="" val="1"/>
               </a:ext>
             </a:extLst>
           </p:spPr>
@@ -13328,7 +13410,7 @@
               <a:effectLst/>
               <a:extLst>
                 <a:ext uri="{C572A759-6A51-4108-AA02-DFA0A04FC94B}">
-                  <ma14:wrappingTextBoxFlag xmlns="" xmlns:ma14="http://schemas.microsoft.com/office/mac/drawingml/2011/main" val="1"/>
+                  <ma14:wrappingTextBoxFlag xmlns:ma14="http://schemas.microsoft.com/office/mac/drawingml/2011/main" xmlns="" val="1"/>
                 </a:ext>
               </a:extLst>
             </p:spPr>
@@ -13445,7 +13527,7 @@
             <a:effectLst/>
             <a:extLst>
               <a:ext uri="{C572A759-6A51-4108-AA02-DFA0A04FC94B}">
-                <ma14:wrappingTextBoxFlag xmlns="" xmlns:ma14="http://schemas.microsoft.com/office/mac/drawingml/2011/main" val="1"/>
+                <ma14:wrappingTextBoxFlag xmlns:ma14="http://schemas.microsoft.com/office/mac/drawingml/2011/main" xmlns="" val="1"/>
               </a:ext>
             </a:extLst>
           </p:spPr>
@@ -13632,7 +13714,7 @@
             <a:effectLst/>
             <a:extLst>
               <a:ext uri="{C572A759-6A51-4108-AA02-DFA0A04FC94B}">
-                <ma14:wrappingTextBoxFlag xmlns="" xmlns:ma14="http://schemas.microsoft.com/office/mac/drawingml/2011/main" val="1"/>
+                <ma14:wrappingTextBoxFlag xmlns:ma14="http://schemas.microsoft.com/office/mac/drawingml/2011/main" xmlns="" val="1"/>
               </a:ext>
             </a:extLst>
           </p:spPr>
@@ -13819,7 +13901,7 @@
             <a:effectLst/>
             <a:extLst>
               <a:ext uri="{C572A759-6A51-4108-AA02-DFA0A04FC94B}">
-                <ma14:wrappingTextBoxFlag xmlns="" xmlns:ma14="http://schemas.microsoft.com/office/mac/drawingml/2011/main" val="1"/>
+                <ma14:wrappingTextBoxFlag xmlns:ma14="http://schemas.microsoft.com/office/mac/drawingml/2011/main" xmlns="" val="1"/>
               </a:ext>
             </a:extLst>
           </p:spPr>
@@ -14706,7 +14788,7 @@
           </a:ln>
           <a:extLst>
             <a:ext uri="{C572A759-6A51-4108-AA02-DFA0A04FC94B}">
-              <ma14:wrappingTextBoxFlag xmlns="" xmlns:ma14="http://schemas.microsoft.com/office/mac/drawingml/2011/main" val="1"/>
+              <ma14:wrappingTextBoxFlag xmlns:ma14="http://schemas.microsoft.com/office/mac/drawingml/2011/main" xmlns="" val="1"/>
             </a:ext>
           </a:extLst>
         </p:spPr>
@@ -14824,7 +14906,7 @@
           </a:ln>
           <a:extLst>
             <a:ext uri="{C572A759-6A51-4108-AA02-DFA0A04FC94B}">
-              <ma14:wrappingTextBoxFlag xmlns="" xmlns:ma14="http://schemas.microsoft.com/office/mac/drawingml/2011/main" val="1"/>
+              <ma14:wrappingTextBoxFlag xmlns:ma14="http://schemas.microsoft.com/office/mac/drawingml/2011/main" xmlns="" val="1"/>
             </a:ext>
           </a:extLst>
         </p:spPr>
@@ -19308,1988 +19390,6 @@
       </p:grpSpPr>
       <p:sp>
         <p:nvSpPr>
-          <p:cNvPr id="159" name="Shape 159"/>
-          <p:cNvSpPr>
-            <a:spLocks noGrp="1"/>
-          </p:cNvSpPr>
-          <p:nvPr>
-            <p:ph type="title"/>
-          </p:nvPr>
-        </p:nvSpPr>
-        <p:spPr>
-          <a:xfrm>
-            <a:off x="457200" y="274638"/>
-            <a:ext cx="8229600" cy="1143001"/>
-          </a:xfrm>
-          <a:prstGeom prst="rect">
-            <a:avLst/>
-          </a:prstGeom>
-        </p:spPr>
-        <p:txBody>
-          <a:bodyPr/>
-          <a:lstStyle/>
-          <a:p>
-            <a:pPr lvl="0">
-              <a:defRPr sz="1800"/>
-            </a:pPr>
-            <a:r>
-              <a:rPr sz="4400" i="1" dirty="0"/>
-              <a:t>Enhanced For Loop</a:t>
-            </a:r>
-            <a:r>
-              <a:rPr sz="4400" dirty="0"/>
-              <a:t> and Arrays</a:t>
-            </a:r>
-          </a:p>
-        </p:txBody>
-      </p:sp>
-      <p:sp>
-        <p:nvSpPr>
-          <p:cNvPr id="160" name="Shape 160"/>
-          <p:cNvSpPr>
-            <a:spLocks noGrp="1"/>
-          </p:cNvSpPr>
-          <p:nvPr>
-            <p:ph type="body" idx="1"/>
-          </p:nvPr>
-        </p:nvSpPr>
-        <p:spPr>
-          <a:xfrm>
-            <a:off x="457200" y="1481137"/>
-            <a:ext cx="8001000" cy="4525964"/>
-          </a:xfrm>
-          <a:prstGeom prst="rect">
-            <a:avLst/>
-          </a:prstGeom>
-        </p:spPr>
-        <p:txBody>
-          <a:bodyPr/>
-          <a:lstStyle/>
-          <a:p>
-            <a:pPr lvl="0">
-              <a:lnSpc>
-                <a:spcPct val="90000"/>
-              </a:lnSpc>
-              <a:buFont typeface="Wingdings 3"/>
-              <a:buChar char=""/>
-              <a:defRPr sz="1800"/>
-            </a:pPr>
-            <a:r>
-              <a:rPr sz="3200" dirty="0"/>
-              <a:t>Old school</a:t>
-            </a:r>
-            <a:br>
-              <a:rPr sz="3200" dirty="0"/>
-            </a:br>
-            <a:r>
-              <a:rPr sz="2400" b="1" dirty="0" smtClean="0">
-                <a:solidFill>
-                  <a:srgbClr val="4F81BD"/>
-                </a:solidFill>
-                <a:latin typeface="Consolas"/>
-                <a:ea typeface="Consolas"/>
-                <a:cs typeface="Consolas"/>
-                <a:sym typeface="Consolas"/>
-              </a:rPr>
-              <a:t>double</a:t>
-            </a:r>
-            <a:r>
-              <a:rPr lang="en-US" sz="2400" b="1" dirty="0" smtClean="0">
-                <a:solidFill>
-                  <a:srgbClr val="4F81BD"/>
-                </a:solidFill>
-                <a:latin typeface="Consolas"/>
-                <a:ea typeface="Consolas"/>
-                <a:cs typeface="Consolas"/>
-                <a:sym typeface="Consolas"/>
-              </a:rPr>
-              <a:t>[]</a:t>
-            </a:r>
-            <a:r>
-              <a:rPr sz="2400" b="1" dirty="0" smtClean="0">
-                <a:solidFill>
-                  <a:srgbClr val="4F81BD"/>
-                </a:solidFill>
-                <a:latin typeface="Consolas"/>
-                <a:ea typeface="Consolas"/>
-                <a:cs typeface="Consolas"/>
-                <a:sym typeface="Consolas"/>
-              </a:rPr>
-              <a:t> scores </a:t>
-            </a:r>
-            <a:r>
-              <a:rPr sz="2400" b="1" dirty="0">
-                <a:solidFill>
-                  <a:srgbClr val="4F81BD"/>
-                </a:solidFill>
-                <a:latin typeface="Consolas"/>
-                <a:ea typeface="Consolas"/>
-                <a:cs typeface="Consolas"/>
-                <a:sym typeface="Consolas"/>
-              </a:rPr>
-              <a:t>= …</a:t>
-            </a:r>
-            <a:br>
-              <a:rPr sz="2400" b="1" dirty="0">
-                <a:solidFill>
-                  <a:srgbClr val="4F81BD"/>
-                </a:solidFill>
-                <a:latin typeface="Consolas"/>
-                <a:ea typeface="Consolas"/>
-                <a:cs typeface="Consolas"/>
-                <a:sym typeface="Consolas"/>
-              </a:rPr>
-            </a:br>
-            <a:r>
-              <a:rPr sz="2400" b="1" dirty="0">
-                <a:solidFill>
-                  <a:srgbClr val="4F81BD"/>
-                </a:solidFill>
-                <a:latin typeface="Consolas"/>
-                <a:ea typeface="Consolas"/>
-                <a:cs typeface="Consolas"/>
-                <a:sym typeface="Consolas"/>
-              </a:rPr>
-              <a:t>double sum = 0.0;</a:t>
-            </a:r>
-            <a:br>
-              <a:rPr sz="2400" b="1" dirty="0">
-                <a:solidFill>
-                  <a:srgbClr val="4F81BD"/>
-                </a:solidFill>
-                <a:latin typeface="Consolas"/>
-                <a:ea typeface="Consolas"/>
-                <a:cs typeface="Consolas"/>
-                <a:sym typeface="Consolas"/>
-              </a:rPr>
-            </a:br>
-            <a:r>
-              <a:rPr sz="2400" b="1" dirty="0">
-                <a:solidFill>
-                  <a:srgbClr val="4F81BD"/>
-                </a:solidFill>
-                <a:latin typeface="Consolas"/>
-                <a:ea typeface="Consolas"/>
-                <a:cs typeface="Consolas"/>
-                <a:sym typeface="Consolas"/>
-              </a:rPr>
-              <a:t>for (int </a:t>
-            </a:r>
-            <a:r>
-              <a:rPr lang="en-US" sz="2400" b="1" dirty="0">
-                <a:solidFill>
-                  <a:srgbClr val="4F81BD"/>
-                </a:solidFill>
-                <a:latin typeface="Consolas"/>
-                <a:ea typeface="Consolas"/>
-                <a:cs typeface="Consolas"/>
-                <a:sym typeface="Consolas"/>
-              </a:rPr>
-              <a:t>k </a:t>
-            </a:r>
-            <a:r>
-              <a:rPr sz="2400" b="1" dirty="0">
-                <a:solidFill>
-                  <a:srgbClr val="4F81BD"/>
-                </a:solidFill>
-                <a:latin typeface="Consolas"/>
-                <a:ea typeface="Consolas"/>
-                <a:cs typeface="Consolas"/>
-                <a:sym typeface="Consolas"/>
-              </a:rPr>
-              <a:t>=</a:t>
-            </a:r>
-            <a:r>
-              <a:rPr lang="en-US" sz="2400" b="1" dirty="0">
-                <a:solidFill>
-                  <a:srgbClr val="4F81BD"/>
-                </a:solidFill>
-                <a:latin typeface="Consolas"/>
-                <a:ea typeface="Consolas"/>
-                <a:cs typeface="Consolas"/>
-                <a:sym typeface="Consolas"/>
-              </a:rPr>
-              <a:t> </a:t>
-            </a:r>
-            <a:r>
-              <a:rPr sz="2400" b="1" dirty="0">
-                <a:solidFill>
-                  <a:srgbClr val="4F81BD"/>
-                </a:solidFill>
-                <a:latin typeface="Consolas"/>
-                <a:ea typeface="Consolas"/>
-                <a:cs typeface="Consolas"/>
-                <a:sym typeface="Consolas"/>
-              </a:rPr>
-              <a:t>0; </a:t>
-            </a:r>
-            <a:r>
-              <a:rPr lang="en-US" sz="2400" b="1" dirty="0">
-                <a:solidFill>
-                  <a:srgbClr val="4F81BD"/>
-                </a:solidFill>
-                <a:latin typeface="Consolas"/>
-                <a:ea typeface="Consolas"/>
-                <a:cs typeface="Consolas"/>
-                <a:sym typeface="Consolas"/>
-              </a:rPr>
-              <a:t>k</a:t>
-            </a:r>
-            <a:r>
-              <a:rPr sz="2400" b="1" dirty="0">
-                <a:solidFill>
-                  <a:srgbClr val="4F81BD"/>
-                </a:solidFill>
-                <a:latin typeface="Consolas"/>
-                <a:ea typeface="Consolas"/>
-                <a:cs typeface="Consolas"/>
-                <a:sym typeface="Consolas"/>
-              </a:rPr>
-              <a:t> &lt; </a:t>
-            </a:r>
-            <a:r>
-              <a:rPr sz="2400" b="1" dirty="0" err="1">
-                <a:solidFill>
-                  <a:srgbClr val="4F81BD"/>
-                </a:solidFill>
-                <a:latin typeface="Consolas"/>
-                <a:ea typeface="Consolas"/>
-                <a:cs typeface="Consolas"/>
-                <a:sym typeface="Consolas"/>
-              </a:rPr>
-              <a:t>scores.length</a:t>
-            </a:r>
-            <a:r>
-              <a:rPr sz="2400" b="1" dirty="0">
-                <a:solidFill>
-                  <a:srgbClr val="4F81BD"/>
-                </a:solidFill>
-                <a:latin typeface="Consolas"/>
-                <a:ea typeface="Consolas"/>
-                <a:cs typeface="Consolas"/>
-                <a:sym typeface="Consolas"/>
-              </a:rPr>
-              <a:t>; </a:t>
-            </a:r>
-            <a:r>
-              <a:rPr lang="en-US" sz="2400" b="1" dirty="0">
-                <a:solidFill>
-                  <a:srgbClr val="4F81BD"/>
-                </a:solidFill>
-                <a:latin typeface="Consolas"/>
-                <a:ea typeface="Consolas"/>
-                <a:cs typeface="Consolas"/>
-                <a:sym typeface="Consolas"/>
-              </a:rPr>
-              <a:t>k</a:t>
-            </a:r>
-            <a:r>
-              <a:rPr sz="2400" b="1" dirty="0">
-                <a:solidFill>
-                  <a:srgbClr val="4F81BD"/>
-                </a:solidFill>
-                <a:latin typeface="Consolas"/>
-                <a:ea typeface="Consolas"/>
-                <a:cs typeface="Consolas"/>
-                <a:sym typeface="Consolas"/>
-              </a:rPr>
-              <a:t>++) {</a:t>
-            </a:r>
-            <a:br>
-              <a:rPr sz="2400" b="1" dirty="0">
-                <a:solidFill>
-                  <a:srgbClr val="4F81BD"/>
-                </a:solidFill>
-                <a:latin typeface="Consolas"/>
-                <a:ea typeface="Consolas"/>
-                <a:cs typeface="Consolas"/>
-                <a:sym typeface="Consolas"/>
-              </a:rPr>
-            </a:br>
-            <a:r>
-              <a:rPr sz="2400" b="1" dirty="0">
-                <a:solidFill>
-                  <a:srgbClr val="4F81BD"/>
-                </a:solidFill>
-                <a:latin typeface="Consolas"/>
-                <a:ea typeface="Consolas"/>
-                <a:cs typeface="Consolas"/>
-                <a:sym typeface="Consolas"/>
-              </a:rPr>
-              <a:t>	sum += scores[</a:t>
-            </a:r>
-            <a:r>
-              <a:rPr lang="en-US" sz="2400" b="1" dirty="0">
-                <a:solidFill>
-                  <a:srgbClr val="4F81BD"/>
-                </a:solidFill>
-                <a:latin typeface="Consolas"/>
-                <a:ea typeface="Consolas"/>
-                <a:cs typeface="Consolas"/>
-                <a:sym typeface="Consolas"/>
-              </a:rPr>
-              <a:t>k</a:t>
-            </a:r>
-            <a:r>
-              <a:rPr sz="2400" b="1" dirty="0">
-                <a:solidFill>
-                  <a:srgbClr val="4F81BD"/>
-                </a:solidFill>
-                <a:latin typeface="Consolas"/>
-                <a:ea typeface="Consolas"/>
-                <a:cs typeface="Consolas"/>
-                <a:sym typeface="Consolas"/>
-              </a:rPr>
-              <a:t>];</a:t>
-            </a:r>
-            <a:br>
-              <a:rPr sz="2400" b="1" dirty="0">
-                <a:solidFill>
-                  <a:srgbClr val="4F81BD"/>
-                </a:solidFill>
-                <a:latin typeface="Consolas"/>
-                <a:ea typeface="Consolas"/>
-                <a:cs typeface="Consolas"/>
-                <a:sym typeface="Consolas"/>
-              </a:rPr>
-            </a:br>
-            <a:r>
-              <a:rPr sz="2400" b="1" dirty="0">
-                <a:solidFill>
-                  <a:srgbClr val="4F81BD"/>
-                </a:solidFill>
-                <a:latin typeface="Consolas"/>
-                <a:ea typeface="Consolas"/>
-                <a:cs typeface="Consolas"/>
-                <a:sym typeface="Consolas"/>
-              </a:rPr>
-              <a:t>}</a:t>
-            </a:r>
-          </a:p>
-          <a:p>
-            <a:pPr lvl="0">
-              <a:lnSpc>
-                <a:spcPct val="90000"/>
-              </a:lnSpc>
-              <a:buFont typeface="Wingdings 3"/>
-              <a:buChar char=""/>
-              <a:defRPr sz="1800"/>
-            </a:pPr>
-            <a:r>
-              <a:rPr sz="3200" dirty="0"/>
-              <a:t>New, whiz-bang, enhanced for loop</a:t>
-            </a:r>
-            <a:br>
-              <a:rPr sz="3200" dirty="0"/>
-            </a:br>
-            <a:r>
-              <a:rPr sz="2400" b="1" dirty="0" smtClean="0">
-                <a:solidFill>
-                  <a:srgbClr val="9BBB59"/>
-                </a:solidFill>
-                <a:latin typeface="Consolas"/>
-                <a:ea typeface="Consolas"/>
-                <a:cs typeface="Consolas"/>
-                <a:sym typeface="Consolas"/>
-              </a:rPr>
-              <a:t>double</a:t>
-            </a:r>
-            <a:r>
-              <a:rPr lang="en-US" sz="2400" b="1" dirty="0" smtClean="0">
-                <a:solidFill>
-                  <a:srgbClr val="9BBB59"/>
-                </a:solidFill>
-                <a:latin typeface="Consolas"/>
-                <a:ea typeface="Consolas"/>
-                <a:cs typeface="Consolas"/>
-                <a:sym typeface="Consolas"/>
-              </a:rPr>
-              <a:t>[]</a:t>
-            </a:r>
-            <a:r>
-              <a:rPr sz="2400" b="1" dirty="0" smtClean="0">
-                <a:solidFill>
-                  <a:srgbClr val="9BBB59"/>
-                </a:solidFill>
-                <a:latin typeface="Consolas"/>
-                <a:ea typeface="Consolas"/>
-                <a:cs typeface="Consolas"/>
-                <a:sym typeface="Consolas"/>
-              </a:rPr>
-              <a:t> </a:t>
-            </a:r>
-            <a:r>
-              <a:rPr sz="2400" b="1" dirty="0" smtClean="0">
-                <a:solidFill>
-                  <a:srgbClr val="C3D69B"/>
-                </a:solidFill>
-                <a:latin typeface="Consolas"/>
-                <a:ea typeface="Consolas"/>
-                <a:cs typeface="Consolas"/>
-                <a:sym typeface="Consolas"/>
-              </a:rPr>
-              <a:t>scores</a:t>
-            </a:r>
-            <a:r>
-              <a:rPr sz="2400" b="1" dirty="0" smtClean="0">
-                <a:solidFill>
-                  <a:srgbClr val="9BBB59"/>
-                </a:solidFill>
-                <a:latin typeface="Consolas"/>
-                <a:ea typeface="Consolas"/>
-                <a:cs typeface="Consolas"/>
-                <a:sym typeface="Consolas"/>
-              </a:rPr>
-              <a:t> </a:t>
-            </a:r>
-            <a:r>
-              <a:rPr sz="2400" b="1" dirty="0">
-                <a:solidFill>
-                  <a:srgbClr val="9BBB59"/>
-                </a:solidFill>
-                <a:latin typeface="Consolas"/>
-                <a:ea typeface="Consolas"/>
-                <a:cs typeface="Consolas"/>
-                <a:sym typeface="Consolas"/>
-              </a:rPr>
-              <a:t>= …</a:t>
-            </a:r>
-            <a:br>
-              <a:rPr sz="2400" b="1" dirty="0">
-                <a:solidFill>
-                  <a:srgbClr val="9BBB59"/>
-                </a:solidFill>
-                <a:latin typeface="Consolas"/>
-                <a:ea typeface="Consolas"/>
-                <a:cs typeface="Consolas"/>
-                <a:sym typeface="Consolas"/>
-              </a:rPr>
-            </a:br>
-            <a:r>
-              <a:rPr sz="2400" b="1" dirty="0">
-                <a:solidFill>
-                  <a:srgbClr val="9BBB59"/>
-                </a:solidFill>
-                <a:latin typeface="Consolas"/>
-                <a:ea typeface="Consolas"/>
-                <a:cs typeface="Consolas"/>
-                <a:sym typeface="Consolas"/>
-              </a:rPr>
-              <a:t>double sum = 0.0;</a:t>
-            </a:r>
-            <a:br>
-              <a:rPr sz="2400" b="1" dirty="0">
-                <a:solidFill>
-                  <a:srgbClr val="9BBB59"/>
-                </a:solidFill>
-                <a:latin typeface="Consolas"/>
-                <a:ea typeface="Consolas"/>
-                <a:cs typeface="Consolas"/>
-                <a:sym typeface="Consolas"/>
-              </a:rPr>
-            </a:br>
-            <a:r>
-              <a:rPr sz="2400" b="1" dirty="0">
-                <a:solidFill>
-                  <a:srgbClr val="9BBB59"/>
-                </a:solidFill>
-                <a:latin typeface="Consolas"/>
-                <a:ea typeface="Consolas"/>
-                <a:cs typeface="Consolas"/>
-                <a:sym typeface="Consolas"/>
-              </a:rPr>
-              <a:t>for (double </a:t>
-            </a:r>
-            <a:r>
-              <a:rPr sz="2400" b="1" dirty="0">
-                <a:solidFill>
-                  <a:srgbClr val="77933C"/>
-                </a:solidFill>
-                <a:latin typeface="Consolas"/>
-                <a:ea typeface="Consolas"/>
-                <a:cs typeface="Consolas"/>
-                <a:sym typeface="Consolas"/>
-              </a:rPr>
-              <a:t>score</a:t>
-            </a:r>
-            <a:r>
-              <a:rPr sz="2400" b="1" dirty="0">
-                <a:solidFill>
-                  <a:srgbClr val="9BBB59"/>
-                </a:solidFill>
-                <a:latin typeface="Consolas"/>
-                <a:ea typeface="Consolas"/>
-                <a:cs typeface="Consolas"/>
-                <a:sym typeface="Consolas"/>
-              </a:rPr>
-              <a:t> : </a:t>
-            </a:r>
-            <a:r>
-              <a:rPr sz="2400" b="1" dirty="0">
-                <a:solidFill>
-                  <a:srgbClr val="C3D69B"/>
-                </a:solidFill>
-                <a:latin typeface="Consolas"/>
-                <a:ea typeface="Consolas"/>
-                <a:cs typeface="Consolas"/>
-                <a:sym typeface="Consolas"/>
-              </a:rPr>
-              <a:t>scores</a:t>
-            </a:r>
-            <a:r>
-              <a:rPr sz="2400" b="1" dirty="0">
-                <a:solidFill>
-                  <a:srgbClr val="9BBB59"/>
-                </a:solidFill>
-                <a:latin typeface="Consolas"/>
-                <a:ea typeface="Consolas"/>
-                <a:cs typeface="Consolas"/>
-                <a:sym typeface="Consolas"/>
-              </a:rPr>
-              <a:t>) {</a:t>
-            </a:r>
-            <a:br>
-              <a:rPr sz="2400" b="1" dirty="0">
-                <a:solidFill>
-                  <a:srgbClr val="9BBB59"/>
-                </a:solidFill>
-                <a:latin typeface="Consolas"/>
-                <a:ea typeface="Consolas"/>
-                <a:cs typeface="Consolas"/>
-                <a:sym typeface="Consolas"/>
-              </a:rPr>
-            </a:br>
-            <a:r>
-              <a:rPr sz="2400" b="1" dirty="0">
-                <a:solidFill>
-                  <a:srgbClr val="9BBB59"/>
-                </a:solidFill>
-                <a:latin typeface="Consolas"/>
-                <a:ea typeface="Consolas"/>
-                <a:cs typeface="Consolas"/>
-                <a:sym typeface="Consolas"/>
-              </a:rPr>
-              <a:t>	sum += </a:t>
-            </a:r>
-            <a:r>
-              <a:rPr sz="2400" b="1" dirty="0">
-                <a:solidFill>
-                  <a:srgbClr val="77933C"/>
-                </a:solidFill>
-                <a:latin typeface="Consolas"/>
-                <a:ea typeface="Consolas"/>
-                <a:cs typeface="Consolas"/>
-                <a:sym typeface="Consolas"/>
-              </a:rPr>
-              <a:t>score</a:t>
-            </a:r>
-            <a:r>
-              <a:rPr sz="2400" b="1" dirty="0">
-                <a:solidFill>
-                  <a:srgbClr val="9BBB59"/>
-                </a:solidFill>
-                <a:latin typeface="Consolas"/>
-                <a:ea typeface="Consolas"/>
-                <a:cs typeface="Consolas"/>
-                <a:sym typeface="Consolas"/>
-              </a:rPr>
-              <a:t>;</a:t>
-            </a:r>
-            <a:br>
-              <a:rPr sz="2400" b="1" dirty="0">
-                <a:solidFill>
-                  <a:srgbClr val="9BBB59"/>
-                </a:solidFill>
-                <a:latin typeface="Consolas"/>
-                <a:ea typeface="Consolas"/>
-                <a:cs typeface="Consolas"/>
-                <a:sym typeface="Consolas"/>
-              </a:rPr>
-            </a:br>
-            <a:r>
-              <a:rPr sz="2400" b="1" dirty="0">
-                <a:solidFill>
-                  <a:srgbClr val="9BBB59"/>
-                </a:solidFill>
-                <a:latin typeface="Consolas"/>
-                <a:ea typeface="Consolas"/>
-                <a:cs typeface="Consolas"/>
-                <a:sym typeface="Consolas"/>
-              </a:rPr>
-              <a:t>}</a:t>
-            </a:r>
-          </a:p>
-        </p:txBody>
-      </p:sp>
-      <p:grpSp>
-        <p:nvGrpSpPr>
-          <p:cNvPr id="163" name="Group 163"/>
-          <p:cNvGrpSpPr/>
-          <p:nvPr/>
-        </p:nvGrpSpPr>
-        <p:grpSpPr>
-          <a:xfrm>
-            <a:off x="6400800" y="4191000"/>
-            <a:ext cx="2590800" cy="2286000"/>
-            <a:chOff x="0" y="0"/>
-            <a:chExt cx="2590800" cy="2286000"/>
-          </a:xfrm>
-        </p:grpSpPr>
-        <p:sp>
-          <p:nvSpPr>
-            <p:cNvPr id="161" name="Shape 161"/>
-            <p:cNvSpPr/>
-            <p:nvPr/>
-          </p:nvSpPr>
-          <p:spPr>
-            <a:xfrm>
-              <a:off x="0" y="0"/>
-              <a:ext cx="2590800" cy="2286000"/>
-            </a:xfrm>
-            <a:prstGeom prst="rect">
-              <a:avLst/>
-            </a:prstGeom>
-            <a:solidFill>
-              <a:srgbClr val="4F81BD"/>
-            </a:solidFill>
-            <a:ln w="25400" cap="rnd">
-              <a:solidFill>
-                <a:srgbClr val="3A5E8A"/>
-              </a:solidFill>
-              <a:prstDash val="solid"/>
-              <a:bevel/>
-            </a:ln>
-            <a:effectLst/>
-          </p:spPr>
-          <p:txBody>
-            <a:bodyPr wrap="square" lIns="0" tIns="0" rIns="0" bIns="0" numCol="1" anchor="ctr">
-              <a:noAutofit/>
-            </a:bodyPr>
-            <a:lstStyle/>
-            <a:p>
-              <a:pPr lvl="0">
-                <a:defRPr>
-                  <a:solidFill>
-                    <a:srgbClr val="FFFFFF"/>
-                  </a:solidFill>
-                </a:defRPr>
-              </a:pPr>
-              <a:endParaRPr/>
-            </a:p>
-          </p:txBody>
-        </p:sp>
-        <p:sp>
-          <p:nvSpPr>
-            <p:cNvPr id="162" name="Shape 162"/>
-            <p:cNvSpPr/>
-            <p:nvPr/>
-          </p:nvSpPr>
-          <p:spPr>
-            <a:xfrm>
-              <a:off x="0" y="161175"/>
-              <a:ext cx="2590800" cy="1963650"/>
-            </a:xfrm>
-            <a:prstGeom prst="rect">
-              <a:avLst/>
-            </a:prstGeom>
-            <a:noFill/>
-            <a:ln w="12700" cap="flat">
-              <a:noFill/>
-              <a:miter lim="400000"/>
-            </a:ln>
-            <a:effectLst/>
-            <a:extLst>
-              <a:ext uri="{C572A759-6A51-4108-AA02-DFA0A04FC94B}">
-                <ma14:wrappingTextBoxFlag xmlns="" xmlns:ma14="http://schemas.microsoft.com/office/mac/drawingml/2011/main" val="1"/>
-              </a:ext>
-            </a:extLst>
-          </p:spPr>
-          <p:txBody>
-            <a:bodyPr wrap="square" lIns="0" tIns="0" rIns="0" bIns="0" numCol="1" anchor="ctr">
-              <a:spAutoFit/>
-            </a:bodyPr>
-            <a:lstStyle/>
-            <a:p>
-              <a:pPr marL="508000" lvl="0" indent="-508000">
-                <a:buSzPct val="100000"/>
-                <a:buFont typeface="Wingdings"/>
-                <a:buChar char="➢"/>
-              </a:pPr>
-              <a:r>
-                <a:rPr sz="2000" dirty="0">
-                  <a:solidFill>
-                    <a:srgbClr val="FFFFFF"/>
-                  </a:solidFill>
-                </a:rPr>
-                <a:t>No index variable </a:t>
-              </a:r>
-              <a:r>
-                <a:rPr sz="2000" b="1" dirty="0">
-                  <a:solidFill>
-                    <a:srgbClr val="FFFFFF"/>
-                  </a:solidFill>
-                </a:rPr>
-                <a:t>(easy, but limited in 2 respects)</a:t>
-              </a:r>
-            </a:p>
-            <a:p>
-              <a:pPr marL="508000" lvl="0" indent="-508000">
-                <a:buSzPct val="100000"/>
-                <a:buFont typeface="Wingdings"/>
-                <a:buChar char="➢"/>
-              </a:pPr>
-              <a:r>
-                <a:rPr sz="2000" dirty="0">
-                  <a:solidFill>
-                    <a:srgbClr val="FFFFFF"/>
-                  </a:solidFill>
-                </a:rPr>
-                <a:t>Gives a name (</a:t>
-              </a:r>
-              <a:r>
-                <a:rPr sz="2000" b="1" dirty="0">
-                  <a:solidFill>
-                    <a:srgbClr val="FFFFFF"/>
-                  </a:solidFill>
-                  <a:latin typeface="Consolas"/>
-                  <a:ea typeface="Consolas"/>
-                  <a:cs typeface="Consolas"/>
-                  <a:sym typeface="Consolas"/>
-                </a:rPr>
-                <a:t>score</a:t>
-              </a:r>
-              <a:r>
-                <a:rPr sz="2000" dirty="0">
-                  <a:solidFill>
-                    <a:srgbClr val="FFFFFF"/>
-                  </a:solidFill>
-                </a:rPr>
-                <a:t> here) to each element</a:t>
-              </a:r>
-            </a:p>
-          </p:txBody>
-        </p:sp>
-      </p:grpSp>
-      <p:grpSp>
-        <p:nvGrpSpPr>
-          <p:cNvPr id="167" name="Group 167"/>
-          <p:cNvGrpSpPr/>
-          <p:nvPr/>
-        </p:nvGrpSpPr>
-        <p:grpSpPr>
-          <a:xfrm>
-            <a:off x="3922210" y="5127654"/>
-            <a:ext cx="1945190" cy="1188171"/>
-            <a:chOff x="0" y="0"/>
-            <a:chExt cx="1945189" cy="1188170"/>
-          </a:xfrm>
-        </p:grpSpPr>
-        <p:sp>
-          <p:nvSpPr>
-            <p:cNvPr id="164" name="Shape 164"/>
-            <p:cNvSpPr/>
-            <p:nvPr/>
-          </p:nvSpPr>
-          <p:spPr>
-            <a:xfrm>
-              <a:off x="573589" y="718270"/>
-              <a:ext cx="1371601" cy="469901"/>
-            </a:xfrm>
-            <a:prstGeom prst="rect">
-              <a:avLst/>
-            </a:prstGeom>
-            <a:solidFill>
-              <a:srgbClr val="4F81BD"/>
-            </a:solidFill>
-            <a:ln w="25400" cap="rnd">
-              <a:solidFill>
-                <a:srgbClr val="3A5E8A"/>
-              </a:solidFill>
-              <a:prstDash val="solid"/>
-              <a:bevel/>
-            </a:ln>
-            <a:effectLst/>
-          </p:spPr>
-          <p:txBody>
-            <a:bodyPr wrap="square" lIns="0" tIns="0" rIns="0" bIns="0" numCol="1" anchor="ctr">
-              <a:noAutofit/>
-            </a:bodyPr>
-            <a:lstStyle/>
-            <a:p>
-              <a:pPr lvl="0" algn="ctr">
-                <a:defRPr>
-                  <a:solidFill>
-                    <a:srgbClr val="FFFFFF"/>
-                  </a:solidFill>
-                </a:defRPr>
-              </a:pPr>
-              <a:endParaRPr/>
-            </a:p>
-          </p:txBody>
-        </p:sp>
-        <p:sp>
-          <p:nvSpPr>
-            <p:cNvPr id="165" name="Shape 165"/>
-            <p:cNvSpPr/>
-            <p:nvPr/>
-          </p:nvSpPr>
-          <p:spPr>
-            <a:xfrm>
-              <a:off x="0" y="0"/>
-              <a:ext cx="459295" cy="806377"/>
-            </a:xfrm>
-            <a:custGeom>
-              <a:avLst/>
-              <a:gdLst/>
-              <a:ahLst/>
-              <a:cxnLst>
-                <a:cxn ang="0">
-                  <a:pos x="wd2" y="hd2"/>
-                </a:cxn>
-                <a:cxn ang="5400000">
-                  <a:pos x="wd2" y="hd2"/>
-                </a:cxn>
-                <a:cxn ang="10800000">
-                  <a:pos x="wd2" y="hd2"/>
-                </a:cxn>
-                <a:cxn ang="16200000">
-                  <a:pos x="wd2" y="hd2"/>
-                </a:cxn>
-              </a:cxnLst>
-              <a:rect l="0" t="0" r="r" b="b"/>
-              <a:pathLst>
-                <a:path w="21600" h="21600" extrusionOk="0">
-                  <a:moveTo>
-                    <a:pt x="21600" y="21600"/>
-                  </a:moveTo>
-                  <a:lnTo>
-                    <a:pt x="16224" y="21600"/>
-                  </a:lnTo>
-                  <a:lnTo>
-                    <a:pt x="0" y="0"/>
-                  </a:lnTo>
-                </a:path>
-              </a:pathLst>
-            </a:custGeom>
-            <a:noFill/>
-            <a:ln w="25400" cap="rnd">
-              <a:solidFill>
-                <a:srgbClr val="3A5E8A"/>
-              </a:solidFill>
-              <a:prstDash val="solid"/>
-              <a:bevel/>
-            </a:ln>
-            <a:effectLst/>
-          </p:spPr>
-          <p:txBody>
-            <a:bodyPr wrap="square" lIns="0" tIns="0" rIns="0" bIns="0" numCol="1" anchor="ctr">
-              <a:noAutofit/>
-            </a:bodyPr>
-            <a:lstStyle/>
-            <a:p>
-              <a:pPr lvl="0" algn="ctr">
-                <a:defRPr>
-                  <a:solidFill>
-                    <a:srgbClr val="FFFFFF"/>
-                  </a:solidFill>
-                </a:defRPr>
-              </a:pPr>
-              <a:endParaRPr/>
-            </a:p>
-          </p:txBody>
-        </p:sp>
-        <p:sp>
-          <p:nvSpPr>
-            <p:cNvPr id="166" name="Shape 166"/>
-            <p:cNvSpPr/>
-            <p:nvPr/>
-          </p:nvSpPr>
-          <p:spPr>
-            <a:xfrm>
-              <a:off x="573589" y="723350"/>
-              <a:ext cx="1371601" cy="459741"/>
-            </a:xfrm>
-            <a:prstGeom prst="rect">
-              <a:avLst/>
-            </a:prstGeom>
-            <a:noFill/>
-            <a:ln w="12700" cap="flat">
-              <a:noFill/>
-              <a:miter lim="400000"/>
-            </a:ln>
-            <a:effectLst/>
-            <a:extLst>
-              <a:ext uri="{C572A759-6A51-4108-AA02-DFA0A04FC94B}">
-                <ma14:wrappingTextBoxFlag xmlns="" xmlns:ma14="http://schemas.microsoft.com/office/mac/drawingml/2011/main" val="1"/>
-              </a:ext>
-            </a:extLst>
-          </p:spPr>
-          <p:txBody>
-            <a:bodyPr wrap="square" lIns="0" tIns="0" rIns="0" bIns="0" numCol="1" anchor="ctr">
-              <a:spAutoFit/>
-            </a:bodyPr>
-            <a:lstStyle>
-              <a:lvl1pPr algn="ctr">
-                <a:defRPr sz="2400">
-                  <a:solidFill>
-                    <a:srgbClr val="FFFFFF"/>
-                  </a:solidFill>
-                </a:defRPr>
-              </a:lvl1pPr>
-            </a:lstStyle>
-            <a:p>
-              <a:pPr lvl="0">
-                <a:defRPr sz="1800">
-                  <a:solidFill>
-                    <a:srgbClr val="000000"/>
-                  </a:solidFill>
-                </a:defRPr>
-              </a:pPr>
-              <a:r>
-                <a:rPr sz="2400">
-                  <a:solidFill>
-                    <a:srgbClr val="FFFFFF"/>
-                  </a:solidFill>
-                </a:rPr>
-                <a:t>Say “in”</a:t>
-              </a:r>
-            </a:p>
-          </p:txBody>
-        </p:sp>
-      </p:grpSp>
-      <p:sp>
-        <p:nvSpPr>
-          <p:cNvPr id="2" name="Slide Number Placeholder 1">
-            <a:extLst>
-              <a:ext uri="{FF2B5EF4-FFF2-40B4-BE49-F238E27FC236}">
-                <a16:creationId xmlns:a16="http://schemas.microsoft.com/office/drawing/2014/main" id="{DB79EFDE-B945-42DA-9AA8-1AA0D446E4F9}"/>
-              </a:ext>
-            </a:extLst>
-          </p:cNvPr>
-          <p:cNvSpPr>
-            <a:spLocks noGrp="1"/>
-          </p:cNvSpPr>
-          <p:nvPr>
-            <p:ph type="sldNum" sz="quarter" idx="2"/>
-          </p:nvPr>
-        </p:nvSpPr>
-        <p:spPr/>
-        <p:txBody>
-          <a:bodyPr/>
-          <a:lstStyle/>
-          <a:p>
-            <a:pPr lvl="0"/>
-            <a:fld id="{86CB4B4D-7CA3-9044-876B-883B54F8677D}" type="slidenum">
-              <a:rPr lang="en-US" smtClean="0"/>
-              <a:t>35</a:t>
-            </a:fld>
-            <a:endParaRPr lang="en-US"/>
-          </a:p>
-        </p:txBody>
-      </p:sp>
-    </p:spTree>
-  </p:cSld>
-  <p:clrMapOvr>
-    <a:masterClrMapping/>
-  </p:clrMapOvr>
-  <p:transition spd="med"/>
-  <p:timing>
-    <p:tnLst>
-      <p:par>
-        <p:cTn id="1" dur="indefinite" restart="never" fill="hold" nodeType="tmRoot">
-          <p:childTnLst>
-            <p:seq concurrent="1" prevAc="none" nextAc="seek">
-              <p:cTn id="2" dur="indefinite" fill="hold" nodeType="mainSeq">
-                <p:childTnLst>
-                  <p:par>
-                    <p:cTn id="3" fill="hold">
-                      <p:stCondLst>
-                        <p:cond delay="indefinite"/>
-                      </p:stCondLst>
-                      <p:childTnLst>
-                        <p:par>
-                          <p:cTn id="4" fill="hold">
-                            <p:stCondLst>
-                              <p:cond delay="0"/>
-                            </p:stCondLst>
-                            <p:childTnLst>
-                              <p:par>
-                                <p:cTn id="5" presetID="1" presetClass="entr" presetSubtype="0" fill="hold" grpId="1" nodeType="clickEffect">
-                                  <p:stCondLst>
-                                    <p:cond delay="0"/>
-                                  </p:stCondLst>
-                                  <p:iterate>
-                                    <p:tmAbs val="0"/>
-                                  </p:iterate>
-                                  <p:childTnLst>
-                                    <p:set>
-                                      <p:cBhvr>
-                                        <p:cTn id="6" fill="hold"/>
-                                        <p:tgtEl>
-                                          <p:spTgt spid="167"/>
-                                        </p:tgtEl>
-                                        <p:attrNameLst>
-                                          <p:attrName>style.visibility</p:attrName>
-                                        </p:attrNameLst>
-                                      </p:cBhvr>
-                                      <p:to>
-                                        <p:strVal val="visible"/>
-                                      </p:to>
-                                    </p:set>
-                                  </p:childTnLst>
-                                </p:cTn>
-                              </p:par>
-                            </p:childTnLst>
-                          </p:cTn>
-                        </p:par>
-                      </p:childTnLst>
-                    </p:cTn>
-                  </p:par>
-                  <p:par>
-                    <p:cTn id="7" fill="hold">
-                      <p:stCondLst>
-                        <p:cond delay="indefinite"/>
-                      </p:stCondLst>
-                      <p:childTnLst>
-                        <p:par>
-                          <p:cTn id="8" fill="hold">
-                            <p:stCondLst>
-                              <p:cond delay="0"/>
-                            </p:stCondLst>
-                            <p:childTnLst>
-                              <p:par>
-                                <p:cTn id="9" presetID="1" presetClass="entr" presetSubtype="0" fill="hold" grpId="2" nodeType="clickEffect">
-                                  <p:stCondLst>
-                                    <p:cond delay="0"/>
-                                  </p:stCondLst>
-                                  <p:iterate>
-                                    <p:tmAbs val="0"/>
-                                  </p:iterate>
-                                  <p:childTnLst>
-                                    <p:set>
-                                      <p:cBhvr>
-                                        <p:cTn id="10" fill="hold"/>
-                                        <p:tgtEl>
-                                          <p:spTgt spid="163"/>
-                                        </p:tgtEl>
-                                        <p:attrNameLst>
-                                          <p:attrName>style.visibility</p:attrName>
-                                        </p:attrNameLst>
-                                      </p:cBhvr>
-                                      <p:to>
-                                        <p:strVal val="visible"/>
-                                      </p:to>
-                                    </p:set>
-                                  </p:childTnLst>
-                                </p:cTn>
-                              </p:par>
-                            </p:childTnLst>
-                          </p:cTn>
-                        </p:par>
-                      </p:childTnLst>
-                    </p:cTn>
-                  </p:par>
-                </p:childTnLst>
-              </p:cTn>
-              <p:prevCondLst>
-                <p:cond evt="onPrev" delay="0">
-                  <p:tgtEl>
-                    <p:sldTgt/>
-                  </p:tgtEl>
-                </p:cond>
-              </p:prevCondLst>
-              <p:nextCondLst>
-                <p:cond evt="onNext" delay="0">
-                  <p:tgtEl>
-                    <p:sldTgt/>
-                  </p:tgtEl>
-                </p:cond>
-              </p:nextCondLst>
-            </p:seq>
-          </p:childTnLst>
-        </p:cTn>
-      </p:par>
-    </p:tnLst>
-    <p:bldLst>
-      <p:bldP spid="163" grpId="2" animBg="1" advAuto="0"/>
-      <p:bldP spid="167" grpId="1" animBg="1" advAuto="0"/>
-    </p:bldLst>
-  </p:timing>
-</p:sld>
-</file>
-
-<file path=ppt/slides/slide36.xml><?xml version="1.0" encoding="utf-8"?>
-<p:sld xmlns:a="http://schemas.openxmlformats.org/drawingml/2006/main" xmlns:r="http://schemas.openxmlformats.org/officeDocument/2006/relationships" xmlns:p="http://schemas.openxmlformats.org/presentationml/2006/main">
-  <p:cSld>
-    <p:spTree>
-      <p:nvGrpSpPr>
-        <p:cNvPr id="1" name=""/>
-        <p:cNvGrpSpPr/>
-        <p:nvPr/>
-      </p:nvGrpSpPr>
-      <p:grpSpPr>
-        <a:xfrm>
-          <a:off x="0" y="0"/>
-          <a:ext cx="0" cy="0"/>
-          <a:chOff x="0" y="0"/>
-          <a:chExt cx="0" cy="0"/>
-        </a:xfrm>
-      </p:grpSpPr>
-      <p:sp>
-        <p:nvSpPr>
-          <p:cNvPr id="171" name="Shape 171"/>
-          <p:cNvSpPr>
-            <a:spLocks noGrp="1"/>
-          </p:cNvSpPr>
-          <p:nvPr>
-            <p:ph type="title"/>
-          </p:nvPr>
-        </p:nvSpPr>
-        <p:spPr>
-          <a:xfrm>
-            <a:off x="457200" y="274638"/>
-            <a:ext cx="8229600" cy="1143001"/>
-          </a:xfrm>
-          <a:prstGeom prst="rect">
-            <a:avLst/>
-          </a:prstGeom>
-        </p:spPr>
-        <p:txBody>
-          <a:bodyPr/>
-          <a:lstStyle/>
-          <a:p>
-            <a:pPr lvl="0">
-              <a:defRPr sz="1800"/>
-            </a:pPr>
-            <a:r>
-              <a:rPr sz="4400" i="1" dirty="0"/>
-              <a:t>Enhanced For</a:t>
-            </a:r>
-            <a:r>
-              <a:rPr sz="4400" dirty="0"/>
-              <a:t> and </a:t>
-            </a:r>
-            <a:r>
-              <a:rPr sz="4400" dirty="0" err="1"/>
-              <a:t>ArrayList’s</a:t>
-            </a:r>
-            <a:endParaRPr sz="4400" dirty="0"/>
-          </a:p>
-        </p:txBody>
-      </p:sp>
-      <p:sp>
-        <p:nvSpPr>
-          <p:cNvPr id="172" name="Shape 172"/>
-          <p:cNvSpPr>
-            <a:spLocks noGrp="1"/>
-          </p:cNvSpPr>
-          <p:nvPr>
-            <p:ph type="body" idx="1"/>
-          </p:nvPr>
-        </p:nvSpPr>
-        <p:spPr>
-          <a:xfrm>
-            <a:off x="152400" y="1481137"/>
-            <a:ext cx="8991600" cy="4525964"/>
-          </a:xfrm>
-          <a:prstGeom prst="rect">
-            <a:avLst/>
-          </a:prstGeom>
-        </p:spPr>
-        <p:txBody>
-          <a:bodyPr/>
-          <a:lstStyle/>
-          <a:p>
-            <a:pPr lvl="0">
-              <a:buClr>
-                <a:srgbClr val="9BBB59"/>
-              </a:buClr>
-              <a:buFont typeface="Wingdings 3"/>
-              <a:buChar char=""/>
-              <a:defRPr sz="1800"/>
-            </a:pPr>
-            <a:r>
-              <a:rPr sz="3200" b="1">
-                <a:solidFill>
-                  <a:srgbClr val="9BBB59"/>
-                </a:solidFill>
-                <a:latin typeface="Courier New"/>
-                <a:ea typeface="Courier New"/>
-                <a:cs typeface="Courier New"/>
-                <a:sym typeface="Courier New"/>
-              </a:rPr>
-              <a:t>ArrayList&lt;State&gt; states = …</a:t>
-            </a:r>
-            <a:br>
-              <a:rPr sz="3200" b="1">
-                <a:solidFill>
-                  <a:srgbClr val="9BBB59"/>
-                </a:solidFill>
-                <a:latin typeface="Courier New"/>
-                <a:ea typeface="Courier New"/>
-                <a:cs typeface="Courier New"/>
-                <a:sym typeface="Courier New"/>
-              </a:rPr>
-            </a:br>
-            <a:r>
-              <a:rPr sz="3200" b="1">
-                <a:solidFill>
-                  <a:srgbClr val="9BBB59"/>
-                </a:solidFill>
-                <a:latin typeface="Courier New"/>
-                <a:ea typeface="Courier New"/>
-                <a:cs typeface="Courier New"/>
-                <a:sym typeface="Courier New"/>
-              </a:rPr>
-              <a:t>int total = 0;</a:t>
-            </a:r>
-            <a:br>
-              <a:rPr sz="3200" b="1">
-                <a:solidFill>
-                  <a:srgbClr val="9BBB59"/>
-                </a:solidFill>
-                <a:latin typeface="Courier New"/>
-                <a:ea typeface="Courier New"/>
-                <a:cs typeface="Courier New"/>
-                <a:sym typeface="Courier New"/>
-              </a:rPr>
-            </a:br>
-            <a:r>
-              <a:rPr sz="3200" b="1">
-                <a:solidFill>
-                  <a:srgbClr val="9BBB59"/>
-                </a:solidFill>
-                <a:latin typeface="Courier New"/>
-                <a:ea typeface="Courier New"/>
-                <a:cs typeface="Courier New"/>
-                <a:sym typeface="Courier New"/>
-              </a:rPr>
-              <a:t>for (State state : states) {</a:t>
-            </a:r>
-          </a:p>
-          <a:p>
-            <a:pPr lvl="0">
-              <a:buSzTx/>
-              <a:buNone/>
-              <a:defRPr sz="1800"/>
-            </a:pPr>
-            <a:r>
-              <a:rPr sz="3200" b="1">
-                <a:solidFill>
-                  <a:srgbClr val="9BBB59"/>
-                </a:solidFill>
-                <a:latin typeface="Courier New"/>
-                <a:ea typeface="Courier New"/>
-                <a:cs typeface="Courier New"/>
-                <a:sym typeface="Courier New"/>
-              </a:rPr>
-              <a:t>	    </a:t>
-            </a:r>
-            <a:r>
-              <a:rPr sz="2800" b="1">
-                <a:solidFill>
-                  <a:srgbClr val="9BBB59"/>
-                </a:solidFill>
-                <a:latin typeface="Courier New"/>
-                <a:ea typeface="Courier New"/>
-                <a:cs typeface="Courier New"/>
-                <a:sym typeface="Courier New"/>
-              </a:rPr>
-              <a:t>total += state.getElectoralVotes();</a:t>
-            </a:r>
-            <a:br>
-              <a:rPr sz="2800" b="1">
-                <a:solidFill>
-                  <a:srgbClr val="9BBB59"/>
-                </a:solidFill>
-                <a:latin typeface="Courier New"/>
-                <a:ea typeface="Courier New"/>
-                <a:cs typeface="Courier New"/>
-                <a:sym typeface="Courier New"/>
-              </a:rPr>
-            </a:br>
-            <a:r>
-              <a:rPr sz="3200" b="1">
-                <a:solidFill>
-                  <a:srgbClr val="9BBB59"/>
-                </a:solidFill>
-                <a:latin typeface="Courier New"/>
-                <a:ea typeface="Courier New"/>
-                <a:cs typeface="Courier New"/>
-                <a:sym typeface="Courier New"/>
-              </a:rPr>
-              <a:t>}</a:t>
-            </a:r>
-          </a:p>
-        </p:txBody>
-      </p:sp>
-      <p:sp>
-        <p:nvSpPr>
-          <p:cNvPr id="2" name="Slide Number Placeholder 1">
-            <a:extLst>
-              <a:ext uri="{FF2B5EF4-FFF2-40B4-BE49-F238E27FC236}">
-                <a16:creationId xmlns:a16="http://schemas.microsoft.com/office/drawing/2014/main" id="{E1AA4C7B-3F49-4AE5-9E14-F89AE9D486E3}"/>
-              </a:ext>
-            </a:extLst>
-          </p:cNvPr>
-          <p:cNvSpPr>
-            <a:spLocks noGrp="1"/>
-          </p:cNvSpPr>
-          <p:nvPr>
-            <p:ph type="sldNum" sz="quarter" idx="2"/>
-          </p:nvPr>
-        </p:nvSpPr>
-        <p:spPr/>
-        <p:txBody>
-          <a:bodyPr/>
-          <a:lstStyle/>
-          <a:p>
-            <a:pPr lvl="0"/>
-            <a:fld id="{86CB4B4D-7CA3-9044-876B-883B54F8677D}" type="slidenum">
-              <a:rPr lang="en-US" smtClean="0"/>
-              <a:t>36</a:t>
-            </a:fld>
-            <a:endParaRPr lang="en-US"/>
-          </a:p>
-        </p:txBody>
-      </p:sp>
-    </p:spTree>
-  </p:cSld>
-  <p:clrMapOvr>
-    <a:masterClrMapping/>
-  </p:clrMapOvr>
-  <p:transition spd="med"/>
-  <p:timing>
-    <p:tnLst>
-      <p:par>
-        <p:cTn id="1" dur="indefinite" restart="never" nodeType="tmRoot"/>
-      </p:par>
-    </p:tnLst>
-  </p:timing>
-</p:sld>
-</file>
-
-<file path=ppt/slides/slide37.xml><?xml version="1.0" encoding="utf-8"?>
-<p:sld xmlns:a="http://schemas.openxmlformats.org/drawingml/2006/main" xmlns:r="http://schemas.openxmlformats.org/officeDocument/2006/relationships" xmlns:p="http://schemas.openxmlformats.org/presentationml/2006/main">
-  <p:cSld>
-    <p:spTree>
-      <p:nvGrpSpPr>
-        <p:cNvPr id="1" name=""/>
-        <p:cNvGrpSpPr/>
-        <p:nvPr/>
-      </p:nvGrpSpPr>
-      <p:grpSpPr>
-        <a:xfrm>
-          <a:off x="0" y="0"/>
-          <a:ext cx="0" cy="0"/>
-          <a:chOff x="0" y="0"/>
-          <a:chExt cx="0" cy="0"/>
-        </a:xfrm>
-      </p:grpSpPr>
-      <p:sp>
-        <p:nvSpPr>
-          <p:cNvPr id="2" name="Title 1"/>
-          <p:cNvSpPr>
-            <a:spLocks noGrp="1"/>
-          </p:cNvSpPr>
-          <p:nvPr>
-            <p:ph type="title"/>
-          </p:nvPr>
-        </p:nvSpPr>
-        <p:spPr/>
-        <p:txBody>
-          <a:bodyPr/>
-          <a:lstStyle/>
-          <a:p>
-            <a:r>
-              <a:rPr lang="en-US" dirty="0" smtClean="0"/>
-              <a:t>Understanding enhanced for loop with iterators</a:t>
-            </a:r>
-            <a:endParaRPr lang="en-US" dirty="0"/>
-          </a:p>
-        </p:txBody>
-      </p:sp>
-      <p:sp>
-        <p:nvSpPr>
-          <p:cNvPr id="3" name="Text Placeholder 2"/>
-          <p:cNvSpPr>
-            <a:spLocks noGrp="1"/>
-          </p:cNvSpPr>
-          <p:nvPr>
-            <p:ph type="body" idx="1"/>
-          </p:nvPr>
-        </p:nvSpPr>
-        <p:spPr/>
-        <p:txBody>
-          <a:bodyPr>
-            <a:normAutofit/>
-          </a:bodyPr>
-          <a:lstStyle/>
-          <a:p>
-            <a:r>
-              <a:rPr lang="en-US" dirty="0" smtClean="0"/>
-              <a:t>Enhanced for loop is effectively using </a:t>
-            </a:r>
-            <a:r>
-              <a:rPr lang="en-US" i="1" dirty="0" smtClean="0"/>
-              <a:t>something like </a:t>
-            </a:r>
-            <a:r>
-              <a:rPr lang="en-US" dirty="0" smtClean="0"/>
-              <a:t>this:</a:t>
-            </a:r>
-          </a:p>
-          <a:p>
-            <a:pPr marL="0" indent="0">
-              <a:buNone/>
-            </a:pPr>
-            <a:r>
-              <a:rPr lang="fr-FR" b="1" dirty="0">
-                <a:solidFill>
-                  <a:srgbClr val="9BBB59"/>
-                </a:solidFill>
-                <a:latin typeface="Consolas"/>
-                <a:ea typeface="Consolas"/>
-                <a:cs typeface="Consolas"/>
-                <a:sym typeface="Consolas"/>
-              </a:rPr>
-              <a:t> </a:t>
-            </a:r>
-            <a:r>
-              <a:rPr lang="fr-FR" b="1" dirty="0" smtClean="0">
-                <a:solidFill>
-                  <a:srgbClr val="9BBB59"/>
-                </a:solidFill>
-                <a:latin typeface="Consolas"/>
-                <a:ea typeface="Consolas"/>
-                <a:cs typeface="Consolas"/>
-                <a:sym typeface="Consolas"/>
-              </a:rPr>
-              <a:t>…scores  </a:t>
-            </a:r>
-            <a:r>
-              <a:rPr lang="fr-FR" i="1" dirty="0" smtClean="0">
-                <a:solidFill>
-                  <a:schemeClr val="tx1"/>
-                </a:solidFill>
-                <a:latin typeface="Consolas"/>
-                <a:ea typeface="Consolas"/>
-                <a:cs typeface="Consolas"/>
-                <a:sym typeface="Consolas"/>
-              </a:rPr>
-              <a:t>(</a:t>
-            </a:r>
-            <a:r>
-              <a:rPr lang="fr-FR" i="1" dirty="0" err="1" smtClean="0">
-                <a:solidFill>
-                  <a:schemeClr val="tx1"/>
-                </a:solidFill>
-                <a:latin typeface="Consolas"/>
-                <a:ea typeface="Consolas"/>
-                <a:cs typeface="Consolas"/>
-                <a:sym typeface="Consolas"/>
-              </a:rPr>
-              <a:t>some</a:t>
-            </a:r>
-            <a:r>
-              <a:rPr lang="fr-FR" i="1" dirty="0" smtClean="0">
-                <a:solidFill>
-                  <a:schemeClr val="tx1"/>
-                </a:solidFill>
-                <a:latin typeface="Consolas"/>
-                <a:ea typeface="Consolas"/>
-                <a:cs typeface="Consolas"/>
-                <a:sym typeface="Consolas"/>
-              </a:rPr>
-              <a:t> </a:t>
-            </a:r>
-            <a:r>
-              <a:rPr lang="fr-FR" i="1" dirty="0" err="1" smtClean="0">
-                <a:solidFill>
-                  <a:schemeClr val="tx1"/>
-                </a:solidFill>
-                <a:latin typeface="Consolas"/>
-                <a:ea typeface="Consolas"/>
-                <a:cs typeface="Consolas"/>
-                <a:sym typeface="Consolas"/>
-              </a:rPr>
-              <a:t>grouping</a:t>
-            </a:r>
-            <a:r>
-              <a:rPr lang="fr-FR" i="1" dirty="0" smtClean="0">
-                <a:solidFill>
-                  <a:schemeClr val="tx1"/>
-                </a:solidFill>
-                <a:latin typeface="Consolas"/>
-                <a:ea typeface="Consolas"/>
-                <a:cs typeface="Consolas"/>
-                <a:sym typeface="Consolas"/>
-              </a:rPr>
-              <a:t> of doubles)</a:t>
-            </a:r>
-            <a:br>
-              <a:rPr lang="fr-FR" i="1" dirty="0" smtClean="0">
-                <a:solidFill>
-                  <a:schemeClr val="tx1"/>
-                </a:solidFill>
-                <a:latin typeface="Consolas"/>
-                <a:ea typeface="Consolas"/>
-                <a:cs typeface="Consolas"/>
-                <a:sym typeface="Consolas"/>
-              </a:rPr>
-            </a:br>
-            <a:r>
-              <a:rPr lang="fr-FR" b="1" dirty="0" smtClean="0">
-                <a:solidFill>
-                  <a:srgbClr val="9BBB59"/>
-                </a:solidFill>
-                <a:latin typeface="Consolas"/>
-                <a:ea typeface="Consolas"/>
-                <a:cs typeface="Consolas"/>
-                <a:sym typeface="Consolas"/>
-              </a:rPr>
-              <a:t>double </a:t>
-            </a:r>
-            <a:r>
-              <a:rPr lang="fr-FR" b="1" dirty="0" err="1" smtClean="0">
-                <a:solidFill>
-                  <a:srgbClr val="9BBB59"/>
-                </a:solidFill>
-                <a:latin typeface="Consolas"/>
-                <a:ea typeface="Consolas"/>
-                <a:cs typeface="Consolas"/>
-                <a:sym typeface="Consolas"/>
-              </a:rPr>
-              <a:t>sum</a:t>
-            </a:r>
-            <a:r>
-              <a:rPr lang="fr-FR" b="1" dirty="0" smtClean="0">
-                <a:solidFill>
-                  <a:srgbClr val="9BBB59"/>
-                </a:solidFill>
-                <a:latin typeface="Consolas"/>
-                <a:ea typeface="Consolas"/>
-                <a:cs typeface="Consolas"/>
-                <a:sym typeface="Consolas"/>
-              </a:rPr>
-              <a:t> = 0.0;</a:t>
-            </a:r>
-            <a:endParaRPr lang="fr-FR" b="1" dirty="0">
-              <a:solidFill>
-                <a:srgbClr val="9BBB59"/>
-              </a:solidFill>
-              <a:latin typeface="Consolas"/>
-              <a:ea typeface="Consolas"/>
-              <a:cs typeface="Consolas"/>
-              <a:sym typeface="Consolas"/>
-            </a:endParaRPr>
-          </a:p>
-          <a:p>
-            <a:pPr marL="0" indent="0">
-              <a:buNone/>
-            </a:pPr>
-            <a:r>
-              <a:rPr lang="fr-FR" b="1" dirty="0" err="1" smtClean="0">
-                <a:solidFill>
-                  <a:srgbClr val="9BBB59"/>
-                </a:solidFill>
-                <a:latin typeface="Consolas"/>
-                <a:ea typeface="Consolas"/>
-                <a:cs typeface="Consolas"/>
-                <a:sym typeface="Consolas"/>
-              </a:rPr>
-              <a:t>Iterator</a:t>
-            </a:r>
-            <a:r>
-              <a:rPr lang="fr-FR" b="1" dirty="0" smtClean="0">
-                <a:solidFill>
-                  <a:srgbClr val="9BBB59"/>
-                </a:solidFill>
-                <a:latin typeface="Consolas"/>
-                <a:ea typeface="Consolas"/>
-                <a:cs typeface="Consolas"/>
-                <a:sym typeface="Consolas"/>
-              </a:rPr>
-              <a:t> </a:t>
-            </a:r>
-            <a:r>
-              <a:rPr lang="fr-FR" b="1" dirty="0" err="1">
-                <a:solidFill>
-                  <a:srgbClr val="9BBB59"/>
-                </a:solidFill>
-                <a:latin typeface="Consolas"/>
-                <a:ea typeface="Consolas"/>
-                <a:cs typeface="Consolas"/>
-                <a:sym typeface="Consolas"/>
-              </a:rPr>
-              <a:t>iter</a:t>
-            </a:r>
-            <a:r>
-              <a:rPr lang="fr-FR" b="1" dirty="0">
-                <a:solidFill>
-                  <a:srgbClr val="9BBB59"/>
-                </a:solidFill>
-                <a:latin typeface="Consolas"/>
-                <a:ea typeface="Consolas"/>
-                <a:cs typeface="Consolas"/>
-                <a:sym typeface="Consolas"/>
-              </a:rPr>
-              <a:t> </a:t>
-            </a:r>
-            <a:r>
-              <a:rPr lang="fr-FR" b="1" dirty="0" smtClean="0">
-                <a:solidFill>
-                  <a:srgbClr val="9BBB59"/>
-                </a:solidFill>
-                <a:latin typeface="Consolas"/>
-                <a:ea typeface="Consolas"/>
-                <a:cs typeface="Consolas"/>
-                <a:sym typeface="Consolas"/>
-              </a:rPr>
-              <a:t>= </a:t>
-            </a:r>
-            <a:r>
-              <a:rPr lang="fr-FR" b="1" dirty="0" err="1" smtClean="0">
-                <a:solidFill>
-                  <a:srgbClr val="9BBB59"/>
-                </a:solidFill>
-                <a:latin typeface="Consolas"/>
-                <a:ea typeface="Consolas"/>
-                <a:cs typeface="Consolas"/>
-                <a:sym typeface="Consolas"/>
-              </a:rPr>
-              <a:t>scores.iterator</a:t>
-            </a:r>
-            <a:r>
-              <a:rPr lang="fr-FR" b="1" dirty="0" smtClean="0">
-                <a:solidFill>
-                  <a:srgbClr val="9BBB59"/>
-                </a:solidFill>
-                <a:latin typeface="Consolas"/>
-                <a:ea typeface="Consolas"/>
-                <a:cs typeface="Consolas"/>
-                <a:sym typeface="Consolas"/>
-              </a:rPr>
-              <a:t>();</a:t>
-            </a:r>
-          </a:p>
-          <a:p>
-            <a:pPr marL="0" indent="0">
-              <a:buNone/>
-            </a:pPr>
-            <a:r>
-              <a:rPr lang="fr-FR" b="1" dirty="0" err="1" smtClean="0">
-                <a:solidFill>
-                  <a:srgbClr val="9BBB59"/>
-                </a:solidFill>
-                <a:latin typeface="Consolas"/>
-                <a:ea typeface="Consolas"/>
-                <a:cs typeface="Consolas"/>
-                <a:sym typeface="Consolas"/>
-              </a:rPr>
-              <a:t>while</a:t>
-            </a:r>
-            <a:r>
-              <a:rPr lang="fr-FR" b="1" dirty="0" smtClean="0">
-                <a:solidFill>
-                  <a:srgbClr val="9BBB59"/>
-                </a:solidFill>
-                <a:latin typeface="Consolas"/>
-                <a:ea typeface="Consolas"/>
-                <a:cs typeface="Consolas"/>
-                <a:sym typeface="Consolas"/>
-              </a:rPr>
-              <a:t> </a:t>
-            </a:r>
-            <a:r>
-              <a:rPr lang="fr-FR" b="1" dirty="0">
-                <a:solidFill>
-                  <a:srgbClr val="9BBB59"/>
-                </a:solidFill>
-                <a:latin typeface="Consolas"/>
-                <a:ea typeface="Consolas"/>
-                <a:cs typeface="Consolas"/>
-                <a:sym typeface="Consolas"/>
-              </a:rPr>
-              <a:t>( </a:t>
-            </a:r>
-            <a:r>
-              <a:rPr lang="fr-FR" b="1" dirty="0" err="1">
-                <a:solidFill>
-                  <a:srgbClr val="9BBB59"/>
-                </a:solidFill>
-                <a:latin typeface="Consolas"/>
-                <a:ea typeface="Consolas"/>
-                <a:cs typeface="Consolas"/>
-                <a:sym typeface="Consolas"/>
-              </a:rPr>
-              <a:t>iter.hasNext</a:t>
-            </a:r>
-            <a:r>
-              <a:rPr lang="fr-FR" b="1" dirty="0">
-                <a:solidFill>
-                  <a:srgbClr val="9BBB59"/>
-                </a:solidFill>
-                <a:latin typeface="Consolas"/>
-                <a:ea typeface="Consolas"/>
-                <a:cs typeface="Consolas"/>
-                <a:sym typeface="Consolas"/>
-              </a:rPr>
-              <a:t>() ) {</a:t>
-            </a:r>
-          </a:p>
-          <a:p>
-            <a:pPr marL="0" indent="0">
-              <a:buNone/>
-            </a:pPr>
-            <a:r>
-              <a:rPr lang="fr-FR" b="1" dirty="0">
-                <a:solidFill>
-                  <a:srgbClr val="9BBB59"/>
-                </a:solidFill>
-                <a:latin typeface="Consolas"/>
-                <a:ea typeface="Consolas"/>
-                <a:cs typeface="Consolas"/>
-                <a:sym typeface="Consolas"/>
-              </a:rPr>
-              <a:t>	</a:t>
-            </a:r>
-            <a:r>
-              <a:rPr lang="fr-FR" b="1" dirty="0" smtClean="0">
-                <a:solidFill>
-                  <a:srgbClr val="9BBB59"/>
-                </a:solidFill>
-                <a:latin typeface="Consolas"/>
-                <a:ea typeface="Consolas"/>
-                <a:cs typeface="Consolas"/>
-                <a:sym typeface="Consolas"/>
-              </a:rPr>
-              <a:t>double </a:t>
-            </a:r>
-            <a:r>
-              <a:rPr lang="fr-FR" b="1" dirty="0" smtClean="0">
-                <a:solidFill>
-                  <a:srgbClr val="77933C"/>
-                </a:solidFill>
-                <a:latin typeface="Consolas"/>
-                <a:ea typeface="Consolas"/>
-                <a:cs typeface="Consolas"/>
-                <a:sym typeface="Consolas"/>
-              </a:rPr>
-              <a:t>score</a:t>
-            </a:r>
-            <a:r>
-              <a:rPr lang="fr-FR" b="1" dirty="0" smtClean="0">
-                <a:solidFill>
-                  <a:srgbClr val="9BBB59"/>
-                </a:solidFill>
-                <a:latin typeface="Consolas"/>
-                <a:ea typeface="Consolas"/>
-                <a:cs typeface="Consolas"/>
-                <a:sym typeface="Consolas"/>
-              </a:rPr>
-              <a:t> </a:t>
-            </a:r>
-            <a:r>
-              <a:rPr lang="fr-FR" b="1" dirty="0">
-                <a:solidFill>
-                  <a:srgbClr val="9BBB59"/>
-                </a:solidFill>
-                <a:latin typeface="Consolas"/>
-                <a:ea typeface="Consolas"/>
-                <a:cs typeface="Consolas"/>
-                <a:sym typeface="Consolas"/>
-              </a:rPr>
-              <a:t>= </a:t>
-            </a:r>
-            <a:r>
-              <a:rPr lang="fr-FR" b="1" dirty="0" err="1" smtClean="0">
-                <a:solidFill>
-                  <a:srgbClr val="9BBB59"/>
-                </a:solidFill>
-                <a:latin typeface="Consolas"/>
-                <a:ea typeface="Consolas"/>
-                <a:cs typeface="Consolas"/>
-                <a:sym typeface="Consolas"/>
-              </a:rPr>
-              <a:t>iter.next</a:t>
-            </a:r>
-            <a:r>
-              <a:rPr lang="fr-FR" b="1" dirty="0" smtClean="0">
-                <a:solidFill>
-                  <a:srgbClr val="9BBB59"/>
-                </a:solidFill>
-                <a:latin typeface="Consolas"/>
-                <a:ea typeface="Consolas"/>
-                <a:cs typeface="Consolas"/>
-                <a:sym typeface="Consolas"/>
-              </a:rPr>
-              <a:t>();</a:t>
-            </a:r>
-          </a:p>
-          <a:p>
-            <a:pPr marL="0" indent="0">
-              <a:buNone/>
-            </a:pPr>
-            <a:r>
-              <a:rPr lang="fr-FR" b="1" dirty="0" smtClean="0">
-                <a:solidFill>
-                  <a:srgbClr val="9BBB59"/>
-                </a:solidFill>
-                <a:latin typeface="Consolas"/>
-                <a:ea typeface="Consolas"/>
-                <a:cs typeface="Consolas"/>
-                <a:sym typeface="Consolas"/>
-              </a:rPr>
-              <a:t>	</a:t>
-            </a:r>
-            <a:r>
-              <a:rPr lang="fr-FR" b="1" dirty="0" err="1" smtClean="0">
-                <a:solidFill>
-                  <a:srgbClr val="9BBB59"/>
-                </a:solidFill>
-                <a:latin typeface="Consolas"/>
-                <a:ea typeface="Consolas"/>
-                <a:cs typeface="Consolas"/>
-                <a:sym typeface="Consolas"/>
-              </a:rPr>
-              <a:t>sum</a:t>
-            </a:r>
-            <a:r>
-              <a:rPr lang="fr-FR" b="1" dirty="0" smtClean="0">
-                <a:solidFill>
-                  <a:srgbClr val="9BBB59"/>
-                </a:solidFill>
-                <a:latin typeface="Consolas"/>
-                <a:ea typeface="Consolas"/>
-                <a:cs typeface="Consolas"/>
-                <a:sym typeface="Consolas"/>
-              </a:rPr>
-              <a:t> </a:t>
-            </a:r>
-            <a:r>
-              <a:rPr lang="fr-FR" b="1" dirty="0">
-                <a:solidFill>
-                  <a:srgbClr val="9BBB59"/>
-                </a:solidFill>
-                <a:latin typeface="Consolas"/>
-                <a:ea typeface="Consolas"/>
-                <a:cs typeface="Consolas"/>
-                <a:sym typeface="Consolas"/>
-              </a:rPr>
-              <a:t>+= </a:t>
-            </a:r>
-            <a:r>
-              <a:rPr lang="fr-FR" b="1" dirty="0">
-                <a:solidFill>
-                  <a:srgbClr val="77933C"/>
-                </a:solidFill>
-                <a:latin typeface="Consolas"/>
-                <a:ea typeface="Consolas"/>
-                <a:cs typeface="Consolas"/>
-                <a:sym typeface="Consolas"/>
-              </a:rPr>
-              <a:t>score</a:t>
-            </a:r>
-            <a:r>
-              <a:rPr lang="fr-FR" b="1" dirty="0">
-                <a:solidFill>
-                  <a:srgbClr val="9BBB59"/>
-                </a:solidFill>
-                <a:latin typeface="Consolas"/>
-                <a:ea typeface="Consolas"/>
-                <a:cs typeface="Consolas"/>
-                <a:sym typeface="Consolas"/>
-              </a:rPr>
-              <a:t>;</a:t>
-            </a:r>
-          </a:p>
-          <a:p>
-            <a:pPr marL="0" indent="0">
-              <a:buNone/>
-            </a:pPr>
-            <a:r>
-              <a:rPr lang="fr-FR" b="1" dirty="0">
-                <a:solidFill>
-                  <a:srgbClr val="9BBB59"/>
-                </a:solidFill>
-                <a:latin typeface="Consolas"/>
-                <a:ea typeface="Consolas"/>
-                <a:cs typeface="Consolas"/>
-                <a:sym typeface="Consolas"/>
-              </a:rPr>
-              <a:t>}</a:t>
-            </a:r>
-          </a:p>
-          <a:p>
-            <a:endParaRPr lang="en-US" dirty="0" smtClean="0"/>
-          </a:p>
-        </p:txBody>
-      </p:sp>
-      <p:sp>
-        <p:nvSpPr>
-          <p:cNvPr id="4" name="Slide Number Placeholder 3"/>
-          <p:cNvSpPr>
-            <a:spLocks noGrp="1"/>
-          </p:cNvSpPr>
-          <p:nvPr>
-            <p:ph type="sldNum" sz="quarter" idx="2"/>
-          </p:nvPr>
-        </p:nvSpPr>
-        <p:spPr/>
-        <p:txBody>
-          <a:bodyPr/>
-          <a:lstStyle/>
-          <a:p>
-            <a:pPr lvl="0"/>
-            <a:fld id="{86CB4B4D-7CA3-9044-876B-883B54F8677D}" type="slidenum">
-              <a:rPr lang="en-US" smtClean="0"/>
-              <a:t>37</a:t>
-            </a:fld>
-            <a:endParaRPr lang="en-US"/>
-          </a:p>
-        </p:txBody>
-      </p:sp>
-    </p:spTree>
-    <p:extLst>
-      <p:ext uri="{BB962C8B-B14F-4D97-AF65-F5344CB8AC3E}">
-        <p14:creationId xmlns:p14="http://schemas.microsoft.com/office/powerpoint/2010/main" val="1308386784"/>
-      </p:ext>
-    </p:extLst>
-  </p:cSld>
-  <p:clrMapOvr>
-    <a:masterClrMapping/>
-  </p:clrMapOvr>
-  <p:transition spd="med"/>
-  <p:timing>
-    <p:tnLst>
-      <p:par>
-        <p:cTn id="1" dur="indefinite" restart="never" nodeType="tmRoot"/>
-      </p:par>
-    </p:tnLst>
-  </p:timing>
-</p:sld>
-</file>
-
-<file path=ppt/slides/slide38.xml><?xml version="1.0" encoding="utf-8"?>
-<p:sld xmlns:a="http://schemas.openxmlformats.org/drawingml/2006/main" xmlns:r="http://schemas.openxmlformats.org/officeDocument/2006/relationships" xmlns:p="http://schemas.openxmlformats.org/presentationml/2006/main">
-  <p:cSld>
-    <p:spTree>
-      <p:nvGrpSpPr>
-        <p:cNvPr id="1" name=""/>
-        <p:cNvGrpSpPr/>
-        <p:nvPr/>
-      </p:nvGrpSpPr>
-      <p:grpSpPr>
-        <a:xfrm>
-          <a:off x="0" y="0"/>
-          <a:ext cx="0" cy="0"/>
-          <a:chOff x="0" y="0"/>
-          <a:chExt cx="0" cy="0"/>
-        </a:xfrm>
-      </p:grpSpPr>
-      <p:sp>
-        <p:nvSpPr>
           <p:cNvPr id="2" name="Title 1"/>
           <p:cNvSpPr>
             <a:spLocks noGrp="1"/>
@@ -21346,7 +19446,7 @@
             <a:pPr lvl="0"/>
             <a:fld id="{86CB4B4D-7CA3-9044-876B-883B54F8677D}" type="slidenum">
               <a:rPr lang="en-US" smtClean="0"/>
-              <a:t>38</a:t>
+              <a:t>35</a:t>
             </a:fld>
             <a:endParaRPr lang="en-US"/>
           </a:p>
@@ -22336,6 +20436,1988 @@
 </p:sld>
 </file>
 
+<file path=ppt/slides/slide36.xml><?xml version="1.0" encoding="utf-8"?>
+<p:sld xmlns:a="http://schemas.openxmlformats.org/drawingml/2006/main" xmlns:r="http://schemas.openxmlformats.org/officeDocument/2006/relationships" xmlns:p="http://schemas.openxmlformats.org/presentationml/2006/main">
+  <p:cSld>
+    <p:spTree>
+      <p:nvGrpSpPr>
+        <p:cNvPr id="1" name=""/>
+        <p:cNvGrpSpPr/>
+        <p:nvPr/>
+      </p:nvGrpSpPr>
+      <p:grpSpPr>
+        <a:xfrm>
+          <a:off x="0" y="0"/>
+          <a:ext cx="0" cy="0"/>
+          <a:chOff x="0" y="0"/>
+          <a:chExt cx="0" cy="0"/>
+        </a:xfrm>
+      </p:grpSpPr>
+      <p:sp>
+        <p:nvSpPr>
+          <p:cNvPr id="159" name="Shape 159"/>
+          <p:cNvSpPr>
+            <a:spLocks noGrp="1"/>
+          </p:cNvSpPr>
+          <p:nvPr>
+            <p:ph type="title"/>
+          </p:nvPr>
+        </p:nvSpPr>
+        <p:spPr>
+          <a:xfrm>
+            <a:off x="457200" y="274638"/>
+            <a:ext cx="8229600" cy="1143001"/>
+          </a:xfrm>
+          <a:prstGeom prst="rect">
+            <a:avLst/>
+          </a:prstGeom>
+        </p:spPr>
+        <p:txBody>
+          <a:bodyPr/>
+          <a:lstStyle/>
+          <a:p>
+            <a:pPr lvl="0">
+              <a:defRPr sz="1800"/>
+            </a:pPr>
+            <a:r>
+              <a:rPr sz="4400" i="1" dirty="0"/>
+              <a:t>Enhanced For Loop</a:t>
+            </a:r>
+            <a:r>
+              <a:rPr sz="4400" dirty="0"/>
+              <a:t> and Arrays</a:t>
+            </a:r>
+          </a:p>
+        </p:txBody>
+      </p:sp>
+      <p:sp>
+        <p:nvSpPr>
+          <p:cNvPr id="160" name="Shape 160"/>
+          <p:cNvSpPr>
+            <a:spLocks noGrp="1"/>
+          </p:cNvSpPr>
+          <p:nvPr>
+            <p:ph type="body" idx="1"/>
+          </p:nvPr>
+        </p:nvSpPr>
+        <p:spPr>
+          <a:xfrm>
+            <a:off x="457200" y="1481137"/>
+            <a:ext cx="8001000" cy="4525964"/>
+          </a:xfrm>
+          <a:prstGeom prst="rect">
+            <a:avLst/>
+          </a:prstGeom>
+        </p:spPr>
+        <p:txBody>
+          <a:bodyPr/>
+          <a:lstStyle/>
+          <a:p>
+            <a:pPr lvl="0">
+              <a:lnSpc>
+                <a:spcPct val="90000"/>
+              </a:lnSpc>
+              <a:buFont typeface="Wingdings 3"/>
+              <a:buChar char=""/>
+              <a:defRPr sz="1800"/>
+            </a:pPr>
+            <a:r>
+              <a:rPr sz="3200" dirty="0"/>
+              <a:t>Old school</a:t>
+            </a:r>
+            <a:br>
+              <a:rPr sz="3200" dirty="0"/>
+            </a:br>
+            <a:r>
+              <a:rPr sz="2400" b="1" dirty="0" smtClean="0">
+                <a:solidFill>
+                  <a:srgbClr val="4F81BD"/>
+                </a:solidFill>
+                <a:latin typeface="Consolas"/>
+                <a:ea typeface="Consolas"/>
+                <a:cs typeface="Consolas"/>
+                <a:sym typeface="Consolas"/>
+              </a:rPr>
+              <a:t>double</a:t>
+            </a:r>
+            <a:r>
+              <a:rPr lang="en-US" sz="2400" b="1" dirty="0" smtClean="0">
+                <a:solidFill>
+                  <a:srgbClr val="4F81BD"/>
+                </a:solidFill>
+                <a:latin typeface="Consolas"/>
+                <a:ea typeface="Consolas"/>
+                <a:cs typeface="Consolas"/>
+                <a:sym typeface="Consolas"/>
+              </a:rPr>
+              <a:t>[]</a:t>
+            </a:r>
+            <a:r>
+              <a:rPr sz="2400" b="1" dirty="0" smtClean="0">
+                <a:solidFill>
+                  <a:srgbClr val="4F81BD"/>
+                </a:solidFill>
+                <a:latin typeface="Consolas"/>
+                <a:ea typeface="Consolas"/>
+                <a:cs typeface="Consolas"/>
+                <a:sym typeface="Consolas"/>
+              </a:rPr>
+              <a:t> scores </a:t>
+            </a:r>
+            <a:r>
+              <a:rPr sz="2400" b="1" dirty="0">
+                <a:solidFill>
+                  <a:srgbClr val="4F81BD"/>
+                </a:solidFill>
+                <a:latin typeface="Consolas"/>
+                <a:ea typeface="Consolas"/>
+                <a:cs typeface="Consolas"/>
+                <a:sym typeface="Consolas"/>
+              </a:rPr>
+              <a:t>= …</a:t>
+            </a:r>
+            <a:br>
+              <a:rPr sz="2400" b="1" dirty="0">
+                <a:solidFill>
+                  <a:srgbClr val="4F81BD"/>
+                </a:solidFill>
+                <a:latin typeface="Consolas"/>
+                <a:ea typeface="Consolas"/>
+                <a:cs typeface="Consolas"/>
+                <a:sym typeface="Consolas"/>
+              </a:rPr>
+            </a:br>
+            <a:r>
+              <a:rPr sz="2400" b="1" dirty="0">
+                <a:solidFill>
+                  <a:srgbClr val="4F81BD"/>
+                </a:solidFill>
+                <a:latin typeface="Consolas"/>
+                <a:ea typeface="Consolas"/>
+                <a:cs typeface="Consolas"/>
+                <a:sym typeface="Consolas"/>
+              </a:rPr>
+              <a:t>double sum = 0.0;</a:t>
+            </a:r>
+            <a:br>
+              <a:rPr sz="2400" b="1" dirty="0">
+                <a:solidFill>
+                  <a:srgbClr val="4F81BD"/>
+                </a:solidFill>
+                <a:latin typeface="Consolas"/>
+                <a:ea typeface="Consolas"/>
+                <a:cs typeface="Consolas"/>
+                <a:sym typeface="Consolas"/>
+              </a:rPr>
+            </a:br>
+            <a:r>
+              <a:rPr sz="2400" b="1" dirty="0">
+                <a:solidFill>
+                  <a:srgbClr val="4F81BD"/>
+                </a:solidFill>
+                <a:latin typeface="Consolas"/>
+                <a:ea typeface="Consolas"/>
+                <a:cs typeface="Consolas"/>
+                <a:sym typeface="Consolas"/>
+              </a:rPr>
+              <a:t>for (int </a:t>
+            </a:r>
+            <a:r>
+              <a:rPr lang="en-US" sz="2400" b="1" dirty="0">
+                <a:solidFill>
+                  <a:srgbClr val="4F81BD"/>
+                </a:solidFill>
+                <a:latin typeface="Consolas"/>
+                <a:ea typeface="Consolas"/>
+                <a:cs typeface="Consolas"/>
+                <a:sym typeface="Consolas"/>
+              </a:rPr>
+              <a:t>k </a:t>
+            </a:r>
+            <a:r>
+              <a:rPr sz="2400" b="1" dirty="0">
+                <a:solidFill>
+                  <a:srgbClr val="4F81BD"/>
+                </a:solidFill>
+                <a:latin typeface="Consolas"/>
+                <a:ea typeface="Consolas"/>
+                <a:cs typeface="Consolas"/>
+                <a:sym typeface="Consolas"/>
+              </a:rPr>
+              <a:t>=</a:t>
+            </a:r>
+            <a:r>
+              <a:rPr lang="en-US" sz="2400" b="1" dirty="0">
+                <a:solidFill>
+                  <a:srgbClr val="4F81BD"/>
+                </a:solidFill>
+                <a:latin typeface="Consolas"/>
+                <a:ea typeface="Consolas"/>
+                <a:cs typeface="Consolas"/>
+                <a:sym typeface="Consolas"/>
+              </a:rPr>
+              <a:t> </a:t>
+            </a:r>
+            <a:r>
+              <a:rPr sz="2400" b="1" dirty="0">
+                <a:solidFill>
+                  <a:srgbClr val="4F81BD"/>
+                </a:solidFill>
+                <a:latin typeface="Consolas"/>
+                <a:ea typeface="Consolas"/>
+                <a:cs typeface="Consolas"/>
+                <a:sym typeface="Consolas"/>
+              </a:rPr>
+              <a:t>0; </a:t>
+            </a:r>
+            <a:r>
+              <a:rPr lang="en-US" sz="2400" b="1" dirty="0">
+                <a:solidFill>
+                  <a:srgbClr val="4F81BD"/>
+                </a:solidFill>
+                <a:latin typeface="Consolas"/>
+                <a:ea typeface="Consolas"/>
+                <a:cs typeface="Consolas"/>
+                <a:sym typeface="Consolas"/>
+              </a:rPr>
+              <a:t>k</a:t>
+            </a:r>
+            <a:r>
+              <a:rPr sz="2400" b="1" dirty="0">
+                <a:solidFill>
+                  <a:srgbClr val="4F81BD"/>
+                </a:solidFill>
+                <a:latin typeface="Consolas"/>
+                <a:ea typeface="Consolas"/>
+                <a:cs typeface="Consolas"/>
+                <a:sym typeface="Consolas"/>
+              </a:rPr>
+              <a:t> &lt; </a:t>
+            </a:r>
+            <a:r>
+              <a:rPr sz="2400" b="1" dirty="0" err="1">
+                <a:solidFill>
+                  <a:srgbClr val="4F81BD"/>
+                </a:solidFill>
+                <a:latin typeface="Consolas"/>
+                <a:ea typeface="Consolas"/>
+                <a:cs typeface="Consolas"/>
+                <a:sym typeface="Consolas"/>
+              </a:rPr>
+              <a:t>scores.length</a:t>
+            </a:r>
+            <a:r>
+              <a:rPr sz="2400" b="1" dirty="0">
+                <a:solidFill>
+                  <a:srgbClr val="4F81BD"/>
+                </a:solidFill>
+                <a:latin typeface="Consolas"/>
+                <a:ea typeface="Consolas"/>
+                <a:cs typeface="Consolas"/>
+                <a:sym typeface="Consolas"/>
+              </a:rPr>
+              <a:t>; </a:t>
+            </a:r>
+            <a:r>
+              <a:rPr lang="en-US" sz="2400" b="1" dirty="0">
+                <a:solidFill>
+                  <a:srgbClr val="4F81BD"/>
+                </a:solidFill>
+                <a:latin typeface="Consolas"/>
+                <a:ea typeface="Consolas"/>
+                <a:cs typeface="Consolas"/>
+                <a:sym typeface="Consolas"/>
+              </a:rPr>
+              <a:t>k</a:t>
+            </a:r>
+            <a:r>
+              <a:rPr sz="2400" b="1" dirty="0">
+                <a:solidFill>
+                  <a:srgbClr val="4F81BD"/>
+                </a:solidFill>
+                <a:latin typeface="Consolas"/>
+                <a:ea typeface="Consolas"/>
+                <a:cs typeface="Consolas"/>
+                <a:sym typeface="Consolas"/>
+              </a:rPr>
+              <a:t>++) {</a:t>
+            </a:r>
+            <a:br>
+              <a:rPr sz="2400" b="1" dirty="0">
+                <a:solidFill>
+                  <a:srgbClr val="4F81BD"/>
+                </a:solidFill>
+                <a:latin typeface="Consolas"/>
+                <a:ea typeface="Consolas"/>
+                <a:cs typeface="Consolas"/>
+                <a:sym typeface="Consolas"/>
+              </a:rPr>
+            </a:br>
+            <a:r>
+              <a:rPr sz="2400" b="1" dirty="0">
+                <a:solidFill>
+                  <a:srgbClr val="4F81BD"/>
+                </a:solidFill>
+                <a:latin typeface="Consolas"/>
+                <a:ea typeface="Consolas"/>
+                <a:cs typeface="Consolas"/>
+                <a:sym typeface="Consolas"/>
+              </a:rPr>
+              <a:t>	sum += scores[</a:t>
+            </a:r>
+            <a:r>
+              <a:rPr lang="en-US" sz="2400" b="1" dirty="0">
+                <a:solidFill>
+                  <a:srgbClr val="4F81BD"/>
+                </a:solidFill>
+                <a:latin typeface="Consolas"/>
+                <a:ea typeface="Consolas"/>
+                <a:cs typeface="Consolas"/>
+                <a:sym typeface="Consolas"/>
+              </a:rPr>
+              <a:t>k</a:t>
+            </a:r>
+            <a:r>
+              <a:rPr sz="2400" b="1" dirty="0">
+                <a:solidFill>
+                  <a:srgbClr val="4F81BD"/>
+                </a:solidFill>
+                <a:latin typeface="Consolas"/>
+                <a:ea typeface="Consolas"/>
+                <a:cs typeface="Consolas"/>
+                <a:sym typeface="Consolas"/>
+              </a:rPr>
+              <a:t>];</a:t>
+            </a:r>
+            <a:br>
+              <a:rPr sz="2400" b="1" dirty="0">
+                <a:solidFill>
+                  <a:srgbClr val="4F81BD"/>
+                </a:solidFill>
+                <a:latin typeface="Consolas"/>
+                <a:ea typeface="Consolas"/>
+                <a:cs typeface="Consolas"/>
+                <a:sym typeface="Consolas"/>
+              </a:rPr>
+            </a:br>
+            <a:r>
+              <a:rPr sz="2400" b="1" dirty="0">
+                <a:solidFill>
+                  <a:srgbClr val="4F81BD"/>
+                </a:solidFill>
+                <a:latin typeface="Consolas"/>
+                <a:ea typeface="Consolas"/>
+                <a:cs typeface="Consolas"/>
+                <a:sym typeface="Consolas"/>
+              </a:rPr>
+              <a:t>}</a:t>
+            </a:r>
+          </a:p>
+          <a:p>
+            <a:pPr lvl="0">
+              <a:lnSpc>
+                <a:spcPct val="90000"/>
+              </a:lnSpc>
+              <a:buFont typeface="Wingdings 3"/>
+              <a:buChar char=""/>
+              <a:defRPr sz="1800"/>
+            </a:pPr>
+            <a:r>
+              <a:rPr sz="3200" dirty="0"/>
+              <a:t>New, whiz-bang, enhanced for loop</a:t>
+            </a:r>
+            <a:br>
+              <a:rPr sz="3200" dirty="0"/>
+            </a:br>
+            <a:r>
+              <a:rPr sz="2400" b="1" dirty="0" smtClean="0">
+                <a:solidFill>
+                  <a:srgbClr val="9BBB59"/>
+                </a:solidFill>
+                <a:latin typeface="Consolas"/>
+                <a:ea typeface="Consolas"/>
+                <a:cs typeface="Consolas"/>
+                <a:sym typeface="Consolas"/>
+              </a:rPr>
+              <a:t>double</a:t>
+            </a:r>
+            <a:r>
+              <a:rPr lang="en-US" sz="2400" b="1" dirty="0" smtClean="0">
+                <a:solidFill>
+                  <a:srgbClr val="9BBB59"/>
+                </a:solidFill>
+                <a:latin typeface="Consolas"/>
+                <a:ea typeface="Consolas"/>
+                <a:cs typeface="Consolas"/>
+                <a:sym typeface="Consolas"/>
+              </a:rPr>
+              <a:t>[]</a:t>
+            </a:r>
+            <a:r>
+              <a:rPr sz="2400" b="1" dirty="0" smtClean="0">
+                <a:solidFill>
+                  <a:srgbClr val="9BBB59"/>
+                </a:solidFill>
+                <a:latin typeface="Consolas"/>
+                <a:ea typeface="Consolas"/>
+                <a:cs typeface="Consolas"/>
+                <a:sym typeface="Consolas"/>
+              </a:rPr>
+              <a:t> </a:t>
+            </a:r>
+            <a:r>
+              <a:rPr sz="2400" b="1" dirty="0" smtClean="0">
+                <a:solidFill>
+                  <a:srgbClr val="C3D69B"/>
+                </a:solidFill>
+                <a:latin typeface="Consolas"/>
+                <a:ea typeface="Consolas"/>
+                <a:cs typeface="Consolas"/>
+                <a:sym typeface="Consolas"/>
+              </a:rPr>
+              <a:t>scores</a:t>
+            </a:r>
+            <a:r>
+              <a:rPr sz="2400" b="1" dirty="0" smtClean="0">
+                <a:solidFill>
+                  <a:srgbClr val="9BBB59"/>
+                </a:solidFill>
+                <a:latin typeface="Consolas"/>
+                <a:ea typeface="Consolas"/>
+                <a:cs typeface="Consolas"/>
+                <a:sym typeface="Consolas"/>
+              </a:rPr>
+              <a:t> </a:t>
+            </a:r>
+            <a:r>
+              <a:rPr sz="2400" b="1" dirty="0">
+                <a:solidFill>
+                  <a:srgbClr val="9BBB59"/>
+                </a:solidFill>
+                <a:latin typeface="Consolas"/>
+                <a:ea typeface="Consolas"/>
+                <a:cs typeface="Consolas"/>
+                <a:sym typeface="Consolas"/>
+              </a:rPr>
+              <a:t>= …</a:t>
+            </a:r>
+            <a:br>
+              <a:rPr sz="2400" b="1" dirty="0">
+                <a:solidFill>
+                  <a:srgbClr val="9BBB59"/>
+                </a:solidFill>
+                <a:latin typeface="Consolas"/>
+                <a:ea typeface="Consolas"/>
+                <a:cs typeface="Consolas"/>
+                <a:sym typeface="Consolas"/>
+              </a:rPr>
+            </a:br>
+            <a:r>
+              <a:rPr sz="2400" b="1" dirty="0">
+                <a:solidFill>
+                  <a:srgbClr val="9BBB59"/>
+                </a:solidFill>
+                <a:latin typeface="Consolas"/>
+                <a:ea typeface="Consolas"/>
+                <a:cs typeface="Consolas"/>
+                <a:sym typeface="Consolas"/>
+              </a:rPr>
+              <a:t>double sum = 0.0;</a:t>
+            </a:r>
+            <a:br>
+              <a:rPr sz="2400" b="1" dirty="0">
+                <a:solidFill>
+                  <a:srgbClr val="9BBB59"/>
+                </a:solidFill>
+                <a:latin typeface="Consolas"/>
+                <a:ea typeface="Consolas"/>
+                <a:cs typeface="Consolas"/>
+                <a:sym typeface="Consolas"/>
+              </a:rPr>
+            </a:br>
+            <a:r>
+              <a:rPr sz="2400" b="1" dirty="0">
+                <a:solidFill>
+                  <a:srgbClr val="9BBB59"/>
+                </a:solidFill>
+                <a:latin typeface="Consolas"/>
+                <a:ea typeface="Consolas"/>
+                <a:cs typeface="Consolas"/>
+                <a:sym typeface="Consolas"/>
+              </a:rPr>
+              <a:t>for (double </a:t>
+            </a:r>
+            <a:r>
+              <a:rPr sz="2400" b="1" dirty="0">
+                <a:solidFill>
+                  <a:srgbClr val="77933C"/>
+                </a:solidFill>
+                <a:latin typeface="Consolas"/>
+                <a:ea typeface="Consolas"/>
+                <a:cs typeface="Consolas"/>
+                <a:sym typeface="Consolas"/>
+              </a:rPr>
+              <a:t>score</a:t>
+            </a:r>
+            <a:r>
+              <a:rPr sz="2400" b="1" dirty="0">
+                <a:solidFill>
+                  <a:srgbClr val="9BBB59"/>
+                </a:solidFill>
+                <a:latin typeface="Consolas"/>
+                <a:ea typeface="Consolas"/>
+                <a:cs typeface="Consolas"/>
+                <a:sym typeface="Consolas"/>
+              </a:rPr>
+              <a:t> : </a:t>
+            </a:r>
+            <a:r>
+              <a:rPr sz="2400" b="1" dirty="0">
+                <a:solidFill>
+                  <a:srgbClr val="C3D69B"/>
+                </a:solidFill>
+                <a:latin typeface="Consolas"/>
+                <a:ea typeface="Consolas"/>
+                <a:cs typeface="Consolas"/>
+                <a:sym typeface="Consolas"/>
+              </a:rPr>
+              <a:t>scores</a:t>
+            </a:r>
+            <a:r>
+              <a:rPr sz="2400" b="1" dirty="0">
+                <a:solidFill>
+                  <a:srgbClr val="9BBB59"/>
+                </a:solidFill>
+                <a:latin typeface="Consolas"/>
+                <a:ea typeface="Consolas"/>
+                <a:cs typeface="Consolas"/>
+                <a:sym typeface="Consolas"/>
+              </a:rPr>
+              <a:t>) {</a:t>
+            </a:r>
+            <a:br>
+              <a:rPr sz="2400" b="1" dirty="0">
+                <a:solidFill>
+                  <a:srgbClr val="9BBB59"/>
+                </a:solidFill>
+                <a:latin typeface="Consolas"/>
+                <a:ea typeface="Consolas"/>
+                <a:cs typeface="Consolas"/>
+                <a:sym typeface="Consolas"/>
+              </a:rPr>
+            </a:br>
+            <a:r>
+              <a:rPr sz="2400" b="1" dirty="0">
+                <a:solidFill>
+                  <a:srgbClr val="9BBB59"/>
+                </a:solidFill>
+                <a:latin typeface="Consolas"/>
+                <a:ea typeface="Consolas"/>
+                <a:cs typeface="Consolas"/>
+                <a:sym typeface="Consolas"/>
+              </a:rPr>
+              <a:t>	sum += </a:t>
+            </a:r>
+            <a:r>
+              <a:rPr sz="2400" b="1" dirty="0">
+                <a:solidFill>
+                  <a:srgbClr val="77933C"/>
+                </a:solidFill>
+                <a:latin typeface="Consolas"/>
+                <a:ea typeface="Consolas"/>
+                <a:cs typeface="Consolas"/>
+                <a:sym typeface="Consolas"/>
+              </a:rPr>
+              <a:t>score</a:t>
+            </a:r>
+            <a:r>
+              <a:rPr sz="2400" b="1" dirty="0">
+                <a:solidFill>
+                  <a:srgbClr val="9BBB59"/>
+                </a:solidFill>
+                <a:latin typeface="Consolas"/>
+                <a:ea typeface="Consolas"/>
+                <a:cs typeface="Consolas"/>
+                <a:sym typeface="Consolas"/>
+              </a:rPr>
+              <a:t>;</a:t>
+            </a:r>
+            <a:br>
+              <a:rPr sz="2400" b="1" dirty="0">
+                <a:solidFill>
+                  <a:srgbClr val="9BBB59"/>
+                </a:solidFill>
+                <a:latin typeface="Consolas"/>
+                <a:ea typeface="Consolas"/>
+                <a:cs typeface="Consolas"/>
+                <a:sym typeface="Consolas"/>
+              </a:rPr>
+            </a:br>
+            <a:r>
+              <a:rPr sz="2400" b="1" dirty="0">
+                <a:solidFill>
+                  <a:srgbClr val="9BBB59"/>
+                </a:solidFill>
+                <a:latin typeface="Consolas"/>
+                <a:ea typeface="Consolas"/>
+                <a:cs typeface="Consolas"/>
+                <a:sym typeface="Consolas"/>
+              </a:rPr>
+              <a:t>}</a:t>
+            </a:r>
+          </a:p>
+        </p:txBody>
+      </p:sp>
+      <p:grpSp>
+        <p:nvGrpSpPr>
+          <p:cNvPr id="163" name="Group 163"/>
+          <p:cNvGrpSpPr/>
+          <p:nvPr/>
+        </p:nvGrpSpPr>
+        <p:grpSpPr>
+          <a:xfrm>
+            <a:off x="6400800" y="4191000"/>
+            <a:ext cx="2590800" cy="2286000"/>
+            <a:chOff x="0" y="0"/>
+            <a:chExt cx="2590800" cy="2286000"/>
+          </a:xfrm>
+        </p:grpSpPr>
+        <p:sp>
+          <p:nvSpPr>
+            <p:cNvPr id="161" name="Shape 161"/>
+            <p:cNvSpPr/>
+            <p:nvPr/>
+          </p:nvSpPr>
+          <p:spPr>
+            <a:xfrm>
+              <a:off x="0" y="0"/>
+              <a:ext cx="2590800" cy="2286000"/>
+            </a:xfrm>
+            <a:prstGeom prst="rect">
+              <a:avLst/>
+            </a:prstGeom>
+            <a:solidFill>
+              <a:srgbClr val="4F81BD"/>
+            </a:solidFill>
+            <a:ln w="25400" cap="rnd">
+              <a:solidFill>
+                <a:srgbClr val="3A5E8A"/>
+              </a:solidFill>
+              <a:prstDash val="solid"/>
+              <a:bevel/>
+            </a:ln>
+            <a:effectLst/>
+          </p:spPr>
+          <p:txBody>
+            <a:bodyPr wrap="square" lIns="0" tIns="0" rIns="0" bIns="0" numCol="1" anchor="ctr">
+              <a:noAutofit/>
+            </a:bodyPr>
+            <a:lstStyle/>
+            <a:p>
+              <a:pPr lvl="0">
+                <a:defRPr>
+                  <a:solidFill>
+                    <a:srgbClr val="FFFFFF"/>
+                  </a:solidFill>
+                </a:defRPr>
+              </a:pPr>
+              <a:endParaRPr/>
+            </a:p>
+          </p:txBody>
+        </p:sp>
+        <p:sp>
+          <p:nvSpPr>
+            <p:cNvPr id="162" name="Shape 162"/>
+            <p:cNvSpPr/>
+            <p:nvPr/>
+          </p:nvSpPr>
+          <p:spPr>
+            <a:xfrm>
+              <a:off x="0" y="161175"/>
+              <a:ext cx="2590800" cy="1963650"/>
+            </a:xfrm>
+            <a:prstGeom prst="rect">
+              <a:avLst/>
+            </a:prstGeom>
+            <a:noFill/>
+            <a:ln w="12700" cap="flat">
+              <a:noFill/>
+              <a:miter lim="400000"/>
+            </a:ln>
+            <a:effectLst/>
+            <a:extLst>
+              <a:ext uri="{C572A759-6A51-4108-AA02-DFA0A04FC94B}">
+                <ma14:wrappingTextBoxFlag xmlns:ma14="http://schemas.microsoft.com/office/mac/drawingml/2011/main" xmlns="" val="1"/>
+              </a:ext>
+            </a:extLst>
+          </p:spPr>
+          <p:txBody>
+            <a:bodyPr wrap="square" lIns="0" tIns="0" rIns="0" bIns="0" numCol="1" anchor="ctr">
+              <a:spAutoFit/>
+            </a:bodyPr>
+            <a:lstStyle/>
+            <a:p>
+              <a:pPr marL="508000" lvl="0" indent="-508000">
+                <a:buSzPct val="100000"/>
+                <a:buFont typeface="Wingdings"/>
+                <a:buChar char="➢"/>
+              </a:pPr>
+              <a:r>
+                <a:rPr sz="2000" dirty="0">
+                  <a:solidFill>
+                    <a:srgbClr val="FFFFFF"/>
+                  </a:solidFill>
+                </a:rPr>
+                <a:t>No index variable </a:t>
+              </a:r>
+              <a:r>
+                <a:rPr sz="2000" b="1" dirty="0">
+                  <a:solidFill>
+                    <a:srgbClr val="FFFFFF"/>
+                  </a:solidFill>
+                </a:rPr>
+                <a:t>(easy, but limited in 2 respects)</a:t>
+              </a:r>
+            </a:p>
+            <a:p>
+              <a:pPr marL="508000" lvl="0" indent="-508000">
+                <a:buSzPct val="100000"/>
+                <a:buFont typeface="Wingdings"/>
+                <a:buChar char="➢"/>
+              </a:pPr>
+              <a:r>
+                <a:rPr sz="2000" dirty="0">
+                  <a:solidFill>
+                    <a:srgbClr val="FFFFFF"/>
+                  </a:solidFill>
+                </a:rPr>
+                <a:t>Gives a name (</a:t>
+              </a:r>
+              <a:r>
+                <a:rPr sz="2000" b="1" dirty="0">
+                  <a:solidFill>
+                    <a:srgbClr val="FFFFFF"/>
+                  </a:solidFill>
+                  <a:latin typeface="Consolas"/>
+                  <a:ea typeface="Consolas"/>
+                  <a:cs typeface="Consolas"/>
+                  <a:sym typeface="Consolas"/>
+                </a:rPr>
+                <a:t>score</a:t>
+              </a:r>
+              <a:r>
+                <a:rPr sz="2000" dirty="0">
+                  <a:solidFill>
+                    <a:srgbClr val="FFFFFF"/>
+                  </a:solidFill>
+                </a:rPr>
+                <a:t> here) to each element</a:t>
+              </a:r>
+            </a:p>
+          </p:txBody>
+        </p:sp>
+      </p:grpSp>
+      <p:grpSp>
+        <p:nvGrpSpPr>
+          <p:cNvPr id="167" name="Group 167"/>
+          <p:cNvGrpSpPr/>
+          <p:nvPr/>
+        </p:nvGrpSpPr>
+        <p:grpSpPr>
+          <a:xfrm>
+            <a:off x="3922210" y="5127654"/>
+            <a:ext cx="1945190" cy="1188171"/>
+            <a:chOff x="0" y="0"/>
+            <a:chExt cx="1945189" cy="1188170"/>
+          </a:xfrm>
+        </p:grpSpPr>
+        <p:sp>
+          <p:nvSpPr>
+            <p:cNvPr id="164" name="Shape 164"/>
+            <p:cNvSpPr/>
+            <p:nvPr/>
+          </p:nvSpPr>
+          <p:spPr>
+            <a:xfrm>
+              <a:off x="573589" y="718270"/>
+              <a:ext cx="1371601" cy="469901"/>
+            </a:xfrm>
+            <a:prstGeom prst="rect">
+              <a:avLst/>
+            </a:prstGeom>
+            <a:solidFill>
+              <a:srgbClr val="4F81BD"/>
+            </a:solidFill>
+            <a:ln w="25400" cap="rnd">
+              <a:solidFill>
+                <a:srgbClr val="3A5E8A"/>
+              </a:solidFill>
+              <a:prstDash val="solid"/>
+              <a:bevel/>
+            </a:ln>
+            <a:effectLst/>
+          </p:spPr>
+          <p:txBody>
+            <a:bodyPr wrap="square" lIns="0" tIns="0" rIns="0" bIns="0" numCol="1" anchor="ctr">
+              <a:noAutofit/>
+            </a:bodyPr>
+            <a:lstStyle/>
+            <a:p>
+              <a:pPr lvl="0" algn="ctr">
+                <a:defRPr>
+                  <a:solidFill>
+                    <a:srgbClr val="FFFFFF"/>
+                  </a:solidFill>
+                </a:defRPr>
+              </a:pPr>
+              <a:endParaRPr/>
+            </a:p>
+          </p:txBody>
+        </p:sp>
+        <p:sp>
+          <p:nvSpPr>
+            <p:cNvPr id="165" name="Shape 165"/>
+            <p:cNvSpPr/>
+            <p:nvPr/>
+          </p:nvSpPr>
+          <p:spPr>
+            <a:xfrm>
+              <a:off x="0" y="0"/>
+              <a:ext cx="459295" cy="806377"/>
+            </a:xfrm>
+            <a:custGeom>
+              <a:avLst/>
+              <a:gdLst/>
+              <a:ahLst/>
+              <a:cxnLst>
+                <a:cxn ang="0">
+                  <a:pos x="wd2" y="hd2"/>
+                </a:cxn>
+                <a:cxn ang="5400000">
+                  <a:pos x="wd2" y="hd2"/>
+                </a:cxn>
+                <a:cxn ang="10800000">
+                  <a:pos x="wd2" y="hd2"/>
+                </a:cxn>
+                <a:cxn ang="16200000">
+                  <a:pos x="wd2" y="hd2"/>
+                </a:cxn>
+              </a:cxnLst>
+              <a:rect l="0" t="0" r="r" b="b"/>
+              <a:pathLst>
+                <a:path w="21600" h="21600" extrusionOk="0">
+                  <a:moveTo>
+                    <a:pt x="21600" y="21600"/>
+                  </a:moveTo>
+                  <a:lnTo>
+                    <a:pt x="16224" y="21600"/>
+                  </a:lnTo>
+                  <a:lnTo>
+                    <a:pt x="0" y="0"/>
+                  </a:lnTo>
+                </a:path>
+              </a:pathLst>
+            </a:custGeom>
+            <a:noFill/>
+            <a:ln w="25400" cap="rnd">
+              <a:solidFill>
+                <a:srgbClr val="3A5E8A"/>
+              </a:solidFill>
+              <a:prstDash val="solid"/>
+              <a:bevel/>
+            </a:ln>
+            <a:effectLst/>
+          </p:spPr>
+          <p:txBody>
+            <a:bodyPr wrap="square" lIns="0" tIns="0" rIns="0" bIns="0" numCol="1" anchor="ctr">
+              <a:noAutofit/>
+            </a:bodyPr>
+            <a:lstStyle/>
+            <a:p>
+              <a:pPr lvl="0" algn="ctr">
+                <a:defRPr>
+                  <a:solidFill>
+                    <a:srgbClr val="FFFFFF"/>
+                  </a:solidFill>
+                </a:defRPr>
+              </a:pPr>
+              <a:endParaRPr/>
+            </a:p>
+          </p:txBody>
+        </p:sp>
+        <p:sp>
+          <p:nvSpPr>
+            <p:cNvPr id="166" name="Shape 166"/>
+            <p:cNvSpPr/>
+            <p:nvPr/>
+          </p:nvSpPr>
+          <p:spPr>
+            <a:xfrm>
+              <a:off x="573589" y="723350"/>
+              <a:ext cx="1371601" cy="459741"/>
+            </a:xfrm>
+            <a:prstGeom prst="rect">
+              <a:avLst/>
+            </a:prstGeom>
+            <a:noFill/>
+            <a:ln w="12700" cap="flat">
+              <a:noFill/>
+              <a:miter lim="400000"/>
+            </a:ln>
+            <a:effectLst/>
+            <a:extLst>
+              <a:ext uri="{C572A759-6A51-4108-AA02-DFA0A04FC94B}">
+                <ma14:wrappingTextBoxFlag xmlns:ma14="http://schemas.microsoft.com/office/mac/drawingml/2011/main" xmlns="" val="1"/>
+              </a:ext>
+            </a:extLst>
+          </p:spPr>
+          <p:txBody>
+            <a:bodyPr wrap="square" lIns="0" tIns="0" rIns="0" bIns="0" numCol="1" anchor="ctr">
+              <a:spAutoFit/>
+            </a:bodyPr>
+            <a:lstStyle>
+              <a:lvl1pPr algn="ctr">
+                <a:defRPr sz="2400">
+                  <a:solidFill>
+                    <a:srgbClr val="FFFFFF"/>
+                  </a:solidFill>
+                </a:defRPr>
+              </a:lvl1pPr>
+            </a:lstStyle>
+            <a:p>
+              <a:pPr lvl="0">
+                <a:defRPr sz="1800">
+                  <a:solidFill>
+                    <a:srgbClr val="000000"/>
+                  </a:solidFill>
+                </a:defRPr>
+              </a:pPr>
+              <a:r>
+                <a:rPr sz="2400">
+                  <a:solidFill>
+                    <a:srgbClr val="FFFFFF"/>
+                  </a:solidFill>
+                </a:rPr>
+                <a:t>Say “in”</a:t>
+              </a:r>
+            </a:p>
+          </p:txBody>
+        </p:sp>
+      </p:grpSp>
+      <p:sp>
+        <p:nvSpPr>
+          <p:cNvPr id="2" name="Slide Number Placeholder 1">
+            <a:extLst>
+              <a:ext uri="{FF2B5EF4-FFF2-40B4-BE49-F238E27FC236}">
+                <a16:creationId xmlns:a16="http://schemas.microsoft.com/office/drawing/2014/main" id="{DB79EFDE-B945-42DA-9AA8-1AA0D446E4F9}"/>
+              </a:ext>
+            </a:extLst>
+          </p:cNvPr>
+          <p:cNvSpPr>
+            <a:spLocks noGrp="1"/>
+          </p:cNvSpPr>
+          <p:nvPr>
+            <p:ph type="sldNum" sz="quarter" idx="2"/>
+          </p:nvPr>
+        </p:nvSpPr>
+        <p:spPr/>
+        <p:txBody>
+          <a:bodyPr/>
+          <a:lstStyle/>
+          <a:p>
+            <a:pPr lvl="0"/>
+            <a:fld id="{86CB4B4D-7CA3-9044-876B-883B54F8677D}" type="slidenum">
+              <a:rPr lang="en-US" smtClean="0"/>
+              <a:t>36</a:t>
+            </a:fld>
+            <a:endParaRPr lang="en-US"/>
+          </a:p>
+        </p:txBody>
+      </p:sp>
+    </p:spTree>
+  </p:cSld>
+  <p:clrMapOvr>
+    <a:masterClrMapping/>
+  </p:clrMapOvr>
+  <p:transition spd="med"/>
+  <p:timing>
+    <p:tnLst>
+      <p:par>
+        <p:cTn id="1" dur="indefinite" restart="never" fill="hold" nodeType="tmRoot">
+          <p:childTnLst>
+            <p:seq concurrent="1" prevAc="none" nextAc="seek">
+              <p:cTn id="2" dur="indefinite" fill="hold" nodeType="mainSeq">
+                <p:childTnLst>
+                  <p:par>
+                    <p:cTn id="3" fill="hold">
+                      <p:stCondLst>
+                        <p:cond delay="indefinite"/>
+                      </p:stCondLst>
+                      <p:childTnLst>
+                        <p:par>
+                          <p:cTn id="4" fill="hold">
+                            <p:stCondLst>
+                              <p:cond delay="0"/>
+                            </p:stCondLst>
+                            <p:childTnLst>
+                              <p:par>
+                                <p:cTn id="5" presetID="1" presetClass="entr" presetSubtype="0" fill="hold" grpId="1" nodeType="clickEffect">
+                                  <p:stCondLst>
+                                    <p:cond delay="0"/>
+                                  </p:stCondLst>
+                                  <p:iterate>
+                                    <p:tmAbs val="0"/>
+                                  </p:iterate>
+                                  <p:childTnLst>
+                                    <p:set>
+                                      <p:cBhvr>
+                                        <p:cTn id="6" fill="hold"/>
+                                        <p:tgtEl>
+                                          <p:spTgt spid="167"/>
+                                        </p:tgtEl>
+                                        <p:attrNameLst>
+                                          <p:attrName>style.visibility</p:attrName>
+                                        </p:attrNameLst>
+                                      </p:cBhvr>
+                                      <p:to>
+                                        <p:strVal val="visible"/>
+                                      </p:to>
+                                    </p:set>
+                                  </p:childTnLst>
+                                </p:cTn>
+                              </p:par>
+                            </p:childTnLst>
+                          </p:cTn>
+                        </p:par>
+                      </p:childTnLst>
+                    </p:cTn>
+                  </p:par>
+                  <p:par>
+                    <p:cTn id="7" fill="hold">
+                      <p:stCondLst>
+                        <p:cond delay="indefinite"/>
+                      </p:stCondLst>
+                      <p:childTnLst>
+                        <p:par>
+                          <p:cTn id="8" fill="hold">
+                            <p:stCondLst>
+                              <p:cond delay="0"/>
+                            </p:stCondLst>
+                            <p:childTnLst>
+                              <p:par>
+                                <p:cTn id="9" presetID="1" presetClass="entr" presetSubtype="0" fill="hold" grpId="2" nodeType="clickEffect">
+                                  <p:stCondLst>
+                                    <p:cond delay="0"/>
+                                  </p:stCondLst>
+                                  <p:iterate>
+                                    <p:tmAbs val="0"/>
+                                  </p:iterate>
+                                  <p:childTnLst>
+                                    <p:set>
+                                      <p:cBhvr>
+                                        <p:cTn id="10" fill="hold"/>
+                                        <p:tgtEl>
+                                          <p:spTgt spid="163"/>
+                                        </p:tgtEl>
+                                        <p:attrNameLst>
+                                          <p:attrName>style.visibility</p:attrName>
+                                        </p:attrNameLst>
+                                      </p:cBhvr>
+                                      <p:to>
+                                        <p:strVal val="visible"/>
+                                      </p:to>
+                                    </p:set>
+                                  </p:childTnLst>
+                                </p:cTn>
+                              </p:par>
+                            </p:childTnLst>
+                          </p:cTn>
+                        </p:par>
+                      </p:childTnLst>
+                    </p:cTn>
+                  </p:par>
+                </p:childTnLst>
+              </p:cTn>
+              <p:prevCondLst>
+                <p:cond evt="onPrev" delay="0">
+                  <p:tgtEl>
+                    <p:sldTgt/>
+                  </p:tgtEl>
+                </p:cond>
+              </p:prevCondLst>
+              <p:nextCondLst>
+                <p:cond evt="onNext" delay="0">
+                  <p:tgtEl>
+                    <p:sldTgt/>
+                  </p:tgtEl>
+                </p:cond>
+              </p:nextCondLst>
+            </p:seq>
+          </p:childTnLst>
+        </p:cTn>
+      </p:par>
+    </p:tnLst>
+    <p:bldLst>
+      <p:bldP spid="163" grpId="2" animBg="1" advAuto="0"/>
+      <p:bldP spid="167" grpId="1" animBg="1" advAuto="0"/>
+    </p:bldLst>
+  </p:timing>
+</p:sld>
+</file>
+
+<file path=ppt/slides/slide37.xml><?xml version="1.0" encoding="utf-8"?>
+<p:sld xmlns:a="http://schemas.openxmlformats.org/drawingml/2006/main" xmlns:r="http://schemas.openxmlformats.org/officeDocument/2006/relationships" xmlns:p="http://schemas.openxmlformats.org/presentationml/2006/main">
+  <p:cSld>
+    <p:spTree>
+      <p:nvGrpSpPr>
+        <p:cNvPr id="1" name=""/>
+        <p:cNvGrpSpPr/>
+        <p:nvPr/>
+      </p:nvGrpSpPr>
+      <p:grpSpPr>
+        <a:xfrm>
+          <a:off x="0" y="0"/>
+          <a:ext cx="0" cy="0"/>
+          <a:chOff x="0" y="0"/>
+          <a:chExt cx="0" cy="0"/>
+        </a:xfrm>
+      </p:grpSpPr>
+      <p:sp>
+        <p:nvSpPr>
+          <p:cNvPr id="171" name="Shape 171"/>
+          <p:cNvSpPr>
+            <a:spLocks noGrp="1"/>
+          </p:cNvSpPr>
+          <p:nvPr>
+            <p:ph type="title"/>
+          </p:nvPr>
+        </p:nvSpPr>
+        <p:spPr>
+          <a:xfrm>
+            <a:off x="457200" y="274638"/>
+            <a:ext cx="8229600" cy="1143001"/>
+          </a:xfrm>
+          <a:prstGeom prst="rect">
+            <a:avLst/>
+          </a:prstGeom>
+        </p:spPr>
+        <p:txBody>
+          <a:bodyPr/>
+          <a:lstStyle/>
+          <a:p>
+            <a:pPr lvl="0">
+              <a:defRPr sz="1800"/>
+            </a:pPr>
+            <a:r>
+              <a:rPr sz="4400" i="1" dirty="0"/>
+              <a:t>Enhanced For</a:t>
+            </a:r>
+            <a:r>
+              <a:rPr sz="4400" dirty="0"/>
+              <a:t> and </a:t>
+            </a:r>
+            <a:r>
+              <a:rPr sz="4400" dirty="0" err="1"/>
+              <a:t>ArrayList’s</a:t>
+            </a:r>
+            <a:endParaRPr sz="4400" dirty="0"/>
+          </a:p>
+        </p:txBody>
+      </p:sp>
+      <p:sp>
+        <p:nvSpPr>
+          <p:cNvPr id="172" name="Shape 172"/>
+          <p:cNvSpPr>
+            <a:spLocks noGrp="1"/>
+          </p:cNvSpPr>
+          <p:nvPr>
+            <p:ph type="body" idx="1"/>
+          </p:nvPr>
+        </p:nvSpPr>
+        <p:spPr>
+          <a:xfrm>
+            <a:off x="152400" y="1481137"/>
+            <a:ext cx="8991600" cy="4525964"/>
+          </a:xfrm>
+          <a:prstGeom prst="rect">
+            <a:avLst/>
+          </a:prstGeom>
+        </p:spPr>
+        <p:txBody>
+          <a:bodyPr/>
+          <a:lstStyle/>
+          <a:p>
+            <a:pPr lvl="0">
+              <a:buClr>
+                <a:srgbClr val="9BBB59"/>
+              </a:buClr>
+              <a:buFont typeface="Wingdings 3"/>
+              <a:buChar char=""/>
+              <a:defRPr sz="1800"/>
+            </a:pPr>
+            <a:r>
+              <a:rPr sz="3200" b="1">
+                <a:solidFill>
+                  <a:srgbClr val="9BBB59"/>
+                </a:solidFill>
+                <a:latin typeface="Courier New"/>
+                <a:ea typeface="Courier New"/>
+                <a:cs typeface="Courier New"/>
+                <a:sym typeface="Courier New"/>
+              </a:rPr>
+              <a:t>ArrayList&lt;State&gt; states = …</a:t>
+            </a:r>
+            <a:br>
+              <a:rPr sz="3200" b="1">
+                <a:solidFill>
+                  <a:srgbClr val="9BBB59"/>
+                </a:solidFill>
+                <a:latin typeface="Courier New"/>
+                <a:ea typeface="Courier New"/>
+                <a:cs typeface="Courier New"/>
+                <a:sym typeface="Courier New"/>
+              </a:rPr>
+            </a:br>
+            <a:r>
+              <a:rPr sz="3200" b="1">
+                <a:solidFill>
+                  <a:srgbClr val="9BBB59"/>
+                </a:solidFill>
+                <a:latin typeface="Courier New"/>
+                <a:ea typeface="Courier New"/>
+                <a:cs typeface="Courier New"/>
+                <a:sym typeface="Courier New"/>
+              </a:rPr>
+              <a:t>int total = 0;</a:t>
+            </a:r>
+            <a:br>
+              <a:rPr sz="3200" b="1">
+                <a:solidFill>
+                  <a:srgbClr val="9BBB59"/>
+                </a:solidFill>
+                <a:latin typeface="Courier New"/>
+                <a:ea typeface="Courier New"/>
+                <a:cs typeface="Courier New"/>
+                <a:sym typeface="Courier New"/>
+              </a:rPr>
+            </a:br>
+            <a:r>
+              <a:rPr sz="3200" b="1">
+                <a:solidFill>
+                  <a:srgbClr val="9BBB59"/>
+                </a:solidFill>
+                <a:latin typeface="Courier New"/>
+                <a:ea typeface="Courier New"/>
+                <a:cs typeface="Courier New"/>
+                <a:sym typeface="Courier New"/>
+              </a:rPr>
+              <a:t>for (State state : states) {</a:t>
+            </a:r>
+          </a:p>
+          <a:p>
+            <a:pPr lvl="0">
+              <a:buSzTx/>
+              <a:buNone/>
+              <a:defRPr sz="1800"/>
+            </a:pPr>
+            <a:r>
+              <a:rPr sz="3200" b="1">
+                <a:solidFill>
+                  <a:srgbClr val="9BBB59"/>
+                </a:solidFill>
+                <a:latin typeface="Courier New"/>
+                <a:ea typeface="Courier New"/>
+                <a:cs typeface="Courier New"/>
+                <a:sym typeface="Courier New"/>
+              </a:rPr>
+              <a:t>	    </a:t>
+            </a:r>
+            <a:r>
+              <a:rPr sz="2800" b="1">
+                <a:solidFill>
+                  <a:srgbClr val="9BBB59"/>
+                </a:solidFill>
+                <a:latin typeface="Courier New"/>
+                <a:ea typeface="Courier New"/>
+                <a:cs typeface="Courier New"/>
+                <a:sym typeface="Courier New"/>
+              </a:rPr>
+              <a:t>total += state.getElectoralVotes();</a:t>
+            </a:r>
+            <a:br>
+              <a:rPr sz="2800" b="1">
+                <a:solidFill>
+                  <a:srgbClr val="9BBB59"/>
+                </a:solidFill>
+                <a:latin typeface="Courier New"/>
+                <a:ea typeface="Courier New"/>
+                <a:cs typeface="Courier New"/>
+                <a:sym typeface="Courier New"/>
+              </a:rPr>
+            </a:br>
+            <a:r>
+              <a:rPr sz="3200" b="1">
+                <a:solidFill>
+                  <a:srgbClr val="9BBB59"/>
+                </a:solidFill>
+                <a:latin typeface="Courier New"/>
+                <a:ea typeface="Courier New"/>
+                <a:cs typeface="Courier New"/>
+                <a:sym typeface="Courier New"/>
+              </a:rPr>
+              <a:t>}</a:t>
+            </a:r>
+          </a:p>
+        </p:txBody>
+      </p:sp>
+      <p:sp>
+        <p:nvSpPr>
+          <p:cNvPr id="2" name="Slide Number Placeholder 1">
+            <a:extLst>
+              <a:ext uri="{FF2B5EF4-FFF2-40B4-BE49-F238E27FC236}">
+                <a16:creationId xmlns:a16="http://schemas.microsoft.com/office/drawing/2014/main" id="{E1AA4C7B-3F49-4AE5-9E14-F89AE9D486E3}"/>
+              </a:ext>
+            </a:extLst>
+          </p:cNvPr>
+          <p:cNvSpPr>
+            <a:spLocks noGrp="1"/>
+          </p:cNvSpPr>
+          <p:nvPr>
+            <p:ph type="sldNum" sz="quarter" idx="2"/>
+          </p:nvPr>
+        </p:nvSpPr>
+        <p:spPr/>
+        <p:txBody>
+          <a:bodyPr/>
+          <a:lstStyle/>
+          <a:p>
+            <a:pPr lvl="0"/>
+            <a:fld id="{86CB4B4D-7CA3-9044-876B-883B54F8677D}" type="slidenum">
+              <a:rPr lang="en-US" smtClean="0"/>
+              <a:t>37</a:t>
+            </a:fld>
+            <a:endParaRPr lang="en-US"/>
+          </a:p>
+        </p:txBody>
+      </p:sp>
+    </p:spTree>
+  </p:cSld>
+  <p:clrMapOvr>
+    <a:masterClrMapping/>
+  </p:clrMapOvr>
+  <p:transition spd="med"/>
+  <p:timing>
+    <p:tnLst>
+      <p:par>
+        <p:cTn id="1" dur="indefinite" restart="never" nodeType="tmRoot"/>
+      </p:par>
+    </p:tnLst>
+  </p:timing>
+</p:sld>
+</file>
+
+<file path=ppt/slides/slide38.xml><?xml version="1.0" encoding="utf-8"?>
+<p:sld xmlns:a="http://schemas.openxmlformats.org/drawingml/2006/main" xmlns:r="http://schemas.openxmlformats.org/officeDocument/2006/relationships" xmlns:p="http://schemas.openxmlformats.org/presentationml/2006/main">
+  <p:cSld>
+    <p:spTree>
+      <p:nvGrpSpPr>
+        <p:cNvPr id="1" name=""/>
+        <p:cNvGrpSpPr/>
+        <p:nvPr/>
+      </p:nvGrpSpPr>
+      <p:grpSpPr>
+        <a:xfrm>
+          <a:off x="0" y="0"/>
+          <a:ext cx="0" cy="0"/>
+          <a:chOff x="0" y="0"/>
+          <a:chExt cx="0" cy="0"/>
+        </a:xfrm>
+      </p:grpSpPr>
+      <p:sp>
+        <p:nvSpPr>
+          <p:cNvPr id="2" name="Title 1"/>
+          <p:cNvSpPr>
+            <a:spLocks noGrp="1"/>
+          </p:cNvSpPr>
+          <p:nvPr>
+            <p:ph type="title"/>
+          </p:nvPr>
+        </p:nvSpPr>
+        <p:spPr/>
+        <p:txBody>
+          <a:bodyPr/>
+          <a:lstStyle/>
+          <a:p>
+            <a:r>
+              <a:rPr lang="en-US" dirty="0" smtClean="0"/>
+              <a:t>Understanding enhanced for loop with iterators</a:t>
+            </a:r>
+            <a:endParaRPr lang="en-US" dirty="0"/>
+          </a:p>
+        </p:txBody>
+      </p:sp>
+      <p:sp>
+        <p:nvSpPr>
+          <p:cNvPr id="3" name="Text Placeholder 2"/>
+          <p:cNvSpPr>
+            <a:spLocks noGrp="1"/>
+          </p:cNvSpPr>
+          <p:nvPr>
+            <p:ph type="body" idx="1"/>
+          </p:nvPr>
+        </p:nvSpPr>
+        <p:spPr/>
+        <p:txBody>
+          <a:bodyPr>
+            <a:normAutofit/>
+          </a:bodyPr>
+          <a:lstStyle/>
+          <a:p>
+            <a:r>
+              <a:rPr lang="en-US" dirty="0" smtClean="0"/>
+              <a:t>Enhanced for loop is effectively using </a:t>
+            </a:r>
+            <a:r>
+              <a:rPr lang="en-US" i="1" dirty="0" smtClean="0"/>
+              <a:t>something like </a:t>
+            </a:r>
+            <a:r>
+              <a:rPr lang="en-US" dirty="0" smtClean="0"/>
+              <a:t>this:</a:t>
+            </a:r>
+          </a:p>
+          <a:p>
+            <a:pPr marL="0" indent="0">
+              <a:buNone/>
+            </a:pPr>
+            <a:r>
+              <a:rPr lang="fr-FR" b="1" dirty="0">
+                <a:solidFill>
+                  <a:srgbClr val="9BBB59"/>
+                </a:solidFill>
+                <a:latin typeface="Consolas"/>
+                <a:ea typeface="Consolas"/>
+                <a:cs typeface="Consolas"/>
+                <a:sym typeface="Consolas"/>
+              </a:rPr>
+              <a:t> </a:t>
+            </a:r>
+            <a:r>
+              <a:rPr lang="fr-FR" b="1" dirty="0" smtClean="0">
+                <a:solidFill>
+                  <a:srgbClr val="9BBB59"/>
+                </a:solidFill>
+                <a:latin typeface="Consolas"/>
+                <a:ea typeface="Consolas"/>
+                <a:cs typeface="Consolas"/>
+                <a:sym typeface="Consolas"/>
+              </a:rPr>
+              <a:t>…scores  </a:t>
+            </a:r>
+            <a:r>
+              <a:rPr lang="fr-FR" i="1" dirty="0" smtClean="0">
+                <a:solidFill>
+                  <a:schemeClr val="tx1"/>
+                </a:solidFill>
+                <a:latin typeface="Consolas"/>
+                <a:ea typeface="Consolas"/>
+                <a:cs typeface="Consolas"/>
+                <a:sym typeface="Consolas"/>
+              </a:rPr>
+              <a:t>(</a:t>
+            </a:r>
+            <a:r>
+              <a:rPr lang="fr-FR" i="1" dirty="0" err="1" smtClean="0">
+                <a:solidFill>
+                  <a:schemeClr val="tx1"/>
+                </a:solidFill>
+                <a:latin typeface="Consolas"/>
+                <a:ea typeface="Consolas"/>
+                <a:cs typeface="Consolas"/>
+                <a:sym typeface="Consolas"/>
+              </a:rPr>
+              <a:t>some</a:t>
+            </a:r>
+            <a:r>
+              <a:rPr lang="fr-FR" i="1" dirty="0" smtClean="0">
+                <a:solidFill>
+                  <a:schemeClr val="tx1"/>
+                </a:solidFill>
+                <a:latin typeface="Consolas"/>
+                <a:ea typeface="Consolas"/>
+                <a:cs typeface="Consolas"/>
+                <a:sym typeface="Consolas"/>
+              </a:rPr>
+              <a:t> </a:t>
+            </a:r>
+            <a:r>
+              <a:rPr lang="fr-FR" i="1" dirty="0" err="1" smtClean="0">
+                <a:solidFill>
+                  <a:schemeClr val="tx1"/>
+                </a:solidFill>
+                <a:latin typeface="Consolas"/>
+                <a:ea typeface="Consolas"/>
+                <a:cs typeface="Consolas"/>
+                <a:sym typeface="Consolas"/>
+              </a:rPr>
+              <a:t>grouping</a:t>
+            </a:r>
+            <a:r>
+              <a:rPr lang="fr-FR" i="1" dirty="0" smtClean="0">
+                <a:solidFill>
+                  <a:schemeClr val="tx1"/>
+                </a:solidFill>
+                <a:latin typeface="Consolas"/>
+                <a:ea typeface="Consolas"/>
+                <a:cs typeface="Consolas"/>
+                <a:sym typeface="Consolas"/>
+              </a:rPr>
+              <a:t> of doubles)</a:t>
+            </a:r>
+            <a:br>
+              <a:rPr lang="fr-FR" i="1" dirty="0" smtClean="0">
+                <a:solidFill>
+                  <a:schemeClr val="tx1"/>
+                </a:solidFill>
+                <a:latin typeface="Consolas"/>
+                <a:ea typeface="Consolas"/>
+                <a:cs typeface="Consolas"/>
+                <a:sym typeface="Consolas"/>
+              </a:rPr>
+            </a:br>
+            <a:r>
+              <a:rPr lang="fr-FR" b="1" dirty="0" smtClean="0">
+                <a:solidFill>
+                  <a:srgbClr val="9BBB59"/>
+                </a:solidFill>
+                <a:latin typeface="Consolas"/>
+                <a:ea typeface="Consolas"/>
+                <a:cs typeface="Consolas"/>
+                <a:sym typeface="Consolas"/>
+              </a:rPr>
+              <a:t>double </a:t>
+            </a:r>
+            <a:r>
+              <a:rPr lang="fr-FR" b="1" dirty="0" err="1" smtClean="0">
+                <a:solidFill>
+                  <a:srgbClr val="9BBB59"/>
+                </a:solidFill>
+                <a:latin typeface="Consolas"/>
+                <a:ea typeface="Consolas"/>
+                <a:cs typeface="Consolas"/>
+                <a:sym typeface="Consolas"/>
+              </a:rPr>
+              <a:t>sum</a:t>
+            </a:r>
+            <a:r>
+              <a:rPr lang="fr-FR" b="1" dirty="0" smtClean="0">
+                <a:solidFill>
+                  <a:srgbClr val="9BBB59"/>
+                </a:solidFill>
+                <a:latin typeface="Consolas"/>
+                <a:ea typeface="Consolas"/>
+                <a:cs typeface="Consolas"/>
+                <a:sym typeface="Consolas"/>
+              </a:rPr>
+              <a:t> = 0.0;</a:t>
+            </a:r>
+            <a:endParaRPr lang="fr-FR" b="1" dirty="0">
+              <a:solidFill>
+                <a:srgbClr val="9BBB59"/>
+              </a:solidFill>
+              <a:latin typeface="Consolas"/>
+              <a:ea typeface="Consolas"/>
+              <a:cs typeface="Consolas"/>
+              <a:sym typeface="Consolas"/>
+            </a:endParaRPr>
+          </a:p>
+          <a:p>
+            <a:pPr marL="0" indent="0">
+              <a:buNone/>
+            </a:pPr>
+            <a:r>
+              <a:rPr lang="fr-FR" b="1" dirty="0" err="1" smtClean="0">
+                <a:solidFill>
+                  <a:srgbClr val="9BBB59"/>
+                </a:solidFill>
+                <a:latin typeface="Consolas"/>
+                <a:ea typeface="Consolas"/>
+                <a:cs typeface="Consolas"/>
+                <a:sym typeface="Consolas"/>
+              </a:rPr>
+              <a:t>Iterator</a:t>
+            </a:r>
+            <a:r>
+              <a:rPr lang="fr-FR" b="1" dirty="0" smtClean="0">
+                <a:solidFill>
+                  <a:srgbClr val="9BBB59"/>
+                </a:solidFill>
+                <a:latin typeface="Consolas"/>
+                <a:ea typeface="Consolas"/>
+                <a:cs typeface="Consolas"/>
+                <a:sym typeface="Consolas"/>
+              </a:rPr>
+              <a:t> </a:t>
+            </a:r>
+            <a:r>
+              <a:rPr lang="fr-FR" b="1" dirty="0" err="1">
+                <a:solidFill>
+                  <a:srgbClr val="9BBB59"/>
+                </a:solidFill>
+                <a:latin typeface="Consolas"/>
+                <a:ea typeface="Consolas"/>
+                <a:cs typeface="Consolas"/>
+                <a:sym typeface="Consolas"/>
+              </a:rPr>
+              <a:t>iter</a:t>
+            </a:r>
+            <a:r>
+              <a:rPr lang="fr-FR" b="1" dirty="0">
+                <a:solidFill>
+                  <a:srgbClr val="9BBB59"/>
+                </a:solidFill>
+                <a:latin typeface="Consolas"/>
+                <a:ea typeface="Consolas"/>
+                <a:cs typeface="Consolas"/>
+                <a:sym typeface="Consolas"/>
+              </a:rPr>
+              <a:t> </a:t>
+            </a:r>
+            <a:r>
+              <a:rPr lang="fr-FR" b="1" dirty="0" smtClean="0">
+                <a:solidFill>
+                  <a:srgbClr val="9BBB59"/>
+                </a:solidFill>
+                <a:latin typeface="Consolas"/>
+                <a:ea typeface="Consolas"/>
+                <a:cs typeface="Consolas"/>
+                <a:sym typeface="Consolas"/>
+              </a:rPr>
+              <a:t>= </a:t>
+            </a:r>
+            <a:r>
+              <a:rPr lang="fr-FR" b="1" dirty="0" err="1" smtClean="0">
+                <a:solidFill>
+                  <a:srgbClr val="9BBB59"/>
+                </a:solidFill>
+                <a:latin typeface="Consolas"/>
+                <a:ea typeface="Consolas"/>
+                <a:cs typeface="Consolas"/>
+                <a:sym typeface="Consolas"/>
+              </a:rPr>
+              <a:t>scores.iterator</a:t>
+            </a:r>
+            <a:r>
+              <a:rPr lang="fr-FR" b="1" dirty="0" smtClean="0">
+                <a:solidFill>
+                  <a:srgbClr val="9BBB59"/>
+                </a:solidFill>
+                <a:latin typeface="Consolas"/>
+                <a:ea typeface="Consolas"/>
+                <a:cs typeface="Consolas"/>
+                <a:sym typeface="Consolas"/>
+              </a:rPr>
+              <a:t>();</a:t>
+            </a:r>
+          </a:p>
+          <a:p>
+            <a:pPr marL="0" indent="0">
+              <a:buNone/>
+            </a:pPr>
+            <a:r>
+              <a:rPr lang="fr-FR" b="1" dirty="0" err="1" smtClean="0">
+                <a:solidFill>
+                  <a:srgbClr val="9BBB59"/>
+                </a:solidFill>
+                <a:latin typeface="Consolas"/>
+                <a:ea typeface="Consolas"/>
+                <a:cs typeface="Consolas"/>
+                <a:sym typeface="Consolas"/>
+              </a:rPr>
+              <a:t>while</a:t>
+            </a:r>
+            <a:r>
+              <a:rPr lang="fr-FR" b="1" dirty="0" smtClean="0">
+                <a:solidFill>
+                  <a:srgbClr val="9BBB59"/>
+                </a:solidFill>
+                <a:latin typeface="Consolas"/>
+                <a:ea typeface="Consolas"/>
+                <a:cs typeface="Consolas"/>
+                <a:sym typeface="Consolas"/>
+              </a:rPr>
+              <a:t> </a:t>
+            </a:r>
+            <a:r>
+              <a:rPr lang="fr-FR" b="1" dirty="0">
+                <a:solidFill>
+                  <a:srgbClr val="9BBB59"/>
+                </a:solidFill>
+                <a:latin typeface="Consolas"/>
+                <a:ea typeface="Consolas"/>
+                <a:cs typeface="Consolas"/>
+                <a:sym typeface="Consolas"/>
+              </a:rPr>
+              <a:t>( </a:t>
+            </a:r>
+            <a:r>
+              <a:rPr lang="fr-FR" b="1" dirty="0" err="1">
+                <a:solidFill>
+                  <a:srgbClr val="9BBB59"/>
+                </a:solidFill>
+                <a:latin typeface="Consolas"/>
+                <a:ea typeface="Consolas"/>
+                <a:cs typeface="Consolas"/>
+                <a:sym typeface="Consolas"/>
+              </a:rPr>
+              <a:t>iter.hasNext</a:t>
+            </a:r>
+            <a:r>
+              <a:rPr lang="fr-FR" b="1" dirty="0">
+                <a:solidFill>
+                  <a:srgbClr val="9BBB59"/>
+                </a:solidFill>
+                <a:latin typeface="Consolas"/>
+                <a:ea typeface="Consolas"/>
+                <a:cs typeface="Consolas"/>
+                <a:sym typeface="Consolas"/>
+              </a:rPr>
+              <a:t>() ) {</a:t>
+            </a:r>
+          </a:p>
+          <a:p>
+            <a:pPr marL="0" indent="0">
+              <a:buNone/>
+            </a:pPr>
+            <a:r>
+              <a:rPr lang="fr-FR" b="1" dirty="0">
+                <a:solidFill>
+                  <a:srgbClr val="9BBB59"/>
+                </a:solidFill>
+                <a:latin typeface="Consolas"/>
+                <a:ea typeface="Consolas"/>
+                <a:cs typeface="Consolas"/>
+                <a:sym typeface="Consolas"/>
+              </a:rPr>
+              <a:t>	</a:t>
+            </a:r>
+            <a:r>
+              <a:rPr lang="fr-FR" b="1" dirty="0" smtClean="0">
+                <a:solidFill>
+                  <a:srgbClr val="9BBB59"/>
+                </a:solidFill>
+                <a:latin typeface="Consolas"/>
+                <a:ea typeface="Consolas"/>
+                <a:cs typeface="Consolas"/>
+                <a:sym typeface="Consolas"/>
+              </a:rPr>
+              <a:t>double </a:t>
+            </a:r>
+            <a:r>
+              <a:rPr lang="fr-FR" b="1" dirty="0" smtClean="0">
+                <a:solidFill>
+                  <a:srgbClr val="77933C"/>
+                </a:solidFill>
+                <a:latin typeface="Consolas"/>
+                <a:ea typeface="Consolas"/>
+                <a:cs typeface="Consolas"/>
+                <a:sym typeface="Consolas"/>
+              </a:rPr>
+              <a:t>score</a:t>
+            </a:r>
+            <a:r>
+              <a:rPr lang="fr-FR" b="1" dirty="0" smtClean="0">
+                <a:solidFill>
+                  <a:srgbClr val="9BBB59"/>
+                </a:solidFill>
+                <a:latin typeface="Consolas"/>
+                <a:ea typeface="Consolas"/>
+                <a:cs typeface="Consolas"/>
+                <a:sym typeface="Consolas"/>
+              </a:rPr>
+              <a:t> </a:t>
+            </a:r>
+            <a:r>
+              <a:rPr lang="fr-FR" b="1" dirty="0">
+                <a:solidFill>
+                  <a:srgbClr val="9BBB59"/>
+                </a:solidFill>
+                <a:latin typeface="Consolas"/>
+                <a:ea typeface="Consolas"/>
+                <a:cs typeface="Consolas"/>
+                <a:sym typeface="Consolas"/>
+              </a:rPr>
+              <a:t>= </a:t>
+            </a:r>
+            <a:r>
+              <a:rPr lang="fr-FR" b="1" dirty="0" err="1" smtClean="0">
+                <a:solidFill>
+                  <a:srgbClr val="9BBB59"/>
+                </a:solidFill>
+                <a:latin typeface="Consolas"/>
+                <a:ea typeface="Consolas"/>
+                <a:cs typeface="Consolas"/>
+                <a:sym typeface="Consolas"/>
+              </a:rPr>
+              <a:t>iter.next</a:t>
+            </a:r>
+            <a:r>
+              <a:rPr lang="fr-FR" b="1" dirty="0" smtClean="0">
+                <a:solidFill>
+                  <a:srgbClr val="9BBB59"/>
+                </a:solidFill>
+                <a:latin typeface="Consolas"/>
+                <a:ea typeface="Consolas"/>
+                <a:cs typeface="Consolas"/>
+                <a:sym typeface="Consolas"/>
+              </a:rPr>
+              <a:t>();</a:t>
+            </a:r>
+          </a:p>
+          <a:p>
+            <a:pPr marL="0" indent="0">
+              <a:buNone/>
+            </a:pPr>
+            <a:r>
+              <a:rPr lang="fr-FR" b="1" dirty="0" smtClean="0">
+                <a:solidFill>
+                  <a:srgbClr val="9BBB59"/>
+                </a:solidFill>
+                <a:latin typeface="Consolas"/>
+                <a:ea typeface="Consolas"/>
+                <a:cs typeface="Consolas"/>
+                <a:sym typeface="Consolas"/>
+              </a:rPr>
+              <a:t>	</a:t>
+            </a:r>
+            <a:r>
+              <a:rPr lang="fr-FR" b="1" dirty="0" err="1" smtClean="0">
+                <a:solidFill>
+                  <a:srgbClr val="9BBB59"/>
+                </a:solidFill>
+                <a:latin typeface="Consolas"/>
+                <a:ea typeface="Consolas"/>
+                <a:cs typeface="Consolas"/>
+                <a:sym typeface="Consolas"/>
+              </a:rPr>
+              <a:t>sum</a:t>
+            </a:r>
+            <a:r>
+              <a:rPr lang="fr-FR" b="1" dirty="0" smtClean="0">
+                <a:solidFill>
+                  <a:srgbClr val="9BBB59"/>
+                </a:solidFill>
+                <a:latin typeface="Consolas"/>
+                <a:ea typeface="Consolas"/>
+                <a:cs typeface="Consolas"/>
+                <a:sym typeface="Consolas"/>
+              </a:rPr>
+              <a:t> </a:t>
+            </a:r>
+            <a:r>
+              <a:rPr lang="fr-FR" b="1" dirty="0">
+                <a:solidFill>
+                  <a:srgbClr val="9BBB59"/>
+                </a:solidFill>
+                <a:latin typeface="Consolas"/>
+                <a:ea typeface="Consolas"/>
+                <a:cs typeface="Consolas"/>
+                <a:sym typeface="Consolas"/>
+              </a:rPr>
+              <a:t>+= </a:t>
+            </a:r>
+            <a:r>
+              <a:rPr lang="fr-FR" b="1" dirty="0">
+                <a:solidFill>
+                  <a:srgbClr val="77933C"/>
+                </a:solidFill>
+                <a:latin typeface="Consolas"/>
+                <a:ea typeface="Consolas"/>
+                <a:cs typeface="Consolas"/>
+                <a:sym typeface="Consolas"/>
+              </a:rPr>
+              <a:t>score</a:t>
+            </a:r>
+            <a:r>
+              <a:rPr lang="fr-FR" b="1" dirty="0">
+                <a:solidFill>
+                  <a:srgbClr val="9BBB59"/>
+                </a:solidFill>
+                <a:latin typeface="Consolas"/>
+                <a:ea typeface="Consolas"/>
+                <a:cs typeface="Consolas"/>
+                <a:sym typeface="Consolas"/>
+              </a:rPr>
+              <a:t>;</a:t>
+            </a:r>
+          </a:p>
+          <a:p>
+            <a:pPr marL="0" indent="0">
+              <a:buNone/>
+            </a:pPr>
+            <a:r>
+              <a:rPr lang="fr-FR" b="1" dirty="0">
+                <a:solidFill>
+                  <a:srgbClr val="9BBB59"/>
+                </a:solidFill>
+                <a:latin typeface="Consolas"/>
+                <a:ea typeface="Consolas"/>
+                <a:cs typeface="Consolas"/>
+                <a:sym typeface="Consolas"/>
+              </a:rPr>
+              <a:t>}</a:t>
+            </a:r>
+          </a:p>
+          <a:p>
+            <a:endParaRPr lang="en-US" dirty="0" smtClean="0"/>
+          </a:p>
+        </p:txBody>
+      </p:sp>
+      <p:sp>
+        <p:nvSpPr>
+          <p:cNvPr id="4" name="Slide Number Placeholder 3"/>
+          <p:cNvSpPr>
+            <a:spLocks noGrp="1"/>
+          </p:cNvSpPr>
+          <p:nvPr>
+            <p:ph type="sldNum" sz="quarter" idx="2"/>
+          </p:nvPr>
+        </p:nvSpPr>
+        <p:spPr/>
+        <p:txBody>
+          <a:bodyPr/>
+          <a:lstStyle/>
+          <a:p>
+            <a:pPr lvl="0"/>
+            <a:fld id="{86CB4B4D-7CA3-9044-876B-883B54F8677D}" type="slidenum">
+              <a:rPr lang="en-US" smtClean="0"/>
+              <a:t>38</a:t>
+            </a:fld>
+            <a:endParaRPr lang="en-US"/>
+          </a:p>
+        </p:txBody>
+      </p:sp>
+    </p:spTree>
+    <p:extLst>
+      <p:ext uri="{BB962C8B-B14F-4D97-AF65-F5344CB8AC3E}">
+        <p14:creationId xmlns:p14="http://schemas.microsoft.com/office/powerpoint/2010/main" val="1308386784"/>
+      </p:ext>
+    </p:extLst>
+  </p:cSld>
+  <p:clrMapOvr>
+    <a:masterClrMapping/>
+  </p:clrMapOvr>
+  <p:transition spd="med"/>
+  <p:timing>
+    <p:tnLst>
+      <p:par>
+        <p:cTn id="1" dur="indefinite" restart="never" nodeType="tmRoot"/>
+      </p:par>
+    </p:tnLst>
+  </p:timing>
+</p:sld>
+</file>
+
 <file path=ppt/slides/slide39.xml><?xml version="1.0" encoding="utf-8"?>
 <p:sld xmlns:a="http://schemas.openxmlformats.org/drawingml/2006/main" xmlns:r="http://schemas.openxmlformats.org/officeDocument/2006/relationships" xmlns:p="http://schemas.openxmlformats.org/presentationml/2006/main">
   <p:cSld>
@@ -22646,11 +22728,7 @@
           <a:p>
             <a:r>
               <a:rPr lang="en-US" dirty="0" smtClean="0"/>
-              <a:t>How to access </a:t>
-            </a:r>
-            <a:r>
-              <a:rPr lang="en-US" dirty="0" smtClean="0"/>
-              <a:t>slides (from online)</a:t>
+              <a:t>How to access slides (from online)</a:t>
             </a:r>
             <a:endParaRPr lang="en-US" dirty="0"/>
           </a:p>
@@ -22921,11 +22999,7 @@
           <a:p>
             <a:r>
               <a:rPr lang="en-US" dirty="0" smtClean="0"/>
-              <a:t>How to access </a:t>
-            </a:r>
-            <a:r>
-              <a:rPr lang="en-US" dirty="0" smtClean="0"/>
-              <a:t>slides (locally)</a:t>
+              <a:t>How to access slides (locally)</a:t>
             </a:r>
             <a:endParaRPr lang="en-US" dirty="0"/>
           </a:p>
@@ -23583,7 +23657,7 @@
           </a:ln>
           <a:extLst>
             <a:ext uri="{C572A759-6A51-4108-AA02-DFA0A04FC94B}">
-              <ma14:wrappingTextBoxFlag xmlns:ma14="http://schemas.microsoft.com/office/mac/drawingml/2011/main" xmlns="" val="1"/>
+              <ma14:wrappingTextBoxFlag xmlns="" xmlns:ma14="http://schemas.microsoft.com/office/mac/drawingml/2011/main" val="1"/>
             </a:ext>
           </a:extLst>
         </p:spPr>
